--- a/oldnotes/Week7-01.pptx
+++ b/oldnotes/Week7-01.pptx
@@ -5,7 +5,7 @@
     <p:sldMasterId id="2147483648" r:id="rId1"/>
   </p:sldMasterIdLst>
   <p:notesMasterIdLst>
-    <p:notesMasterId r:id="rId25"/>
+    <p:notesMasterId r:id="rId24"/>
   </p:notesMasterIdLst>
   <p:sldIdLst>
     <p:sldId id="256" r:id="rId4"/>
@@ -28,7 +28,6 @@
     <p:sldId id="273" r:id="rId21"/>
     <p:sldId id="274" r:id="rId22"/>
     <p:sldId id="275" r:id="rId23"/>
-    <p:sldId id="276" r:id="rId24"/>
   </p:sldIdLst>
   <p:sldSz cx="12192000" cy="6858000"/>
   <p:notesSz cx="6858000" cy="9144000"/>
@@ -243,7 +242,7 @@
       </p:grpSpPr>
       <p:sp>
         <p:nvSpPr>
-          <p:cNvPr id="2" name="Header Placeholder 1"/>
+          <p:cNvPr id="946962621" name="Header Placeholder 1"/>
           <p:cNvSpPr>
             <a:spLocks noChangeArrowheads="1" noGrp="1"/>
           </p:cNvSpPr>
@@ -303,7 +302,7 @@
       </p:sp>
       <p:sp>
         <p:nvSpPr>
-          <p:cNvPr id="3" name="Date Placeholder 2"/>
+          <p:cNvPr id="1406200348" name="Date Placeholder 2"/>
           <p:cNvSpPr>
             <a:spLocks noChangeArrowheads="1" noGrp="1"/>
           </p:cNvSpPr>
@@ -367,7 +366,7 @@
       </p:sp>
       <p:sp>
         <p:nvSpPr>
-          <p:cNvPr id="4" name="Slide Image Placeholder 3"/>
+          <p:cNvPr id="1191144269" name="Slide Image Placeholder 3"/>
           <p:cNvSpPr>
             <a:spLocks noChangeArrowheads="1" noGrp="1"/>
           </p:cNvSpPr>
@@ -408,7 +407,7 @@
       </p:sp>
       <p:sp>
         <p:nvSpPr>
-          <p:cNvPr id="5" name="Notes Placeholder 4"/>
+          <p:cNvPr id="25957132" name="Notes Placeholder 4"/>
           <p:cNvSpPr>
             <a:spLocks noChangeArrowheads="1" noGrp="1"/>
           </p:cNvSpPr>
@@ -488,7 +487,7 @@
       </p:sp>
       <p:sp>
         <p:nvSpPr>
-          <p:cNvPr id="6" name="Footer Placeholder 5"/>
+          <p:cNvPr id="37419027" name="Footer Placeholder 5"/>
           <p:cNvSpPr>
             <a:spLocks noChangeArrowheads="1" noGrp="1"/>
           </p:cNvSpPr>
@@ -552,7 +551,7 @@
       </p:sp>
       <p:sp>
         <p:nvSpPr>
-          <p:cNvPr id="7" name="Slide Number Placeholder 6"/>
+          <p:cNvPr id="2024481564" name="Slide Number Placeholder 6"/>
           <p:cNvSpPr>
             <a:spLocks noChangeArrowheads="1" noGrp="1"/>
           </p:cNvSpPr>
@@ -833,7 +832,7 @@
       </p:grpSpPr>
       <p:sp>
         <p:nvSpPr>
-          <p:cNvPr id="2" name="Slide Image Placeholder 1"/>
+          <p:cNvPr id="1311277101" name="Slide Image Placeholder 1"/>
           <p:cNvSpPr>
             <a:spLocks noChangeArrowheads="1" noGrp="1"/>
           </p:cNvSpPr>
@@ -850,7 +849,7 @@
       </p:sp>
       <p:sp>
         <p:nvSpPr>
-          <p:cNvPr id="3" name="Notes Placeholder 2"/>
+          <p:cNvPr id="194874700" name="Notes Placeholder 2"/>
           <p:cNvSpPr>
             <a:spLocks noChangeArrowheads="1" noGrp="1"/>
           </p:cNvSpPr>
@@ -882,7 +881,7 @@
       </p:sp>
       <p:sp>
         <p:nvSpPr>
-          <p:cNvPr id="4" name="Slide Number Placeholder 3"/>
+          <p:cNvPr id="602232787" name="Slide Number Placeholder 3"/>
           <p:cNvSpPr>
             <a:spLocks noChangeArrowheads="1" noGrp="1"/>
           </p:cNvSpPr>
@@ -963,7 +962,7 @@
       </p:grpSpPr>
       <p:sp>
         <p:nvSpPr>
-          <p:cNvPr id="2" name="Slide Image Placeholder 1"/>
+          <p:cNvPr id="660002529" name="Slide Image Placeholder 1"/>
           <p:cNvSpPr>
             <a:spLocks noChangeArrowheads="1" noGrp="1"/>
           </p:cNvSpPr>
@@ -980,7 +979,7 @@
       </p:sp>
       <p:sp>
         <p:nvSpPr>
-          <p:cNvPr id="3" name="Notes Placeholder 2"/>
+          <p:cNvPr id="527578597" name="Notes Placeholder 2"/>
           <p:cNvSpPr>
             <a:spLocks noChangeArrowheads="1" noGrp="1"/>
           </p:cNvSpPr>
@@ -1013,7 +1012,7 @@
       </p:sp>
       <p:sp>
         <p:nvSpPr>
-          <p:cNvPr id="4" name="Slide Number Placeholder 3"/>
+          <p:cNvPr id="655529325" name="Slide Number Placeholder 3"/>
           <p:cNvSpPr>
             <a:spLocks noChangeArrowheads="1" noGrp="1"/>
           </p:cNvSpPr>
@@ -1034,9 +1033,9 @@
             <a:pPr>
               <a:defRPr/>
             </a:pPr>
-            <a:fld id="{5CC4BD7A-34B1-914B-FF7C-C21EF3320997}" type="slidenum">
+            <a:fld id="{1CEB5485-CBF1-BEA2-BF53-3DF71A1D4968}" type="slidenum">
               <a:rPr cap="none"/>
-              <a:t>10</a:t>
+              <a:t>11</a:t>
             </a:fld>
             <a:endParaRPr cap="none"/>
           </a:p>
@@ -1076,7 +1075,7 @@
       </p:grpSpPr>
       <p:sp>
         <p:nvSpPr>
-          <p:cNvPr id="2" name="Slide Image Placeholder 1"/>
+          <p:cNvPr id="567192529" name="Slide Image Placeholder 1"/>
           <p:cNvSpPr>
             <a:spLocks noChangeArrowheads="1" noGrp="1"/>
           </p:cNvSpPr>
@@ -1093,7 +1092,7 @@
       </p:sp>
       <p:sp>
         <p:nvSpPr>
-          <p:cNvPr id="3" name="Notes Placeholder 2"/>
+          <p:cNvPr id="813835310" name="Notes Placeholder 2"/>
           <p:cNvSpPr>
             <a:spLocks noChangeArrowheads="1" noGrp="1"/>
           </p:cNvSpPr>
@@ -1126,7 +1125,7 @@
       </p:sp>
       <p:sp>
         <p:nvSpPr>
-          <p:cNvPr id="4" name="Slide Number Placeholder 3"/>
+          <p:cNvPr id="1549579791" name="Slide Number Placeholder 3"/>
           <p:cNvSpPr>
             <a:spLocks noChangeArrowheads="1" noGrp="1"/>
           </p:cNvSpPr>
@@ -1147,9 +1146,9 @@
             <a:pPr>
               <a:defRPr/>
             </a:pPr>
-            <a:fld id="{1CEB5485-CBF1-BEA2-BF53-3DF71A1D4968}" type="slidenum">
+            <a:fld id="{3E468D48-06D3-137B-9DFE-F02EC3B06BA5}" type="slidenum">
               <a:rPr cap="none"/>
-              <a:t>11</a:t>
+              <a:t>12</a:t>
             </a:fld>
             <a:endParaRPr cap="none"/>
           </a:p>
@@ -1189,7 +1188,7 @@
       </p:grpSpPr>
       <p:sp>
         <p:nvSpPr>
-          <p:cNvPr id="2" name="Slide Image Placeholder 1"/>
+          <p:cNvPr id="666532645" name="Slide Image Placeholder 1"/>
           <p:cNvSpPr>
             <a:spLocks noChangeArrowheads="1" noGrp="1"/>
           </p:cNvSpPr>
@@ -1206,7 +1205,7 @@
       </p:sp>
       <p:sp>
         <p:nvSpPr>
-          <p:cNvPr id="3" name="Notes Placeholder 2"/>
+          <p:cNvPr id="138899135" name="Notes Placeholder 2"/>
           <p:cNvSpPr>
             <a:spLocks noChangeArrowheads="1" noGrp="1"/>
           </p:cNvSpPr>
@@ -1239,7 +1238,7 @@
       </p:sp>
       <p:sp>
         <p:nvSpPr>
-          <p:cNvPr id="4" name="Slide Number Placeholder 3"/>
+          <p:cNvPr id="968731808" name="Slide Number Placeholder 3"/>
           <p:cNvSpPr>
             <a:spLocks noChangeArrowheads="1" noGrp="1"/>
           </p:cNvSpPr>
@@ -1260,9 +1259,9 @@
             <a:pPr>
               <a:defRPr/>
             </a:pPr>
-            <a:fld id="{3E468D48-06D3-137B-9DFE-F02EC3B06BA5}" type="slidenum">
+            <a:fld id="{2F9C73AF-E1C2-C985-8C24-17D03D6A7A42}" type="slidenum">
               <a:rPr cap="none"/>
-              <a:t>12</a:t>
+              <a:t>13</a:t>
             </a:fld>
             <a:endParaRPr cap="none"/>
           </a:p>
@@ -1302,7 +1301,7 @@
       </p:grpSpPr>
       <p:sp>
         <p:nvSpPr>
-          <p:cNvPr id="2" name="Slide Image Placeholder 1"/>
+          <p:cNvPr id="77703204" name="Slide Image Placeholder 1"/>
           <p:cNvSpPr>
             <a:spLocks noChangeArrowheads="1" noGrp="1"/>
           </p:cNvSpPr>
@@ -1319,7 +1318,7 @@
       </p:sp>
       <p:sp>
         <p:nvSpPr>
-          <p:cNvPr id="3" name="Notes Placeholder 2"/>
+          <p:cNvPr id="972233269" name="Notes Placeholder 2"/>
           <p:cNvSpPr>
             <a:spLocks noChangeArrowheads="1" noGrp="1"/>
           </p:cNvSpPr>
@@ -1352,7 +1351,7 @@
       </p:sp>
       <p:sp>
         <p:nvSpPr>
-          <p:cNvPr id="4" name="Slide Number Placeholder 3"/>
+          <p:cNvPr id="108932923" name="Slide Number Placeholder 3"/>
           <p:cNvSpPr>
             <a:spLocks noChangeArrowheads="1" noGrp="1"/>
           </p:cNvSpPr>
@@ -1373,9 +1372,9 @@
             <a:pPr>
               <a:defRPr/>
             </a:pPr>
-            <a:fld id="{2F9C73AF-E1C2-C985-8C24-17D03D6A7A42}" type="slidenum">
+            <a:fld id="{320D6E5D-13DF-5898-91B5-E5CD20FB67B0}" type="slidenum">
               <a:rPr cap="none"/>
-              <a:t>13</a:t>
+              <a:t>14</a:t>
             </a:fld>
             <a:endParaRPr cap="none"/>
           </a:p>
@@ -1390,6 +1389,91 @@
 </file>
 
 <file path=ppt/notesSlides/notesSlide14.xml><?xml version="1.0" encoding="utf-8"?>
+<p:notes xmlns:a="http://schemas.openxmlformats.org/drawingml/2006/main" xmlns:r="http://schemas.openxmlformats.org/officeDocument/2006/relationships" xmlns:p="http://schemas.openxmlformats.org/presentationml/2006/main" xmlns:m="http://schemas.openxmlformats.org/officeDocument/2006/math" xmlns:w="http://schemas.openxmlformats.org/wordprocessingml/2006/main">
+  <p:cSld name="">
+    <p:spTree>
+      <p:nvGrpSpPr>
+        <p:cNvPr id="1" name=""/>
+        <p:cNvGrpSpPr/>
+        <p:nvPr/>
+      </p:nvGrpSpPr>
+      <p:grpSpPr bwMode="auto">
+        <a:xfrm>
+          <a:off x="0" y="0"/>
+          <a:ext cx="0" cy="0"/>
+          <a:chOff x="0" y="0"/>
+          <a:chExt cx="0" cy="0"/>
+        </a:xfrm>
+      </p:grpSpPr>
+      <p:sp>
+        <p:nvSpPr>
+          <p:cNvPr id="1166204704" name="Slide Image Placeholder 1"/>
+          <p:cNvSpPr>
+            <a:spLocks noChangeAspect="1" noGrp="1" noRot="1"/>
+          </p:cNvSpPr>
+          <p:nvPr>
+            <p:ph type="sldImg"/>
+          </p:nvPr>
+        </p:nvSpPr>
+        <p:spPr bwMode="auto"/>
+      </p:sp>
+      <p:sp>
+        <p:nvSpPr>
+          <p:cNvPr id="257756408" name="Notes Placeholder 2"/>
+          <p:cNvSpPr>
+            <a:spLocks noGrp="1"/>
+          </p:cNvSpPr>
+          <p:nvPr>
+            <p:ph type="body" idx="1"/>
+          </p:nvPr>
+        </p:nvSpPr>
+        <p:spPr bwMode="auto"/>
+        <p:txBody>
+          <a:bodyPr/>
+          <a:lstStyle/>
+          <a:p>
+            <a:pPr>
+              <a:defRPr/>
+            </a:pPr>
+            <a:endParaRPr/>
+          </a:p>
+        </p:txBody>
+      </p:sp>
+      <p:sp>
+        <p:nvSpPr>
+          <p:cNvPr id="1737358603" name="Slide Number Placeholder 3"/>
+          <p:cNvSpPr>
+            <a:spLocks noGrp="1"/>
+          </p:cNvSpPr>
+          <p:nvPr>
+            <p:ph type="sldNum" sz="quarter" idx="10"/>
+          </p:nvPr>
+        </p:nvSpPr>
+        <p:spPr bwMode="auto"/>
+        <p:txBody>
+          <a:bodyPr/>
+          <a:lstStyle/>
+          <a:p>
+            <a:pPr>
+              <a:defRPr/>
+            </a:pPr>
+            <a:fld id="{3FB1E560-ADA4-86B6-23F0-F7A6B2C0E2D5}" type="slidenum">
+              <a:rPr/>
+              <a:t/>
+            </a:fld>
+            <a:endParaRPr/>
+          </a:p>
+        </p:txBody>
+      </p:sp>
+    </p:spTree>
+  </p:cSld>
+  <p:clrMapOvr>
+    <a:masterClrMapping/>
+  </p:clrMapOvr>
+</p:notes>
+</file>
+
+<file path=ppt/notesSlides/notesSlide15.xml><?xml version="1.0" encoding="utf-8"?>
 <p:notes xmlns:a="http://schemas.openxmlformats.org/drawingml/2006/main" xmlns:r="http://schemas.openxmlformats.org/officeDocument/2006/relationships" xmlns:p="http://schemas.openxmlformats.org/presentationml/2006/main" xmlns:m="http://schemas.openxmlformats.org/officeDocument/2006/math" xmlns:w="http://schemas.openxmlformats.org/wordprocessingml/2006/main" showMasterSp="0">
   <p:cSld name="">
     <p:bg>
@@ -1415,7 +1499,7 @@
       </p:grpSpPr>
       <p:sp>
         <p:nvSpPr>
-          <p:cNvPr id="2" name="Slide Image Placeholder 1"/>
+          <p:cNvPr id="1437062192" name="Slide Image Placeholder 1"/>
           <p:cNvSpPr>
             <a:spLocks noChangeArrowheads="1" noGrp="1"/>
           </p:cNvSpPr>
@@ -1432,7 +1516,7 @@
       </p:sp>
       <p:sp>
         <p:nvSpPr>
-          <p:cNvPr id="3" name="Notes Placeholder 2"/>
+          <p:cNvPr id="660973511" name="Notes Placeholder 2"/>
           <p:cNvSpPr>
             <a:spLocks noChangeArrowheads="1" noGrp="1"/>
           </p:cNvSpPr>
@@ -1465,7 +1549,7 @@
       </p:sp>
       <p:sp>
         <p:nvSpPr>
-          <p:cNvPr id="4" name="Slide Number Placeholder 3"/>
+          <p:cNvPr id="1850085182" name="Slide Number Placeholder 3"/>
           <p:cNvSpPr>
             <a:spLocks noChangeArrowheads="1" noGrp="1"/>
           </p:cNvSpPr>
@@ -1486,9 +1570,9 @@
             <a:pPr>
               <a:defRPr/>
             </a:pPr>
-            <a:fld id="{320D6E5D-13DF-5898-91B5-E5CD20FB67B0}" type="slidenum">
+            <a:fld id="{755B7BEA-A498-0E8D-D6E3-52D835AD2007}" type="slidenum">
               <a:rPr cap="none"/>
-              <a:t>14</a:t>
+              <a:t>15</a:t>
             </a:fld>
             <a:endParaRPr cap="none"/>
           </a:p>
@@ -1499,88 +1583,6 @@
   <p:clrMapOvr>
     <a:overrideClrMapping bg1="lt1" tx1="dk1" bg2="lt2" tx2="dk2" accent1="accent1" accent2="accent2" accent3="accent3" accent4="accent4" accent5="accent5" accent6="accent6" hlink="hlink" folHlink="folHlink"/>
   </p:clrMapOvr>
-</p:notes>
-</file>
-
-<file path=ppt/notesSlides/notesSlide15.xml><?xml version="1.0" encoding="utf-8"?>
-<p:notes xmlns:a="http://schemas.openxmlformats.org/drawingml/2006/main" xmlns:r="http://schemas.openxmlformats.org/officeDocument/2006/relationships" xmlns:p="http://schemas.openxmlformats.org/presentationml/2006/main" xmlns:m="http://schemas.openxmlformats.org/officeDocument/2006/math" xmlns:w="http://schemas.openxmlformats.org/wordprocessingml/2006/main">
-  <p:cSld name="">
-    <p:spTree>
-      <p:nvGrpSpPr>
-        <p:cNvPr id="1" name=""/>
-        <p:cNvGrpSpPr/>
-        <p:nvPr/>
-      </p:nvGrpSpPr>
-      <p:grpSpPr bwMode="auto">
-        <a:xfrm>
-          <a:off x="0" y="0"/>
-          <a:ext cx="0" cy="0"/>
-          <a:chOff x="0" y="0"/>
-          <a:chExt cx="0" cy="0"/>
-        </a:xfrm>
-      </p:grpSpPr>
-      <p:sp>
-        <p:nvSpPr>
-          <p:cNvPr id="2" name="Slide Image Placeholder 1"/>
-          <p:cNvSpPr>
-            <a:spLocks noChangeAspect="1" noGrp="1" noRot="1"/>
-          </p:cNvSpPr>
-          <p:nvPr>
-            <p:ph type="sldImg"/>
-          </p:nvPr>
-        </p:nvSpPr>
-        <p:spPr bwMode="auto"/>
-      </p:sp>
-      <p:sp>
-        <p:nvSpPr>
-          <p:cNvPr id="3" name="Notes Placeholder 2"/>
-          <p:cNvSpPr>
-            <a:spLocks noGrp="1"/>
-          </p:cNvSpPr>
-          <p:nvPr>
-            <p:ph type="body" idx="1"/>
-          </p:nvPr>
-        </p:nvSpPr>
-        <p:spPr bwMode="auto"/>
-        <p:txBody>
-          <a:bodyPr/>
-          <a:lstStyle/>
-          <a:p>
-            <a:pPr>
-              <a:defRPr/>
-            </a:pPr>
-            <a:endParaRPr/>
-          </a:p>
-        </p:txBody>
-      </p:sp>
-      <p:sp>
-        <p:nvSpPr>
-          <p:cNvPr id="4" name="Slide Number Placeholder 3"/>
-          <p:cNvSpPr>
-            <a:spLocks noGrp="1"/>
-          </p:cNvSpPr>
-          <p:nvPr>
-            <p:ph type="sldNum" sz="quarter" idx="10"/>
-          </p:nvPr>
-        </p:nvSpPr>
-        <p:spPr bwMode="auto"/>
-        <p:txBody>
-          <a:bodyPr/>
-          <a:lstStyle/>
-          <a:p>
-            <a:pPr>
-              <a:defRPr/>
-            </a:pPr>
-            <a:fld id="{3FB1E560-ADA4-86B6-23F0-F7A6B2C0E2D5}" type="slidenum">
-              <a:rPr/>
-              <a:t/>
-            </a:fld>
-            <a:endParaRPr/>
-          </a:p>
-        </p:txBody>
-      </p:sp>
-    </p:spTree>
-  </p:cSld>
 </p:notes>
 </file>
 
@@ -1610,7 +1612,7 @@
       </p:grpSpPr>
       <p:sp>
         <p:nvSpPr>
-          <p:cNvPr id="2" name="Slide Image Placeholder 1"/>
+          <p:cNvPr id="213806932" name="Slide Image Placeholder 1"/>
           <p:cNvSpPr>
             <a:spLocks noChangeArrowheads="1" noGrp="1"/>
           </p:cNvSpPr>
@@ -1627,7 +1629,7 @@
       </p:sp>
       <p:sp>
         <p:nvSpPr>
-          <p:cNvPr id="3" name="Notes Placeholder 2"/>
+          <p:cNvPr id="1817085634" name="Notes Placeholder 2"/>
           <p:cNvSpPr>
             <a:spLocks noChangeArrowheads="1" noGrp="1"/>
           </p:cNvSpPr>
@@ -1660,7 +1662,7 @@
       </p:sp>
       <p:sp>
         <p:nvSpPr>
-          <p:cNvPr id="4" name="Slide Number Placeholder 3"/>
+          <p:cNvPr id="1996558649" name="Slide Number Placeholder 3"/>
           <p:cNvSpPr>
             <a:spLocks noChangeArrowheads="1" noGrp="1"/>
           </p:cNvSpPr>
@@ -1681,9 +1683,9 @@
             <a:pPr>
               <a:defRPr/>
             </a:pPr>
-            <a:fld id="{755B7BEA-A498-0E8D-D6E3-52D835AD2007}" type="slidenum">
+            <a:fld id="{30164BB4-FADD-43BD-93AE-0CE805E06559}" type="slidenum">
               <a:rPr cap="none"/>
-              <a:t>15</a:t>
+              <a:t>16</a:t>
             </a:fld>
             <a:endParaRPr cap="none"/>
           </a:p>
@@ -1723,7 +1725,7 @@
       </p:grpSpPr>
       <p:sp>
         <p:nvSpPr>
-          <p:cNvPr id="2" name="Slide Image Placeholder 1"/>
+          <p:cNvPr id="1655805382" name="Slide Image Placeholder 1"/>
           <p:cNvSpPr>
             <a:spLocks noChangeArrowheads="1" noGrp="1"/>
           </p:cNvSpPr>
@@ -1740,7 +1742,7 @@
       </p:sp>
       <p:sp>
         <p:nvSpPr>
-          <p:cNvPr id="3" name="Notes Placeholder 2"/>
+          <p:cNvPr id="152895561" name="Notes Placeholder 2"/>
           <p:cNvSpPr>
             <a:spLocks noChangeArrowheads="1" noGrp="1"/>
           </p:cNvSpPr>
@@ -1773,7 +1775,7 @@
       </p:sp>
       <p:sp>
         <p:nvSpPr>
-          <p:cNvPr id="4" name="Slide Number Placeholder 3"/>
+          <p:cNvPr id="1999858049" name="Slide Number Placeholder 3"/>
           <p:cNvSpPr>
             <a:spLocks noChangeArrowheads="1" noGrp="1"/>
           </p:cNvSpPr>
@@ -1794,9 +1796,9 @@
             <a:pPr>
               <a:defRPr/>
             </a:pPr>
-            <a:fld id="{30164BB4-FADD-43BD-93AE-0CE805E06559}" type="slidenum">
+            <a:fld id="{5B3895F9-B7B6-6D63-F880-4136DBCE0E14}" type="slidenum">
               <a:rPr cap="none"/>
-              <a:t>16</a:t>
+              <a:t>17</a:t>
             </a:fld>
             <a:endParaRPr cap="none"/>
           </a:p>
@@ -1811,6 +1813,91 @@
 </file>
 
 <file path=ppt/notesSlides/notesSlide18.xml><?xml version="1.0" encoding="utf-8"?>
+<p:notes xmlns:a="http://schemas.openxmlformats.org/drawingml/2006/main" xmlns:r="http://schemas.openxmlformats.org/officeDocument/2006/relationships" xmlns:p="http://schemas.openxmlformats.org/presentationml/2006/main" xmlns:m="http://schemas.openxmlformats.org/officeDocument/2006/math" xmlns:w="http://schemas.openxmlformats.org/wordprocessingml/2006/main">
+  <p:cSld name="">
+    <p:spTree>
+      <p:nvGrpSpPr>
+        <p:cNvPr id="1" name=""/>
+        <p:cNvGrpSpPr/>
+        <p:nvPr/>
+      </p:nvGrpSpPr>
+      <p:grpSpPr bwMode="auto">
+        <a:xfrm>
+          <a:off x="0" y="0"/>
+          <a:ext cx="0" cy="0"/>
+          <a:chOff x="0" y="0"/>
+          <a:chExt cx="0" cy="0"/>
+        </a:xfrm>
+      </p:grpSpPr>
+      <p:sp>
+        <p:nvSpPr>
+          <p:cNvPr id="1071042770" name="Slide Image Placeholder 1"/>
+          <p:cNvSpPr>
+            <a:spLocks noChangeAspect="1" noGrp="1" noRot="1"/>
+          </p:cNvSpPr>
+          <p:nvPr>
+            <p:ph type="sldImg"/>
+          </p:nvPr>
+        </p:nvSpPr>
+        <p:spPr bwMode="auto"/>
+      </p:sp>
+      <p:sp>
+        <p:nvSpPr>
+          <p:cNvPr id="1214717172" name="Notes Placeholder 2"/>
+          <p:cNvSpPr>
+            <a:spLocks noGrp="1"/>
+          </p:cNvSpPr>
+          <p:nvPr>
+            <p:ph type="body" idx="1"/>
+          </p:nvPr>
+        </p:nvSpPr>
+        <p:spPr bwMode="auto"/>
+        <p:txBody>
+          <a:bodyPr/>
+          <a:lstStyle/>
+          <a:p>
+            <a:pPr>
+              <a:defRPr/>
+            </a:pPr>
+            <a:endParaRPr/>
+          </a:p>
+        </p:txBody>
+      </p:sp>
+      <p:sp>
+        <p:nvSpPr>
+          <p:cNvPr id="569721248" name="Slide Number Placeholder 3"/>
+          <p:cNvSpPr>
+            <a:spLocks noGrp="1"/>
+          </p:cNvSpPr>
+          <p:nvPr>
+            <p:ph type="sldNum" sz="quarter" idx="10"/>
+          </p:nvPr>
+        </p:nvSpPr>
+        <p:spPr bwMode="auto"/>
+        <p:txBody>
+          <a:bodyPr/>
+          <a:lstStyle/>
+          <a:p>
+            <a:pPr>
+              <a:defRPr/>
+            </a:pPr>
+            <a:fld id="{F6F4FA1E-2607-5B54-2FE7-9F9089CE3FCD}" type="slidenum">
+              <a:rPr/>
+              <a:t/>
+            </a:fld>
+            <a:endParaRPr/>
+          </a:p>
+        </p:txBody>
+      </p:sp>
+    </p:spTree>
+  </p:cSld>
+  <p:clrMapOvr>
+    <a:masterClrMapping/>
+  </p:clrMapOvr>
+</p:notes>
+</file>
+
+<file path=ppt/notesSlides/notesSlide19.xml><?xml version="1.0" encoding="utf-8"?>
 <p:notes xmlns:a="http://schemas.openxmlformats.org/drawingml/2006/main" xmlns:r="http://schemas.openxmlformats.org/officeDocument/2006/relationships" xmlns:p="http://schemas.openxmlformats.org/presentationml/2006/main" xmlns:m="http://schemas.openxmlformats.org/officeDocument/2006/math" xmlns:w="http://schemas.openxmlformats.org/wordprocessingml/2006/main" showMasterSp="0">
   <p:cSld name="">
     <p:bg>
@@ -1836,7 +1923,7 @@
       </p:grpSpPr>
       <p:sp>
         <p:nvSpPr>
-          <p:cNvPr id="2" name="Slide Image Placeholder 1"/>
+          <p:cNvPr id="87709357" name="Slide Image Placeholder 1"/>
           <p:cNvSpPr>
             <a:spLocks noChangeArrowheads="1" noGrp="1"/>
           </p:cNvSpPr>
@@ -1853,7 +1940,7 @@
       </p:sp>
       <p:sp>
         <p:nvSpPr>
-          <p:cNvPr id="3" name="Notes Placeholder 2"/>
+          <p:cNvPr id="1557896849" name="Notes Placeholder 2"/>
           <p:cNvSpPr>
             <a:spLocks noChangeArrowheads="1" noGrp="1"/>
           </p:cNvSpPr>
@@ -1886,7 +1973,7 @@
       </p:sp>
       <p:sp>
         <p:nvSpPr>
-          <p:cNvPr id="4" name="Slide Number Placeholder 3"/>
+          <p:cNvPr id="1072872688" name="Slide Number Placeholder 3"/>
           <p:cNvSpPr>
             <a:spLocks noChangeArrowheads="1" noGrp="1"/>
           </p:cNvSpPr>
@@ -1907,9 +1994,9 @@
             <a:pPr>
               <a:defRPr/>
             </a:pPr>
-            <a:fld id="{5B3895F9-B7B6-6D63-F880-4136DBCE0E14}" type="slidenum">
+            <a:fld id="{6D7693C2-8C80-2365-CECE-7A30DD80382F}" type="slidenum">
               <a:rPr cap="none"/>
-              <a:t>17</a:t>
+              <a:t>18</a:t>
             </a:fld>
             <a:endParaRPr cap="none"/>
           </a:p>
@@ -1920,88 +2007,6 @@
   <p:clrMapOvr>
     <a:overrideClrMapping bg1="lt1" tx1="dk1" bg2="lt2" tx2="dk2" accent1="accent1" accent2="accent2" accent3="accent3" accent4="accent4" accent5="accent5" accent6="accent6" hlink="hlink" folHlink="folHlink"/>
   </p:clrMapOvr>
-</p:notes>
-</file>
-
-<file path=ppt/notesSlides/notesSlide19.xml><?xml version="1.0" encoding="utf-8"?>
-<p:notes xmlns:a="http://schemas.openxmlformats.org/drawingml/2006/main" xmlns:r="http://schemas.openxmlformats.org/officeDocument/2006/relationships" xmlns:p="http://schemas.openxmlformats.org/presentationml/2006/main" xmlns:m="http://schemas.openxmlformats.org/officeDocument/2006/math" xmlns:w="http://schemas.openxmlformats.org/wordprocessingml/2006/main">
-  <p:cSld name="">
-    <p:spTree>
-      <p:nvGrpSpPr>
-        <p:cNvPr id="1" name=""/>
-        <p:cNvGrpSpPr/>
-        <p:nvPr/>
-      </p:nvGrpSpPr>
-      <p:grpSpPr bwMode="auto">
-        <a:xfrm>
-          <a:off x="0" y="0"/>
-          <a:ext cx="0" cy="0"/>
-          <a:chOff x="0" y="0"/>
-          <a:chExt cx="0" cy="0"/>
-        </a:xfrm>
-      </p:grpSpPr>
-      <p:sp>
-        <p:nvSpPr>
-          <p:cNvPr id="2" name="Slide Image Placeholder 1"/>
-          <p:cNvSpPr>
-            <a:spLocks noChangeAspect="1" noGrp="1" noRot="1"/>
-          </p:cNvSpPr>
-          <p:nvPr>
-            <p:ph type="sldImg"/>
-          </p:nvPr>
-        </p:nvSpPr>
-        <p:spPr bwMode="auto"/>
-      </p:sp>
-      <p:sp>
-        <p:nvSpPr>
-          <p:cNvPr id="3" name="Notes Placeholder 2"/>
-          <p:cNvSpPr>
-            <a:spLocks noGrp="1"/>
-          </p:cNvSpPr>
-          <p:nvPr>
-            <p:ph type="body" idx="1"/>
-          </p:nvPr>
-        </p:nvSpPr>
-        <p:spPr bwMode="auto"/>
-        <p:txBody>
-          <a:bodyPr/>
-          <a:lstStyle/>
-          <a:p>
-            <a:pPr>
-              <a:defRPr/>
-            </a:pPr>
-            <a:endParaRPr/>
-          </a:p>
-        </p:txBody>
-      </p:sp>
-      <p:sp>
-        <p:nvSpPr>
-          <p:cNvPr id="4" name="Slide Number Placeholder 3"/>
-          <p:cNvSpPr>
-            <a:spLocks noGrp="1"/>
-          </p:cNvSpPr>
-          <p:nvPr>
-            <p:ph type="sldNum" sz="quarter" idx="10"/>
-          </p:nvPr>
-        </p:nvSpPr>
-        <p:spPr bwMode="auto"/>
-        <p:txBody>
-          <a:bodyPr/>
-          <a:lstStyle/>
-          <a:p>
-            <a:pPr>
-              <a:defRPr/>
-            </a:pPr>
-            <a:fld id="{F6F4FA1E-2607-5B54-2FE7-9F9089CE3FCD}" type="slidenum">
-              <a:rPr/>
-              <a:t/>
-            </a:fld>
-            <a:endParaRPr/>
-          </a:p>
-        </p:txBody>
-      </p:sp>
-    </p:spTree>
-  </p:cSld>
 </p:notes>
 </file>
 
@@ -2031,7 +2036,7 @@
       </p:grpSpPr>
       <p:sp>
         <p:nvSpPr>
-          <p:cNvPr id="2" name="Slide Image Placeholder 1"/>
+          <p:cNvPr id="26690612" name="Slide Image Placeholder 1"/>
           <p:cNvSpPr>
             <a:spLocks noChangeArrowheads="1" noGrp="1"/>
           </p:cNvSpPr>
@@ -2048,7 +2053,7 @@
       </p:sp>
       <p:sp>
         <p:nvSpPr>
-          <p:cNvPr id="3" name="Notes Placeholder 2"/>
+          <p:cNvPr id="1214756823" name="Notes Placeholder 2"/>
           <p:cNvSpPr>
             <a:spLocks noChangeArrowheads="1" noGrp="1"/>
           </p:cNvSpPr>
@@ -2081,7 +2086,7 @@
       </p:sp>
       <p:sp>
         <p:nvSpPr>
-          <p:cNvPr id="4" name="Slide Number Placeholder 3"/>
+          <p:cNvPr id="2101420846" name="Slide Number Placeholder 3"/>
           <p:cNvSpPr>
             <a:spLocks noChangeArrowheads="1" noGrp="1"/>
           </p:cNvSpPr>
@@ -2102,9 +2107,9 @@
             <a:pPr>
               <a:defRPr/>
             </a:pPr>
-            <a:fld id="{1A3CEBD1-9FF7-691D-B984-6948A5CA4F3C}" type="slidenum">
+            <a:fld id="{004F4AC8-86ED-1ABC-A3F7-70E904B95525}" type="slidenum">
               <a:rPr cap="none"/>
-              <a:t>2</a:t>
+              <a:t>3</a:t>
             </a:fld>
             <a:endParaRPr cap="none"/>
           </a:p>
@@ -2144,7 +2149,7 @@
       </p:grpSpPr>
       <p:sp>
         <p:nvSpPr>
-          <p:cNvPr id="2" name="Slide Image Placeholder 1"/>
+          <p:cNvPr id="1169432886" name="Slide Image Placeholder 1"/>
           <p:cNvSpPr>
             <a:spLocks noChangeArrowheads="1" noGrp="1"/>
           </p:cNvSpPr>
@@ -2161,7 +2166,7 @@
       </p:sp>
       <p:sp>
         <p:nvSpPr>
-          <p:cNvPr id="3" name="Notes Placeholder 2"/>
+          <p:cNvPr id="1211918078" name="Notes Placeholder 2"/>
           <p:cNvSpPr>
             <a:spLocks noChangeArrowheads="1" noGrp="1"/>
           </p:cNvSpPr>
@@ -2179,9 +2184,8 @@
           <a:bodyPr/>
           <a:lstStyle/>
           <a:p>
-            <a:pPr marL="171450" indent="-171450">
-              <a:buFontTx/>
-              <a:buChar char="-"/>
+            <a:pPr marL="0" indent="0">
+              <a:buNone/>
               <a:defRPr/>
             </a:pPr>
             <a:endParaRPr cap="none">
@@ -2194,119 +2198,7 @@
       </p:sp>
       <p:sp>
         <p:nvSpPr>
-          <p:cNvPr id="4" name="Slide Number Placeholder 3"/>
-          <p:cNvSpPr>
-            <a:spLocks noChangeArrowheads="1" noGrp="1"/>
-          </p:cNvSpPr>
-          <p:nvPr>
-            <p:ph type="sldNum" sz="quarter" idx="12"/>
-          </p:nvPr>
-        </p:nvSpPr>
-        <p:spPr bwMode="auto">
-          <a:xfrm>
-            <a:off x="3884930" y="8685530"/>
-            <a:ext cx="2971800" cy="458470"/>
-          </a:xfrm>
-        </p:spPr>
-        <p:txBody>
-          <a:bodyPr/>
-          <a:lstStyle/>
-          <a:p>
-            <a:pPr>
-              <a:defRPr/>
-            </a:pPr>
-            <a:fld id="{6D7693C2-8C80-2365-CECE-7A30DD80382F}" type="slidenum">
-              <a:rPr cap="none"/>
-              <a:t>18</a:t>
-            </a:fld>
-            <a:endParaRPr cap="none"/>
-          </a:p>
-        </p:txBody>
-      </p:sp>
-    </p:spTree>
-  </p:cSld>
-  <p:clrMapOvr>
-    <a:overrideClrMapping bg1="lt1" tx1="dk1" bg2="lt2" tx2="dk2" accent1="accent1" accent2="accent2" accent3="accent3" accent4="accent4" accent5="accent5" accent6="accent6" hlink="hlink" folHlink="folHlink"/>
-  </p:clrMapOvr>
-</p:notes>
-</file>
-
-<file path=ppt/notesSlides/notesSlide21.xml><?xml version="1.0" encoding="utf-8"?>
-<p:notes xmlns:a="http://schemas.openxmlformats.org/drawingml/2006/main" xmlns:r="http://schemas.openxmlformats.org/officeDocument/2006/relationships" xmlns:p="http://schemas.openxmlformats.org/presentationml/2006/main" xmlns:m="http://schemas.openxmlformats.org/officeDocument/2006/math" xmlns:w="http://schemas.openxmlformats.org/wordprocessingml/2006/main" showMasterSp="0">
-  <p:cSld name="">
-    <p:bg>
-      <p:bgPr shadeToTitle="0">
-        <a:solidFill>
-          <a:schemeClr val="bg1"/>
-        </a:solidFill>
-      </p:bgPr>
-    </p:bg>
-    <p:spTree>
-      <p:nvGrpSpPr>
-        <p:cNvPr id="1" name=""/>
-        <p:cNvGrpSpPr/>
-        <p:nvPr/>
-      </p:nvGrpSpPr>
-      <p:grpSpPr bwMode="auto">
-        <a:xfrm>
-          <a:off x="0" y="0"/>
-          <a:ext cx="0" cy="0"/>
-          <a:chOff x="0" y="0"/>
-          <a:chExt cx="0" cy="0"/>
-        </a:xfrm>
-      </p:grpSpPr>
-      <p:sp>
-        <p:nvSpPr>
-          <p:cNvPr id="2" name="Slide Image Placeholder 1"/>
-          <p:cNvSpPr>
-            <a:spLocks noChangeArrowheads="1" noGrp="1"/>
-          </p:cNvSpPr>
-          <p:nvPr>
-            <p:ph type="sldImg"/>
-          </p:nvPr>
-        </p:nvSpPr>
-        <p:spPr bwMode="auto">
-          <a:xfrm>
-            <a:off x="685800" y="1143000"/>
-            <a:ext cx="5486400" cy="3086100"/>
-          </a:xfrm>
-        </p:spPr>
-      </p:sp>
-      <p:sp>
-        <p:nvSpPr>
-          <p:cNvPr id="3" name="Notes Placeholder 2"/>
-          <p:cNvSpPr>
-            <a:spLocks noChangeArrowheads="1" noGrp="1"/>
-          </p:cNvSpPr>
-          <p:nvPr>
-            <p:ph type="body" idx="1"/>
-          </p:nvPr>
-        </p:nvSpPr>
-        <p:spPr bwMode="auto">
-          <a:xfrm>
-            <a:off x="685800" y="4400550"/>
-            <a:ext cx="5486400" cy="3600450"/>
-          </a:xfrm>
-        </p:spPr>
-        <p:txBody>
-          <a:bodyPr/>
-          <a:lstStyle/>
-          <a:p>
-            <a:pPr marL="0" indent="0">
-              <a:buNone/>
-              <a:defRPr/>
-            </a:pPr>
-            <a:endParaRPr cap="none">
-              <a:latin typeface="Helvetica"/>
-              <a:ea typeface="Calibri"/>
-              <a:cs typeface="Helvetica"/>
-            </a:endParaRPr>
-          </a:p>
-        </p:txBody>
-      </p:sp>
-      <p:sp>
-        <p:nvSpPr>
-          <p:cNvPr id="4" name="Slide Number Placeholder 3"/>
+          <p:cNvPr id="1235499457" name="Slide Number Placeholder 3"/>
           <p:cNvSpPr>
             <a:spLocks noChangeArrowheads="1" noGrp="1"/>
           </p:cNvSpPr>
@@ -2369,7 +2261,7 @@
       </p:grpSpPr>
       <p:sp>
         <p:nvSpPr>
-          <p:cNvPr id="2" name="Slide Image Placeholder 1"/>
+          <p:cNvPr id="784434325" name="Slide Image Placeholder 1"/>
           <p:cNvSpPr>
             <a:spLocks noChangeArrowheads="1" noGrp="1"/>
           </p:cNvSpPr>
@@ -2386,7 +2278,7 @@
       </p:sp>
       <p:sp>
         <p:nvSpPr>
-          <p:cNvPr id="3" name="Notes Placeholder 2"/>
+          <p:cNvPr id="251693620" name="Notes Placeholder 2"/>
           <p:cNvSpPr>
             <a:spLocks noChangeArrowheads="1" noGrp="1"/>
           </p:cNvSpPr>
@@ -2419,7 +2311,7 @@
       </p:sp>
       <p:sp>
         <p:nvSpPr>
-          <p:cNvPr id="4" name="Slide Number Placeholder 3"/>
+          <p:cNvPr id="863840302" name="Slide Number Placeholder 3"/>
           <p:cNvSpPr>
             <a:spLocks noChangeArrowheads="1" noGrp="1"/>
           </p:cNvSpPr>
@@ -2440,9 +2332,9 @@
             <a:pPr>
               <a:defRPr/>
             </a:pPr>
-            <a:fld id="{004F4AC8-86ED-1ABC-A3F7-70E904B95525}" type="slidenum">
+            <a:fld id="{5B414F9C-D2B6-14B9-F8F9-24EC01B70E71}" type="slidenum">
               <a:rPr cap="none"/>
-              <a:t>3</a:t>
+              <a:t>4</a:t>
             </a:fld>
             <a:endParaRPr cap="none"/>
           </a:p>
@@ -2482,7 +2374,7 @@
       </p:grpSpPr>
       <p:sp>
         <p:nvSpPr>
-          <p:cNvPr id="2" name="Slide Image Placeholder 1"/>
+          <p:cNvPr id="902746602" name="Slide Image Placeholder 1"/>
           <p:cNvSpPr>
             <a:spLocks noChangeArrowheads="1" noGrp="1"/>
           </p:cNvSpPr>
@@ -2499,7 +2391,7 @@
       </p:sp>
       <p:sp>
         <p:nvSpPr>
-          <p:cNvPr id="3" name="Notes Placeholder 2"/>
+          <p:cNvPr id="1860861367" name="Notes Placeholder 2"/>
           <p:cNvSpPr>
             <a:spLocks noChangeArrowheads="1" noGrp="1"/>
           </p:cNvSpPr>
@@ -2532,7 +2424,7 @@
       </p:sp>
       <p:sp>
         <p:nvSpPr>
-          <p:cNvPr id="4" name="Slide Number Placeholder 3"/>
+          <p:cNvPr id="702396096" name="Slide Number Placeholder 3"/>
           <p:cNvSpPr>
             <a:spLocks noChangeArrowheads="1" noGrp="1"/>
           </p:cNvSpPr>
@@ -2553,9 +2445,9 @@
             <a:pPr>
               <a:defRPr/>
             </a:pPr>
-            <a:fld id="{5B414F9C-D2B6-14B9-F8F9-24EC01B70E71}" type="slidenum">
+            <a:fld id="{504F9552-1CBD-1A63-F3F7-EA36DBB905BF}" type="slidenum">
               <a:rPr cap="none"/>
-              <a:t>4</a:t>
+              <a:t>5</a:t>
             </a:fld>
             <a:endParaRPr cap="none"/>
           </a:p>
@@ -2595,7 +2487,7 @@
       </p:grpSpPr>
       <p:sp>
         <p:nvSpPr>
-          <p:cNvPr id="2" name="Slide Image Placeholder 1"/>
+          <p:cNvPr id="1336356749" name="Slide Image Placeholder 1"/>
           <p:cNvSpPr>
             <a:spLocks noChangeArrowheads="1" noGrp="1"/>
           </p:cNvSpPr>
@@ -2612,7 +2504,7 @@
       </p:sp>
       <p:sp>
         <p:nvSpPr>
-          <p:cNvPr id="3" name="Notes Placeholder 2"/>
+          <p:cNvPr id="7043707" name="Notes Placeholder 2"/>
           <p:cNvSpPr>
             <a:spLocks noChangeArrowheads="1" noGrp="1"/>
           </p:cNvSpPr>
@@ -2645,7 +2537,7 @@
       </p:sp>
       <p:sp>
         <p:nvSpPr>
-          <p:cNvPr id="4" name="Slide Number Placeholder 3"/>
+          <p:cNvPr id="206119183" name="Slide Number Placeholder 3"/>
           <p:cNvSpPr>
             <a:spLocks noChangeArrowheads="1" noGrp="1"/>
           </p:cNvSpPr>
@@ -2666,9 +2558,9 @@
             <a:pPr>
               <a:defRPr/>
             </a:pPr>
-            <a:fld id="{504F9552-1CBD-1A63-F3F7-EA36DBB905BF}" type="slidenum">
+            <a:fld id="{28DFD022-6CC5-8A26-8B67-9A739E297DCF}" type="slidenum">
               <a:rPr cap="none"/>
-              <a:t>5</a:t>
+              <a:t>6</a:t>
             </a:fld>
             <a:endParaRPr cap="none"/>
           </a:p>
@@ -2708,7 +2600,7 @@
       </p:grpSpPr>
       <p:sp>
         <p:nvSpPr>
-          <p:cNvPr id="2" name="Slide Image Placeholder 1"/>
+          <p:cNvPr id="1166112641" name="Slide Image Placeholder 1"/>
           <p:cNvSpPr>
             <a:spLocks noChangeArrowheads="1" noGrp="1"/>
           </p:cNvSpPr>
@@ -2725,7 +2617,7 @@
       </p:sp>
       <p:sp>
         <p:nvSpPr>
-          <p:cNvPr id="3" name="Notes Placeholder 2"/>
+          <p:cNvPr id="808733146" name="Notes Placeholder 2"/>
           <p:cNvSpPr>
             <a:spLocks noChangeArrowheads="1" noGrp="1"/>
           </p:cNvSpPr>
@@ -2758,7 +2650,7 @@
       </p:sp>
       <p:sp>
         <p:nvSpPr>
-          <p:cNvPr id="4" name="Slide Number Placeholder 3"/>
+          <p:cNvPr id="1224352362" name="Slide Number Placeholder 3"/>
           <p:cNvSpPr>
             <a:spLocks noChangeArrowheads="1" noGrp="1"/>
           </p:cNvSpPr>
@@ -2779,9 +2671,9 @@
             <a:pPr>
               <a:defRPr/>
             </a:pPr>
-            <a:fld id="{28DFD022-6CC5-8A26-8B67-9A739E297DCF}" type="slidenum">
+            <a:fld id="{18CC6447-09F5-9992-BB74-FFC72A3A4DAA}" type="slidenum">
               <a:rPr cap="none"/>
-              <a:t>6</a:t>
+              <a:t>7</a:t>
             </a:fld>
             <a:endParaRPr cap="none"/>
           </a:p>
@@ -2821,7 +2713,7 @@
       </p:grpSpPr>
       <p:sp>
         <p:nvSpPr>
-          <p:cNvPr id="2" name="Slide Image Placeholder 1"/>
+          <p:cNvPr id="53296211" name="Slide Image Placeholder 1"/>
           <p:cNvSpPr>
             <a:spLocks noChangeArrowheads="1" noGrp="1"/>
           </p:cNvSpPr>
@@ -2838,7 +2730,7 @@
       </p:sp>
       <p:sp>
         <p:nvSpPr>
-          <p:cNvPr id="3" name="Notes Placeholder 2"/>
+          <p:cNvPr id="851150266" name="Notes Placeholder 2"/>
           <p:cNvSpPr>
             <a:spLocks noChangeArrowheads="1" noGrp="1"/>
           </p:cNvSpPr>
@@ -2871,7 +2763,7 @@
       </p:sp>
       <p:sp>
         <p:nvSpPr>
-          <p:cNvPr id="4" name="Slide Number Placeholder 3"/>
+          <p:cNvPr id="406263497" name="Slide Number Placeholder 3"/>
           <p:cNvSpPr>
             <a:spLocks noChangeArrowheads="1" noGrp="1"/>
           </p:cNvSpPr>
@@ -2892,9 +2784,9 @@
             <a:pPr>
               <a:defRPr/>
             </a:pPr>
-            <a:fld id="{18CC6447-09F5-9992-BB74-FFC72A3A4DAA}" type="slidenum">
+            <a:fld id="{3B5EA5A0-EED6-0B53-98E6-1806EBA86E4D}" type="slidenum">
               <a:rPr cap="none"/>
-              <a:t>7</a:t>
+              <a:t>8</a:t>
             </a:fld>
             <a:endParaRPr cap="none"/>
           </a:p>
@@ -2934,7 +2826,7 @@
       </p:grpSpPr>
       <p:sp>
         <p:nvSpPr>
-          <p:cNvPr id="2" name="Slide Image Placeholder 1"/>
+          <p:cNvPr id="44237623" name="Slide Image Placeholder 1"/>
           <p:cNvSpPr>
             <a:spLocks noChangeArrowheads="1" noGrp="1"/>
           </p:cNvSpPr>
@@ -2951,7 +2843,7 @@
       </p:sp>
       <p:sp>
         <p:nvSpPr>
-          <p:cNvPr id="3" name="Notes Placeholder 2"/>
+          <p:cNvPr id="627131195" name="Notes Placeholder 2"/>
           <p:cNvSpPr>
             <a:spLocks noChangeArrowheads="1" noGrp="1"/>
           </p:cNvSpPr>
@@ -2984,7 +2876,7 @@
       </p:sp>
       <p:sp>
         <p:nvSpPr>
-          <p:cNvPr id="4" name="Slide Number Placeholder 3"/>
+          <p:cNvPr id="249302471" name="Slide Number Placeholder 3"/>
           <p:cNvSpPr>
             <a:spLocks noChangeArrowheads="1" noGrp="1"/>
           </p:cNvSpPr>
@@ -3005,9 +2897,9 @@
             <a:pPr>
               <a:defRPr/>
             </a:pPr>
-            <a:fld id="{3B5EA5A0-EED6-0B53-98E6-1806EBA86E4D}" type="slidenum">
+            <a:fld id="{19EFE456-18F4-BA12-BA57-EE47AA194CBB}" type="slidenum">
               <a:rPr cap="none"/>
-              <a:t>8</a:t>
+              <a:t>9</a:t>
             </a:fld>
             <a:endParaRPr cap="none"/>
           </a:p>
@@ -3047,7 +2939,7 @@
       </p:grpSpPr>
       <p:sp>
         <p:nvSpPr>
-          <p:cNvPr id="2" name="Slide Image Placeholder 1"/>
+          <p:cNvPr id="1546004535" name="Slide Image Placeholder 1"/>
           <p:cNvSpPr>
             <a:spLocks noChangeArrowheads="1" noGrp="1"/>
           </p:cNvSpPr>
@@ -3064,7 +2956,7 @@
       </p:sp>
       <p:sp>
         <p:nvSpPr>
-          <p:cNvPr id="3" name="Notes Placeholder 2"/>
+          <p:cNvPr id="1370233810" name="Notes Placeholder 2"/>
           <p:cNvSpPr>
             <a:spLocks noChangeArrowheads="1" noGrp="1"/>
           </p:cNvSpPr>
@@ -3097,7 +2989,7 @@
       </p:sp>
       <p:sp>
         <p:nvSpPr>
-          <p:cNvPr id="4" name="Slide Number Placeholder 3"/>
+          <p:cNvPr id="937511147" name="Slide Number Placeholder 3"/>
           <p:cNvSpPr>
             <a:spLocks noChangeArrowheads="1" noGrp="1"/>
           </p:cNvSpPr>
@@ -3118,9 +3010,9 @@
             <a:pPr>
               <a:defRPr/>
             </a:pPr>
-            <a:fld id="{19EFE456-18F4-BA12-BA57-EE47AA194CBB}" type="slidenum">
+            <a:fld id="{5CC4BD7A-34B1-914B-FF7C-C21EF3320997}" type="slidenum">
               <a:rPr cap="none"/>
-              <a:t>9</a:t>
+              <a:t>10</a:t>
             </a:fld>
             <a:endParaRPr cap="none"/>
           </a:p>
@@ -3153,7 +3045,7 @@
       </p:grpSpPr>
       <p:sp>
         <p:nvSpPr>
-          <p:cNvPr id="2" name="Title 1"/>
+          <p:cNvPr id="1866077735" name="Title 1"/>
           <p:cNvSpPr>
             <a:spLocks noChangeArrowheads="1" noGrp="1"/>
           </p:cNvSpPr>
@@ -3214,7 +3106,7 @@
       </p:sp>
       <p:sp>
         <p:nvSpPr>
-          <p:cNvPr id="3" name="Subtitle 2"/>
+          <p:cNvPr id="1694929678" name="Subtitle 2"/>
           <p:cNvSpPr>
             <a:spLocks noChangeArrowheads="1" noGrp="1"/>
           </p:cNvSpPr>
@@ -3282,7 +3174,7 @@
       </p:sp>
       <p:sp>
         <p:nvSpPr>
-          <p:cNvPr id="4" name="Date Placeholder 3"/>
+          <p:cNvPr id="2109606636" name="Date Placeholder 3"/>
           <p:cNvSpPr>
             <a:spLocks noChangeArrowheads="1" noGrp="1"/>
           </p:cNvSpPr>
@@ -3308,7 +3200,7 @@
       </p:sp>
       <p:sp>
         <p:nvSpPr>
-          <p:cNvPr id="5" name="Footer Placeholder 4"/>
+          <p:cNvPr id="504815494" name="Footer Placeholder 4"/>
           <p:cNvSpPr>
             <a:spLocks noChangeArrowheads="1" noGrp="1"/>
           </p:cNvSpPr>
@@ -3330,7 +3222,7 @@
       </p:sp>
       <p:sp>
         <p:nvSpPr>
-          <p:cNvPr id="6" name="Slide Number Placeholder 5"/>
+          <p:cNvPr id="1146215603" name="Slide Number Placeholder 5"/>
           <p:cNvSpPr>
             <a:spLocks noChangeArrowheads="1" noGrp="1"/>
           </p:cNvSpPr>
@@ -3382,7 +3274,7 @@
       </p:grpSpPr>
       <p:sp>
         <p:nvSpPr>
-          <p:cNvPr id="2" name="Title 1"/>
+          <p:cNvPr id="561901090" name="Title 1"/>
           <p:cNvSpPr>
             <a:spLocks noChangeArrowheads="1" noGrp="1"/>
           </p:cNvSpPr>
@@ -3408,7 +3300,7 @@
       </p:sp>
       <p:sp>
         <p:nvSpPr>
-          <p:cNvPr id="3" name="Vertical Text Placeholder 2"/>
+          <p:cNvPr id="2033138854" name="Vertical Text Placeholder 2"/>
           <p:cNvSpPr>
             <a:spLocks noChangeArrowheads="1" noGrp="1"/>
           </p:cNvSpPr>
@@ -3476,7 +3368,7 @@
       </p:sp>
       <p:sp>
         <p:nvSpPr>
-          <p:cNvPr id="4" name="Date Placeholder 3"/>
+          <p:cNvPr id="2138921754" name="Date Placeholder 3"/>
           <p:cNvSpPr>
             <a:spLocks noChangeArrowheads="1" noGrp="1"/>
           </p:cNvSpPr>
@@ -3502,7 +3394,7 @@
       </p:sp>
       <p:sp>
         <p:nvSpPr>
-          <p:cNvPr id="5" name="Footer Placeholder 4"/>
+          <p:cNvPr id="1960102075" name="Footer Placeholder 4"/>
           <p:cNvSpPr>
             <a:spLocks noChangeArrowheads="1" noGrp="1"/>
           </p:cNvSpPr>
@@ -3524,7 +3416,7 @@
       </p:sp>
       <p:sp>
         <p:nvSpPr>
-          <p:cNvPr id="6" name="Slide Number Placeholder 5"/>
+          <p:cNvPr id="960001790" name="Slide Number Placeholder 5"/>
           <p:cNvSpPr>
             <a:spLocks noChangeArrowheads="1" noGrp="1"/>
           </p:cNvSpPr>
@@ -3576,7 +3468,7 @@
       </p:grpSpPr>
       <p:sp>
         <p:nvSpPr>
-          <p:cNvPr id="2" name="Vertical Title 1"/>
+          <p:cNvPr id="1840033512" name="Vertical Title 1"/>
           <p:cNvSpPr>
             <a:spLocks noChangeArrowheads="1" noGrp="1"/>
           </p:cNvSpPr>
@@ -3609,7 +3501,7 @@
       </p:sp>
       <p:sp>
         <p:nvSpPr>
-          <p:cNvPr id="3" name="Vertical Text Placeholder 2"/>
+          <p:cNvPr id="2106199023" name="Vertical Text Placeholder 2"/>
           <p:cNvSpPr>
             <a:spLocks noChangeArrowheads="1" noGrp="1"/>
           </p:cNvSpPr>
@@ -3682,7 +3574,7 @@
       </p:sp>
       <p:sp>
         <p:nvSpPr>
-          <p:cNvPr id="4" name="Date Placeholder 3"/>
+          <p:cNvPr id="1989934633" name="Date Placeholder 3"/>
           <p:cNvSpPr>
             <a:spLocks noChangeArrowheads="1" noGrp="1"/>
           </p:cNvSpPr>
@@ -3708,7 +3600,7 @@
       </p:sp>
       <p:sp>
         <p:nvSpPr>
-          <p:cNvPr id="5" name="Footer Placeholder 4"/>
+          <p:cNvPr id="710053237" name="Footer Placeholder 4"/>
           <p:cNvSpPr>
             <a:spLocks noChangeArrowheads="1" noGrp="1"/>
           </p:cNvSpPr>
@@ -3730,7 +3622,7 @@
       </p:sp>
       <p:sp>
         <p:nvSpPr>
-          <p:cNvPr id="6" name="Slide Number Placeholder 5"/>
+          <p:cNvPr id="1854842142" name="Slide Number Placeholder 5"/>
           <p:cNvSpPr>
             <a:spLocks noChangeArrowheads="1" noGrp="1"/>
           </p:cNvSpPr>
@@ -3782,7 +3674,7 @@
       </p:grpSpPr>
       <p:sp>
         <p:nvSpPr>
-          <p:cNvPr id="2" name="Title 1"/>
+          <p:cNvPr id="2030127334" name="Title 1"/>
           <p:cNvSpPr>
             <a:spLocks noChangeArrowheads="1" noGrp="1"/>
           </p:cNvSpPr>
@@ -3808,7 +3700,7 @@
       </p:sp>
       <p:sp>
         <p:nvSpPr>
-          <p:cNvPr id="3" name="Content Placeholder 2"/>
+          <p:cNvPr id="1227835161" name="Content Placeholder 2"/>
           <p:cNvSpPr>
             <a:spLocks noChangeArrowheads="1" noGrp="1"/>
           </p:cNvSpPr>
@@ -3874,7 +3766,7 @@
       </p:sp>
       <p:sp>
         <p:nvSpPr>
-          <p:cNvPr id="4" name="Date Placeholder 3"/>
+          <p:cNvPr id="351016072" name="Date Placeholder 3"/>
           <p:cNvSpPr>
             <a:spLocks noChangeArrowheads="1" noGrp="1"/>
           </p:cNvSpPr>
@@ -3900,7 +3792,7 @@
       </p:sp>
       <p:sp>
         <p:nvSpPr>
-          <p:cNvPr id="5" name="Footer Placeholder 4"/>
+          <p:cNvPr id="1066930633" name="Footer Placeholder 4"/>
           <p:cNvSpPr>
             <a:spLocks noChangeArrowheads="1" noGrp="1"/>
           </p:cNvSpPr>
@@ -3922,7 +3814,7 @@
       </p:sp>
       <p:sp>
         <p:nvSpPr>
-          <p:cNvPr id="6" name="Slide Number Placeholder 5"/>
+          <p:cNvPr id="20715551" name="Slide Number Placeholder 5"/>
           <p:cNvSpPr>
             <a:spLocks noChangeArrowheads="1" noGrp="1"/>
           </p:cNvSpPr>
@@ -3974,7 +3866,7 @@
       </p:grpSpPr>
       <p:sp>
         <p:nvSpPr>
-          <p:cNvPr id="2" name="Title 1"/>
+          <p:cNvPr id="1023620480" name="Title 1"/>
           <p:cNvSpPr>
             <a:spLocks noChangeArrowheads="1" noGrp="1"/>
           </p:cNvSpPr>
@@ -4035,7 +3927,7 @@
       </p:sp>
       <p:sp>
         <p:nvSpPr>
-          <p:cNvPr id="3" name="Text Placeholder 2"/>
+          <p:cNvPr id="1746621911" name="Text Placeholder 2"/>
           <p:cNvSpPr>
             <a:spLocks noChangeArrowheads="1" noGrp="1"/>
           </p:cNvSpPr>
@@ -4139,7 +4031,7 @@
       </p:sp>
       <p:sp>
         <p:nvSpPr>
-          <p:cNvPr id="4" name="Date Placeholder 3"/>
+          <p:cNvPr id="1123744883" name="Date Placeholder 3"/>
           <p:cNvSpPr>
             <a:spLocks noChangeArrowheads="1" noGrp="1"/>
           </p:cNvSpPr>
@@ -4165,7 +4057,7 @@
       </p:sp>
       <p:sp>
         <p:nvSpPr>
-          <p:cNvPr id="5" name="Footer Placeholder 4"/>
+          <p:cNvPr id="1338773763" name="Footer Placeholder 4"/>
           <p:cNvSpPr>
             <a:spLocks noChangeArrowheads="1" noGrp="1"/>
           </p:cNvSpPr>
@@ -4187,7 +4079,7 @@
       </p:sp>
       <p:sp>
         <p:nvSpPr>
-          <p:cNvPr id="6" name="Slide Number Placeholder 5"/>
+          <p:cNvPr id="1521365722" name="Slide Number Placeholder 5"/>
           <p:cNvSpPr>
             <a:spLocks noChangeArrowheads="1" noGrp="1"/>
           </p:cNvSpPr>
@@ -4239,7 +4131,7 @@
       </p:grpSpPr>
       <p:sp>
         <p:nvSpPr>
-          <p:cNvPr id="2" name="Title 1"/>
+          <p:cNvPr id="754957353" name="Title 1"/>
           <p:cNvSpPr>
             <a:spLocks noChangeArrowheads="1" noGrp="1"/>
           </p:cNvSpPr>
@@ -4265,7 +4157,7 @@
       </p:sp>
       <p:sp>
         <p:nvSpPr>
-          <p:cNvPr id="3" name="Content Placeholder 2"/>
+          <p:cNvPr id="1070046125" name="Content Placeholder 2"/>
           <p:cNvSpPr>
             <a:spLocks noChangeArrowheads="1" noGrp="1"/>
           </p:cNvSpPr>
@@ -4336,7 +4228,7 @@
       </p:sp>
       <p:sp>
         <p:nvSpPr>
-          <p:cNvPr id="4" name="Content Placeholder 3"/>
+          <p:cNvPr id="73591140" name="Content Placeholder 3"/>
           <p:cNvSpPr>
             <a:spLocks noChangeArrowheads="1" noGrp="1"/>
           </p:cNvSpPr>
@@ -4407,7 +4299,7 @@
       </p:sp>
       <p:sp>
         <p:nvSpPr>
-          <p:cNvPr id="5" name="Date Placeholder 4"/>
+          <p:cNvPr id="349260051" name="Date Placeholder 4"/>
           <p:cNvSpPr>
             <a:spLocks noChangeArrowheads="1" noGrp="1"/>
           </p:cNvSpPr>
@@ -4433,7 +4325,7 @@
       </p:sp>
       <p:sp>
         <p:nvSpPr>
-          <p:cNvPr id="6" name="Footer Placeholder 5"/>
+          <p:cNvPr id="1182999563" name="Footer Placeholder 5"/>
           <p:cNvSpPr>
             <a:spLocks noChangeArrowheads="1" noGrp="1"/>
           </p:cNvSpPr>
@@ -4455,7 +4347,7 @@
       </p:sp>
       <p:sp>
         <p:nvSpPr>
-          <p:cNvPr id="7" name="Slide Number Placeholder 6"/>
+          <p:cNvPr id="586640853" name="Slide Number Placeholder 6"/>
           <p:cNvSpPr>
             <a:spLocks noChangeArrowheads="1" noGrp="1"/>
           </p:cNvSpPr>
@@ -4507,7 +4399,7 @@
       </p:grpSpPr>
       <p:sp>
         <p:nvSpPr>
-          <p:cNvPr id="2" name="Title 1"/>
+          <p:cNvPr id="1951295735" name="Title 1"/>
           <p:cNvSpPr>
             <a:spLocks noChangeArrowheads="1" noGrp="1"/>
           </p:cNvSpPr>
@@ -4538,7 +4430,7 @@
       </p:sp>
       <p:sp>
         <p:nvSpPr>
-          <p:cNvPr id="3" name="Text Placeholder 2"/>
+          <p:cNvPr id="211190625" name="Text Placeholder 2"/>
           <p:cNvSpPr>
             <a:spLocks noChangeArrowheads="1" noGrp="1"/>
           </p:cNvSpPr>
@@ -4608,7 +4500,7 @@
       </p:sp>
       <p:sp>
         <p:nvSpPr>
-          <p:cNvPr id="4" name="Content Placeholder 3"/>
+          <p:cNvPr id="1371133129" name="Content Placeholder 3"/>
           <p:cNvSpPr>
             <a:spLocks noChangeArrowheads="1" noGrp="1"/>
           </p:cNvSpPr>
@@ -4679,7 +4571,7 @@
       </p:sp>
       <p:sp>
         <p:nvSpPr>
-          <p:cNvPr id="5" name="Text Placeholder 4"/>
+          <p:cNvPr id="1030040235" name="Text Placeholder 4"/>
           <p:cNvSpPr>
             <a:spLocks noChangeArrowheads="1" noGrp="1"/>
           </p:cNvSpPr>
@@ -4749,7 +4641,7 @@
       </p:sp>
       <p:sp>
         <p:nvSpPr>
-          <p:cNvPr id="6" name="Content Placeholder 5"/>
+          <p:cNvPr id="1596605194" name="Content Placeholder 5"/>
           <p:cNvSpPr>
             <a:spLocks noChangeArrowheads="1" noGrp="1"/>
           </p:cNvSpPr>
@@ -4820,7 +4712,7 @@
       </p:sp>
       <p:sp>
         <p:nvSpPr>
-          <p:cNvPr id="7" name="Date Placeholder 6"/>
+          <p:cNvPr id="1378215498" name="Date Placeholder 6"/>
           <p:cNvSpPr>
             <a:spLocks noChangeArrowheads="1" noGrp="1"/>
           </p:cNvSpPr>
@@ -4846,7 +4738,7 @@
       </p:sp>
       <p:sp>
         <p:nvSpPr>
-          <p:cNvPr id="8" name="Footer Placeholder 7"/>
+          <p:cNvPr id="1003147875" name="Footer Placeholder 7"/>
           <p:cNvSpPr>
             <a:spLocks noChangeArrowheads="1" noGrp="1"/>
           </p:cNvSpPr>
@@ -4868,7 +4760,7 @@
       </p:sp>
       <p:sp>
         <p:nvSpPr>
-          <p:cNvPr id="9" name="Slide Number Placeholder 8"/>
+          <p:cNvPr id="253980521" name="Slide Number Placeholder 8"/>
           <p:cNvSpPr>
             <a:spLocks noChangeArrowheads="1" noGrp="1"/>
           </p:cNvSpPr>
@@ -4920,7 +4812,7 @@
       </p:grpSpPr>
       <p:sp>
         <p:nvSpPr>
-          <p:cNvPr id="2" name="Title 1"/>
+          <p:cNvPr id="228049745" name="Title 1"/>
           <p:cNvSpPr>
             <a:spLocks noChangeArrowheads="1" noGrp="1"/>
           </p:cNvSpPr>
@@ -4946,7 +4838,7 @@
       </p:sp>
       <p:sp>
         <p:nvSpPr>
-          <p:cNvPr id="3" name="Date Placeholder 2"/>
+          <p:cNvPr id="1685423672" name="Date Placeholder 2"/>
           <p:cNvSpPr>
             <a:spLocks noChangeArrowheads="1" noGrp="1"/>
           </p:cNvSpPr>
@@ -4972,7 +4864,7 @@
       </p:sp>
       <p:sp>
         <p:nvSpPr>
-          <p:cNvPr id="4" name="Footer Placeholder 3"/>
+          <p:cNvPr id="963104809" name="Footer Placeholder 3"/>
           <p:cNvSpPr>
             <a:spLocks noChangeArrowheads="1" noGrp="1"/>
           </p:cNvSpPr>
@@ -4994,7 +4886,7 @@
       </p:sp>
       <p:sp>
         <p:nvSpPr>
-          <p:cNvPr id="5" name="Slide Number Placeholder 4"/>
+          <p:cNvPr id="790480596" name="Slide Number Placeholder 4"/>
           <p:cNvSpPr>
             <a:spLocks noChangeArrowheads="1" noGrp="1"/>
           </p:cNvSpPr>
@@ -5046,7 +4938,7 @@
       </p:grpSpPr>
       <p:sp>
         <p:nvSpPr>
-          <p:cNvPr id="2" name="Date Placeholder 1"/>
+          <p:cNvPr id="363246405" name="Date Placeholder 1"/>
           <p:cNvSpPr>
             <a:spLocks noChangeArrowheads="1" noGrp="1"/>
           </p:cNvSpPr>
@@ -5072,7 +4964,7 @@
       </p:sp>
       <p:sp>
         <p:nvSpPr>
-          <p:cNvPr id="3" name="Footer Placeholder 2"/>
+          <p:cNvPr id="421269134" name="Footer Placeholder 2"/>
           <p:cNvSpPr>
             <a:spLocks noChangeArrowheads="1" noGrp="1"/>
           </p:cNvSpPr>
@@ -5094,7 +4986,7 @@
       </p:sp>
       <p:sp>
         <p:nvSpPr>
-          <p:cNvPr id="4" name="Slide Number Placeholder 3"/>
+          <p:cNvPr id="303329605" name="Slide Number Placeholder 3"/>
           <p:cNvSpPr>
             <a:spLocks noChangeArrowheads="1" noGrp="1"/>
           </p:cNvSpPr>
@@ -5146,7 +5038,7 @@
       </p:grpSpPr>
       <p:sp>
         <p:nvSpPr>
-          <p:cNvPr id="2" name="Title 1"/>
+          <p:cNvPr id="54091551" name="Title 1"/>
           <p:cNvSpPr>
             <a:spLocks noChangeArrowheads="1" noGrp="1"/>
           </p:cNvSpPr>
@@ -5207,7 +5099,7 @@
       </p:sp>
       <p:sp>
         <p:nvSpPr>
-          <p:cNvPr id="3" name="Content Placeholder 2"/>
+          <p:cNvPr id="690499448" name="Content Placeholder 2"/>
           <p:cNvSpPr>
             <a:spLocks noChangeArrowheads="1" noGrp="1"/>
           </p:cNvSpPr>
@@ -5306,7 +5198,7 @@
       </p:sp>
       <p:sp>
         <p:nvSpPr>
-          <p:cNvPr id="4" name="Text Placeholder 3"/>
+          <p:cNvPr id="867033967" name="Text Placeholder 3"/>
           <p:cNvSpPr>
             <a:spLocks noChangeArrowheads="1" noGrp="1"/>
           </p:cNvSpPr>
@@ -5374,7 +5266,7 @@
       </p:sp>
       <p:sp>
         <p:nvSpPr>
-          <p:cNvPr id="5" name="Date Placeholder 4"/>
+          <p:cNvPr id="1476045907" name="Date Placeholder 4"/>
           <p:cNvSpPr>
             <a:spLocks noChangeArrowheads="1" noGrp="1"/>
           </p:cNvSpPr>
@@ -5400,7 +5292,7 @@
       </p:sp>
       <p:sp>
         <p:nvSpPr>
-          <p:cNvPr id="6" name="Footer Placeholder 5"/>
+          <p:cNvPr id="1346609264" name="Footer Placeholder 5"/>
           <p:cNvSpPr>
             <a:spLocks noChangeArrowheads="1" noGrp="1"/>
           </p:cNvSpPr>
@@ -5422,7 +5314,7 @@
       </p:sp>
       <p:sp>
         <p:nvSpPr>
-          <p:cNvPr id="7" name="Slide Number Placeholder 6"/>
+          <p:cNvPr id="811955503" name="Slide Number Placeholder 6"/>
           <p:cNvSpPr>
             <a:spLocks noChangeArrowheads="1" noGrp="1"/>
           </p:cNvSpPr>
@@ -5474,7 +5366,7 @@
       </p:grpSpPr>
       <p:sp>
         <p:nvSpPr>
-          <p:cNvPr id="2" name="Title 1"/>
+          <p:cNvPr id="946369737" name="Title 1"/>
           <p:cNvSpPr>
             <a:spLocks noChangeArrowheads="1" noGrp="1"/>
           </p:cNvSpPr>
@@ -5535,7 +5427,7 @@
       </p:sp>
       <p:sp>
         <p:nvSpPr>
-          <p:cNvPr id="3" name="Picture Placeholder 2"/>
+          <p:cNvPr id="1488367483" name="Picture Placeholder 2"/>
           <p:cNvSpPr>
             <a:spLocks noChangeArrowheads="1" noGrp="1"/>
           </p:cNvSpPr>
@@ -5603,7 +5495,7 @@
       </p:sp>
       <p:sp>
         <p:nvSpPr>
-          <p:cNvPr id="4" name="Text Placeholder 3"/>
+          <p:cNvPr id="1581372254" name="Text Placeholder 3"/>
           <p:cNvSpPr>
             <a:spLocks noChangeArrowheads="1" noGrp="1"/>
           </p:cNvSpPr>
@@ -5671,7 +5563,7 @@
       </p:sp>
       <p:sp>
         <p:nvSpPr>
-          <p:cNvPr id="5" name="Date Placeholder 4"/>
+          <p:cNvPr id="1076034990" name="Date Placeholder 4"/>
           <p:cNvSpPr>
             <a:spLocks noChangeArrowheads="1" noGrp="1"/>
           </p:cNvSpPr>
@@ -5697,7 +5589,7 @@
       </p:sp>
       <p:sp>
         <p:nvSpPr>
-          <p:cNvPr id="6" name="Footer Placeholder 5"/>
+          <p:cNvPr id="780173395" name="Footer Placeholder 5"/>
           <p:cNvSpPr>
             <a:spLocks noChangeArrowheads="1" noGrp="1"/>
           </p:cNvSpPr>
@@ -5719,7 +5611,7 @@
       </p:sp>
       <p:sp>
         <p:nvSpPr>
-          <p:cNvPr id="7" name="Slide Number Placeholder 6"/>
+          <p:cNvPr id="726784714" name="Slide Number Placeholder 6"/>
           <p:cNvSpPr>
             <a:spLocks noChangeArrowheads="1" noGrp="1"/>
           </p:cNvSpPr>
@@ -5778,7 +5670,7 @@
       </p:grpSpPr>
       <p:sp>
         <p:nvSpPr>
-          <p:cNvPr id="2" name="Title Placeholder 1"/>
+          <p:cNvPr id="573479124" name="Title Placeholder 1"/>
           <p:cNvSpPr>
             <a:spLocks noChangeArrowheads="1" noGrp="1"/>
           </p:cNvSpPr>
@@ -5814,7 +5706,7 @@
       </p:sp>
       <p:sp>
         <p:nvSpPr>
-          <p:cNvPr id="3" name="Text Placeholder 2"/>
+          <p:cNvPr id="1895579737" name="Text Placeholder 2"/>
           <p:cNvSpPr>
             <a:spLocks noChangeArrowheads="1" noGrp="1"/>
           </p:cNvSpPr>
@@ -5890,7 +5782,7 @@
       </p:sp>
       <p:sp>
         <p:nvSpPr>
-          <p:cNvPr id="4" name="Date Placeholder 3"/>
+          <p:cNvPr id="1986485899" name="Date Placeholder 3"/>
           <p:cNvSpPr>
             <a:spLocks noChangeArrowheads="1" noGrp="1"/>
           </p:cNvSpPr>
@@ -5958,7 +5850,7 @@
       </p:sp>
       <p:sp>
         <p:nvSpPr>
-          <p:cNvPr id="5" name="Footer Placeholder 4"/>
+          <p:cNvPr id="1525140791" name="Footer Placeholder 4"/>
           <p:cNvSpPr>
             <a:spLocks noChangeArrowheads="1" noGrp="1"/>
           </p:cNvSpPr>
@@ -6022,7 +5914,7 @@
       </p:sp>
       <p:sp>
         <p:nvSpPr>
-          <p:cNvPr id="6" name="Slide Number Placeholder 5"/>
+          <p:cNvPr id="484921505" name="Slide Number Placeholder 5"/>
           <p:cNvSpPr>
             <a:spLocks noChangeArrowheads="1" noGrp="1"/>
           </p:cNvSpPr>
@@ -6709,7 +6601,7 @@
       </p:grpSpPr>
       <p:sp>
         <p:nvSpPr>
-          <p:cNvPr id="2" name="Title 3"/>
+          <p:cNvPr id="1166048530" name="Title 3"/>
           <p:cNvSpPr>
             <a:spLocks noChangeArrowheads="1" noGrp="1"/>
           </p:cNvSpPr>
@@ -6772,7 +6664,7 @@
       </p:sp>
       <p:sp>
         <p:nvSpPr>
-          <p:cNvPr id="3" name="Slide Number Placeholder 17"/>
+          <p:cNvPr id="2072544726" name="Slide Number Placeholder 17"/>
           <p:cNvSpPr>
             <a:spLocks noChangeArrowheads="1" noGrp="1"/>
           </p:cNvSpPr>
@@ -6833,7 +6725,7 @@
       </p:sp>
       <p:sp>
         <p:nvSpPr>
-          <p:cNvPr id="4" name="TextBox 36"/>
+          <p:cNvPr id="2142782548" name="TextBox 36"/>
           <p:cNvSpPr/>
           <p:nvPr/>
         </p:nvSpPr>
@@ -6919,7 +6811,7 @@
       </p:sp>
       <p:pic>
         <p:nvPicPr>
-          <p:cNvPr id="5" name="Picture 21" descr="A picture containing text, clipart&#10;&#10;Description automatically generated"/>
+          <p:cNvPr id="1682124517" name="Picture 21" descr="A picture containing text, clipart&#10;&#10;Description automatically generated"/>
           <p:cNvPicPr>
             <a:picLocks noChangeAspect="1"/>
           </p:cNvPicPr>
@@ -6990,7 +6882,7 @@
       </p:grpSpPr>
       <p:sp>
         <p:nvSpPr>
-          <p:cNvPr id="2" name="Title 3"/>
+          <p:cNvPr id="2025260866" name="Title 3"/>
           <p:cNvSpPr>
             <a:spLocks noChangeArrowheads="1" noGrp="1"/>
           </p:cNvSpPr>
@@ -7033,7 +6925,7 @@
                 <a:ea typeface="Verdana"/>
                 <a:cs typeface="Helvetica"/>
               </a:rPr>
-              <a:t>Governing Equation</a:t>
+              <a:t>Estimating Heat Transfer</a:t>
             </a:r>
             <a:endParaRPr sz="4000" cap="none">
               <a:latin typeface="Helvetica"/>
@@ -7045,7 +6937,7 @@
       </p:sp>
       <p:sp>
         <p:nvSpPr>
-          <p:cNvPr id="3" name="Slide Number Placeholder 17"/>
+          <p:cNvPr id="2103723208" name="Slide Number Placeholder 17"/>
           <p:cNvSpPr>
             <a:spLocks noChangeArrowheads="1" noGrp="1"/>
           </p:cNvSpPr>
@@ -7066,7 +6958,7 @@
             <a:pPr>
               <a:defRPr/>
             </a:pPr>
-            <a:fld id="{7ACEA6E3-AD97-9B50-D976-5B05E8382F0E}" type="slidenum">
+            <a:fld id="{3E21E6DC-92D3-7410-9D99-6445A8D76B31}" type="slidenum">
               <a:rPr sz="1600" cap="none">
                 <a:solidFill>
                   <a:srgbClr val="7F7F7F"/>
@@ -7075,7 +6967,7 @@
                 <a:ea typeface="Calibri"/>
                 <a:cs typeface="Helvetica"/>
               </a:rPr>
-              <a:t>10</a:t>
+              <a:t>11</a:t>
             </a:fld>
             <a:endParaRPr sz="1600" cap="none">
               <a:solidFill>
@@ -7090,7 +6982,7 @@
       </p:sp>
       <p:pic>
         <p:nvPicPr>
-          <p:cNvPr id="4" name="Picture 8" descr="A picture containing text, clipart&#10;&#10;Description automatically generated"/>
+          <p:cNvPr id="424889554" name="Picture 8" descr="A picture containing text, clipart&#10;&#10;Description automatically generated"/>
           <p:cNvPicPr>
             <a:picLocks noChangeAspect="1"/>
           </p:cNvPicPr>
@@ -7117,1686 +7009,7 @@
       </p:pic>
       <p:sp>
         <p:nvSpPr>
-          <p:cNvPr id="5" name="TextBox 1"/>
-          <p:cNvSpPr/>
-          <p:nvPr/>
-        </p:nvSpPr>
-        <p:spPr bwMode="auto">
-          <a:xfrm>
-            <a:off x="1056005" y="1929765"/>
-            <a:ext cx="10079990" cy="4284980"/>
-          </a:xfrm>
-          <a:prstGeom prst="rect">
-            <a:avLst/>
-          </a:prstGeom>
-          <a:noFill/>
-          <a:ln>
-            <a:noFill/>
-          </a:ln>
-          <a:effectLst/>
-        </p:spPr>
-        <p:txBody>
-          <a:bodyPr wrap="square">
-            <a:spAutoFit/>
-          </a:bodyPr>
-          <a:lstStyle/>
-          <a:p>
-            <a:pPr algn="ctr">
-              <a:lnSpc>
-                <a:spcPct val="120000"/>
-              </a:lnSpc>
-              <a:spcBef>
-                <a:spcPts val="600"/>
-              </a:spcBef>
-              <a:spcAft>
-                <a:spcPts val="600"/>
-              </a:spcAft>
-              <a:defRPr/>
-            </a:pPr>
-            <a:r>
-              <a:rPr lang="en-US" sz="1600">
-                <a:latin typeface="Helvetica"/>
-              </a:rPr>
-              <a:t>Continuing from previous slide, we set up our integration from </a:t>
-            </a:r>
-            <mc:AlternateContent xmlns:mc="http://schemas.openxmlformats.org/markup-compatibility/2006" xmlns:m="http://schemas.openxmlformats.org/officeDocument/2006/math">
-              <mc:Choice xmlns:a14="http://schemas.microsoft.com/office/drawing/2010/main" Requires="a14">
-                <a14:m>
-                  <m:oMathPara>
-                    <m:oMathParaPr/>
-                    <m:oMath>
-                      <m:r>
-                        <m:rPr/>
-                        <a:rPr lang="en-GB" sz="1600" b="0" i="1">
-                          <a:latin typeface="Cambria Math"/>
-                        </a:rPr>
-                        <m:t>𝑡</m:t>
-                      </m:r>
-                    </m:oMath>
-                  </m:oMathPara>
-                </a14:m>
-              </mc:Choice>
-              <mc:Fallback/>
-            </mc:AlternateContent>
-            <a:r>
-              <a:rPr lang="en-US" sz="1600">
-                <a:latin typeface="Helvetica"/>
-              </a:rPr>
-              <a:t> = 0, when </a:t>
-            </a:r>
-            <mc:AlternateContent xmlns:mc="http://schemas.openxmlformats.org/markup-compatibility/2006" xmlns:m="http://schemas.openxmlformats.org/officeDocument/2006/math">
-              <mc:Choice xmlns:a14="http://schemas.microsoft.com/office/drawing/2010/main" Requires="a14">
-                <a14:m>
-                  <m:oMathPara>
-                    <m:oMathParaPr/>
-                    <m:oMath>
-                      <m:r>
-                        <m:rPr/>
-                        <a:rPr lang="en-GB" sz="1600" b="0" i="1">
-                          <a:latin typeface="Cambria Math"/>
-                        </a:rPr>
-                        <m:t>𝑇</m:t>
-                      </m:r>
-                      <m:r>
-                        <m:rPr/>
-                        <a:rPr lang="en-GB" sz="1600" b="0" i="1">
-                          <a:latin typeface="Cambria Math"/>
-                        </a:rPr>
-                        <m:t>=</m:t>
-                      </m:r>
-                      <m:sSub>
-                        <m:sSubPr>
-                          <m:ctrlPr>
-                            <a:rPr lang="en-GB" sz="1600" b="0" i="1">
-                              <a:latin typeface="Cambria Math"/>
-                              <a:ea typeface="Cambria Math"/>
-                              <a:cs typeface="Cambria Math"/>
-                            </a:rPr>
-                          </m:ctrlPr>
-                        </m:sSubPr>
-                        <m:e>
-                          <m:r>
-                            <m:rPr/>
-                            <a:rPr lang="en-GB" sz="1600" b="0" i="1">
-                              <a:latin typeface="Cambria Math"/>
-                            </a:rPr>
-                            <m:t>𝑇</m:t>
-                          </m:r>
-                        </m:e>
-                        <m:sub>
-                          <m:r>
-                            <m:rPr/>
-                            <a:rPr lang="en-GB" sz="1600" b="0" i="1">
-                              <a:latin typeface="Cambria Math"/>
-                            </a:rPr>
-                            <m:t>𝑖</m:t>
-                          </m:r>
-                        </m:sub>
-                      </m:sSub>
-                    </m:oMath>
-                  </m:oMathPara>
-                </a14:m>
-              </mc:Choice>
-              <mc:Fallback/>
-            </mc:AlternateContent>
-            <a:r>
-              <a:rPr lang="en-US" sz="1600">
-                <a:latin typeface="Helvetica"/>
-              </a:rPr>
-              <a:t> to time </a:t>
-            </a:r>
-            <mc:AlternateContent xmlns:mc="http://schemas.openxmlformats.org/markup-compatibility/2006" xmlns:m="http://schemas.openxmlformats.org/officeDocument/2006/math">
-              <mc:Choice xmlns:a14="http://schemas.microsoft.com/office/drawing/2010/main" Requires="a14">
-                <a14:m>
-                  <m:oMathPara>
-                    <m:oMathParaPr/>
-                    <m:oMath>
-                      <m:r>
-                        <m:rPr/>
-                        <a:rPr lang="en-GB" sz="1600" b="0" i="1">
-                          <a:latin typeface="Cambria Math"/>
-                        </a:rPr>
-                        <m:t>𝑡</m:t>
-                      </m:r>
-                    </m:oMath>
-                  </m:oMathPara>
-                </a14:m>
-              </mc:Choice>
-              <mc:Fallback/>
-            </mc:AlternateContent>
-            <a:r>
-              <a:rPr lang="en-US" sz="1600">
-                <a:latin typeface="Helvetica"/>
-              </a:rPr>
-              <a:t> at which </a:t>
-            </a:r>
-            <mc:AlternateContent xmlns:mc="http://schemas.openxmlformats.org/markup-compatibility/2006" xmlns:m="http://schemas.openxmlformats.org/officeDocument/2006/math">
-              <mc:Choice xmlns:a14="http://schemas.microsoft.com/office/drawing/2010/main" Requires="a14">
-                <a14:m>
-                  <m:oMathPara>
-                    <m:oMathParaPr/>
-                    <m:oMath>
-                      <m:r>
-                        <m:rPr/>
-                        <a:rPr lang="en-GB" sz="1600" b="0" i="1">
-                          <a:latin typeface="Cambria Math"/>
-                        </a:rPr>
-                        <m:t>𝑇</m:t>
-                      </m:r>
-                      <m:r>
-                        <m:rPr/>
-                        <a:rPr lang="en-GB" sz="1600" b="0" i="1">
-                          <a:latin typeface="Cambria Math"/>
-                        </a:rPr>
-                        <m:t>=</m:t>
-                      </m:r>
-                      <m:r>
-                        <m:rPr/>
-                        <a:rPr lang="en-GB" sz="1600" b="0" i="1">
-                          <a:latin typeface="Cambria Math"/>
-                        </a:rPr>
-                        <m:t>𝑇</m:t>
-                      </m:r>
-                      <m:d>
-                        <m:dPr>
-                          <m:ctrlPr>
-                            <a:rPr lang="en-GB" sz="1600" b="0" i="1">
-                              <a:latin typeface="Cambria Math"/>
-                              <a:ea typeface="Cambria Math"/>
-                              <a:cs typeface="Cambria Math"/>
-                            </a:rPr>
-                          </m:ctrlPr>
-                        </m:dPr>
-                        <m:e>
-                          <m:r>
-                            <m:rPr/>
-                            <a:rPr lang="en-GB" sz="1600" b="0" i="1">
-                              <a:latin typeface="Cambria Math"/>
-                            </a:rPr>
-                            <m:t>𝑡</m:t>
-                          </m:r>
-                        </m:e>
-                      </m:d>
-                    </m:oMath>
-                  </m:oMathPara>
-                </a14:m>
-              </mc:Choice>
-              <mc:Fallback/>
-            </mc:AlternateContent>
-            <a:r>
-              <a:rPr lang="en-US" sz="1600">
-                <a:latin typeface="Helvetica"/>
-              </a:rPr>
-              <a:t>:</a:t>
-            </a:r>
-            <a:endParaRPr/>
-          </a:p>
-          <a:p>
-            <a:pPr algn="ctr">
-              <a:lnSpc>
-                <a:spcPct val="120000"/>
-              </a:lnSpc>
-              <a:spcBef>
-                <a:spcPts val="600"/>
-              </a:spcBef>
-              <a:spcAft>
-                <a:spcPts val="600"/>
-              </a:spcAft>
-              <a:defRPr/>
-            </a:pPr>
-            <mc:AlternateContent xmlns:mc="http://schemas.openxmlformats.org/markup-compatibility/2006" xmlns:m="http://schemas.openxmlformats.org/officeDocument/2006/math">
-              <mc:Choice xmlns:a14="http://schemas.microsoft.com/office/drawing/2010/main" Requires="a14">
-                <a14:m>
-                  <m:oMathPara>
-                    <m:oMathParaPr>
-                      <m:jc m:val="centerGroup"/>
-                    </m:oMathParaPr>
-                    <m:oMath>
-                      <m:f>
-                        <m:fPr>
-                          <m:ctrlPr>
-                            <a:rPr lang="en-GB" sz="1600" b="0" i="1">
-                              <a:latin typeface="Cambria Math"/>
-                              <a:ea typeface="Cambria Math"/>
-                              <a:cs typeface="Cambria Math"/>
-                            </a:rPr>
-                          </m:ctrlPr>
-                        </m:fPr>
-                        <m:num>
-                          <m:r>
-                            <m:rPr/>
-                            <a:rPr lang="en-GB" sz="1600" i="1">
-                              <a:latin typeface="Cambria Math"/>
-                            </a:rPr>
-                            <m:t>−</m:t>
-                          </m:r>
-                          <m:r>
-                            <m:rPr/>
-                            <a:rPr lang="en-GB" sz="1600" i="1">
-                              <a:latin typeface="Cambria Math"/>
-                            </a:rPr>
-                            <m:t>h</m:t>
-                          </m:r>
-                          <m:sSub>
-                            <m:sSubPr>
-                              <m:ctrlPr>
-                                <a:rPr lang="en-GB" sz="1600" i="1">
-                                  <a:latin typeface="Cambria Math"/>
-                                  <a:ea typeface="Cambria Math"/>
-                                  <a:cs typeface="Cambria Math"/>
-                                </a:rPr>
-                              </m:ctrlPr>
-                            </m:sSubPr>
-                            <m:e>
-                              <m:r>
-                                <m:rPr/>
-                                <a:rPr lang="en-GB" sz="1600" i="1">
-                                  <a:latin typeface="Cambria Math"/>
-                                </a:rPr>
-                                <m:t>𝐴</m:t>
-                              </m:r>
-                            </m:e>
-                            <m:sub>
-                              <m:r>
-                                <m:rPr/>
-                                <a:rPr lang="en-GB" sz="1600" i="1">
-                                  <a:latin typeface="Cambria Math"/>
-                                </a:rPr>
-                                <m:t>𝑠</m:t>
-                              </m:r>
-                            </m:sub>
-                          </m:sSub>
-                        </m:num>
-                        <m:den>
-                          <m:r>
-                            <m:rPr/>
-                            <a:rPr lang="en-GB" sz="1600" b="0" i="1">
-                              <a:latin typeface="Cambria Math"/>
-                            </a:rPr>
-                            <m:t>𝜌</m:t>
-                          </m:r>
-                          <m:r>
-                            <m:rPr/>
-                            <a:rPr lang="en-GB" sz="1600" b="0" i="1">
-                              <a:latin typeface="Cambria Math"/>
-                            </a:rPr>
-                            <m:t>𝑉</m:t>
-                          </m:r>
-                          <m:sSub>
-                            <m:sSubPr>
-                              <m:ctrlPr>
-                                <a:rPr lang="en-GB" sz="1600" b="0" i="1">
-                                  <a:latin typeface="Cambria Math"/>
-                                  <a:ea typeface="Cambria Math"/>
-                                  <a:cs typeface="Cambria Math"/>
-                                </a:rPr>
-                              </m:ctrlPr>
-                            </m:sSubPr>
-                            <m:e>
-                              <m:r>
-                                <m:rPr/>
-                                <a:rPr lang="en-GB" sz="1600" b="0" i="1">
-                                  <a:latin typeface="Cambria Math"/>
-                                </a:rPr>
-                                <m:t>𝐶</m:t>
-                              </m:r>
-                            </m:e>
-                            <m:sub>
-                              <m:r>
-                                <m:rPr/>
-                                <a:rPr lang="en-GB" sz="1600" b="0" i="1">
-                                  <a:latin typeface="Cambria Math"/>
-                                </a:rPr>
-                                <m:t>𝑝</m:t>
-                              </m:r>
-                            </m:sub>
-                          </m:sSub>
-                        </m:den>
-                      </m:f>
-                      <m:nary>
-                        <m:naryPr>
-                          <m:grow m:val="off"/>
-                          <m:ctrlPr>
-                            <a:rPr lang="en-GB" sz="1600" b="0" i="1">
-                              <a:latin typeface="Cambria Math"/>
-                              <a:ea typeface="Cambria Math"/>
-                              <a:cs typeface="Cambria Math"/>
-                            </a:rPr>
-                          </m:ctrlPr>
-                        </m:naryPr>
-                        <m:sub>
-                          <m:r>
-                            <m:rPr>
-                              <m:brk m:alnAt="23"/>
-                            </m:rPr>
-                            <a:rPr lang="en-GB" sz="1600" b="0" i="1">
-                              <a:latin typeface="Cambria Math"/>
-                            </a:rPr>
-                            <m:t>0</m:t>
-                          </m:r>
-                        </m:sub>
-                        <m:sup>
-                          <m:r>
-                            <m:rPr/>
-                            <a:rPr lang="en-GB" sz="1600" b="0" i="1">
-                              <a:latin typeface="Cambria Math"/>
-                            </a:rPr>
-                            <m:t>𝑡</m:t>
-                          </m:r>
-                        </m:sup>
-                        <m:e>
-                          <m:r>
-                            <m:rPr/>
-                            <a:rPr lang="en-GB" sz="1600" i="1">
-                              <a:latin typeface="Cambria Math"/>
-                            </a:rPr>
-                            <m:t>𝑑𝑡</m:t>
-                          </m:r>
-                        </m:e>
-                      </m:nary>
-                      <m:r>
-                        <m:rPr/>
-                        <a:rPr lang="en-GB" sz="1600" b="0" i="1">
-                          <a:latin typeface="Cambria Math"/>
-                        </a:rPr>
-                        <m:t>=</m:t>
-                      </m:r>
-                      <m:nary>
-                        <m:naryPr>
-                          <m:grow m:val="off"/>
-                          <m:ctrlPr>
-                            <a:rPr lang="en-GB" sz="1600" b="0" i="1">
-                              <a:latin typeface="Cambria Math"/>
-                              <a:ea typeface="Cambria Math"/>
-                              <a:cs typeface="Cambria Math"/>
-                            </a:rPr>
-                          </m:ctrlPr>
-                        </m:naryPr>
-                        <m:sub>
-                          <m:sSub>
-                            <m:sSubPr>
-                              <m:ctrlPr>
-                                <a:rPr lang="en-GB" sz="1600" b="0" i="1">
-                                  <a:latin typeface="Cambria Math"/>
-                                  <a:ea typeface="Cambria Math"/>
-                                  <a:cs typeface="Cambria Math"/>
-                                </a:rPr>
-                              </m:ctrlPr>
-                            </m:sSubPr>
-                            <m:e>
-                              <m:r>
-                                <m:rPr>
-                                  <m:brk m:alnAt="23"/>
-                                </m:rPr>
-                                <a:rPr lang="en-GB" sz="1600" b="0" i="1">
-                                  <a:latin typeface="Cambria Math"/>
-                                </a:rPr>
-                                <m:t>𝑇</m:t>
-                              </m:r>
-                            </m:e>
-                            <m:sub>
-                              <m:r>
-                                <m:rPr>
-                                  <m:brk m:alnAt="23"/>
-                                </m:rPr>
-                                <a:rPr lang="en-GB" sz="1600" b="0" i="1">
-                                  <a:latin typeface="Cambria Math"/>
-                                </a:rPr>
-                                <m:t>𝑖</m:t>
-                              </m:r>
-                            </m:sub>
-                          </m:sSub>
-                        </m:sub>
-                        <m:sup>
-                          <m:r>
-                            <m:rPr/>
-                            <a:rPr lang="en-GB" sz="1600" b="0" i="1">
-                              <a:latin typeface="Cambria Math"/>
-                            </a:rPr>
-                            <m:t>𝑇</m:t>
-                          </m:r>
-                        </m:sup>
-                        <m:e>
-                          <m:f>
-                            <m:fPr>
-                              <m:ctrlPr>
-                                <a:rPr lang="en-GB" sz="1600" i="1">
-                                  <a:latin typeface="Cambria Math"/>
-                                  <a:ea typeface="Cambria Math"/>
-                                  <a:cs typeface="Cambria Math"/>
-                                </a:rPr>
-                              </m:ctrlPr>
-                            </m:fPr>
-                            <m:num>
-                              <m:r>
-                                <m:rPr/>
-                                <a:rPr lang="en-GB" sz="1600" i="1">
-                                  <a:latin typeface="Cambria Math"/>
-                                </a:rPr>
-                                <m:t>𝑑</m:t>
-                              </m:r>
-                              <m:d>
-                                <m:dPr>
-                                  <m:ctrlPr>
-                                    <a:rPr lang="en-GB" sz="1600" i="1">
-                                      <a:latin typeface="Cambria Math"/>
-                                      <a:ea typeface="Cambria Math"/>
-                                      <a:cs typeface="Cambria Math"/>
-                                    </a:rPr>
-                                  </m:ctrlPr>
-                                </m:dPr>
-                                <m:e>
-                                  <m:r>
-                                    <m:rPr/>
-                                    <a:rPr lang="en-GB" sz="1600" i="1">
-                                      <a:latin typeface="Cambria Math"/>
-                                    </a:rPr>
-                                    <m:t>𝑇</m:t>
-                                  </m:r>
-                                  <m:r>
-                                    <m:rPr/>
-                                    <a:rPr lang="en-GB" sz="1600" i="1">
-                                      <a:latin typeface="Cambria Math"/>
-                                    </a:rPr>
-                                    <m:t>−</m:t>
-                                  </m:r>
-                                  <m:sSub>
-                                    <m:sSubPr>
-                                      <m:ctrlPr>
-                                        <a:rPr lang="en-GB" sz="1600" i="1">
-                                          <a:latin typeface="Cambria Math"/>
-                                          <a:ea typeface="Cambria Math"/>
-                                          <a:cs typeface="Cambria Math"/>
-                                        </a:rPr>
-                                      </m:ctrlPr>
-                                    </m:sSubPr>
-                                    <m:e>
-                                      <m:r>
-                                        <m:rPr/>
-                                        <a:rPr lang="en-GB" sz="1600" i="1">
-                                          <a:latin typeface="Cambria Math"/>
-                                        </a:rPr>
-                                        <m:t>𝑇</m:t>
-                                      </m:r>
-                                    </m:e>
-                                    <m:sub>
-                                      <m:r>
-                                        <m:rPr/>
-                                        <a:rPr lang="en-GB" sz="1600" i="1">
-                                          <a:latin typeface="Cambria Math"/>
-                                        </a:rPr>
-                                        <m:t>∞</m:t>
-                                      </m:r>
-                                    </m:sub>
-                                  </m:sSub>
-                                </m:e>
-                              </m:d>
-                            </m:num>
-                            <m:den>
-                              <m:r>
-                                <m:rPr/>
-                                <a:rPr lang="en-GB" sz="1600" i="1">
-                                  <a:latin typeface="Cambria Math"/>
-                                </a:rPr>
-                                <m:t>𝑇</m:t>
-                              </m:r>
-                              <m:r>
-                                <m:rPr/>
-                                <a:rPr lang="en-GB" sz="1600" i="1">
-                                  <a:latin typeface="Cambria Math"/>
-                                </a:rPr>
-                                <m:t>−</m:t>
-                              </m:r>
-                              <m:sSub>
-                                <m:sSubPr>
-                                  <m:ctrlPr>
-                                    <a:rPr lang="en-GB" sz="1600" i="1">
-                                      <a:latin typeface="Cambria Math"/>
-                                      <a:ea typeface="Cambria Math"/>
-                                      <a:cs typeface="Cambria Math"/>
-                                    </a:rPr>
-                                  </m:ctrlPr>
-                                </m:sSubPr>
-                                <m:e>
-                                  <m:r>
-                                    <m:rPr/>
-                                    <a:rPr lang="en-GB" sz="1600" i="1">
-                                      <a:latin typeface="Cambria Math"/>
-                                    </a:rPr>
-                                    <m:t>𝑇</m:t>
-                                  </m:r>
-                                </m:e>
-                                <m:sub>
-                                  <m:r>
-                                    <m:rPr/>
-                                    <a:rPr lang="en-GB" sz="1600" i="1">
-                                      <a:latin typeface="Cambria Math"/>
-                                    </a:rPr>
-                                    <m:t>∞</m:t>
-                                  </m:r>
-                                </m:sub>
-                              </m:sSub>
-                            </m:den>
-                          </m:f>
-                        </m:e>
-                      </m:nary>
-                    </m:oMath>
-                  </m:oMathPara>
-                </a14:m>
-              </mc:Choice>
-              <mc:Fallback/>
-            </mc:AlternateContent>
-            <a:endParaRPr lang="en-US" sz="1600">
-              <a:latin typeface="Helvetica"/>
-            </a:endParaRPr>
-          </a:p>
-          <a:p>
-            <a:pPr algn="ctr">
-              <a:lnSpc>
-                <a:spcPct val="120000"/>
-              </a:lnSpc>
-              <a:spcBef>
-                <a:spcPts val="600"/>
-              </a:spcBef>
-              <a:spcAft>
-                <a:spcPts val="600"/>
-              </a:spcAft>
-              <a:defRPr/>
-            </a:pPr>
-            <a:r>
-              <a:rPr lang="en-US" sz="1600">
-                <a:latin typeface="Helvetica"/>
-              </a:rPr>
-              <a:t>And after performing the integration we get:</a:t>
-            </a:r>
-            <a:endParaRPr/>
-          </a:p>
-          <a:p>
-            <a:pPr algn="ctr">
-              <a:lnSpc>
-                <a:spcPct val="120000"/>
-              </a:lnSpc>
-              <a:spcBef>
-                <a:spcPts val="600"/>
-              </a:spcBef>
-              <a:spcAft>
-                <a:spcPts val="600"/>
-              </a:spcAft>
-              <a:defRPr/>
-            </a:pPr>
-            <mc:AlternateContent xmlns:mc="http://schemas.openxmlformats.org/markup-compatibility/2006" xmlns:m="http://schemas.openxmlformats.org/officeDocument/2006/math">
-              <mc:Choice xmlns:a14="http://schemas.microsoft.com/office/drawing/2010/main" Requires="a14">
-                <a14:m>
-                  <m:oMathPara>
-                    <m:oMathParaPr>
-                      <m:jc m:val="centerGroup"/>
-                    </m:oMathParaPr>
-                    <m:oMath>
-                      <m:r>
-                        <m:rPr/>
-                        <a:rPr lang="en-GB" sz="1600" b="0" i="1">
-                          <a:latin typeface="Cambria Math"/>
-                        </a:rPr>
-                        <m:t>−</m:t>
-                      </m:r>
-                      <m:f>
-                        <m:fPr>
-                          <m:ctrlPr>
-                            <a:rPr lang="en-GB" sz="1600" i="1">
-                              <a:latin typeface="Cambria Math"/>
-                              <a:ea typeface="Cambria Math"/>
-                              <a:cs typeface="Cambria Math"/>
-                            </a:rPr>
-                          </m:ctrlPr>
-                        </m:fPr>
-                        <m:num>
-                          <m:r>
-                            <m:rPr/>
-                            <a:rPr lang="en-GB" sz="1600" i="1">
-                              <a:latin typeface="Cambria Math"/>
-                            </a:rPr>
-                            <m:t>h</m:t>
-                          </m:r>
-                          <m:sSub>
-                            <m:sSubPr>
-                              <m:ctrlPr>
-                                <a:rPr lang="en-GB" sz="1600" i="1">
-                                  <a:latin typeface="Cambria Math"/>
-                                  <a:ea typeface="Cambria Math"/>
-                                  <a:cs typeface="Cambria Math"/>
-                                </a:rPr>
-                              </m:ctrlPr>
-                            </m:sSubPr>
-                            <m:e>
-                              <m:r>
-                                <m:rPr/>
-                                <a:rPr lang="en-GB" sz="1600" i="1">
-                                  <a:latin typeface="Cambria Math"/>
-                                </a:rPr>
-                                <m:t>𝐴</m:t>
-                              </m:r>
-                            </m:e>
-                            <m:sub>
-                              <m:r>
-                                <m:rPr/>
-                                <a:rPr lang="en-GB" sz="1600" i="1">
-                                  <a:latin typeface="Cambria Math"/>
-                                </a:rPr>
-                                <m:t>𝑠</m:t>
-                              </m:r>
-                            </m:sub>
-                          </m:sSub>
-                        </m:num>
-                        <m:den>
-                          <m:r>
-                            <m:rPr/>
-                            <a:rPr lang="en-GB" sz="1600" i="1">
-                              <a:latin typeface="Cambria Math"/>
-                            </a:rPr>
-                            <m:t>𝜌</m:t>
-                          </m:r>
-                          <m:r>
-                            <m:rPr/>
-                            <a:rPr lang="en-GB" sz="1600" i="1">
-                              <a:latin typeface="Cambria Math"/>
-                            </a:rPr>
-                            <m:t>𝑉</m:t>
-                          </m:r>
-                          <m:sSub>
-                            <m:sSubPr>
-                              <m:ctrlPr>
-                                <a:rPr lang="en-GB" sz="1600" i="1">
-                                  <a:latin typeface="Cambria Math"/>
-                                  <a:ea typeface="Cambria Math"/>
-                                  <a:cs typeface="Cambria Math"/>
-                                </a:rPr>
-                              </m:ctrlPr>
-                            </m:sSubPr>
-                            <m:e>
-                              <m:r>
-                                <m:rPr/>
-                                <a:rPr lang="en-GB" sz="1600" i="1">
-                                  <a:latin typeface="Cambria Math"/>
-                                </a:rPr>
-                                <m:t>𝐶</m:t>
-                              </m:r>
-                            </m:e>
-                            <m:sub>
-                              <m:r>
-                                <m:rPr/>
-                                <a:rPr lang="en-GB" sz="1600" i="1">
-                                  <a:latin typeface="Cambria Math"/>
-                                </a:rPr>
-                                <m:t>𝑝</m:t>
-                              </m:r>
-                            </m:sub>
-                          </m:sSub>
-                        </m:den>
-                      </m:f>
-                      <m:r>
-                        <m:rPr/>
-                        <a:rPr lang="en-GB" sz="1600" b="0" i="1">
-                          <a:latin typeface="Cambria Math"/>
-                        </a:rPr>
-                        <m:t>𝑡</m:t>
-                      </m:r>
-                      <m:r>
-                        <m:rPr/>
-                        <a:rPr lang="en-GB" sz="1600" b="0" i="1">
-                          <a:latin typeface="Cambria Math"/>
-                        </a:rPr>
-                        <m:t>=</m:t>
-                      </m:r>
-                      <m:func>
-                        <m:funcPr>
-                          <m:ctrlPr>
-                            <a:rPr lang="en-GB" sz="1600" b="0" i="1">
-                              <a:latin typeface="Cambria Math"/>
-                              <a:ea typeface="Cambria Math"/>
-                              <a:cs typeface="Cambria Math"/>
-                            </a:rPr>
-                          </m:ctrlPr>
-                        </m:funcPr>
-                        <m:fName>
-                          <m:r>
-                            <m:rPr>
-                              <m:sty m:val="p"/>
-                            </m:rPr>
-                            <a:rPr lang="en-GB" sz="1600" b="0" i="0">
-                              <a:latin typeface="Cambria Math"/>
-                            </a:rPr>
-                            <m:t>ln</m:t>
-                          </m:r>
-                        </m:fName>
-                        <m:e>
-                          <m:d>
-                            <m:dPr>
-                              <m:begChr m:val="["/>
-                              <m:endChr m:val="]"/>
-                              <m:ctrlPr>
-                                <a:rPr lang="en-GB" sz="1600" b="0" i="1">
-                                  <a:latin typeface="Cambria Math"/>
-                                  <a:ea typeface="Cambria Math"/>
-                                  <a:cs typeface="Cambria Math"/>
-                                </a:rPr>
-                              </m:ctrlPr>
-                            </m:dPr>
-                            <m:e>
-                              <m:f>
-                                <m:fPr>
-                                  <m:ctrlPr>
-                                    <a:rPr lang="en-GB" sz="1600" i="1">
-                                      <a:latin typeface="Cambria Math"/>
-                                      <a:ea typeface="Cambria Math"/>
-                                      <a:cs typeface="Cambria Math"/>
-                                    </a:rPr>
-                                  </m:ctrlPr>
-                                </m:fPr>
-                                <m:num>
-                                  <m:r>
-                                    <m:rPr/>
-                                    <a:rPr lang="en-GB" sz="1600" i="1">
-                                      <a:latin typeface="Cambria Math"/>
-                                    </a:rPr>
-                                    <m:t>𝑇</m:t>
-                                  </m:r>
-                                  <m:d>
-                                    <m:dPr>
-                                      <m:ctrlPr>
-                                        <a:rPr lang="en-GB" sz="1600" i="1">
-                                          <a:latin typeface="Cambria Math"/>
-                                          <a:ea typeface="Cambria Math"/>
-                                          <a:cs typeface="Cambria Math"/>
-                                        </a:rPr>
-                                      </m:ctrlPr>
-                                    </m:dPr>
-                                    <m:e>
-                                      <m:r>
-                                        <m:rPr/>
-                                        <a:rPr lang="en-GB" sz="1600" i="1">
-                                          <a:latin typeface="Cambria Math"/>
-                                        </a:rPr>
-                                        <m:t>𝑡</m:t>
-                                      </m:r>
-                                    </m:e>
-                                  </m:d>
-                                  <m:r>
-                                    <m:rPr/>
-                                    <a:rPr lang="en-GB" sz="1600" i="1">
-                                      <a:latin typeface="Cambria Math"/>
-                                    </a:rPr>
-                                    <m:t>−</m:t>
-                                  </m:r>
-                                  <m:sSub>
-                                    <m:sSubPr>
-                                      <m:ctrlPr>
-                                        <a:rPr lang="en-GB" sz="1600" i="1">
-                                          <a:latin typeface="Cambria Math"/>
-                                          <a:ea typeface="Cambria Math"/>
-                                          <a:cs typeface="Cambria Math"/>
-                                        </a:rPr>
-                                      </m:ctrlPr>
-                                    </m:sSubPr>
-                                    <m:e>
-                                      <m:r>
-                                        <m:rPr/>
-                                        <a:rPr lang="en-GB" sz="1600" i="1">
-                                          <a:latin typeface="Cambria Math"/>
-                                        </a:rPr>
-                                        <m:t>𝑇</m:t>
-                                      </m:r>
-                                    </m:e>
-                                    <m:sub>
-                                      <m:r>
-                                        <m:rPr/>
-                                        <a:rPr lang="en-GB" sz="1600" i="1">
-                                          <a:latin typeface="Cambria Math"/>
-                                        </a:rPr>
-                                        <m:t>∞</m:t>
-                                      </m:r>
-                                    </m:sub>
-                                  </m:sSub>
-                                </m:num>
-                                <m:den>
-                                  <m:sSub>
-                                    <m:sSubPr>
-                                      <m:ctrlPr>
-                                        <a:rPr lang="en-GB" sz="1600" i="1">
-                                          <a:latin typeface="Cambria Math"/>
-                                          <a:ea typeface="Cambria Math"/>
-                                          <a:cs typeface="Cambria Math"/>
-                                        </a:rPr>
-                                      </m:ctrlPr>
-                                    </m:sSubPr>
-                                    <m:e>
-                                      <m:r>
-                                        <m:rPr/>
-                                        <a:rPr lang="en-GB" sz="1600" i="1">
-                                          <a:latin typeface="Cambria Math"/>
-                                        </a:rPr>
-                                        <m:t>𝑇</m:t>
-                                      </m:r>
-                                    </m:e>
-                                    <m:sub>
-                                      <m:r>
-                                        <m:rPr/>
-                                        <a:rPr lang="en-GB" sz="1600" i="1">
-                                          <a:latin typeface="Cambria Math"/>
-                                        </a:rPr>
-                                        <m:t>𝑖</m:t>
-                                      </m:r>
-                                    </m:sub>
-                                  </m:sSub>
-                                  <m:r>
-                                    <m:rPr/>
-                                    <a:rPr lang="en-GB" sz="1600" i="1">
-                                      <a:latin typeface="Cambria Math"/>
-                                    </a:rPr>
-                                    <m:t>−</m:t>
-                                  </m:r>
-                                  <m:sSub>
-                                    <m:sSubPr>
-                                      <m:ctrlPr>
-                                        <a:rPr lang="en-GB" sz="1600" i="1">
-                                          <a:latin typeface="Cambria Math"/>
-                                          <a:ea typeface="Cambria Math"/>
-                                          <a:cs typeface="Cambria Math"/>
-                                        </a:rPr>
-                                      </m:ctrlPr>
-                                    </m:sSubPr>
-                                    <m:e>
-                                      <m:r>
-                                        <m:rPr/>
-                                        <a:rPr lang="en-GB" sz="1600" i="1">
-                                          <a:latin typeface="Cambria Math"/>
-                                        </a:rPr>
-                                        <m:t>𝑇</m:t>
-                                      </m:r>
-                                    </m:e>
-                                    <m:sub>
-                                      <m:r>
-                                        <m:rPr/>
-                                        <a:rPr lang="en-GB" sz="1600" i="1">
-                                          <a:latin typeface="Cambria Math"/>
-                                        </a:rPr>
-                                        <m:t>∞</m:t>
-                                      </m:r>
-                                    </m:sub>
-                                  </m:sSub>
-                                </m:den>
-                              </m:f>
-                            </m:e>
-                          </m:d>
-                        </m:e>
-                      </m:func>
-                    </m:oMath>
-                  </m:oMathPara>
-                </a14:m>
-              </mc:Choice>
-              <mc:Fallback/>
-            </mc:AlternateContent>
-            <a:endParaRPr lang="en-US" sz="1600">
-              <a:latin typeface="Helvetica"/>
-            </a:endParaRPr>
-          </a:p>
-          <a:p>
-            <a:pPr algn="ctr">
-              <a:lnSpc>
-                <a:spcPct val="120000"/>
-              </a:lnSpc>
-              <a:spcBef>
-                <a:spcPts val="600"/>
-              </a:spcBef>
-              <a:spcAft>
-                <a:spcPts val="600"/>
-              </a:spcAft>
-              <a:defRPr/>
-            </a:pPr>
-            <a:r>
-              <a:rPr lang="en-US" sz="1600">
-                <a:latin typeface="Helvetica"/>
-              </a:rPr>
-              <a:t>Taking the exponential of both sides and rearranging leaves us with the desired result:</a:t>
-            </a:r>
-            <a:endParaRPr/>
-          </a:p>
-          <a:p>
-            <a:pPr algn="ctr">
-              <a:lnSpc>
-                <a:spcPct val="120000"/>
-              </a:lnSpc>
-              <a:spcBef>
-                <a:spcPts val="600"/>
-              </a:spcBef>
-              <a:spcAft>
-                <a:spcPts val="600"/>
-              </a:spcAft>
-              <a:defRPr/>
-            </a:pPr>
-            <mc:AlternateContent xmlns:mc="http://schemas.openxmlformats.org/markup-compatibility/2006" xmlns:m="http://schemas.openxmlformats.org/officeDocument/2006/math">
-              <mc:Choice xmlns:a14="http://schemas.microsoft.com/office/drawing/2010/main" Requires="a14">
-                <a14:m>
-                  <m:oMathPara>
-                    <m:oMathParaPr>
-                      <m:jc m:val="centerGroup"/>
-                    </m:oMathParaPr>
-                    <m:oMath>
-                      <m:borderBox>
-                        <m:borderBoxPr>
-                          <m:ctrlPr>
-                            <a:rPr lang="en-GB" sz="1600" b="1" i="1">
-                              <a:latin typeface="Cambria Math"/>
-                              <a:ea typeface="Cambria Math"/>
-                              <a:cs typeface="Cambria Math"/>
-                            </a:rPr>
-                          </m:ctrlPr>
-                        </m:borderBoxPr>
-                        <m:e>
-                          <m:f>
-                            <m:fPr>
-                              <m:ctrlPr>
-                                <a:rPr lang="en-GB" sz="1600" b="1" i="1">
-                                  <a:latin typeface="Cambria Math"/>
-                                  <a:ea typeface="Cambria Math"/>
-                                  <a:cs typeface="Cambria Math"/>
-                                </a:rPr>
-                              </m:ctrlPr>
-                            </m:fPr>
-                            <m:num>
-                              <m:r>
-                                <m:rPr/>
-                                <a:rPr lang="en-GB" sz="1600" b="1" i="1">
-                                  <a:latin typeface="Cambria Math"/>
-                                </a:rPr>
-                                <m:t>𝑻</m:t>
-                              </m:r>
-                              <m:d>
-                                <m:dPr>
-                                  <m:ctrlPr>
-                                    <a:rPr lang="en-GB" sz="1600" b="1" i="1">
-                                      <a:latin typeface="Cambria Math"/>
-                                      <a:ea typeface="Cambria Math"/>
-                                      <a:cs typeface="Cambria Math"/>
-                                    </a:rPr>
-                                  </m:ctrlPr>
-                                </m:dPr>
-                                <m:e>
-                                  <m:r>
-                                    <m:rPr/>
-                                    <a:rPr lang="en-GB" sz="1600" b="1" i="1">
-                                      <a:latin typeface="Cambria Math"/>
-                                    </a:rPr>
-                                    <m:t>𝒕</m:t>
-                                  </m:r>
-                                </m:e>
-                              </m:d>
-                              <m:r>
-                                <m:rPr/>
-                                <a:rPr lang="en-GB" sz="1600" b="1" i="1">
-                                  <a:latin typeface="Cambria Math"/>
-                                </a:rPr>
-                                <m:t>−</m:t>
-                              </m:r>
-                              <m:sSub>
-                                <m:sSubPr>
-                                  <m:ctrlPr>
-                                    <a:rPr lang="en-GB" sz="1600" b="1" i="1">
-                                      <a:latin typeface="Cambria Math"/>
-                                      <a:ea typeface="Cambria Math"/>
-                                      <a:cs typeface="Cambria Math"/>
-                                    </a:rPr>
-                                  </m:ctrlPr>
-                                </m:sSubPr>
-                                <m:e>
-                                  <m:r>
-                                    <m:rPr/>
-                                    <a:rPr lang="en-GB" sz="1600" b="1" i="1">
-                                      <a:latin typeface="Cambria Math"/>
-                                    </a:rPr>
-                                    <m:t>𝑻</m:t>
-                                  </m:r>
-                                </m:e>
-                                <m:sub>
-                                  <m:r>
-                                    <m:rPr/>
-                                    <a:rPr lang="en-GB" sz="1600" b="1" i="1">
-                                      <a:latin typeface="Cambria Math"/>
-                                    </a:rPr>
-                                    <m:t>∞</m:t>
-                                  </m:r>
-                                </m:sub>
-                              </m:sSub>
-                            </m:num>
-                            <m:den>
-                              <m:sSub>
-                                <m:sSubPr>
-                                  <m:ctrlPr>
-                                    <a:rPr lang="en-GB" sz="1600" b="1" i="1">
-                                      <a:latin typeface="Cambria Math"/>
-                                      <a:ea typeface="Cambria Math"/>
-                                      <a:cs typeface="Cambria Math"/>
-                                    </a:rPr>
-                                  </m:ctrlPr>
-                                </m:sSubPr>
-                                <m:e>
-                                  <m:r>
-                                    <m:rPr/>
-                                    <a:rPr lang="en-GB" sz="1600" b="1" i="1">
-                                      <a:latin typeface="Cambria Math"/>
-                                    </a:rPr>
-                                    <m:t>𝑻</m:t>
-                                  </m:r>
-                                </m:e>
-                                <m:sub>
-                                  <m:r>
-                                    <m:rPr/>
-                                    <a:rPr lang="en-GB" sz="1600" b="1" i="1">
-                                      <a:latin typeface="Cambria Math"/>
-                                    </a:rPr>
-                                    <m:t>𝒊</m:t>
-                                  </m:r>
-                                </m:sub>
-                              </m:sSub>
-                              <m:r>
-                                <m:rPr/>
-                                <a:rPr lang="en-GB" sz="1600" b="1" i="1">
-                                  <a:latin typeface="Cambria Math"/>
-                                </a:rPr>
-                                <m:t>−</m:t>
-                              </m:r>
-                              <m:sSub>
-                                <m:sSubPr>
-                                  <m:ctrlPr>
-                                    <a:rPr lang="en-GB" sz="1600" b="1" i="1">
-                                      <a:latin typeface="Cambria Math"/>
-                                      <a:ea typeface="Cambria Math"/>
-                                      <a:cs typeface="Cambria Math"/>
-                                    </a:rPr>
-                                  </m:ctrlPr>
-                                </m:sSubPr>
-                                <m:e>
-                                  <m:r>
-                                    <m:rPr/>
-                                    <a:rPr lang="en-GB" sz="1600" b="1" i="1">
-                                      <a:latin typeface="Cambria Math"/>
-                                    </a:rPr>
-                                    <m:t>𝑻</m:t>
-                                  </m:r>
-                                </m:e>
-                                <m:sub>
-                                  <m:r>
-                                    <m:rPr/>
-                                    <a:rPr lang="en-GB" sz="1600" b="1" i="1">
-                                      <a:latin typeface="Cambria Math"/>
-                                    </a:rPr>
-                                    <m:t>∞</m:t>
-                                  </m:r>
-                                </m:sub>
-                              </m:sSub>
-                            </m:den>
-                          </m:f>
-                          <m:r>
-                            <m:rPr/>
-                            <a:rPr lang="en-GB" sz="1600" b="1" i="1">
-                              <a:latin typeface="Cambria Math"/>
-                            </a:rPr>
-                            <m:t>=</m:t>
-                          </m:r>
-                          <m:sSup>
-                            <m:sSupPr>
-                              <m:ctrlPr>
-                                <a:rPr lang="en-GB" sz="1600" b="1" i="1">
-                                  <a:latin typeface="Cambria Math"/>
-                                  <a:ea typeface="Cambria Math"/>
-                                  <a:cs typeface="Cambria Math"/>
-                                </a:rPr>
-                              </m:ctrlPr>
-                            </m:sSupPr>
-                            <m:e>
-                              <m:r>
-                                <m:rPr/>
-                                <a:rPr lang="en-GB" sz="1600" b="1" i="1">
-                                  <a:latin typeface="Cambria Math"/>
-                                </a:rPr>
-                                <m:t>𝒆</m:t>
-                              </m:r>
-                            </m:e>
-                            <m:sup>
-                              <m:r>
-                                <m:rPr/>
-                                <a:rPr lang="en-GB" sz="1600" b="1" i="1">
-                                  <a:latin typeface="Cambria Math"/>
-                                </a:rPr>
-                                <m:t>−</m:t>
-                              </m:r>
-                              <m:r>
-                                <m:rPr/>
-                                <a:rPr lang="en-GB" sz="1600" b="1" i="1">
-                                  <a:latin typeface="Cambria Math"/>
-                                </a:rPr>
-                                <m:t>𝒃𝒕</m:t>
-                              </m:r>
-                            </m:sup>
-                          </m:sSup>
-                        </m:e>
-                      </m:borderBox>
-                    </m:oMath>
-                  </m:oMathPara>
-                </a14:m>
-              </mc:Choice>
-              <mc:Fallback/>
-            </mc:AlternateContent>
-            <a:endParaRPr lang="en-US" sz="1600" b="1">
-              <a:latin typeface="Helvetica"/>
-            </a:endParaRPr>
-          </a:p>
-          <a:p>
-            <a:pPr algn="ctr">
-              <a:lnSpc>
-                <a:spcPct val="120000"/>
-              </a:lnSpc>
-              <a:spcBef>
-                <a:spcPts val="600"/>
-              </a:spcBef>
-              <a:spcAft>
-                <a:spcPts val="600"/>
-              </a:spcAft>
-              <a:defRPr/>
-            </a:pPr>
-            <a:r>
-              <a:rPr lang="en-US" sz="1600">
-                <a:latin typeface="Helvetica"/>
-              </a:rPr>
-              <a:t>where  </a:t>
-            </a:r>
-            <mc:AlternateContent xmlns:mc="http://schemas.openxmlformats.org/markup-compatibility/2006" xmlns:m="http://schemas.openxmlformats.org/officeDocument/2006/math">
-              <mc:Choice xmlns:a14="http://schemas.microsoft.com/office/drawing/2010/main" Requires="a14">
-                <a14:m>
-                  <m:oMathPara>
-                    <m:oMathParaPr/>
-                    <m:oMath>
-                      <m:r>
-                        <m:rPr/>
-                        <a:rPr lang="en-GB" sz="1600" b="0" i="1">
-                          <a:latin typeface="Cambria Math"/>
-                        </a:rPr>
-                        <m:t>𝑏</m:t>
-                      </m:r>
-                      <m:r>
-                        <m:rPr/>
-                        <a:rPr lang="en-GB" sz="1600" b="0" i="1">
-                          <a:latin typeface="Cambria Math"/>
-                        </a:rPr>
-                        <m:t>=</m:t>
-                      </m:r>
-                      <m:f>
-                        <m:fPr>
-                          <m:ctrlPr>
-                            <a:rPr lang="en-GB" sz="1600" i="1">
-                              <a:latin typeface="Cambria Math"/>
-                              <a:ea typeface="Cambria Math"/>
-                              <a:cs typeface="Cambria Math"/>
-                            </a:rPr>
-                          </m:ctrlPr>
-                        </m:fPr>
-                        <m:num>
-                          <m:r>
-                            <m:rPr/>
-                            <a:rPr lang="en-GB" sz="1600" i="1">
-                              <a:latin typeface="Cambria Math"/>
-                            </a:rPr>
-                            <m:t>h</m:t>
-                          </m:r>
-                          <m:sSub>
-                            <m:sSubPr>
-                              <m:ctrlPr>
-                                <a:rPr lang="en-GB" sz="1600" i="1">
-                                  <a:latin typeface="Cambria Math"/>
-                                  <a:ea typeface="Cambria Math"/>
-                                  <a:cs typeface="Cambria Math"/>
-                                </a:rPr>
-                              </m:ctrlPr>
-                            </m:sSubPr>
-                            <m:e>
-                              <m:r>
-                                <m:rPr/>
-                                <a:rPr lang="en-GB" sz="1600" i="1">
-                                  <a:latin typeface="Cambria Math"/>
-                                </a:rPr>
-                                <m:t>𝐴</m:t>
-                              </m:r>
-                            </m:e>
-                            <m:sub>
-                              <m:r>
-                                <m:rPr/>
-                                <a:rPr lang="en-GB" sz="1600" i="1">
-                                  <a:latin typeface="Cambria Math"/>
-                                </a:rPr>
-                                <m:t>𝑠</m:t>
-                              </m:r>
-                            </m:sub>
-                          </m:sSub>
-                        </m:num>
-                        <m:den>
-                          <m:r>
-                            <m:rPr/>
-                            <a:rPr lang="en-GB" sz="1600" i="1">
-                              <a:latin typeface="Cambria Math"/>
-                            </a:rPr>
-                            <m:t>𝜌</m:t>
-                          </m:r>
-                          <m:r>
-                            <m:rPr/>
-                            <a:rPr lang="en-GB" sz="1600" i="1">
-                              <a:latin typeface="Cambria Math"/>
-                            </a:rPr>
-                            <m:t>𝑉</m:t>
-                          </m:r>
-                          <m:sSub>
-                            <m:sSubPr>
-                              <m:ctrlPr>
-                                <a:rPr lang="en-GB" sz="1600" i="1">
-                                  <a:latin typeface="Cambria Math"/>
-                                  <a:ea typeface="Cambria Math"/>
-                                  <a:cs typeface="Cambria Math"/>
-                                </a:rPr>
-                              </m:ctrlPr>
-                            </m:sSubPr>
-                            <m:e>
-                              <m:r>
-                                <m:rPr/>
-                                <a:rPr lang="en-GB" sz="1600" i="1">
-                                  <a:latin typeface="Cambria Math"/>
-                                </a:rPr>
-                                <m:t>𝐶</m:t>
-                              </m:r>
-                            </m:e>
-                            <m:sub>
-                              <m:r>
-                                <m:rPr/>
-                                <a:rPr lang="en-GB" sz="1600" i="1">
-                                  <a:latin typeface="Cambria Math"/>
-                                </a:rPr>
-                                <m:t>𝑝</m:t>
-                              </m:r>
-                            </m:sub>
-                          </m:sSub>
-                        </m:den>
-                      </m:f>
-                    </m:oMath>
-                  </m:oMathPara>
-                </a14:m>
-              </mc:Choice>
-              <mc:Fallback/>
-            </mc:AlternateContent>
-            <a:endParaRPr lang="en-US" sz="1600" b="1">
-              <a:latin typeface="Helvetica"/>
-            </a:endParaRPr>
-          </a:p>
-        </p:txBody>
-      </p:sp>
-      <p:sp>
-        <p:nvSpPr>
-          <p:cNvPr id="6" name="TextBox 2"/>
-          <p:cNvSpPr/>
-          <p:nvPr/>
-        </p:nvSpPr>
-        <p:spPr bwMode="auto">
-          <a:xfrm>
-            <a:off x="1056005" y="1298574"/>
-            <a:ext cx="10079990" cy="400050"/>
-          </a:xfrm>
-          <a:prstGeom prst="rect">
-            <a:avLst/>
-          </a:prstGeom>
-          <a:noFill/>
-          <a:ln>
-            <a:noFill/>
-          </a:ln>
-          <a:effectLst/>
-        </p:spPr>
-        <p:txBody>
-          <a:bodyPr vert="horz" wrap="square" lIns="91440" tIns="45720" rIns="91440" bIns="45720" numCol="1" spcCol="215899" anchor="t"/>
-          <a:lstStyle/>
-          <a:p>
-            <a:pPr algn="ctr">
-              <a:spcAft>
-                <a:spcPts val="600"/>
-              </a:spcAft>
-              <a:defRPr/>
-            </a:pPr>
-            <a:r>
-              <a:rPr sz="2000" b="1" cap="none">
-                <a:solidFill>
-                  <a:srgbClr val="FF9900"/>
-                </a:solidFill>
-                <a:latin typeface="Helvetica"/>
-                <a:ea typeface="Calibri"/>
-                <a:cs typeface="Calibri"/>
-              </a:rPr>
-              <a:t>Example with a sphere (cotd)</a:t>
-            </a:r>
-            <a:endParaRPr sz="2000" b="1" cap="none">
-              <a:solidFill>
-                <a:srgbClr val="FF9900"/>
-              </a:solidFill>
-              <a:latin typeface="Helvetica"/>
-              <a:ea typeface="Calibri"/>
-              <a:cs typeface="Calibri"/>
-            </a:endParaRPr>
-          </a:p>
-        </p:txBody>
-      </p:sp>
-      <p:sp>
-        <p:nvSpPr>
-          <p:cNvPr id="7" name="Slide Number Placeholder 17"/>
-          <p:cNvSpPr/>
-          <p:nvPr/>
-        </p:nvSpPr>
-        <p:spPr bwMode="auto">
-          <a:xfrm>
-            <a:off x="448945" y="6356350"/>
-            <a:ext cx="4434840" cy="365125"/>
-          </a:xfrm>
-          <a:prstGeom prst="rect">
-            <a:avLst/>
-          </a:prstGeom>
-          <a:noFill/>
-          <a:ln>
-            <a:noFill/>
-          </a:ln>
-          <a:effectLst/>
-        </p:spPr>
-        <p:txBody>
-          <a:bodyPr vert="horz" wrap="square" lIns="91440" tIns="45720" rIns="91440" bIns="45720" numCol="1" spcCol="215899" anchor="ctr"/>
-          <a:lstStyle>
-            <a:lvl1pPr marL="0" algn="r" defTabSz="457200">
-              <a:defRPr sz="1200" cap="none">
-                <a:solidFill>
-                  <a:srgbClr val="8C8C8C"/>
-                </a:solidFill>
-                <a:latin typeface="Calibri"/>
-                <a:ea typeface="Calibri"/>
-                <a:cs typeface="Calibri"/>
-              </a:defRPr>
-            </a:lvl1pPr>
-            <a:lvl2pPr marL="457200" algn="l" defTabSz="457200">
-              <a:defRPr sz="1800" cap="none">
-                <a:solidFill>
-                  <a:schemeClr val="tx1"/>
-                </a:solidFill>
-                <a:latin typeface="Calibri"/>
-                <a:ea typeface="Calibri"/>
-                <a:cs typeface="Calibri"/>
-              </a:defRPr>
-            </a:lvl2pPr>
-            <a:lvl3pPr marL="914400" algn="l" defTabSz="457200">
-              <a:defRPr sz="1800" cap="none">
-                <a:solidFill>
-                  <a:schemeClr val="tx1"/>
-                </a:solidFill>
-                <a:latin typeface="Calibri"/>
-                <a:ea typeface="Calibri"/>
-                <a:cs typeface="Calibri"/>
-              </a:defRPr>
-            </a:lvl3pPr>
-            <a:lvl4pPr marL="1371600" algn="l" defTabSz="457200">
-              <a:defRPr sz="1800" cap="none">
-                <a:solidFill>
-                  <a:schemeClr val="tx1"/>
-                </a:solidFill>
-                <a:latin typeface="Calibri"/>
-                <a:ea typeface="Calibri"/>
-                <a:cs typeface="Calibri"/>
-              </a:defRPr>
-            </a:lvl4pPr>
-            <a:lvl5pPr marL="1828800" algn="l" defTabSz="457200">
-              <a:defRPr sz="1800" cap="none">
-                <a:solidFill>
-                  <a:schemeClr val="tx1"/>
-                </a:solidFill>
-                <a:latin typeface="Calibri"/>
-                <a:ea typeface="Calibri"/>
-                <a:cs typeface="Calibri"/>
-              </a:defRPr>
-            </a:lvl5pPr>
-            <a:lvl6pPr marL="2286000" algn="l" defTabSz="457200">
-              <a:defRPr sz="1800" cap="none">
-                <a:solidFill>
-                  <a:schemeClr val="tx1"/>
-                </a:solidFill>
-                <a:latin typeface="Calibri"/>
-                <a:ea typeface="Calibri"/>
-                <a:cs typeface="Calibri"/>
-              </a:defRPr>
-            </a:lvl6pPr>
-            <a:lvl7pPr marL="2743200" algn="l" defTabSz="457200">
-              <a:defRPr sz="1800" cap="none">
-                <a:solidFill>
-                  <a:schemeClr val="tx1"/>
-                </a:solidFill>
-                <a:latin typeface="Calibri"/>
-                <a:ea typeface="Calibri"/>
-                <a:cs typeface="Calibri"/>
-              </a:defRPr>
-            </a:lvl7pPr>
-            <a:lvl8pPr marL="3200400" algn="l" defTabSz="457200">
-              <a:defRPr sz="1800" cap="none">
-                <a:solidFill>
-                  <a:schemeClr val="tx1"/>
-                </a:solidFill>
-                <a:latin typeface="Calibri"/>
-                <a:ea typeface="Calibri"/>
-                <a:cs typeface="Calibri"/>
-              </a:defRPr>
-            </a:lvl8pPr>
-            <a:lvl9pPr marL="3657600" algn="l" defTabSz="457200">
-              <a:defRPr sz="1800" cap="none">
-                <a:solidFill>
-                  <a:schemeClr val="tx1"/>
-                </a:solidFill>
-                <a:latin typeface="Calibri"/>
-                <a:ea typeface="Calibri"/>
-                <a:cs typeface="Calibri"/>
-              </a:defRPr>
-            </a:lvl9pPr>
-          </a:lstStyle>
-          <a:p>
-            <a:pPr algn="l">
-              <a:defRPr/>
-            </a:pPr>
-            <a:r>
-              <a:rPr sz="1600" cap="none">
-                <a:solidFill>
-                  <a:srgbClr val="7F7F7F"/>
-                </a:solidFill>
-                <a:latin typeface="Helvetica"/>
-                <a:ea typeface="Calibri"/>
-                <a:cs typeface="Helvetica"/>
-              </a:rPr>
-              <a:t>EX3030/EM40JN</a:t>
-            </a:r>
-            <a:endParaRPr sz="1600" cap="none">
-              <a:solidFill>
-                <a:srgbClr val="7F7F7F"/>
-              </a:solidFill>
-              <a:latin typeface="Helvetica"/>
-              <a:ea typeface="Calibri"/>
-              <a:cs typeface="Helvetica"/>
-            </a:endParaRPr>
-          </a:p>
-        </p:txBody>
-      </p:sp>
-    </p:spTree>
-  </p:cSld>
-  <p:clrMapOvr>
-    <a:masterClrMapping/>
-  </p:clrMapOvr>
-  <mc:AlternateContent xmlns:mc="http://schemas.openxmlformats.org/markup-compatibility/2006">
-    <mc:Choice xmlns:p159="http://schemas.microsoft.com/office/powerpoint/2015/09/main" xmlns:p14="http://schemas.microsoft.com/office/powerpoint/2010/main" Requires="p159">
-      <p:transition p14:dur="2000" advClick="1"/>
-    </mc:Choice>
-    <mc:Fallback>
-      <p:transition advClick="1"/>
-    </mc:Fallback>
-  </mc:AlternateContent>
-  <p:timing>
-    <p:tnLst>
-      <p:par>
-        <p:cTn id="1" dur="indefinite" restart="never" nodeType="tmRoot"/>
-      </p:par>
-    </p:tnLst>
-  </p:timing>
-</p:sld>
-</file>
-
-<file path=ppt/slides/slide11.xml><?xml version="1.0" encoding="utf-8"?>
-<p:sld xmlns:a="http://schemas.openxmlformats.org/drawingml/2006/main" xmlns:r="http://schemas.openxmlformats.org/officeDocument/2006/relationships" xmlns:p="http://schemas.openxmlformats.org/presentationml/2006/main" xmlns:m="http://schemas.openxmlformats.org/officeDocument/2006/math" xmlns:w="http://schemas.openxmlformats.org/wordprocessingml/2006/main" xmlns:mc="http://schemas.openxmlformats.org/markup-compatibility/2006" showMasterPhAnim="0" showMasterSp="1" show="1">
-  <p:cSld name="">
-    <p:spTree>
-      <p:nvGrpSpPr>
-        <p:cNvPr id="1" name=""/>
-        <p:cNvGrpSpPr/>
-        <p:nvPr/>
-      </p:nvGrpSpPr>
-      <p:grpSpPr bwMode="auto">
-        <a:xfrm>
-          <a:off x="0" y="0"/>
-          <a:ext cx="0" cy="0"/>
-          <a:chOff x="0" y="0"/>
-          <a:chExt cx="0" cy="0"/>
-        </a:xfrm>
-      </p:grpSpPr>
-      <p:sp>
-        <p:nvSpPr>
-          <p:cNvPr id="2" name="Title 3"/>
-          <p:cNvSpPr>
-            <a:spLocks noChangeArrowheads="1" noGrp="1"/>
-          </p:cNvSpPr>
-          <p:nvPr>
-            <p:ph type="ctrTitle"/>
-          </p:nvPr>
-        </p:nvSpPr>
-        <p:spPr bwMode="auto">
-          <a:xfrm>
-            <a:off x="0" y="360045"/>
-            <a:ext cx="12192000" cy="708025"/>
-          </a:xfrm>
-          <a:prstGeom prst="rect">
-            <a:avLst/>
-          </a:prstGeom>
-          <a:noFill/>
-          <a:ln>
-            <a:noFill/>
-          </a:ln>
-          <a:effectLst/>
-        </p:spPr>
-        <p:txBody>
-          <a:bodyPr vert="horz" wrap="square" lIns="91440" tIns="45720" rIns="91440" bIns="45720" numCol="1" spcCol="215899" anchor="t">
-            <a:prstTxWarp prst="textNoShape"/>
-          </a:bodyPr>
-          <a:lstStyle/>
-          <a:p>
-            <a:pPr>
-              <a:lnSpc>
-                <a:spcPct val="100000"/>
-              </a:lnSpc>
-              <a:spcBef>
-                <a:spcPts val="0"/>
-              </a:spcBef>
-              <a:defRPr/>
-            </a:pPr>
-            <a:r>
-              <a:rPr sz="4000" cap="none">
-                <a:latin typeface="Helvetica"/>
-                <a:ea typeface="Verdana"/>
-                <a:cs typeface="Helvetica"/>
-              </a:rPr>
-              <a:t>Estimating Heat Transfer</a:t>
-            </a:r>
-            <a:endParaRPr sz="4000" cap="none">
-              <a:latin typeface="Helvetica"/>
-              <a:ea typeface="Verdana"/>
-              <a:cs typeface="Helvetica"/>
-            </a:endParaRPr>
-          </a:p>
-        </p:txBody>
-      </p:sp>
-      <p:sp>
-        <p:nvSpPr>
-          <p:cNvPr id="3" name="Slide Number Placeholder 17"/>
-          <p:cNvSpPr>
-            <a:spLocks noChangeArrowheads="1" noGrp="1"/>
-          </p:cNvSpPr>
-          <p:nvPr>
-            <p:ph type="sldNum" sz="quarter" idx="12"/>
-          </p:nvPr>
-        </p:nvSpPr>
-        <p:spPr bwMode="auto">
-          <a:xfrm>
-            <a:off x="8999855" y="6356350"/>
-            <a:ext cx="2743200" cy="365125"/>
-          </a:xfrm>
-        </p:spPr>
-        <p:txBody>
-          <a:bodyPr/>
-          <a:lstStyle/>
-          <a:p>
-            <a:pPr>
-              <a:defRPr/>
-            </a:pPr>
-            <a:fld id="{3E21E6DC-92D3-7410-9D99-6445A8D76B31}" type="slidenum">
-              <a:rPr sz="1600" cap="none">
-                <a:solidFill>
-                  <a:srgbClr val="7F7F7F"/>
-                </a:solidFill>
-                <a:latin typeface="Helvetica"/>
-                <a:ea typeface="Calibri"/>
-                <a:cs typeface="Helvetica"/>
-              </a:rPr>
-              <a:t>11</a:t>
-            </a:fld>
-            <a:endParaRPr sz="1600" cap="none">
-              <a:solidFill>
-                <a:srgbClr val="7F7F7F"/>
-              </a:solidFill>
-              <a:latin typeface="Helvetica"/>
-              <a:ea typeface="Calibri"/>
-              <a:cs typeface="Helvetica"/>
-            </a:endParaRPr>
-          </a:p>
-        </p:txBody>
-      </p:sp>
-      <p:pic>
-        <p:nvPicPr>
-          <p:cNvPr id="4" name="Picture 8" descr="A picture containing text, clipart&#10;&#10;Description automatically generated"/>
-          <p:cNvPicPr>
-            <a:picLocks noChangeAspect="1"/>
-          </p:cNvPicPr>
-          <p:nvPr/>
-        </p:nvPicPr>
-        <p:blipFill>
-          <a:blip r:embed="rId3"/>
-          <a:stretch/>
-        </p:blipFill>
-        <p:spPr bwMode="auto">
-          <a:xfrm>
-            <a:off x="448945" y="360045"/>
-            <a:ext cx="1967865" cy="539750"/>
-          </a:xfrm>
-          <a:prstGeom prst="rect">
-            <a:avLst/>
-          </a:prstGeom>
-          <a:noFill/>
-          <a:ln>
-            <a:noFill/>
-          </a:ln>
-          <a:effectLst/>
-        </p:spPr>
-      </p:pic>
-      <p:sp>
-        <p:nvSpPr>
-          <p:cNvPr id="5" name="TextBox 1"/>
+          <p:cNvPr id="1844099753" name="TextBox 1"/>
           <p:cNvSpPr/>
           <p:nvPr/>
         </p:nvSpPr>
@@ -9567,7 +7780,7 @@
       </p:sp>
       <p:sp>
         <p:nvSpPr>
-          <p:cNvPr id="6" name="TextBox 2"/>
+          <p:cNvPr id="68797457" name="TextBox 2"/>
           <p:cNvSpPr/>
           <p:nvPr/>
         </p:nvSpPr>
@@ -9619,7 +7832,7 @@
       </p:sp>
       <p:sp>
         <p:nvSpPr>
-          <p:cNvPr id="7" name="Slide Number Placeholder 17"/>
+          <p:cNvPr id="1253882232" name="Slide Number Placeholder 17"/>
           <p:cNvSpPr/>
           <p:nvPr/>
         </p:nvSpPr>
@@ -9780,7 +7993,7 @@
 </p:sld>
 </file>
 
-<file path=ppt/slides/slide12.xml><?xml version="1.0" encoding="utf-8"?>
+<file path=ppt/slides/slide11.xml><?xml version="1.0" encoding="utf-8"?>
 <p:sld xmlns:a="http://schemas.openxmlformats.org/drawingml/2006/main" xmlns:r="http://schemas.openxmlformats.org/officeDocument/2006/relationships" xmlns:p="http://schemas.openxmlformats.org/presentationml/2006/main" xmlns:m="http://schemas.openxmlformats.org/officeDocument/2006/math" xmlns:w="http://schemas.openxmlformats.org/wordprocessingml/2006/main" xmlns:mc="http://schemas.openxmlformats.org/markup-compatibility/2006" showMasterPhAnim="0" showMasterSp="1" show="1">
   <p:cSld name="">
     <p:spTree>
@@ -9799,7 +8012,7 @@
       </p:grpSpPr>
       <p:sp>
         <p:nvSpPr>
-          <p:cNvPr id="2" name="Title 3"/>
+          <p:cNvPr id="1292355170" name="Title 3"/>
           <p:cNvSpPr>
             <a:spLocks noChangeArrowheads="1" noGrp="1"/>
           </p:cNvSpPr>
@@ -9854,7 +8067,7 @@
       </p:sp>
       <p:sp>
         <p:nvSpPr>
-          <p:cNvPr id="3" name="Slide Number Placeholder 17"/>
+          <p:cNvPr id="1703314828" name="Slide Number Placeholder 17"/>
           <p:cNvSpPr>
             <a:spLocks noChangeArrowheads="1" noGrp="1"/>
           </p:cNvSpPr>
@@ -9899,7 +8112,7 @@
       </p:sp>
       <p:pic>
         <p:nvPicPr>
-          <p:cNvPr id="4" name="Picture 8" descr="A picture containing text, clipart&#10;&#10;Description automatically generated"/>
+          <p:cNvPr id="577133349" name="Picture 8" descr="A picture containing text, clipart&#10;&#10;Description automatically generated"/>
           <p:cNvPicPr>
             <a:picLocks noChangeAspect="1"/>
           </p:cNvPicPr>
@@ -9926,7 +8139,7 @@
       </p:pic>
       <p:sp>
         <p:nvSpPr>
-          <p:cNvPr id="5" name="TextBox 1"/>
+          <p:cNvPr id="1794351104" name="TextBox 1"/>
           <p:cNvSpPr/>
           <p:nvPr/>
         </p:nvSpPr>
@@ -10006,7 +8219,7 @@
       </p:sp>
       <p:sp>
         <p:nvSpPr>
-          <p:cNvPr id="6" name="Slide Number Placeholder 17"/>
+          <p:cNvPr id="556907108" name="Slide Number Placeholder 17"/>
           <p:cNvSpPr/>
           <p:nvPr/>
         </p:nvSpPr>
@@ -10146,7 +8359,7 @@
       </p:sp>
       <p:pic>
         <p:nvPicPr>
-          <p:cNvPr id="7" name="Picture 6" descr="A screenshot of a computer&#10;&#10;Description automatically generated with medium confidence"/>
+          <p:cNvPr id="476556106" name="Picture 6" descr="A screenshot of a computer&#10;&#10;Description automatically generated with medium confidence"/>
           <p:cNvPicPr>
             <a:picLocks noChangeAspect="1"/>
           </p:cNvPicPr>
@@ -10173,7 +8386,7 @@
       </p:pic>
       <p:sp>
         <p:nvSpPr>
-          <p:cNvPr id="8" name="TextBox 23"/>
+          <p:cNvPr id="2136928410" name="TextBox 23"/>
           <p:cNvSpPr/>
           <p:nvPr/>
         </p:nvSpPr>
@@ -10538,7 +8751,7 @@
 </p:sld>
 </file>
 
-<file path=ppt/slides/slide13.xml><?xml version="1.0" encoding="utf-8"?>
+<file path=ppt/slides/slide12.xml><?xml version="1.0" encoding="utf-8"?>
 <p:sld xmlns:a="http://schemas.openxmlformats.org/drawingml/2006/main" xmlns:r="http://schemas.openxmlformats.org/officeDocument/2006/relationships" xmlns:p="http://schemas.openxmlformats.org/presentationml/2006/main" xmlns:m="http://schemas.openxmlformats.org/officeDocument/2006/math" xmlns:w="http://schemas.openxmlformats.org/wordprocessingml/2006/main" xmlns:mc="http://schemas.openxmlformats.org/markup-compatibility/2006" showMasterPhAnim="0" showMasterSp="1" show="1">
   <p:cSld name="">
     <p:spTree>
@@ -10557,7 +8770,7 @@
       </p:grpSpPr>
       <p:sp>
         <p:nvSpPr>
-          <p:cNvPr id="2" name="Title 3"/>
+          <p:cNvPr id="103248069" name="Title 3"/>
           <p:cNvSpPr>
             <a:spLocks noChangeArrowheads="1" noGrp="1"/>
           </p:cNvSpPr>
@@ -10612,7 +8825,7 @@
       </p:sp>
       <p:sp>
         <p:nvSpPr>
-          <p:cNvPr id="3" name="Slide Number Placeholder 17"/>
+          <p:cNvPr id="1760264147" name="Slide Number Placeholder 17"/>
           <p:cNvSpPr>
             <a:spLocks noChangeArrowheads="1" noGrp="1"/>
           </p:cNvSpPr>
@@ -10657,7 +8870,7 @@
       </p:sp>
       <p:pic>
         <p:nvPicPr>
-          <p:cNvPr id="4" name="Picture 8" descr="A picture containing text, clipart&#10;&#10;Description automatically generated"/>
+          <p:cNvPr id="799889475" name="Picture 8" descr="A picture containing text, clipart&#10;&#10;Description automatically generated"/>
           <p:cNvPicPr>
             <a:picLocks noChangeAspect="1"/>
           </p:cNvPicPr>
@@ -10684,7 +8897,7 @@
       </p:pic>
       <p:sp>
         <p:nvSpPr>
-          <p:cNvPr id="5" name="TextBox 2"/>
+          <p:cNvPr id="1742884071" name="TextBox 2"/>
           <p:cNvSpPr/>
           <p:nvPr/>
         </p:nvSpPr>
@@ -10839,7 +9052,576 @@
       </p:sp>
       <p:sp>
         <p:nvSpPr>
-          <p:cNvPr id="6" name="Slide Number Placeholder 17"/>
+          <p:cNvPr id="46832085" name="Slide Number Placeholder 17"/>
+          <p:cNvSpPr/>
+          <p:nvPr/>
+        </p:nvSpPr>
+        <p:spPr bwMode="auto">
+          <a:xfrm>
+            <a:off x="448945" y="6356350"/>
+            <a:ext cx="4434840" cy="365125"/>
+          </a:xfrm>
+          <a:prstGeom prst="rect">
+            <a:avLst/>
+          </a:prstGeom>
+          <a:noFill/>
+          <a:ln>
+            <a:noFill/>
+          </a:ln>
+          <a:effectLst/>
+        </p:spPr>
+        <p:txBody>
+          <a:bodyPr vert="horz" wrap="square" lIns="91440" tIns="45720" rIns="91440" bIns="45720" numCol="1" spcCol="215899" anchor="ctr"/>
+          <a:lstStyle>
+            <a:lvl1pPr marL="0" algn="r" defTabSz="457200">
+              <a:defRPr sz="1200" cap="none">
+                <a:solidFill>
+                  <a:srgbClr val="8C8C8C"/>
+                </a:solidFill>
+                <a:latin typeface="Calibri"/>
+                <a:ea typeface="Calibri"/>
+                <a:cs typeface="Calibri"/>
+              </a:defRPr>
+            </a:lvl1pPr>
+            <a:lvl2pPr marL="457200" algn="l" defTabSz="457200">
+              <a:defRPr sz="1800" cap="none">
+                <a:solidFill>
+                  <a:schemeClr val="tx1"/>
+                </a:solidFill>
+                <a:latin typeface="Calibri"/>
+                <a:ea typeface="Calibri"/>
+                <a:cs typeface="Calibri"/>
+              </a:defRPr>
+            </a:lvl2pPr>
+            <a:lvl3pPr marL="914400" algn="l" defTabSz="457200">
+              <a:defRPr sz="1800" cap="none">
+                <a:solidFill>
+                  <a:schemeClr val="tx1"/>
+                </a:solidFill>
+                <a:latin typeface="Calibri"/>
+                <a:ea typeface="Calibri"/>
+                <a:cs typeface="Calibri"/>
+              </a:defRPr>
+            </a:lvl3pPr>
+            <a:lvl4pPr marL="1371600" algn="l" defTabSz="457200">
+              <a:defRPr sz="1800" cap="none">
+                <a:solidFill>
+                  <a:schemeClr val="tx1"/>
+                </a:solidFill>
+                <a:latin typeface="Calibri"/>
+                <a:ea typeface="Calibri"/>
+                <a:cs typeface="Calibri"/>
+              </a:defRPr>
+            </a:lvl4pPr>
+            <a:lvl5pPr marL="1828800" algn="l" defTabSz="457200">
+              <a:defRPr sz="1800" cap="none">
+                <a:solidFill>
+                  <a:schemeClr val="tx1"/>
+                </a:solidFill>
+                <a:latin typeface="Calibri"/>
+                <a:ea typeface="Calibri"/>
+                <a:cs typeface="Calibri"/>
+              </a:defRPr>
+            </a:lvl5pPr>
+            <a:lvl6pPr marL="2286000" algn="l" defTabSz="457200">
+              <a:defRPr sz="1800" cap="none">
+                <a:solidFill>
+                  <a:schemeClr val="tx1"/>
+                </a:solidFill>
+                <a:latin typeface="Calibri"/>
+                <a:ea typeface="Calibri"/>
+                <a:cs typeface="Calibri"/>
+              </a:defRPr>
+            </a:lvl6pPr>
+            <a:lvl7pPr marL="2743200" algn="l" defTabSz="457200">
+              <a:defRPr sz="1800" cap="none">
+                <a:solidFill>
+                  <a:schemeClr val="tx1"/>
+                </a:solidFill>
+                <a:latin typeface="Calibri"/>
+                <a:ea typeface="Calibri"/>
+                <a:cs typeface="Calibri"/>
+              </a:defRPr>
+            </a:lvl7pPr>
+            <a:lvl8pPr marL="3200400" algn="l" defTabSz="457200">
+              <a:defRPr sz="1800" cap="none">
+                <a:solidFill>
+                  <a:schemeClr val="tx1"/>
+                </a:solidFill>
+                <a:latin typeface="Calibri"/>
+                <a:ea typeface="Calibri"/>
+                <a:cs typeface="Calibri"/>
+              </a:defRPr>
+            </a:lvl8pPr>
+            <a:lvl9pPr marL="3657600" algn="l" defTabSz="457200">
+              <a:defRPr sz="1800" cap="none">
+                <a:solidFill>
+                  <a:schemeClr val="tx1"/>
+                </a:solidFill>
+                <a:latin typeface="Calibri"/>
+                <a:ea typeface="Calibri"/>
+                <a:cs typeface="Calibri"/>
+              </a:defRPr>
+            </a:lvl9pPr>
+          </a:lstStyle>
+          <a:p>
+            <a:pPr algn="l">
+              <a:defRPr/>
+            </a:pPr>
+            <a:r>
+              <a:rPr sz="1600" cap="none">
+                <a:solidFill>
+                  <a:srgbClr val="7F7F7F"/>
+                </a:solidFill>
+                <a:latin typeface="Helvetica"/>
+                <a:ea typeface="Calibri"/>
+                <a:cs typeface="Helvetica"/>
+              </a:rPr>
+              <a:t>EX3030/EM40JN</a:t>
+            </a:r>
+            <a:endParaRPr sz="1600" cap="none">
+              <a:solidFill>
+                <a:srgbClr val="7F7F7F"/>
+              </a:solidFill>
+              <a:latin typeface="Helvetica"/>
+              <a:ea typeface="Calibri"/>
+              <a:cs typeface="Helvetica"/>
+            </a:endParaRPr>
+          </a:p>
+        </p:txBody>
+      </p:sp>
+    </p:spTree>
+  </p:cSld>
+  <p:clrMapOvr>
+    <a:masterClrMapping/>
+  </p:clrMapOvr>
+  <mc:AlternateContent xmlns:mc="http://schemas.openxmlformats.org/markup-compatibility/2006">
+    <mc:Choice xmlns:p159="http://schemas.microsoft.com/office/powerpoint/2015/09/main" xmlns:p14="http://schemas.microsoft.com/office/powerpoint/2010/main" Requires="p159">
+      <p:transition p14:dur="2000" advClick="1"/>
+    </mc:Choice>
+    <mc:Fallback>
+      <p:transition advClick="1"/>
+    </mc:Fallback>
+  </mc:AlternateContent>
+  <p:timing>
+    <p:tnLst>
+      <p:par>
+        <p:cTn id="1" dur="indefinite" restart="never" nodeType="tmRoot"/>
+      </p:par>
+    </p:tnLst>
+  </p:timing>
+</p:sld>
+</file>
+
+<file path=ppt/slides/slide13.xml><?xml version="1.0" encoding="utf-8"?>
+<p:sld xmlns:a="http://schemas.openxmlformats.org/drawingml/2006/main" xmlns:r="http://schemas.openxmlformats.org/officeDocument/2006/relationships" xmlns:p="http://schemas.openxmlformats.org/presentationml/2006/main" xmlns:m="http://schemas.openxmlformats.org/officeDocument/2006/math" xmlns:w="http://schemas.openxmlformats.org/wordprocessingml/2006/main" xmlns:mc="http://schemas.openxmlformats.org/markup-compatibility/2006" showMasterPhAnim="0" showMasterSp="1" show="1">
+  <p:cSld name="">
+    <p:spTree>
+      <p:nvGrpSpPr>
+        <p:cNvPr id="1" name=""/>
+        <p:cNvGrpSpPr/>
+        <p:nvPr/>
+      </p:nvGrpSpPr>
+      <p:grpSpPr bwMode="auto">
+        <a:xfrm>
+          <a:off x="0" y="0"/>
+          <a:ext cx="0" cy="0"/>
+          <a:chOff x="0" y="0"/>
+          <a:chExt cx="0" cy="0"/>
+        </a:xfrm>
+      </p:grpSpPr>
+      <p:sp>
+        <p:nvSpPr>
+          <p:cNvPr id="1799255792" name="Title 3"/>
+          <p:cNvSpPr>
+            <a:spLocks noChangeArrowheads="1" noGrp="1"/>
+          </p:cNvSpPr>
+          <p:nvPr>
+            <p:ph type="ctrTitle"/>
+          </p:nvPr>
+        </p:nvSpPr>
+        <p:spPr bwMode="auto">
+          <a:xfrm>
+            <a:off x="0" y="360045"/>
+            <a:ext cx="12192000" cy="708025"/>
+          </a:xfrm>
+          <a:prstGeom prst="rect">
+            <a:avLst/>
+          </a:prstGeom>
+          <a:noFill/>
+          <a:ln>
+            <a:noFill/>
+          </a:ln>
+          <a:effectLst/>
+        </p:spPr>
+        <p:txBody>
+          <a:bodyPr vert="horz" wrap="square" lIns="91440" tIns="45720" rIns="91440" bIns="45720" numCol="1" spcCol="215899" anchor="t">
+            <a:prstTxWarp prst="textNoShape"/>
+          </a:bodyPr>
+          <a:lstStyle/>
+          <a:p>
+            <a:pPr>
+              <a:lnSpc>
+                <a:spcPct val="100000"/>
+              </a:lnSpc>
+              <a:spcBef>
+                <a:spcPts val="0"/>
+              </a:spcBef>
+              <a:defRPr/>
+            </a:pPr>
+            <a:r>
+              <a:rPr sz="4000" cap="none">
+                <a:latin typeface="Helvetica"/>
+                <a:ea typeface="Verdana"/>
+                <a:cs typeface="Helvetica"/>
+              </a:rPr>
+              <a:t>A (very practical) Example</a:t>
+            </a:r>
+            <a:endParaRPr sz="4000" cap="none">
+              <a:latin typeface="Helvetica"/>
+              <a:ea typeface="Verdana"/>
+              <a:cs typeface="Helvetica"/>
+            </a:endParaRPr>
+          </a:p>
+        </p:txBody>
+      </p:sp>
+      <p:sp>
+        <p:nvSpPr>
+          <p:cNvPr id="642313290" name="Slide Number Placeholder 17"/>
+          <p:cNvSpPr>
+            <a:spLocks noChangeArrowheads="1" noGrp="1"/>
+          </p:cNvSpPr>
+          <p:nvPr>
+            <p:ph type="sldNum" sz="quarter" idx="12"/>
+          </p:nvPr>
+        </p:nvSpPr>
+        <p:spPr bwMode="auto">
+          <a:xfrm>
+            <a:off x="8999855" y="6356350"/>
+            <a:ext cx="2743200" cy="365125"/>
+          </a:xfrm>
+        </p:spPr>
+        <p:txBody>
+          <a:bodyPr/>
+          <a:lstStyle/>
+          <a:p>
+            <a:pPr>
+              <a:defRPr/>
+            </a:pPr>
+            <a:fld id="{03A76E9F-D1EE-F298-A01F-27CD20515672}" type="slidenum">
+              <a:rPr sz="1600" cap="none">
+                <a:solidFill>
+                  <a:srgbClr val="7F7F7F"/>
+                </a:solidFill>
+                <a:latin typeface="Helvetica"/>
+                <a:ea typeface="Calibri"/>
+                <a:cs typeface="Helvetica"/>
+              </a:rPr>
+              <a:t>14</a:t>
+            </a:fld>
+            <a:endParaRPr sz="1600" cap="none">
+              <a:solidFill>
+                <a:srgbClr val="7F7F7F"/>
+              </a:solidFill>
+              <a:latin typeface="Helvetica"/>
+              <a:ea typeface="Calibri"/>
+              <a:cs typeface="Helvetica"/>
+            </a:endParaRPr>
+          </a:p>
+        </p:txBody>
+      </p:sp>
+      <p:pic>
+        <p:nvPicPr>
+          <p:cNvPr id="759496844" name="Picture 8" descr="A picture containing text, clipart&#10;&#10;Description automatically generated"/>
+          <p:cNvPicPr>
+            <a:picLocks noChangeAspect="1"/>
+          </p:cNvPicPr>
+          <p:nvPr/>
+        </p:nvPicPr>
+        <p:blipFill>
+          <a:blip r:embed="rId3"/>
+          <a:stretch/>
+        </p:blipFill>
+        <p:spPr bwMode="auto">
+          <a:xfrm>
+            <a:off x="448945" y="360045"/>
+            <a:ext cx="1967865" cy="539750"/>
+          </a:xfrm>
+          <a:prstGeom prst="rect">
+            <a:avLst/>
+          </a:prstGeom>
+          <a:noFill/>
+          <a:ln>
+            <a:noFill/>
+          </a:ln>
+          <a:effectLst/>
+        </p:spPr>
+      </p:pic>
+      <p:sp>
+        <p:nvSpPr>
+          <p:cNvPr id="193458464" name="TextBox 1"/>
+          <p:cNvSpPr/>
+          <p:nvPr/>
+        </p:nvSpPr>
+        <p:spPr bwMode="auto">
+          <a:xfrm>
+            <a:off x="1056005" y="2357755"/>
+            <a:ext cx="10079990" cy="3628390"/>
+          </a:xfrm>
+          <a:prstGeom prst="rect">
+            <a:avLst/>
+          </a:prstGeom>
+          <a:noFill/>
+          <a:ln>
+            <a:noFill/>
+          </a:ln>
+          <a:effectLst/>
+        </p:spPr>
+        <p:txBody>
+          <a:bodyPr vert="horz" wrap="square" lIns="91440" tIns="45720" rIns="91440" bIns="45720" numCol="1" spcCol="215899" anchor="t"/>
+          <a:lstStyle/>
+          <a:p>
+            <a:pPr algn="ctr">
+              <a:lnSpc>
+                <a:spcPct val="120000"/>
+              </a:lnSpc>
+              <a:spcBef>
+                <a:spcPts val="600"/>
+              </a:spcBef>
+              <a:spcAft>
+                <a:spcPts val="600"/>
+              </a:spcAft>
+              <a:defRPr/>
+            </a:pPr>
+            <a:r>
+              <a:rPr sz="2000" cap="none">
+                <a:latin typeface="Helvetica"/>
+                <a:ea typeface="Calibri"/>
+                <a:cs typeface="Helvetica"/>
+              </a:rPr>
+              <a:t>Based on what we’ve just seen let’s try to put it in practice by attempting to answer an important question:</a:t>
+            </a:r>
+            <a:endParaRPr sz="2000" cap="none">
+              <a:latin typeface="Helvetica"/>
+              <a:ea typeface="Calibri"/>
+              <a:cs typeface="Helvetica"/>
+            </a:endParaRPr>
+          </a:p>
+          <a:p>
+            <a:pPr algn="ctr">
+              <a:lnSpc>
+                <a:spcPct val="120000"/>
+              </a:lnSpc>
+              <a:spcBef>
+                <a:spcPts val="600"/>
+              </a:spcBef>
+              <a:spcAft>
+                <a:spcPts val="600"/>
+              </a:spcAft>
+              <a:defRPr/>
+            </a:pPr>
+            <a:r>
+              <a:rPr sz="2000" b="1" cap="none">
+                <a:latin typeface="Helvetica"/>
+                <a:ea typeface="Calibri"/>
+                <a:cs typeface="Helvetica"/>
+              </a:rPr>
+              <a:t>How long does it take to boil an egg?</a:t>
+            </a:r>
+            <a:endParaRPr sz="2000" b="1" cap="none">
+              <a:latin typeface="Helvetica"/>
+              <a:ea typeface="Calibri"/>
+              <a:cs typeface="Helvetica"/>
+            </a:endParaRPr>
+          </a:p>
+          <a:p>
+            <a:pPr algn="ctr">
+              <a:lnSpc>
+                <a:spcPct val="120000"/>
+              </a:lnSpc>
+              <a:spcBef>
+                <a:spcPts val="600"/>
+              </a:spcBef>
+              <a:spcAft>
+                <a:spcPts val="600"/>
+              </a:spcAft>
+              <a:defRPr/>
+            </a:pPr>
+            <a:r>
+              <a:rPr sz="2000" cap="none">
+                <a:latin typeface="Helvetica"/>
+                <a:ea typeface="Calibri"/>
+                <a:cs typeface="Helvetica"/>
+              </a:rPr>
+              <a:t>Use the lumped capacitance method…</a:t>
+            </a:r>
+            <a:endParaRPr sz="2000" cap="none">
+              <a:latin typeface="Helvetica"/>
+              <a:ea typeface="Calibri"/>
+              <a:cs typeface="Helvetica"/>
+            </a:endParaRPr>
+          </a:p>
+          <a:p>
+            <a:pPr algn="ctr">
+              <a:lnSpc>
+                <a:spcPct val="120000"/>
+              </a:lnSpc>
+              <a:spcBef>
+                <a:spcPts val="600"/>
+              </a:spcBef>
+              <a:spcAft>
+                <a:spcPts val="600"/>
+              </a:spcAft>
+              <a:defRPr/>
+            </a:pPr>
+            <a:r>
+              <a:rPr sz="2000" cap="none">
+                <a:latin typeface="Helvetica"/>
+                <a:ea typeface="Calibri"/>
+                <a:cs typeface="Helvetica"/>
+              </a:rPr>
+              <a:t>Do the results make sense?</a:t>
+            </a:r>
+            <a:endParaRPr sz="2000" cap="none">
+              <a:latin typeface="Helvetica"/>
+              <a:ea typeface="Calibri"/>
+              <a:cs typeface="Helvetica"/>
+            </a:endParaRPr>
+          </a:p>
+          <a:p>
+            <a:pPr algn="ctr">
+              <a:lnSpc>
+                <a:spcPct val="120000"/>
+              </a:lnSpc>
+              <a:spcBef>
+                <a:spcPts val="600"/>
+              </a:spcBef>
+              <a:spcAft>
+                <a:spcPts val="600"/>
+              </a:spcAft>
+              <a:defRPr/>
+            </a:pPr>
+            <a:r>
+              <a:rPr sz="2000" cap="none">
+                <a:solidFill>
+                  <a:srgbClr val="767272"/>
+                </a:solidFill>
+                <a:latin typeface="Helvetica"/>
+                <a:ea typeface="Calibri"/>
+                <a:cs typeface="Helvetica"/>
+              </a:rPr>
+              <a:t>See also “</a:t>
+            </a:r>
+            <a:r>
+              <a:rPr sz="2000" i="1" cap="none">
+                <a:solidFill>
+                  <a:srgbClr val="767272"/>
+                </a:solidFill>
+                <a:latin typeface="Helvetica"/>
+                <a:ea typeface="Calibri"/>
+                <a:cs typeface="Helvetica"/>
+              </a:rPr>
+              <a:t>How long does it take to boil an egg? A simple approach to the energy transfer equation</a:t>
+            </a:r>
+            <a:r>
+              <a:rPr sz="2000" cap="none">
+                <a:solidFill>
+                  <a:srgbClr val="767272"/>
+                </a:solidFill>
+                <a:latin typeface="Helvetica"/>
+                <a:ea typeface="Calibri"/>
+                <a:cs typeface="Helvetica"/>
+              </a:rPr>
+              <a:t>” (Roura </a:t>
+            </a:r>
+            <a:r>
+              <a:rPr sz="2000" i="1" cap="none">
+                <a:solidFill>
+                  <a:srgbClr val="767272"/>
+                </a:solidFill>
+                <a:latin typeface="Helvetica"/>
+                <a:ea typeface="Calibri"/>
+                <a:cs typeface="Helvetica"/>
+              </a:rPr>
+              <a:t>et al</a:t>
+            </a:r>
+            <a:r>
+              <a:rPr sz="2000" cap="none">
+                <a:solidFill>
+                  <a:srgbClr val="767272"/>
+                </a:solidFill>
+                <a:latin typeface="Helvetica"/>
+                <a:ea typeface="Calibri"/>
+                <a:cs typeface="Helvetica"/>
+              </a:rPr>
+              <a:t>., 2000) for an alternative scientific approach to the problem</a:t>
+            </a:r>
+            <a:endParaRPr sz="2000" cap="none">
+              <a:solidFill>
+                <a:srgbClr val="767272"/>
+              </a:solidFill>
+              <a:latin typeface="Helvetica"/>
+              <a:ea typeface="Calibri"/>
+              <a:cs typeface="Helvetica"/>
+            </a:endParaRPr>
+          </a:p>
+        </p:txBody>
+      </p:sp>
+      <p:sp>
+        <p:nvSpPr>
+          <p:cNvPr id="140493436" name="TextBox 2"/>
+          <p:cNvSpPr/>
+          <p:nvPr/>
+        </p:nvSpPr>
+        <p:spPr bwMode="auto">
+          <a:xfrm>
+            <a:off x="1056005" y="1512570"/>
+            <a:ext cx="10079990" cy="400050"/>
+          </a:xfrm>
+          <a:prstGeom prst="rect">
+            <a:avLst/>
+          </a:prstGeom>
+          <a:noFill/>
+          <a:ln>
+            <a:noFill/>
+          </a:ln>
+          <a:effectLst/>
+        </p:spPr>
+        <p:txBody>
+          <a:bodyPr vert="horz" wrap="square" lIns="91440" tIns="45720" rIns="91440" bIns="45720" numCol="1" spcCol="215899" anchor="t"/>
+          <a:lstStyle/>
+          <a:p>
+            <a:pPr algn="ctr">
+              <a:spcAft>
+                <a:spcPts val="600"/>
+              </a:spcAft>
+              <a:defRPr/>
+            </a:pPr>
+            <a:r>
+              <a:rPr sz="2000" b="1" cap="none">
+                <a:solidFill>
+                  <a:srgbClr val="FF9900"/>
+                </a:solidFill>
+                <a:latin typeface="Helvetica"/>
+                <a:ea typeface="Calibri"/>
+                <a:cs typeface="Calibri"/>
+              </a:rPr>
+              <a:t>Boiling an egg</a:t>
+            </a:r>
+            <a:endParaRPr sz="2000" b="1" cap="none">
+              <a:solidFill>
+                <a:srgbClr val="FF9900"/>
+              </a:solidFill>
+              <a:latin typeface="Helvetica"/>
+              <a:ea typeface="Calibri"/>
+              <a:cs typeface="Calibri"/>
+            </a:endParaRPr>
+          </a:p>
+        </p:txBody>
+      </p:sp>
+      <p:sp>
+        <p:nvSpPr>
+          <p:cNvPr id="176067084" name="Slide Number Placeholder 17"/>
           <p:cNvSpPr/>
           <p:nvPr/>
         </p:nvSpPr>
@@ -11019,576 +9801,7 @@
       </p:grpSpPr>
       <p:sp>
         <p:nvSpPr>
-          <p:cNvPr id="2" name="Title 3"/>
-          <p:cNvSpPr>
-            <a:spLocks noChangeArrowheads="1" noGrp="1"/>
-          </p:cNvSpPr>
-          <p:nvPr>
-            <p:ph type="ctrTitle"/>
-          </p:nvPr>
-        </p:nvSpPr>
-        <p:spPr bwMode="auto">
-          <a:xfrm>
-            <a:off x="0" y="360045"/>
-            <a:ext cx="12192000" cy="708025"/>
-          </a:xfrm>
-          <a:prstGeom prst="rect">
-            <a:avLst/>
-          </a:prstGeom>
-          <a:noFill/>
-          <a:ln>
-            <a:noFill/>
-          </a:ln>
-          <a:effectLst/>
-        </p:spPr>
-        <p:txBody>
-          <a:bodyPr vert="horz" wrap="square" lIns="91440" tIns="45720" rIns="91440" bIns="45720" numCol="1" spcCol="215899" anchor="t">
-            <a:prstTxWarp prst="textNoShape"/>
-          </a:bodyPr>
-          <a:lstStyle/>
-          <a:p>
-            <a:pPr>
-              <a:lnSpc>
-                <a:spcPct val="100000"/>
-              </a:lnSpc>
-              <a:spcBef>
-                <a:spcPts val="0"/>
-              </a:spcBef>
-              <a:defRPr/>
-            </a:pPr>
-            <a:r>
-              <a:rPr sz="4000" cap="none">
-                <a:latin typeface="Helvetica"/>
-                <a:ea typeface="Verdana"/>
-                <a:cs typeface="Helvetica"/>
-              </a:rPr>
-              <a:t>A (very practical) Example</a:t>
-            </a:r>
-            <a:endParaRPr sz="4000" cap="none">
-              <a:latin typeface="Helvetica"/>
-              <a:ea typeface="Verdana"/>
-              <a:cs typeface="Helvetica"/>
-            </a:endParaRPr>
-          </a:p>
-        </p:txBody>
-      </p:sp>
-      <p:sp>
-        <p:nvSpPr>
-          <p:cNvPr id="3" name="Slide Number Placeholder 17"/>
-          <p:cNvSpPr>
-            <a:spLocks noChangeArrowheads="1" noGrp="1"/>
-          </p:cNvSpPr>
-          <p:nvPr>
-            <p:ph type="sldNum" sz="quarter" idx="12"/>
-          </p:nvPr>
-        </p:nvSpPr>
-        <p:spPr bwMode="auto">
-          <a:xfrm>
-            <a:off x="8999855" y="6356350"/>
-            <a:ext cx="2743200" cy="365125"/>
-          </a:xfrm>
-        </p:spPr>
-        <p:txBody>
-          <a:bodyPr/>
-          <a:lstStyle/>
-          <a:p>
-            <a:pPr>
-              <a:defRPr/>
-            </a:pPr>
-            <a:fld id="{03A76E9F-D1EE-F298-A01F-27CD20515672}" type="slidenum">
-              <a:rPr sz="1600" cap="none">
-                <a:solidFill>
-                  <a:srgbClr val="7F7F7F"/>
-                </a:solidFill>
-                <a:latin typeface="Helvetica"/>
-                <a:ea typeface="Calibri"/>
-                <a:cs typeface="Helvetica"/>
-              </a:rPr>
-              <a:t>14</a:t>
-            </a:fld>
-            <a:endParaRPr sz="1600" cap="none">
-              <a:solidFill>
-                <a:srgbClr val="7F7F7F"/>
-              </a:solidFill>
-              <a:latin typeface="Helvetica"/>
-              <a:ea typeface="Calibri"/>
-              <a:cs typeface="Helvetica"/>
-            </a:endParaRPr>
-          </a:p>
-        </p:txBody>
-      </p:sp>
-      <p:pic>
-        <p:nvPicPr>
-          <p:cNvPr id="4" name="Picture 8" descr="A picture containing text, clipart&#10;&#10;Description automatically generated"/>
-          <p:cNvPicPr>
-            <a:picLocks noChangeAspect="1"/>
-          </p:cNvPicPr>
-          <p:nvPr/>
-        </p:nvPicPr>
-        <p:blipFill>
-          <a:blip r:embed="rId3"/>
-          <a:stretch/>
-        </p:blipFill>
-        <p:spPr bwMode="auto">
-          <a:xfrm>
-            <a:off x="448945" y="360045"/>
-            <a:ext cx="1967865" cy="539750"/>
-          </a:xfrm>
-          <a:prstGeom prst="rect">
-            <a:avLst/>
-          </a:prstGeom>
-          <a:noFill/>
-          <a:ln>
-            <a:noFill/>
-          </a:ln>
-          <a:effectLst/>
-        </p:spPr>
-      </p:pic>
-      <p:sp>
-        <p:nvSpPr>
-          <p:cNvPr id="5" name="TextBox 1"/>
-          <p:cNvSpPr/>
-          <p:nvPr/>
-        </p:nvSpPr>
-        <p:spPr bwMode="auto">
-          <a:xfrm>
-            <a:off x="1056005" y="2357755"/>
-            <a:ext cx="10079990" cy="3628390"/>
-          </a:xfrm>
-          <a:prstGeom prst="rect">
-            <a:avLst/>
-          </a:prstGeom>
-          <a:noFill/>
-          <a:ln>
-            <a:noFill/>
-          </a:ln>
-          <a:effectLst/>
-        </p:spPr>
-        <p:txBody>
-          <a:bodyPr vert="horz" wrap="square" lIns="91440" tIns="45720" rIns="91440" bIns="45720" numCol="1" spcCol="215899" anchor="t"/>
-          <a:lstStyle/>
-          <a:p>
-            <a:pPr algn="ctr">
-              <a:lnSpc>
-                <a:spcPct val="120000"/>
-              </a:lnSpc>
-              <a:spcBef>
-                <a:spcPts val="600"/>
-              </a:spcBef>
-              <a:spcAft>
-                <a:spcPts val="600"/>
-              </a:spcAft>
-              <a:defRPr/>
-            </a:pPr>
-            <a:r>
-              <a:rPr sz="2000" cap="none">
-                <a:latin typeface="Helvetica"/>
-                <a:ea typeface="Calibri"/>
-                <a:cs typeface="Helvetica"/>
-              </a:rPr>
-              <a:t>Based on what we’ve just seen let’s try to put it in practice by attempting to answer an important question:</a:t>
-            </a:r>
-            <a:endParaRPr sz="2000" cap="none">
-              <a:latin typeface="Helvetica"/>
-              <a:ea typeface="Calibri"/>
-              <a:cs typeface="Helvetica"/>
-            </a:endParaRPr>
-          </a:p>
-          <a:p>
-            <a:pPr algn="ctr">
-              <a:lnSpc>
-                <a:spcPct val="120000"/>
-              </a:lnSpc>
-              <a:spcBef>
-                <a:spcPts val="600"/>
-              </a:spcBef>
-              <a:spcAft>
-                <a:spcPts val="600"/>
-              </a:spcAft>
-              <a:defRPr/>
-            </a:pPr>
-            <a:r>
-              <a:rPr sz="2000" b="1" cap="none">
-                <a:latin typeface="Helvetica"/>
-                <a:ea typeface="Calibri"/>
-                <a:cs typeface="Helvetica"/>
-              </a:rPr>
-              <a:t>How long does it take to boil an egg?</a:t>
-            </a:r>
-            <a:endParaRPr sz="2000" b="1" cap="none">
-              <a:latin typeface="Helvetica"/>
-              <a:ea typeface="Calibri"/>
-              <a:cs typeface="Helvetica"/>
-            </a:endParaRPr>
-          </a:p>
-          <a:p>
-            <a:pPr algn="ctr">
-              <a:lnSpc>
-                <a:spcPct val="120000"/>
-              </a:lnSpc>
-              <a:spcBef>
-                <a:spcPts val="600"/>
-              </a:spcBef>
-              <a:spcAft>
-                <a:spcPts val="600"/>
-              </a:spcAft>
-              <a:defRPr/>
-            </a:pPr>
-            <a:r>
-              <a:rPr sz="2000" cap="none">
-                <a:latin typeface="Helvetica"/>
-                <a:ea typeface="Calibri"/>
-                <a:cs typeface="Helvetica"/>
-              </a:rPr>
-              <a:t>Use the lumped capacitance method…</a:t>
-            </a:r>
-            <a:endParaRPr sz="2000" cap="none">
-              <a:latin typeface="Helvetica"/>
-              <a:ea typeface="Calibri"/>
-              <a:cs typeface="Helvetica"/>
-            </a:endParaRPr>
-          </a:p>
-          <a:p>
-            <a:pPr algn="ctr">
-              <a:lnSpc>
-                <a:spcPct val="120000"/>
-              </a:lnSpc>
-              <a:spcBef>
-                <a:spcPts val="600"/>
-              </a:spcBef>
-              <a:spcAft>
-                <a:spcPts val="600"/>
-              </a:spcAft>
-              <a:defRPr/>
-            </a:pPr>
-            <a:r>
-              <a:rPr sz="2000" cap="none">
-                <a:latin typeface="Helvetica"/>
-                <a:ea typeface="Calibri"/>
-                <a:cs typeface="Helvetica"/>
-              </a:rPr>
-              <a:t>Do the results make sense?</a:t>
-            </a:r>
-            <a:endParaRPr sz="2000" cap="none">
-              <a:latin typeface="Helvetica"/>
-              <a:ea typeface="Calibri"/>
-              <a:cs typeface="Helvetica"/>
-            </a:endParaRPr>
-          </a:p>
-          <a:p>
-            <a:pPr algn="ctr">
-              <a:lnSpc>
-                <a:spcPct val="120000"/>
-              </a:lnSpc>
-              <a:spcBef>
-                <a:spcPts val="600"/>
-              </a:spcBef>
-              <a:spcAft>
-                <a:spcPts val="600"/>
-              </a:spcAft>
-              <a:defRPr/>
-            </a:pPr>
-            <a:r>
-              <a:rPr sz="2000" cap="none">
-                <a:solidFill>
-                  <a:srgbClr val="767272"/>
-                </a:solidFill>
-                <a:latin typeface="Helvetica"/>
-                <a:ea typeface="Calibri"/>
-                <a:cs typeface="Helvetica"/>
-              </a:rPr>
-              <a:t>See also “</a:t>
-            </a:r>
-            <a:r>
-              <a:rPr sz="2000" i="1" cap="none">
-                <a:solidFill>
-                  <a:srgbClr val="767272"/>
-                </a:solidFill>
-                <a:latin typeface="Helvetica"/>
-                <a:ea typeface="Calibri"/>
-                <a:cs typeface="Helvetica"/>
-              </a:rPr>
-              <a:t>How long does it take to boil an egg? A simple approach to the energy transfer equation</a:t>
-            </a:r>
-            <a:r>
-              <a:rPr sz="2000" cap="none">
-                <a:solidFill>
-                  <a:srgbClr val="767272"/>
-                </a:solidFill>
-                <a:latin typeface="Helvetica"/>
-                <a:ea typeface="Calibri"/>
-                <a:cs typeface="Helvetica"/>
-              </a:rPr>
-              <a:t>” (Roura </a:t>
-            </a:r>
-            <a:r>
-              <a:rPr sz="2000" i="1" cap="none">
-                <a:solidFill>
-                  <a:srgbClr val="767272"/>
-                </a:solidFill>
-                <a:latin typeface="Helvetica"/>
-                <a:ea typeface="Calibri"/>
-                <a:cs typeface="Helvetica"/>
-              </a:rPr>
-              <a:t>et al</a:t>
-            </a:r>
-            <a:r>
-              <a:rPr sz="2000" cap="none">
-                <a:solidFill>
-                  <a:srgbClr val="767272"/>
-                </a:solidFill>
-                <a:latin typeface="Helvetica"/>
-                <a:ea typeface="Calibri"/>
-                <a:cs typeface="Helvetica"/>
-              </a:rPr>
-              <a:t>., 2000) for an alternative scientific approach to the problem</a:t>
-            </a:r>
-            <a:endParaRPr sz="2000" cap="none">
-              <a:solidFill>
-                <a:srgbClr val="767272"/>
-              </a:solidFill>
-              <a:latin typeface="Helvetica"/>
-              <a:ea typeface="Calibri"/>
-              <a:cs typeface="Helvetica"/>
-            </a:endParaRPr>
-          </a:p>
-        </p:txBody>
-      </p:sp>
-      <p:sp>
-        <p:nvSpPr>
-          <p:cNvPr id="6" name="TextBox 2"/>
-          <p:cNvSpPr/>
-          <p:nvPr/>
-        </p:nvSpPr>
-        <p:spPr bwMode="auto">
-          <a:xfrm>
-            <a:off x="1056005" y="1512570"/>
-            <a:ext cx="10079990" cy="400050"/>
-          </a:xfrm>
-          <a:prstGeom prst="rect">
-            <a:avLst/>
-          </a:prstGeom>
-          <a:noFill/>
-          <a:ln>
-            <a:noFill/>
-          </a:ln>
-          <a:effectLst/>
-        </p:spPr>
-        <p:txBody>
-          <a:bodyPr vert="horz" wrap="square" lIns="91440" tIns="45720" rIns="91440" bIns="45720" numCol="1" spcCol="215899" anchor="t"/>
-          <a:lstStyle/>
-          <a:p>
-            <a:pPr algn="ctr">
-              <a:spcAft>
-                <a:spcPts val="600"/>
-              </a:spcAft>
-              <a:defRPr/>
-            </a:pPr>
-            <a:r>
-              <a:rPr sz="2000" b="1" cap="none">
-                <a:solidFill>
-                  <a:srgbClr val="FF9900"/>
-                </a:solidFill>
-                <a:latin typeface="Helvetica"/>
-                <a:ea typeface="Calibri"/>
-                <a:cs typeface="Calibri"/>
-              </a:rPr>
-              <a:t>Boiling an egg</a:t>
-            </a:r>
-            <a:endParaRPr sz="2000" b="1" cap="none">
-              <a:solidFill>
-                <a:srgbClr val="FF9900"/>
-              </a:solidFill>
-              <a:latin typeface="Helvetica"/>
-              <a:ea typeface="Calibri"/>
-              <a:cs typeface="Calibri"/>
-            </a:endParaRPr>
-          </a:p>
-        </p:txBody>
-      </p:sp>
-      <p:sp>
-        <p:nvSpPr>
-          <p:cNvPr id="7" name="Slide Number Placeholder 17"/>
-          <p:cNvSpPr/>
-          <p:nvPr/>
-        </p:nvSpPr>
-        <p:spPr bwMode="auto">
-          <a:xfrm>
-            <a:off x="448945" y="6356350"/>
-            <a:ext cx="4434840" cy="365125"/>
-          </a:xfrm>
-          <a:prstGeom prst="rect">
-            <a:avLst/>
-          </a:prstGeom>
-          <a:noFill/>
-          <a:ln>
-            <a:noFill/>
-          </a:ln>
-          <a:effectLst/>
-        </p:spPr>
-        <p:txBody>
-          <a:bodyPr vert="horz" wrap="square" lIns="91440" tIns="45720" rIns="91440" bIns="45720" numCol="1" spcCol="215899" anchor="ctr"/>
-          <a:lstStyle>
-            <a:lvl1pPr marL="0" algn="r" defTabSz="457200">
-              <a:defRPr sz="1200" cap="none">
-                <a:solidFill>
-                  <a:srgbClr val="8C8C8C"/>
-                </a:solidFill>
-                <a:latin typeface="Calibri"/>
-                <a:ea typeface="Calibri"/>
-                <a:cs typeface="Calibri"/>
-              </a:defRPr>
-            </a:lvl1pPr>
-            <a:lvl2pPr marL="457200" algn="l" defTabSz="457200">
-              <a:defRPr sz="1800" cap="none">
-                <a:solidFill>
-                  <a:schemeClr val="tx1"/>
-                </a:solidFill>
-                <a:latin typeface="Calibri"/>
-                <a:ea typeface="Calibri"/>
-                <a:cs typeface="Calibri"/>
-              </a:defRPr>
-            </a:lvl2pPr>
-            <a:lvl3pPr marL="914400" algn="l" defTabSz="457200">
-              <a:defRPr sz="1800" cap="none">
-                <a:solidFill>
-                  <a:schemeClr val="tx1"/>
-                </a:solidFill>
-                <a:latin typeface="Calibri"/>
-                <a:ea typeface="Calibri"/>
-                <a:cs typeface="Calibri"/>
-              </a:defRPr>
-            </a:lvl3pPr>
-            <a:lvl4pPr marL="1371600" algn="l" defTabSz="457200">
-              <a:defRPr sz="1800" cap="none">
-                <a:solidFill>
-                  <a:schemeClr val="tx1"/>
-                </a:solidFill>
-                <a:latin typeface="Calibri"/>
-                <a:ea typeface="Calibri"/>
-                <a:cs typeface="Calibri"/>
-              </a:defRPr>
-            </a:lvl4pPr>
-            <a:lvl5pPr marL="1828800" algn="l" defTabSz="457200">
-              <a:defRPr sz="1800" cap="none">
-                <a:solidFill>
-                  <a:schemeClr val="tx1"/>
-                </a:solidFill>
-                <a:latin typeface="Calibri"/>
-                <a:ea typeface="Calibri"/>
-                <a:cs typeface="Calibri"/>
-              </a:defRPr>
-            </a:lvl5pPr>
-            <a:lvl6pPr marL="2286000" algn="l" defTabSz="457200">
-              <a:defRPr sz="1800" cap="none">
-                <a:solidFill>
-                  <a:schemeClr val="tx1"/>
-                </a:solidFill>
-                <a:latin typeface="Calibri"/>
-                <a:ea typeface="Calibri"/>
-                <a:cs typeface="Calibri"/>
-              </a:defRPr>
-            </a:lvl6pPr>
-            <a:lvl7pPr marL="2743200" algn="l" defTabSz="457200">
-              <a:defRPr sz="1800" cap="none">
-                <a:solidFill>
-                  <a:schemeClr val="tx1"/>
-                </a:solidFill>
-                <a:latin typeface="Calibri"/>
-                <a:ea typeface="Calibri"/>
-                <a:cs typeface="Calibri"/>
-              </a:defRPr>
-            </a:lvl7pPr>
-            <a:lvl8pPr marL="3200400" algn="l" defTabSz="457200">
-              <a:defRPr sz="1800" cap="none">
-                <a:solidFill>
-                  <a:schemeClr val="tx1"/>
-                </a:solidFill>
-                <a:latin typeface="Calibri"/>
-                <a:ea typeface="Calibri"/>
-                <a:cs typeface="Calibri"/>
-              </a:defRPr>
-            </a:lvl8pPr>
-            <a:lvl9pPr marL="3657600" algn="l" defTabSz="457200">
-              <a:defRPr sz="1800" cap="none">
-                <a:solidFill>
-                  <a:schemeClr val="tx1"/>
-                </a:solidFill>
-                <a:latin typeface="Calibri"/>
-                <a:ea typeface="Calibri"/>
-                <a:cs typeface="Calibri"/>
-              </a:defRPr>
-            </a:lvl9pPr>
-          </a:lstStyle>
-          <a:p>
-            <a:pPr algn="l">
-              <a:defRPr/>
-            </a:pPr>
-            <a:r>
-              <a:rPr sz="1600" cap="none">
-                <a:solidFill>
-                  <a:srgbClr val="7F7F7F"/>
-                </a:solidFill>
-                <a:latin typeface="Helvetica"/>
-                <a:ea typeface="Calibri"/>
-                <a:cs typeface="Helvetica"/>
-              </a:rPr>
-              <a:t>EX3030/EM40JN</a:t>
-            </a:r>
-            <a:endParaRPr sz="1600" cap="none">
-              <a:solidFill>
-                <a:srgbClr val="7F7F7F"/>
-              </a:solidFill>
-              <a:latin typeface="Helvetica"/>
-              <a:ea typeface="Calibri"/>
-              <a:cs typeface="Helvetica"/>
-            </a:endParaRPr>
-          </a:p>
-        </p:txBody>
-      </p:sp>
-    </p:spTree>
-  </p:cSld>
-  <p:clrMapOvr>
-    <a:masterClrMapping/>
-  </p:clrMapOvr>
-  <mc:AlternateContent xmlns:mc="http://schemas.openxmlformats.org/markup-compatibility/2006">
-    <mc:Choice xmlns:p159="http://schemas.microsoft.com/office/powerpoint/2015/09/main" xmlns:p14="http://schemas.microsoft.com/office/powerpoint/2010/main" Requires="p159">
-      <p:transition p14:dur="2000" advClick="1"/>
-    </mc:Choice>
-    <mc:Fallback>
-      <p:transition advClick="1"/>
-    </mc:Fallback>
-  </mc:AlternateContent>
-  <p:timing>
-    <p:tnLst>
-      <p:par>
-        <p:cTn id="1" dur="indefinite" restart="never" nodeType="tmRoot"/>
-      </p:par>
-    </p:tnLst>
-  </p:timing>
-</p:sld>
-</file>
-
-<file path=ppt/slides/slide15.xml><?xml version="1.0" encoding="utf-8"?>
-<p:sld xmlns:a="http://schemas.openxmlformats.org/drawingml/2006/main" xmlns:r="http://schemas.openxmlformats.org/officeDocument/2006/relationships" xmlns:p="http://schemas.openxmlformats.org/presentationml/2006/main" xmlns:m="http://schemas.openxmlformats.org/officeDocument/2006/math" xmlns:w="http://schemas.openxmlformats.org/wordprocessingml/2006/main" xmlns:mc="http://schemas.openxmlformats.org/markup-compatibility/2006" showMasterPhAnim="0" showMasterSp="1" show="1">
-  <p:cSld name="">
-    <p:spTree>
-      <p:nvGrpSpPr>
-        <p:cNvPr id="1" name=""/>
-        <p:cNvGrpSpPr/>
-        <p:nvPr/>
-      </p:nvGrpSpPr>
-      <p:grpSpPr bwMode="auto">
-        <a:xfrm>
-          <a:off x="0" y="0"/>
-          <a:ext cx="0" cy="0"/>
-          <a:chOff x="0" y="0"/>
-          <a:chExt cx="0" cy="0"/>
-        </a:xfrm>
-      </p:grpSpPr>
-      <p:sp>
-        <p:nvSpPr>
-          <p:cNvPr id="594186536" name="Title 1"/>
+          <p:cNvPr id="288477211" name="Title 1"/>
           <p:cNvSpPr>
             <a:spLocks noChangeArrowheads="1" noGrp="1"/>
           </p:cNvSpPr>
@@ -11614,7 +9827,7 @@
       </p:sp>
       <p:sp>
         <p:nvSpPr>
-          <p:cNvPr id="1693354737" name="Content Placeholder 2"/>
+          <p:cNvPr id="1062431101" name="Content Placeholder 2"/>
           <p:cNvSpPr>
             <a:spLocks noChangeArrowheads="1" noGrp="1"/>
           </p:cNvSpPr>
@@ -12753,7 +10966,7 @@
       </p:sp>
       <p:sp>
         <p:nvSpPr>
-          <p:cNvPr id="1867517718" name="Date Placeholder 3"/>
+          <p:cNvPr id="212317964" name="Date Placeholder 3"/>
           <p:cNvSpPr>
             <a:spLocks noChangeArrowheads="1" noGrp="1"/>
           </p:cNvSpPr>
@@ -12779,7 +10992,7 @@
       </p:sp>
       <p:sp>
         <p:nvSpPr>
-          <p:cNvPr id="244633150" name="Slide Number Placeholder 5"/>
+          <p:cNvPr id="746942617" name="Slide Number Placeholder 5"/>
           <p:cNvSpPr>
             <a:spLocks noChangeArrowheads="1" noGrp="1"/>
           </p:cNvSpPr>
@@ -12819,7 +11032,7 @@
 </p:sld>
 </file>
 
-<file path=ppt/slides/slide16.xml><?xml version="1.0" encoding="utf-8"?>
+<file path=ppt/slides/slide15.xml><?xml version="1.0" encoding="utf-8"?>
 <p:sld xmlns:a="http://schemas.openxmlformats.org/drawingml/2006/main" xmlns:r="http://schemas.openxmlformats.org/officeDocument/2006/relationships" xmlns:p="http://schemas.openxmlformats.org/presentationml/2006/main" xmlns:m="http://schemas.openxmlformats.org/officeDocument/2006/math" xmlns:w="http://schemas.openxmlformats.org/wordprocessingml/2006/main" xmlns:mc="http://schemas.openxmlformats.org/markup-compatibility/2006" showMasterPhAnim="0" showMasterSp="1" show="1">
   <p:cSld name="">
     <p:spTree>
@@ -12838,7 +11051,7 @@
       </p:grpSpPr>
       <p:sp>
         <p:nvSpPr>
-          <p:cNvPr id="2" name="Title 3"/>
+          <p:cNvPr id="1552507325" name="Title 3"/>
           <p:cNvSpPr>
             <a:spLocks noChangeArrowheads="1" noGrp="1"/>
           </p:cNvSpPr>
@@ -12893,7 +11106,7 @@
       </p:sp>
       <p:sp>
         <p:nvSpPr>
-          <p:cNvPr id="3" name="Slide Number Placeholder 17"/>
+          <p:cNvPr id="1394388968" name="Slide Number Placeholder 17"/>
           <p:cNvSpPr>
             <a:spLocks noChangeArrowheads="1" noGrp="1"/>
           </p:cNvSpPr>
@@ -12938,7 +11151,7 @@
       </p:sp>
       <p:pic>
         <p:nvPicPr>
-          <p:cNvPr id="4" name="Picture 8" descr="A picture containing text, clipart&#10;&#10;Description automatically generated"/>
+          <p:cNvPr id="446475505" name="Picture 8" descr="A picture containing text, clipart&#10;&#10;Description automatically generated"/>
           <p:cNvPicPr>
             <a:picLocks noChangeAspect="1"/>
           </p:cNvPicPr>
@@ -12965,7 +11178,7 @@
       </p:pic>
       <p:sp>
         <p:nvSpPr>
-          <p:cNvPr id="5" name="TextBox 2"/>
+          <p:cNvPr id="1328735118" name="TextBox 2"/>
           <p:cNvSpPr/>
           <p:nvPr/>
         </p:nvSpPr>
@@ -13017,7 +11230,7 @@
       </p:sp>
       <p:sp>
         <p:nvSpPr>
-          <p:cNvPr id="6" name="Slide Number Placeholder 17"/>
+          <p:cNvPr id="332251019" name="Slide Number Placeholder 17"/>
           <p:cNvSpPr/>
           <p:nvPr/>
         </p:nvSpPr>
@@ -13157,7 +11370,7 @@
       </p:sp>
       <p:sp>
         <p:nvSpPr>
-          <p:cNvPr id="7" name="TextBox 9"/>
+          <p:cNvPr id="152349859" name="TextBox 9"/>
           <p:cNvSpPr/>
           <p:nvPr/>
         </p:nvSpPr>
@@ -13206,7 +11419,7 @@
       </p:sp>
       <p:grpSp>
         <p:nvGrpSpPr>
-          <p:cNvPr id="8" name="Group 12"/>
+          <p:cNvPr id="61865407" name="Group 12"/>
           <p:cNvGrpSpPr/>
           <p:nvPr/>
         </p:nvGrpSpPr>
@@ -13699,7 +11912,7 @@
       </p:grpSp>
       <p:pic>
         <p:nvPicPr>
-          <p:cNvPr id="15" name="Picture 10" descr="Heston Blumenthal: female chefs had to &quot;fight harder&quot; to be successful"/>
+          <p:cNvPr id="1851807187" name="Picture 10" descr="Heston Blumenthal: female chefs had to &quot;fight harder&quot; to be successful"/>
           <p:cNvPicPr>
             <a:picLocks noChangeAspect="1"/>
           </p:cNvPicPr>
@@ -13747,7 +11960,7 @@
 </p:sld>
 </file>
 
-<file path=ppt/slides/slide17.xml><?xml version="1.0" encoding="utf-8"?>
+<file path=ppt/slides/slide16.xml><?xml version="1.0" encoding="utf-8"?>
 <p:sld xmlns:a="http://schemas.openxmlformats.org/drawingml/2006/main" xmlns:r="http://schemas.openxmlformats.org/officeDocument/2006/relationships" xmlns:p="http://schemas.openxmlformats.org/presentationml/2006/main" xmlns:m="http://schemas.openxmlformats.org/officeDocument/2006/math" xmlns:w="http://schemas.openxmlformats.org/wordprocessingml/2006/main" xmlns:mc="http://schemas.openxmlformats.org/markup-compatibility/2006" showMasterPhAnim="0" showMasterSp="1" show="1">
   <p:cSld name="">
     <p:spTree>
@@ -13766,7 +11979,7 @@
       </p:grpSpPr>
       <p:sp>
         <p:nvSpPr>
-          <p:cNvPr id="2" name="Title 3"/>
+          <p:cNvPr id="1506090989" name="Title 3"/>
           <p:cNvSpPr>
             <a:spLocks noChangeArrowheads="1" noGrp="1"/>
           </p:cNvSpPr>
@@ -13821,7 +12034,7 @@
       </p:sp>
       <p:sp>
         <p:nvSpPr>
-          <p:cNvPr id="3" name="Slide Number Placeholder 17"/>
+          <p:cNvPr id="1677187807" name="Slide Number Placeholder 17"/>
           <p:cNvSpPr>
             <a:spLocks noChangeArrowheads="1" noGrp="1"/>
           </p:cNvSpPr>
@@ -13866,7 +12079,7 @@
       </p:sp>
       <p:pic>
         <p:nvPicPr>
-          <p:cNvPr id="4" name="Picture 8" descr="A picture containing text, clipart&#10;&#10;Description automatically generated"/>
+          <p:cNvPr id="1419373465" name="Picture 8" descr="A picture containing text, clipart&#10;&#10;Description automatically generated"/>
           <p:cNvPicPr>
             <a:picLocks noChangeAspect="1"/>
           </p:cNvPicPr>
@@ -13893,14 +12106,14 @@
       </p:pic>
       <p:sp>
         <p:nvSpPr>
-          <p:cNvPr id="5" name="TextBox 1"/>
+          <p:cNvPr id="521057437" name="TextBox 1"/>
           <p:cNvSpPr/>
           <p:nvPr/>
         </p:nvSpPr>
         <p:spPr bwMode="auto">
           <a:xfrm>
-            <a:off x="1056005" y="1929765"/>
-            <a:ext cx="10079990" cy="3693795"/>
+            <a:off x="1056004" y="1929764"/>
+            <a:ext cx="10135789" cy="4228946"/>
           </a:xfrm>
           <a:prstGeom prst="rect">
             <a:avLst/>
@@ -14608,7 +12821,36 @@
               </a:rPr>
               <a:t> &lt; 0.1</a:t>
             </a:r>
-            <a:endParaRPr lang="en-US" sz="2000" b="1">
+            <a:endParaRPr lang="en-GB" sz="2000" b="1">
+              <a:latin typeface="Helvetica"/>
+            </a:endParaRPr>
+          </a:p>
+          <a:p>
+            <a:pPr algn="ctr">
+              <a:lnSpc>
+                <a:spcPct val="120000"/>
+              </a:lnSpc>
+              <a:spcBef>
+                <a:spcPts val="599"/>
+              </a:spcBef>
+              <a:spcAft>
+                <a:spcPts val="599"/>
+              </a:spcAft>
+              <a:defRPr/>
+            </a:pPr>
+            <a:r>
+              <a:rPr lang="en" sz="2000" b="1">
+                <a:latin typeface="Helvetica"/>
+              </a:rPr>
+              <a:t>Note: </a:t>
+            </a:r>
+            <a:r>
+              <a:rPr lang="en" sz="2000" b="0">
+                <a:latin typeface="Helvetica"/>
+              </a:rPr>
+              <a:t>The Biot number is the Nusselt number, except the thermal conductivity is inside the object, rather than the fluid cooling it.</a:t>
+            </a:r>
+            <a:endParaRPr sz="2000" b="0">
               <a:latin typeface="Helvetica"/>
             </a:endParaRPr>
           </a:p>
@@ -14616,7 +12858,7 @@
       </p:sp>
       <p:sp>
         <p:nvSpPr>
-          <p:cNvPr id="6" name="TextBox 2"/>
+          <p:cNvPr id="783042575" name="TextBox 2"/>
           <p:cNvSpPr/>
           <p:nvPr/>
         </p:nvSpPr>
@@ -14668,7 +12910,7 @@
       </p:sp>
       <p:sp>
         <p:nvSpPr>
-          <p:cNvPr id="7" name="Slide Number Placeholder 17"/>
+          <p:cNvPr id="111858358" name="Slide Number Placeholder 17"/>
           <p:cNvSpPr/>
           <p:nvPr/>
         </p:nvSpPr>
@@ -14829,7 +13071,7 @@
 </p:sld>
 </file>
 
-<file path=ppt/slides/slide18.xml><?xml version="1.0" encoding="utf-8"?>
+<file path=ppt/slides/slide17.xml><?xml version="1.0" encoding="utf-8"?>
 <p:sld xmlns:a="http://schemas.openxmlformats.org/drawingml/2006/main" xmlns:r="http://schemas.openxmlformats.org/officeDocument/2006/relationships" xmlns:p="http://schemas.openxmlformats.org/presentationml/2006/main" xmlns:m="http://schemas.openxmlformats.org/officeDocument/2006/math" xmlns:w="http://schemas.openxmlformats.org/wordprocessingml/2006/main" xmlns:mc="http://schemas.openxmlformats.org/markup-compatibility/2006" showMasterPhAnim="0" showMasterSp="1" show="1">
   <p:cSld name="">
     <p:spTree>
@@ -14848,7 +13090,7 @@
       </p:grpSpPr>
       <p:sp>
         <p:nvSpPr>
-          <p:cNvPr id="2" name="Title 3"/>
+          <p:cNvPr id="567536390" name="Title 3"/>
           <p:cNvSpPr>
             <a:spLocks noChangeArrowheads="1" noGrp="1"/>
           </p:cNvSpPr>
@@ -14903,7 +13145,7 @@
       </p:sp>
       <p:sp>
         <p:nvSpPr>
-          <p:cNvPr id="3" name="Slide Number Placeholder 17"/>
+          <p:cNvPr id="1311221487" name="Slide Number Placeholder 17"/>
           <p:cNvSpPr>
             <a:spLocks noChangeArrowheads="1" noGrp="1"/>
           </p:cNvSpPr>
@@ -14948,7 +13190,7 @@
       </p:sp>
       <p:pic>
         <p:nvPicPr>
-          <p:cNvPr id="4" name="Picture 8" descr="A picture containing text, clipart&#10;&#10;Description automatically generated"/>
+          <p:cNvPr id="613855519" name="Picture 8" descr="A picture containing text, clipart&#10;&#10;Description automatically generated"/>
           <p:cNvPicPr>
             <a:picLocks noChangeAspect="1"/>
           </p:cNvPicPr>
@@ -14975,7 +13217,7 @@
       </p:pic>
       <p:sp>
         <p:nvSpPr>
-          <p:cNvPr id="5" name="TextBox 2"/>
+          <p:cNvPr id="782836428" name="TextBox 2"/>
           <p:cNvSpPr/>
           <p:nvPr/>
         </p:nvSpPr>
@@ -15027,7 +13269,7 @@
       </p:sp>
       <p:sp>
         <p:nvSpPr>
-          <p:cNvPr id="6" name="Slide Number Placeholder 17"/>
+          <p:cNvPr id="1494815801" name="Slide Number Placeholder 17"/>
           <p:cNvSpPr/>
           <p:nvPr/>
         </p:nvSpPr>
@@ -15167,7 +13409,7 @@
       </p:sp>
       <p:pic>
         <p:nvPicPr>
-          <p:cNvPr id="7" name="Picture 6" descr="Diagram"/>
+          <p:cNvPr id="1033356842" name="Picture 6" descr="Diagram"/>
           <p:cNvPicPr>
             <a:picLocks noChangeAspect="1"/>
           </p:cNvPicPr>
@@ -15194,7 +13436,7 @@
       </p:pic>
       <p:sp>
         <p:nvSpPr>
-          <p:cNvPr id="8" name="TextBox 9"/>
+          <p:cNvPr id="1166323839" name="TextBox 9"/>
           <p:cNvSpPr/>
           <p:nvPr/>
         </p:nvSpPr>
@@ -15619,7 +13861,7 @@
       </p:sp>
       <p:sp>
         <p:nvSpPr>
-          <p:cNvPr id="9" name="TextBox 11"/>
+          <p:cNvPr id="940581391" name="TextBox 11"/>
           <p:cNvSpPr/>
           <p:nvPr/>
         </p:nvSpPr>
@@ -15709,7 +13951,7 @@
 </p:sld>
 </file>
 
-<file path=ppt/slides/slide19.xml><?xml version="1.0" encoding="utf-8"?>
+<file path=ppt/slides/slide18.xml><?xml version="1.0" encoding="utf-8"?>
 <p:sld xmlns:a="http://schemas.openxmlformats.org/drawingml/2006/main" xmlns:r="http://schemas.openxmlformats.org/officeDocument/2006/relationships" xmlns:p="http://schemas.openxmlformats.org/presentationml/2006/main" xmlns:m="http://schemas.openxmlformats.org/officeDocument/2006/math" xmlns:w="http://schemas.openxmlformats.org/wordprocessingml/2006/main" xmlns:mc="http://schemas.openxmlformats.org/markup-compatibility/2006" showMasterPhAnim="0" showMasterSp="1" show="1">
   <p:cSld name="">
     <p:spTree>
@@ -15728,7 +13970,7 @@
       </p:grpSpPr>
       <p:sp>
         <p:nvSpPr>
-          <p:cNvPr id="1023672738" name="Title 1"/>
+          <p:cNvPr id="1329369767" name="Title 1"/>
           <p:cNvSpPr>
             <a:spLocks noChangeArrowheads="1" noGrp="1"/>
           </p:cNvSpPr>
@@ -15754,7 +13996,7 @@
       </p:sp>
       <p:sp>
         <p:nvSpPr>
-          <p:cNvPr id="736818110" name="Content Placeholder 2"/>
+          <p:cNvPr id="1669707584" name="Content Placeholder 2"/>
           <p:cNvSpPr>
             <a:spLocks noChangeArrowheads="1" noGrp="1"/>
           </p:cNvSpPr>
@@ -17170,7 +15412,7 @@
       </p:sp>
       <p:sp>
         <p:nvSpPr>
-          <p:cNvPr id="220275909" name="Date Placeholder 3"/>
+          <p:cNvPr id="1071370198" name="Date Placeholder 3"/>
           <p:cNvSpPr>
             <a:spLocks noChangeArrowheads="1" noGrp="1"/>
           </p:cNvSpPr>
@@ -17196,7 +15438,7 @@
       </p:sp>
       <p:sp>
         <p:nvSpPr>
-          <p:cNvPr id="700045926" name="Slide Number Placeholder 5"/>
+          <p:cNvPr id="991870878" name="Slide Number Placeholder 5"/>
           <p:cNvSpPr>
             <a:spLocks noChangeArrowheads="1" noGrp="1"/>
           </p:cNvSpPr>
@@ -17236,7 +15478,7 @@
 </p:sld>
 </file>
 
-<file path=ppt/slides/slide2.xml><?xml version="1.0" encoding="utf-8"?>
+<file path=ppt/slides/slide19.xml><?xml version="1.0" encoding="utf-8"?>
 <p:sld xmlns:a="http://schemas.openxmlformats.org/drawingml/2006/main" xmlns:r="http://schemas.openxmlformats.org/officeDocument/2006/relationships" xmlns:p="http://schemas.openxmlformats.org/presentationml/2006/main" xmlns:m="http://schemas.openxmlformats.org/officeDocument/2006/math" xmlns:w="http://schemas.openxmlformats.org/wordprocessingml/2006/main" xmlns:mc="http://schemas.openxmlformats.org/markup-compatibility/2006" showMasterPhAnim="0" showMasterSp="1" show="1">
   <p:cSld name="">
     <p:spTree>
@@ -17255,7 +15497,7 @@
       </p:grpSpPr>
       <p:sp>
         <p:nvSpPr>
-          <p:cNvPr id="2" name="Title 3"/>
+          <p:cNvPr id="637712135" name="Title 3"/>
           <p:cNvSpPr>
             <a:spLocks noChangeArrowheads="1" noGrp="1"/>
           </p:cNvSpPr>
@@ -17298,7 +15540,7 @@
                 <a:ea typeface="Verdana"/>
                 <a:cs typeface="Helvetica"/>
               </a:rPr>
-              <a:t>Course Materials</a:t>
+              <a:t>Summary</a:t>
             </a:r>
             <a:endParaRPr sz="4000" cap="none">
               <a:latin typeface="Helvetica"/>
@@ -17310,7 +15552,7 @@
       </p:sp>
       <p:sp>
         <p:nvSpPr>
-          <p:cNvPr id="3" name="Slide Number Placeholder 17"/>
+          <p:cNvPr id="1028886333" name="Slide Number Placeholder 17"/>
           <p:cNvSpPr>
             <a:spLocks noChangeArrowheads="1" noGrp="1"/>
           </p:cNvSpPr>
@@ -17331,7 +15573,7 @@
             <a:pPr>
               <a:defRPr/>
             </a:pPr>
-            <a:fld id="{568FDD22-6CBB-DA2B-F537-9A7E937903CF}" type="slidenum">
+            <a:fld id="{0D515762-2CE0-04A1-AEE9-DAF419A7588F}" type="slidenum">
               <a:rPr sz="1600" cap="none">
                 <a:solidFill>
                   <a:srgbClr val="7F7F7F"/>
@@ -17340,7 +15582,7 @@
                 <a:ea typeface="Calibri"/>
                 <a:cs typeface="Helvetica"/>
               </a:rPr>
-              <a:t>2</a:t>
+              <a:t>18</a:t>
             </a:fld>
             <a:endParaRPr sz="1600" cap="none">
               <a:solidFill>
@@ -17353,149 +15595,9 @@
           </a:p>
         </p:txBody>
       </p:sp>
-      <p:sp>
-        <p:nvSpPr>
-          <p:cNvPr id="4" name="Slide Number Placeholder 17"/>
-          <p:cNvSpPr/>
-          <p:nvPr/>
-        </p:nvSpPr>
-        <p:spPr bwMode="auto">
-          <a:xfrm>
-            <a:off x="448945" y="6356350"/>
-            <a:ext cx="4434840" cy="365125"/>
-          </a:xfrm>
-          <a:prstGeom prst="rect">
-            <a:avLst/>
-          </a:prstGeom>
-          <a:noFill/>
-          <a:ln>
-            <a:noFill/>
-          </a:ln>
-          <a:effectLst/>
-        </p:spPr>
-        <p:txBody>
-          <a:bodyPr vert="horz" wrap="square" lIns="91440" tIns="45720" rIns="91440" bIns="45720" numCol="1" spcCol="215899" anchor="ctr"/>
-          <a:lstStyle>
-            <a:lvl1pPr marL="0" algn="r" defTabSz="457200">
-              <a:defRPr sz="1200" cap="none">
-                <a:solidFill>
-                  <a:srgbClr val="8C8C8C"/>
-                </a:solidFill>
-                <a:latin typeface="Calibri"/>
-                <a:ea typeface="Calibri"/>
-                <a:cs typeface="Calibri"/>
-              </a:defRPr>
-            </a:lvl1pPr>
-            <a:lvl2pPr marL="457200" algn="l" defTabSz="457200">
-              <a:defRPr sz="1800" cap="none">
-                <a:solidFill>
-                  <a:schemeClr val="tx1"/>
-                </a:solidFill>
-                <a:latin typeface="Calibri"/>
-                <a:ea typeface="Calibri"/>
-                <a:cs typeface="Calibri"/>
-              </a:defRPr>
-            </a:lvl2pPr>
-            <a:lvl3pPr marL="914400" algn="l" defTabSz="457200">
-              <a:defRPr sz="1800" cap="none">
-                <a:solidFill>
-                  <a:schemeClr val="tx1"/>
-                </a:solidFill>
-                <a:latin typeface="Calibri"/>
-                <a:ea typeface="Calibri"/>
-                <a:cs typeface="Calibri"/>
-              </a:defRPr>
-            </a:lvl3pPr>
-            <a:lvl4pPr marL="1371600" algn="l" defTabSz="457200">
-              <a:defRPr sz="1800" cap="none">
-                <a:solidFill>
-                  <a:schemeClr val="tx1"/>
-                </a:solidFill>
-                <a:latin typeface="Calibri"/>
-                <a:ea typeface="Calibri"/>
-                <a:cs typeface="Calibri"/>
-              </a:defRPr>
-            </a:lvl4pPr>
-            <a:lvl5pPr marL="1828800" algn="l" defTabSz="457200">
-              <a:defRPr sz="1800" cap="none">
-                <a:solidFill>
-                  <a:schemeClr val="tx1"/>
-                </a:solidFill>
-                <a:latin typeface="Calibri"/>
-                <a:ea typeface="Calibri"/>
-                <a:cs typeface="Calibri"/>
-              </a:defRPr>
-            </a:lvl5pPr>
-            <a:lvl6pPr marL="2286000" algn="l" defTabSz="457200">
-              <a:defRPr sz="1800" cap="none">
-                <a:solidFill>
-                  <a:schemeClr val="tx1"/>
-                </a:solidFill>
-                <a:latin typeface="Calibri"/>
-                <a:ea typeface="Calibri"/>
-                <a:cs typeface="Calibri"/>
-              </a:defRPr>
-            </a:lvl6pPr>
-            <a:lvl7pPr marL="2743200" algn="l" defTabSz="457200">
-              <a:defRPr sz="1800" cap="none">
-                <a:solidFill>
-                  <a:schemeClr val="tx1"/>
-                </a:solidFill>
-                <a:latin typeface="Calibri"/>
-                <a:ea typeface="Calibri"/>
-                <a:cs typeface="Calibri"/>
-              </a:defRPr>
-            </a:lvl7pPr>
-            <a:lvl8pPr marL="3200400" algn="l" defTabSz="457200">
-              <a:defRPr sz="1800" cap="none">
-                <a:solidFill>
-                  <a:schemeClr val="tx1"/>
-                </a:solidFill>
-                <a:latin typeface="Calibri"/>
-                <a:ea typeface="Calibri"/>
-                <a:cs typeface="Calibri"/>
-              </a:defRPr>
-            </a:lvl8pPr>
-            <a:lvl9pPr marL="3657600" algn="l" defTabSz="457200">
-              <a:defRPr sz="1800" cap="none">
-                <a:solidFill>
-                  <a:schemeClr val="tx1"/>
-                </a:solidFill>
-                <a:latin typeface="Calibri"/>
-                <a:ea typeface="Calibri"/>
-                <a:cs typeface="Calibri"/>
-              </a:defRPr>
-            </a:lvl9pPr>
-          </a:lstStyle>
-          <a:p>
-            <a:pPr algn="l">
-              <a:defRPr/>
-            </a:pPr>
-            <a:r>
-              <a:rPr sz="1600" cap="none">
-                <a:solidFill>
-                  <a:srgbClr val="7F7F7F"/>
-                </a:solidFill>
-                <a:latin typeface="Helvetica"/>
-                <a:ea typeface="Calibri"/>
-                <a:cs typeface="Helvetica"/>
-              </a:rPr>
-              <a:t>EX3030/EM40JN</a:t>
-            </a:r>
-            <a:endParaRPr sz="1600" cap="none">
-              <a:solidFill>
-                <a:srgbClr val="7F7F7F"/>
-              </a:solidFill>
-              <a:latin typeface="Helvetica"/>
-              <a:ea typeface="Calibri"/>
-              <a:cs typeface="Helvetica"/>
-            </a:endParaRPr>
-          </a:p>
-        </p:txBody>
-      </p:sp>
       <p:pic>
         <p:nvPicPr>
-          <p:cNvPr id="5" name="Picture 8" descr="A picture containing text, clipart&#10;&#10;Description automatically generated"/>
+          <p:cNvPr id="760118877" name="Picture 8" descr="A picture containing text, clipart&#10;&#10;Description automatically generated"/>
           <p:cNvPicPr>
             <a:picLocks noChangeAspect="1"/>
           </p:cNvPicPr>
@@ -17522,14 +15624,14 @@
       </p:pic>
       <p:sp>
         <p:nvSpPr>
-          <p:cNvPr id="6" name="TextBox 7"/>
+          <p:cNvPr id="1296860994" name="TextBox 1"/>
           <p:cNvSpPr/>
           <p:nvPr/>
         </p:nvSpPr>
         <p:spPr bwMode="auto">
           <a:xfrm>
-            <a:off x="1056005" y="2152015"/>
-            <a:ext cx="10079990" cy="2553970"/>
+            <a:off x="1056005" y="4822825"/>
+            <a:ext cx="10079990" cy="1015365"/>
           </a:xfrm>
           <a:prstGeom prst="rect">
             <a:avLst/>
@@ -17544,7 +15646,217 @@
           <a:bodyPr vert="horz" wrap="square" lIns="91440" tIns="45720" rIns="91440" bIns="45720" numCol="1" spcCol="215899" anchor="t"/>
           <a:lstStyle/>
           <a:p>
-            <a:pPr marL="342900" indent="-342900" algn="ctr">
+            <a:pPr algn="ctr">
+              <a:defRPr/>
+            </a:pPr>
+            <a:r>
+              <a:rPr sz="2000" cap="none">
+                <a:latin typeface="Helvetica"/>
+                <a:ea typeface="Calibri"/>
+                <a:cs typeface="Calibri"/>
+              </a:rPr>
+              <a:t>“</a:t>
+            </a:r>
+            <a:r>
+              <a:rPr sz="2000" i="1" cap="none">
+                <a:latin typeface="Helvetica"/>
+                <a:ea typeface="Calibri"/>
+                <a:cs typeface="Calibri"/>
+              </a:rPr>
+              <a:t>Do not dismiss lumped-capacity analysis because of its simplicity. Because of uncertainties in the convection coefficient, it may not be necessary to use more elaborate analysis </a:t>
+            </a:r>
+            <a:r>
+              <a:rPr sz="2000" i="1" cap="none">
+                <a:latin typeface="Helvetica"/>
+                <a:ea typeface="Calibri"/>
+                <a:cs typeface="Calibri"/>
+              </a:rPr>
+              <a:t>techniques.</a:t>
+            </a:r>
+            <a:r>
+              <a:rPr sz="2000" cap="none">
+                <a:latin typeface="Helvetica"/>
+                <a:ea typeface="Calibri"/>
+                <a:cs typeface="Calibri"/>
+              </a:rPr>
+              <a:t>” (Holman, 2010, p143)</a:t>
+            </a:r>
+            <a:endParaRPr sz="2000" cap="none">
+              <a:latin typeface="Helvetica"/>
+              <a:ea typeface="Calibri"/>
+              <a:cs typeface="Calibri"/>
+            </a:endParaRPr>
+          </a:p>
+        </p:txBody>
+      </p:sp>
+      <p:sp>
+        <p:nvSpPr>
+          <p:cNvPr id="251141457" name="Slide Number Placeholder 17"/>
+          <p:cNvSpPr/>
+          <p:nvPr/>
+        </p:nvSpPr>
+        <p:spPr bwMode="auto">
+          <a:xfrm>
+            <a:off x="448945" y="6356350"/>
+            <a:ext cx="4434840" cy="365125"/>
+          </a:xfrm>
+          <a:prstGeom prst="rect">
+            <a:avLst/>
+          </a:prstGeom>
+          <a:noFill/>
+          <a:ln>
+            <a:noFill/>
+          </a:ln>
+          <a:effectLst/>
+        </p:spPr>
+        <p:txBody>
+          <a:bodyPr vert="horz" wrap="square" lIns="91440" tIns="45720" rIns="91440" bIns="45720" numCol="1" spcCol="215899" anchor="ctr"/>
+          <a:lstStyle>
+            <a:lvl1pPr marL="0" algn="r" defTabSz="457200">
+              <a:defRPr sz="1200" cap="none">
+                <a:solidFill>
+                  <a:srgbClr val="8C8C8C"/>
+                </a:solidFill>
+                <a:latin typeface="Calibri"/>
+                <a:ea typeface="Calibri"/>
+                <a:cs typeface="Calibri"/>
+              </a:defRPr>
+            </a:lvl1pPr>
+            <a:lvl2pPr marL="457200" algn="l" defTabSz="457200">
+              <a:defRPr sz="1800" cap="none">
+                <a:solidFill>
+                  <a:schemeClr val="tx1"/>
+                </a:solidFill>
+                <a:latin typeface="Calibri"/>
+                <a:ea typeface="Calibri"/>
+                <a:cs typeface="Calibri"/>
+              </a:defRPr>
+            </a:lvl2pPr>
+            <a:lvl3pPr marL="914400" algn="l" defTabSz="457200">
+              <a:defRPr sz="1800" cap="none">
+                <a:solidFill>
+                  <a:schemeClr val="tx1"/>
+                </a:solidFill>
+                <a:latin typeface="Calibri"/>
+                <a:ea typeface="Calibri"/>
+                <a:cs typeface="Calibri"/>
+              </a:defRPr>
+            </a:lvl3pPr>
+            <a:lvl4pPr marL="1371600" algn="l" defTabSz="457200">
+              <a:defRPr sz="1800" cap="none">
+                <a:solidFill>
+                  <a:schemeClr val="tx1"/>
+                </a:solidFill>
+                <a:latin typeface="Calibri"/>
+                <a:ea typeface="Calibri"/>
+                <a:cs typeface="Calibri"/>
+              </a:defRPr>
+            </a:lvl4pPr>
+            <a:lvl5pPr marL="1828800" algn="l" defTabSz="457200">
+              <a:defRPr sz="1800" cap="none">
+                <a:solidFill>
+                  <a:schemeClr val="tx1"/>
+                </a:solidFill>
+                <a:latin typeface="Calibri"/>
+                <a:ea typeface="Calibri"/>
+                <a:cs typeface="Calibri"/>
+              </a:defRPr>
+            </a:lvl5pPr>
+            <a:lvl6pPr marL="2286000" algn="l" defTabSz="457200">
+              <a:defRPr sz="1800" cap="none">
+                <a:solidFill>
+                  <a:schemeClr val="tx1"/>
+                </a:solidFill>
+                <a:latin typeface="Calibri"/>
+                <a:ea typeface="Calibri"/>
+                <a:cs typeface="Calibri"/>
+              </a:defRPr>
+            </a:lvl6pPr>
+            <a:lvl7pPr marL="2743200" algn="l" defTabSz="457200">
+              <a:defRPr sz="1800" cap="none">
+                <a:solidFill>
+                  <a:schemeClr val="tx1"/>
+                </a:solidFill>
+                <a:latin typeface="Calibri"/>
+                <a:ea typeface="Calibri"/>
+                <a:cs typeface="Calibri"/>
+              </a:defRPr>
+            </a:lvl7pPr>
+            <a:lvl8pPr marL="3200400" algn="l" defTabSz="457200">
+              <a:defRPr sz="1800" cap="none">
+                <a:solidFill>
+                  <a:schemeClr val="tx1"/>
+                </a:solidFill>
+                <a:latin typeface="Calibri"/>
+                <a:ea typeface="Calibri"/>
+                <a:cs typeface="Calibri"/>
+              </a:defRPr>
+            </a:lvl8pPr>
+            <a:lvl9pPr marL="3657600" algn="l" defTabSz="457200">
+              <a:defRPr sz="1800" cap="none">
+                <a:solidFill>
+                  <a:schemeClr val="tx1"/>
+                </a:solidFill>
+                <a:latin typeface="Calibri"/>
+                <a:ea typeface="Calibri"/>
+                <a:cs typeface="Calibri"/>
+              </a:defRPr>
+            </a:lvl9pPr>
+          </a:lstStyle>
+          <a:p>
+            <a:pPr algn="l">
+              <a:defRPr/>
+            </a:pPr>
+            <a:r>
+              <a:rPr sz="1600" cap="none">
+                <a:solidFill>
+                  <a:srgbClr val="7F7F7F"/>
+                </a:solidFill>
+                <a:latin typeface="Helvetica"/>
+                <a:ea typeface="Calibri"/>
+                <a:cs typeface="Helvetica"/>
+              </a:rPr>
+              <a:t>EX3030/EM40JN</a:t>
+            </a:r>
+            <a:endParaRPr sz="1600" cap="none">
+              <a:solidFill>
+                <a:srgbClr val="7F7F7F"/>
+              </a:solidFill>
+              <a:latin typeface="Helvetica"/>
+              <a:ea typeface="Calibri"/>
+              <a:cs typeface="Helvetica"/>
+            </a:endParaRPr>
+          </a:p>
+        </p:txBody>
+      </p:sp>
+      <p:sp>
+        <p:nvSpPr>
+          <p:cNvPr id="2062692491" name="TextBox 4"/>
+          <p:cNvSpPr/>
+          <p:nvPr/>
+        </p:nvSpPr>
+        <p:spPr bwMode="auto">
+          <a:xfrm>
+            <a:off x="1056005" y="2079625"/>
+            <a:ext cx="10079990" cy="2366645"/>
+          </a:xfrm>
+          <a:prstGeom prst="rect">
+            <a:avLst/>
+          </a:prstGeom>
+          <a:noFill/>
+          <a:ln>
+            <a:noFill/>
+          </a:ln>
+          <a:effectLst/>
+        </p:spPr>
+        <p:txBody>
+          <a:bodyPr vert="horz" wrap="square" lIns="91440" tIns="45720" rIns="91440" bIns="45720" numCol="1" spcCol="215899" anchor="t"/>
+          <a:lstStyle/>
+          <a:p>
+            <a:pPr marL="285750" indent="-285750" algn="ctr">
+              <a:lnSpc>
+                <a:spcPct val="120000"/>
+              </a:lnSpc>
               <a:spcBef>
                 <a:spcPts val="600"/>
               </a:spcBef>
@@ -17556,21 +15868,56 @@
               <a:defRPr/>
             </a:pPr>
             <a:r>
-              <a:rPr sz="2400" cap="none">
+              <a:rPr sz="2000" cap="none">
                 <a:latin typeface="Helvetica"/>
                 <a:ea typeface="Calibri"/>
                 <a:cs typeface="Calibri"/>
               </a:rPr>
-              <a:t>Pre-recorded Lectures</a:t>
-            </a:r>
-            <a:endParaRPr sz="2400" cap="none">
+              <a:t>The simplest type of unsteady heat transfer problem, </a:t>
+            </a:r>
+            <a:r>
+              <a:rPr sz="2000" i="1" cap="none">
+                <a:latin typeface="Helvetica"/>
+                <a:ea typeface="Calibri"/>
+                <a:cs typeface="Calibri"/>
+              </a:rPr>
+              <a:t>T</a:t>
+            </a:r>
+            <a:r>
+              <a:rPr sz="2000" cap="none">
+                <a:latin typeface="Helvetica"/>
+                <a:ea typeface="Calibri"/>
+                <a:cs typeface="Calibri"/>
+              </a:rPr>
+              <a:t>(</a:t>
+            </a:r>
+            <a:r>
+              <a:rPr sz="2000" i="1" cap="none">
+                <a:latin typeface="Helvetica"/>
+                <a:ea typeface="Calibri"/>
+                <a:cs typeface="Calibri"/>
+              </a:rPr>
+              <a:t>t</a:t>
+            </a:r>
+            <a:r>
+              <a:rPr sz="2000" cap="none">
+                <a:latin typeface="Helvetica"/>
+                <a:ea typeface="Calibri"/>
+                <a:cs typeface="Calibri"/>
+              </a:rPr>
+              <a:t>)</a:t>
+            </a:r>
+            <a:endParaRPr sz="2000" cap="none">
               <a:latin typeface="Helvetica"/>
               <a:ea typeface="Calibri"/>
               <a:cs typeface="Calibri"/>
             </a:endParaRPr>
           </a:p>
           <a:p>
-            <a:pPr marL="342900" indent="-342900" algn="ctr">
+            <a:pPr marL="285750" indent="-285750" algn="ctr">
+              <a:lnSpc>
+                <a:spcPct val="120000"/>
+              </a:lnSpc>
               <a:spcBef>
                 <a:spcPts val="600"/>
               </a:spcBef>
@@ -17582,21 +15929,24 @@
               <a:defRPr/>
             </a:pPr>
             <a:r>
-              <a:rPr sz="2400" cap="none">
+              <a:rPr sz="2000" cap="none">
                 <a:latin typeface="Helvetica"/>
                 <a:ea typeface="Calibri"/>
                 <a:cs typeface="Calibri"/>
               </a:rPr>
-              <a:t>Lecture Notes</a:t>
-            </a:r>
-            <a:endParaRPr sz="2400" cap="none">
+              <a:t>Applicable in many situations e.g. heating/cooling of simple geometrical objects</a:t>
+            </a:r>
+            <a:endParaRPr sz="2000" cap="none">
               <a:latin typeface="Helvetica"/>
               <a:ea typeface="Calibri"/>
               <a:cs typeface="Calibri"/>
             </a:endParaRPr>
           </a:p>
           <a:p>
-            <a:pPr marL="342900" indent="-342900" algn="ctr">
+            <a:pPr marL="285750" indent="-285750" algn="ctr">
+              <a:lnSpc>
+                <a:spcPct val="120000"/>
+              </a:lnSpc>
               <a:spcBef>
                 <a:spcPts val="600"/>
               </a:spcBef>
@@ -17608,21 +15958,24 @@
               <a:defRPr/>
             </a:pPr>
             <a:r>
-              <a:rPr sz="2400" cap="none">
+              <a:rPr sz="2000" cap="none">
                 <a:latin typeface="Helvetica"/>
                 <a:ea typeface="Calibri"/>
                 <a:cs typeface="Calibri"/>
               </a:rPr>
-              <a:t>Tutorial sheet</a:t>
-            </a:r>
-            <a:endParaRPr sz="2400" cap="none">
+              <a:t>Useful for estimating e.g. time it will take a given body to reach a certain temperature or for a given time, we can determine the temperature</a:t>
+            </a:r>
+            <a:endParaRPr sz="2000" cap="none">
               <a:latin typeface="Helvetica"/>
               <a:ea typeface="Calibri"/>
               <a:cs typeface="Calibri"/>
             </a:endParaRPr>
           </a:p>
           <a:p>
-            <a:pPr marL="342900" indent="-342900" algn="ctr">
+            <a:pPr marL="285750" indent="-285750" algn="ctr">
+              <a:lnSpc>
+                <a:spcPct val="120000"/>
+              </a:lnSpc>
               <a:spcBef>
                 <a:spcPts val="600"/>
               </a:spcBef>
@@ -17634,43 +15987,554 @@
               <a:defRPr/>
             </a:pPr>
             <a:r>
-              <a:rPr sz="2400" cap="none">
+              <a:rPr sz="2000" cap="none">
                 <a:latin typeface="Helvetica"/>
                 <a:ea typeface="Calibri"/>
                 <a:cs typeface="Calibri"/>
               </a:rPr>
-              <a:t>Tutorial Solutions</a:t>
-            </a:r>
-            <a:endParaRPr sz="2400" cap="none">
+              <a:t>Strictly speaking, Bi &lt; 0.1 to obtain acceptable results </a:t>
+            </a:r>
+            <a:r>
+              <a:rPr sz="2000" b="1" cap="none">
+                <a:latin typeface="Helvetica"/>
+                <a:ea typeface="Calibri"/>
+                <a:cs typeface="Calibri"/>
+              </a:rPr>
+              <a:t>so always check </a:t>
+            </a:r>
+            <a:r>
+              <a:rPr sz="2000" b="1" i="1" cap="none">
+                <a:latin typeface="Helvetica"/>
+                <a:ea typeface="Calibri"/>
+                <a:cs typeface="Calibri"/>
+              </a:rPr>
+              <a:t>Bi</a:t>
+            </a:r>
+            <a:r>
+              <a:rPr sz="2000" b="1" cap="none">
+                <a:latin typeface="Helvetica"/>
+                <a:ea typeface="Calibri"/>
+                <a:cs typeface="Calibri"/>
+              </a:rPr>
+              <a:t> first</a:t>
+            </a:r>
+            <a:endParaRPr sz="2000" b="1" cap="none">
               <a:latin typeface="Helvetica"/>
               <a:ea typeface="Calibri"/>
               <a:cs typeface="Calibri"/>
             </a:endParaRPr>
           </a:p>
-          <a:p>
-            <a:pPr marL="342900" indent="-342900" algn="ctr">
+        </p:txBody>
+      </p:sp>
+      <p:sp>
+        <p:nvSpPr>
+          <p:cNvPr id="1834343231" name="TextBox 6"/>
+          <p:cNvSpPr/>
+          <p:nvPr/>
+        </p:nvSpPr>
+        <p:spPr bwMode="auto">
+          <a:xfrm>
+            <a:off x="1056005" y="1303020"/>
+            <a:ext cx="10079990" cy="400050"/>
+          </a:xfrm>
+          <a:prstGeom prst="rect">
+            <a:avLst/>
+          </a:prstGeom>
+          <a:noFill/>
+          <a:ln>
+            <a:noFill/>
+          </a:ln>
+          <a:effectLst/>
+        </p:spPr>
+        <p:txBody>
+          <a:bodyPr vert="horz" wrap="square" lIns="91440" tIns="45720" rIns="91440" bIns="45720" numCol="1" spcCol="215899" anchor="t"/>
+          <a:lstStyle/>
+          <a:p>
+            <a:pPr algn="ctr">
+              <a:spcAft>
+                <a:spcPts val="600"/>
+              </a:spcAft>
+              <a:defRPr/>
+            </a:pPr>
+            <a:r>
+              <a:rPr sz="2000" b="1" cap="none">
+                <a:solidFill>
+                  <a:srgbClr val="FF9900"/>
+                </a:solidFill>
+                <a:latin typeface="Helvetica"/>
+                <a:ea typeface="Calibri"/>
+                <a:cs typeface="Calibri"/>
+              </a:rPr>
+              <a:t>Summary of the lumped capacitance method</a:t>
+            </a:r>
+            <a:endParaRPr sz="2000" b="1" cap="none">
+              <a:solidFill>
+                <a:srgbClr val="FF9900"/>
+              </a:solidFill>
+              <a:latin typeface="Helvetica"/>
+              <a:ea typeface="Calibri"/>
+              <a:cs typeface="Calibri"/>
+            </a:endParaRPr>
+          </a:p>
+        </p:txBody>
+      </p:sp>
+    </p:spTree>
+  </p:cSld>
+  <p:clrMapOvr>
+    <a:masterClrMapping/>
+  </p:clrMapOvr>
+  <mc:AlternateContent xmlns:mc="http://schemas.openxmlformats.org/markup-compatibility/2006">
+    <mc:Choice xmlns:p159="http://schemas.microsoft.com/office/powerpoint/2015/09/main" xmlns:p14="http://schemas.microsoft.com/office/powerpoint/2010/main" Requires="p159">
+      <p:transition p14:dur="2000" advClick="1"/>
+    </mc:Choice>
+    <mc:Fallback>
+      <p:transition advClick="1"/>
+    </mc:Fallback>
+  </mc:AlternateContent>
+  <p:timing>
+    <p:tnLst>
+      <p:par>
+        <p:cTn id="1" dur="indefinite" restart="never" nodeType="tmRoot"/>
+      </p:par>
+    </p:tnLst>
+  </p:timing>
+</p:sld>
+</file>
+
+<file path=ppt/slides/slide2.xml><?xml version="1.0" encoding="utf-8"?>
+<p:sld xmlns:a="http://schemas.openxmlformats.org/drawingml/2006/main" xmlns:r="http://schemas.openxmlformats.org/officeDocument/2006/relationships" xmlns:p="http://schemas.openxmlformats.org/presentationml/2006/main" xmlns:m="http://schemas.openxmlformats.org/officeDocument/2006/math" xmlns:w="http://schemas.openxmlformats.org/wordprocessingml/2006/main" xmlns:mc="http://schemas.openxmlformats.org/markup-compatibility/2006" showMasterPhAnim="0" showMasterSp="1" show="1">
+  <p:cSld name="">
+    <p:spTree>
+      <p:nvGrpSpPr>
+        <p:cNvPr id="1" name=""/>
+        <p:cNvGrpSpPr/>
+        <p:nvPr/>
+      </p:nvGrpSpPr>
+      <p:grpSpPr bwMode="auto">
+        <a:xfrm>
+          <a:off x="0" y="0"/>
+          <a:ext cx="0" cy="0"/>
+          <a:chOff x="0" y="0"/>
+          <a:chExt cx="0" cy="0"/>
+        </a:xfrm>
+      </p:grpSpPr>
+      <p:sp>
+        <p:nvSpPr>
+          <p:cNvPr id="1591296690" name="Title 3"/>
+          <p:cNvSpPr>
+            <a:spLocks noChangeArrowheads="1" noGrp="1"/>
+          </p:cNvSpPr>
+          <p:nvPr>
+            <p:ph type="ctrTitle"/>
+          </p:nvPr>
+        </p:nvSpPr>
+        <p:spPr bwMode="auto">
+          <a:xfrm>
+            <a:off x="0" y="360045"/>
+            <a:ext cx="12192000" cy="708025"/>
+          </a:xfrm>
+          <a:prstGeom prst="rect">
+            <a:avLst/>
+          </a:prstGeom>
+          <a:noFill/>
+          <a:ln>
+            <a:noFill/>
+          </a:ln>
+          <a:effectLst/>
+        </p:spPr>
+        <p:txBody>
+          <a:bodyPr vert="horz" wrap="square" lIns="91440" tIns="45720" rIns="91440" bIns="45720" numCol="1" spcCol="215899" anchor="t">
+            <a:prstTxWarp prst="textNoShape"/>
+          </a:bodyPr>
+          <a:lstStyle/>
+          <a:p>
+            <a:pPr>
+              <a:lnSpc>
+                <a:spcPct val="100000"/>
+              </a:lnSpc>
+              <a:spcBef>
+                <a:spcPts val="0"/>
+              </a:spcBef>
+              <a:defRPr/>
+            </a:pPr>
+            <a:r>
+              <a:rPr sz="4000" cap="none">
+                <a:latin typeface="Helvetica"/>
+                <a:ea typeface="Verdana"/>
+                <a:cs typeface="Helvetica"/>
+              </a:rPr>
+              <a:t>Weekly Tests</a:t>
+            </a:r>
+            <a:endParaRPr sz="4000" cap="none">
+              <a:latin typeface="Helvetica"/>
+              <a:ea typeface="Verdana"/>
+              <a:cs typeface="Helvetica"/>
+            </a:endParaRPr>
+          </a:p>
+        </p:txBody>
+      </p:sp>
+      <p:sp>
+        <p:nvSpPr>
+          <p:cNvPr id="891650845" name="Slide Number Placeholder 17"/>
+          <p:cNvSpPr>
+            <a:spLocks noChangeArrowheads="1" noGrp="1"/>
+          </p:cNvSpPr>
+          <p:nvPr>
+            <p:ph type="sldNum" sz="quarter" idx="12"/>
+          </p:nvPr>
+        </p:nvSpPr>
+        <p:spPr bwMode="auto">
+          <a:xfrm>
+            <a:off x="8999855" y="6356350"/>
+            <a:ext cx="2743200" cy="365125"/>
+          </a:xfrm>
+        </p:spPr>
+        <p:txBody>
+          <a:bodyPr/>
+          <a:lstStyle/>
+          <a:p>
+            <a:pPr>
+              <a:defRPr/>
+            </a:pPr>
+            <a:fld id="{766EB2F6-B89B-3B44-D5D6-4E11FC98231B}" type="slidenum">
+              <a:rPr sz="1600" cap="none">
+                <a:solidFill>
+                  <a:srgbClr val="7F7F7F"/>
+                </a:solidFill>
+                <a:latin typeface="Helvetica"/>
+                <a:ea typeface="Calibri"/>
+                <a:cs typeface="Helvetica"/>
+              </a:rPr>
+              <a:t>3</a:t>
+            </a:fld>
+            <a:endParaRPr sz="1600" cap="none">
+              <a:solidFill>
+                <a:srgbClr val="7F7F7F"/>
+              </a:solidFill>
+              <a:latin typeface="Helvetica"/>
+              <a:ea typeface="Calibri"/>
+              <a:cs typeface="Helvetica"/>
+            </a:endParaRPr>
+          </a:p>
+        </p:txBody>
+      </p:sp>
+      <p:sp>
+        <p:nvSpPr>
+          <p:cNvPr id="871035540" name="Slide Number Placeholder 17"/>
+          <p:cNvSpPr/>
+          <p:nvPr/>
+        </p:nvSpPr>
+        <p:spPr bwMode="auto">
+          <a:xfrm>
+            <a:off x="448945" y="6356350"/>
+            <a:ext cx="4434840" cy="365125"/>
+          </a:xfrm>
+          <a:prstGeom prst="rect">
+            <a:avLst/>
+          </a:prstGeom>
+          <a:noFill/>
+          <a:ln>
+            <a:noFill/>
+          </a:ln>
+          <a:effectLst/>
+        </p:spPr>
+        <p:txBody>
+          <a:bodyPr vert="horz" wrap="square" lIns="91440" tIns="45720" rIns="91440" bIns="45720" numCol="1" spcCol="215899" anchor="ctr"/>
+          <a:lstStyle>
+            <a:lvl1pPr marL="0" algn="r" defTabSz="457200">
+              <a:defRPr sz="1200" cap="none">
+                <a:solidFill>
+                  <a:srgbClr val="8C8C8C"/>
+                </a:solidFill>
+                <a:latin typeface="Calibri"/>
+                <a:ea typeface="Calibri"/>
+                <a:cs typeface="Calibri"/>
+              </a:defRPr>
+            </a:lvl1pPr>
+            <a:lvl2pPr marL="457200" algn="l" defTabSz="457200">
+              <a:defRPr sz="1800" cap="none">
+                <a:solidFill>
+                  <a:schemeClr val="tx1"/>
+                </a:solidFill>
+                <a:latin typeface="Calibri"/>
+                <a:ea typeface="Calibri"/>
+                <a:cs typeface="Calibri"/>
+              </a:defRPr>
+            </a:lvl2pPr>
+            <a:lvl3pPr marL="914400" algn="l" defTabSz="457200">
+              <a:defRPr sz="1800" cap="none">
+                <a:solidFill>
+                  <a:schemeClr val="tx1"/>
+                </a:solidFill>
+                <a:latin typeface="Calibri"/>
+                <a:ea typeface="Calibri"/>
+                <a:cs typeface="Calibri"/>
+              </a:defRPr>
+            </a:lvl3pPr>
+            <a:lvl4pPr marL="1371600" algn="l" defTabSz="457200">
+              <a:defRPr sz="1800" cap="none">
+                <a:solidFill>
+                  <a:schemeClr val="tx1"/>
+                </a:solidFill>
+                <a:latin typeface="Calibri"/>
+                <a:ea typeface="Calibri"/>
+                <a:cs typeface="Calibri"/>
+              </a:defRPr>
+            </a:lvl4pPr>
+            <a:lvl5pPr marL="1828800" algn="l" defTabSz="457200">
+              <a:defRPr sz="1800" cap="none">
+                <a:solidFill>
+                  <a:schemeClr val="tx1"/>
+                </a:solidFill>
+                <a:latin typeface="Calibri"/>
+                <a:ea typeface="Calibri"/>
+                <a:cs typeface="Calibri"/>
+              </a:defRPr>
+            </a:lvl5pPr>
+            <a:lvl6pPr marL="2286000" algn="l" defTabSz="457200">
+              <a:defRPr sz="1800" cap="none">
+                <a:solidFill>
+                  <a:schemeClr val="tx1"/>
+                </a:solidFill>
+                <a:latin typeface="Calibri"/>
+                <a:ea typeface="Calibri"/>
+                <a:cs typeface="Calibri"/>
+              </a:defRPr>
+            </a:lvl6pPr>
+            <a:lvl7pPr marL="2743200" algn="l" defTabSz="457200">
+              <a:defRPr sz="1800" cap="none">
+                <a:solidFill>
+                  <a:schemeClr val="tx1"/>
+                </a:solidFill>
+                <a:latin typeface="Calibri"/>
+                <a:ea typeface="Calibri"/>
+                <a:cs typeface="Calibri"/>
+              </a:defRPr>
+            </a:lvl7pPr>
+            <a:lvl8pPr marL="3200400" algn="l" defTabSz="457200">
+              <a:defRPr sz="1800" cap="none">
+                <a:solidFill>
+                  <a:schemeClr val="tx1"/>
+                </a:solidFill>
+                <a:latin typeface="Calibri"/>
+                <a:ea typeface="Calibri"/>
+                <a:cs typeface="Calibri"/>
+              </a:defRPr>
+            </a:lvl8pPr>
+            <a:lvl9pPr marL="3657600" algn="l" defTabSz="457200">
+              <a:defRPr sz="1800" cap="none">
+                <a:solidFill>
+                  <a:schemeClr val="tx1"/>
+                </a:solidFill>
+                <a:latin typeface="Calibri"/>
+                <a:ea typeface="Calibri"/>
+                <a:cs typeface="Calibri"/>
+              </a:defRPr>
+            </a:lvl9pPr>
+          </a:lstStyle>
+          <a:p>
+            <a:pPr algn="l">
+              <a:defRPr/>
+            </a:pPr>
+            <a:r>
+              <a:rPr sz="1600" cap="none">
+                <a:solidFill>
+                  <a:srgbClr val="7F7F7F"/>
+                </a:solidFill>
+                <a:latin typeface="Helvetica"/>
+                <a:ea typeface="Calibri"/>
+                <a:cs typeface="Helvetica"/>
+              </a:rPr>
+              <a:t>EX3030/EM40JN</a:t>
+            </a:r>
+            <a:endParaRPr sz="1600" cap="none">
+              <a:solidFill>
+                <a:srgbClr val="7F7F7F"/>
+              </a:solidFill>
+              <a:latin typeface="Helvetica"/>
+              <a:ea typeface="Calibri"/>
+              <a:cs typeface="Helvetica"/>
+            </a:endParaRPr>
+          </a:p>
+        </p:txBody>
+      </p:sp>
+      <p:pic>
+        <p:nvPicPr>
+          <p:cNvPr id="560236754" name="Picture 8" descr="A picture containing text, clipart&#10;&#10;Description automatically generated"/>
+          <p:cNvPicPr>
+            <a:picLocks noChangeAspect="1"/>
+          </p:cNvPicPr>
+          <p:nvPr/>
+        </p:nvPicPr>
+        <p:blipFill>
+          <a:blip r:embed="rId3"/>
+          <a:stretch/>
+        </p:blipFill>
+        <p:spPr bwMode="auto">
+          <a:xfrm>
+            <a:off x="448945" y="360045"/>
+            <a:ext cx="1967865" cy="539750"/>
+          </a:xfrm>
+          <a:prstGeom prst="rect">
+            <a:avLst/>
+          </a:prstGeom>
+          <a:noFill/>
+          <a:ln>
+            <a:noFill/>
+          </a:ln>
+          <a:effectLst/>
+        </p:spPr>
+      </p:pic>
+      <p:sp>
+        <p:nvSpPr>
+          <p:cNvPr id="112981680" name="TextBox 7"/>
+          <p:cNvSpPr/>
+          <p:nvPr/>
+        </p:nvSpPr>
+        <p:spPr bwMode="auto">
+          <a:xfrm>
+            <a:off x="1056005" y="2536190"/>
+            <a:ext cx="10079990" cy="2616200"/>
+          </a:xfrm>
+          <a:prstGeom prst="rect">
+            <a:avLst/>
+          </a:prstGeom>
+          <a:noFill/>
+          <a:ln>
+            <a:noFill/>
+          </a:ln>
+          <a:effectLst/>
+        </p:spPr>
+        <p:txBody>
+          <a:bodyPr vert="horz" wrap="square" lIns="91440" tIns="45720" rIns="91440" bIns="45720" numCol="1" spcCol="215899" anchor="t"/>
+          <a:lstStyle/>
+          <a:p>
+            <a:pPr algn="ctr">
               <a:spcBef>
                 <a:spcPts val="600"/>
               </a:spcBef>
               <a:spcAft>
                 <a:spcPts val="600"/>
               </a:spcAft>
-              <a:buFont typeface="Helvetica"/>
-              <a:buChar char="+"/>
-              <a:defRPr/>
-            </a:pPr>
-            <a:r>
-              <a:rPr sz="2400" cap="none">
-                <a:solidFill>
-                  <a:srgbClr val="FF9900"/>
-                </a:solidFill>
+              <a:defRPr/>
+            </a:pPr>
+            <a:r>
+              <a:rPr sz="2400" b="1" cap="none">
                 <a:latin typeface="Helvetica"/>
                 <a:ea typeface="Calibri"/>
                 <a:cs typeface="Calibri"/>
               </a:rPr>
-              <a:t>Class recordings (review of lecture notes + worked examples)</a:t>
+              <a:t>Week 7 Test Details:</a:t>
+            </a:r>
+            <a:endParaRPr sz="2400" b="1" cap="none">
+              <a:latin typeface="Helvetica"/>
+              <a:ea typeface="Calibri"/>
+              <a:cs typeface="Calibri"/>
+            </a:endParaRPr>
+          </a:p>
+          <a:p>
+            <a:pPr algn="ctr">
+              <a:spcBef>
+                <a:spcPts val="600"/>
+              </a:spcBef>
+              <a:spcAft>
+                <a:spcPts val="600"/>
+              </a:spcAft>
+              <a:defRPr/>
+            </a:pPr>
+            <a:r>
+              <a:rPr sz="2000" cap="none">
+                <a:latin typeface="Helvetica"/>
+                <a:ea typeface="Calibri"/>
+                <a:cs typeface="Calibri"/>
+              </a:rPr>
+              <a:t>“This test is on Transient Heat Transfer which we have covered during week 7 of the course. There will be a total of 7 multiple choice questions . Four of the questions will be descriptive based (worth 10 points each) and 3 will involve some calculations (worth 20 points each). Topics include general transient heat transfer, the lumped capacitance method, analytical methods and numerical methods.</a:t>
+            </a:r>
+            <a:endParaRPr sz="2000" cap="none">
+              <a:latin typeface="Helvetica"/>
+              <a:ea typeface="Calibri"/>
+              <a:cs typeface="Calibri"/>
+            </a:endParaRPr>
+          </a:p>
+          <a:p>
+            <a:pPr algn="ctr">
+              <a:spcBef>
+                <a:spcPts val="600"/>
+              </a:spcBef>
+              <a:spcAft>
+                <a:spcPts val="600"/>
+              </a:spcAft>
+              <a:defRPr/>
+            </a:pPr>
+            <a:r>
+              <a:rPr sz="2000" cap="none">
+                <a:latin typeface="Helvetica"/>
+                <a:ea typeface="Calibri"/>
+                <a:cs typeface="Calibri"/>
+              </a:rPr>
+              <a:t>Note: This test will auto-submit at the end of the exam time.”</a:t>
             </a:r>
             <a:endParaRPr sz="2400" cap="none">
+              <a:latin typeface="Helvetica"/>
+              <a:ea typeface="Calibri"/>
+              <a:cs typeface="Calibri"/>
+            </a:endParaRPr>
+          </a:p>
+        </p:txBody>
+      </p:sp>
+      <p:sp>
+        <p:nvSpPr>
+          <p:cNvPr id="858430169" name="TextBox 1"/>
+          <p:cNvSpPr/>
+          <p:nvPr/>
+        </p:nvSpPr>
+        <p:spPr bwMode="auto">
+          <a:xfrm>
+            <a:off x="1056005" y="1548130"/>
+            <a:ext cx="10079990" cy="461645"/>
+          </a:xfrm>
+          <a:prstGeom prst="rect">
+            <a:avLst/>
+          </a:prstGeom>
+          <a:noFill/>
+          <a:ln>
+            <a:noFill/>
+          </a:ln>
+          <a:effectLst/>
+        </p:spPr>
+        <p:txBody>
+          <a:bodyPr vert="horz" wrap="square" lIns="91440" tIns="45720" rIns="91440" bIns="45720" numCol="1" spcCol="215899" anchor="t"/>
+          <a:lstStyle/>
+          <a:p>
+            <a:pPr algn="ctr">
+              <a:spcAft>
+                <a:spcPts val="600"/>
+              </a:spcAft>
+              <a:defRPr/>
+            </a:pPr>
+            <a:r>
+              <a:rPr sz="2400" b="1" cap="none">
+                <a:solidFill>
+                  <a:srgbClr val="FF9900"/>
+                </a:solidFill>
+                <a:latin typeface="Helvetica"/>
+                <a:ea typeface="Calibri"/>
+                <a:cs typeface="Calibri"/>
+              </a:rPr>
+              <a:t>The weekly tests continu</a:t>
+            </a:r>
+            <a:r>
+              <a:rPr lang="en" sz="2400" b="1" cap="none">
+                <a:solidFill>
+                  <a:srgbClr val="FF9900"/>
+                </a:solidFill>
+                <a:latin typeface="Helvetica"/>
+                <a:ea typeface="Calibri"/>
+                <a:cs typeface="Calibri"/>
+              </a:rPr>
+              <a:t>e with a slight change in format.</a:t>
+            </a:r>
+            <a:endParaRPr sz="2400" b="1" cap="none">
               <a:solidFill>
                 <a:srgbClr val="FF9900"/>
               </a:solidFill>
@@ -17723,7 +16587,7 @@
       </p:grpSpPr>
       <p:sp>
         <p:nvSpPr>
-          <p:cNvPr id="2" name="Title 3"/>
+          <p:cNvPr id="712377514" name="Title 3"/>
           <p:cNvSpPr>
             <a:spLocks noChangeArrowheads="1" noGrp="1"/>
           </p:cNvSpPr>
@@ -17733,8 +16597,8 @@
         </p:nvSpPr>
         <p:spPr bwMode="auto">
           <a:xfrm>
-            <a:off x="0" y="360045"/>
-            <a:ext cx="12192000" cy="708025"/>
+            <a:off x="1524000" y="3075305"/>
+            <a:ext cx="9144000" cy="707390"/>
           </a:xfrm>
           <a:prstGeom prst="rect">
             <a:avLst/>
@@ -17766,7 +16630,7 @@
                 <a:ea typeface="Verdana"/>
                 <a:cs typeface="Helvetica"/>
               </a:rPr>
-              <a:t>Summary</a:t>
+              <a:t>Thanks for your attention</a:t>
             </a:r>
             <a:endParaRPr sz="4000" cap="none">
               <a:latin typeface="Helvetica"/>
@@ -17778,7 +16642,7 @@
       </p:sp>
       <p:sp>
         <p:nvSpPr>
-          <p:cNvPr id="3" name="Slide Number Placeholder 17"/>
+          <p:cNvPr id="1198034721" name="Slide Number Placeholder 17"/>
           <p:cNvSpPr>
             <a:spLocks noChangeArrowheads="1" noGrp="1"/>
           </p:cNvSpPr>
@@ -17799,7 +16663,7 @@
             <a:pPr>
               <a:defRPr/>
             </a:pPr>
-            <a:fld id="{0D515762-2CE0-04A1-AEE9-DAF419A7588F}" type="slidenum">
+            <a:fld id="{39ECC716-58D4-B931-9A54-AE64891A6CFB}" type="slidenum">
               <a:rPr sz="1600" cap="none">
                 <a:solidFill>
                   <a:srgbClr val="7F7F7F"/>
@@ -17808,7 +16672,7 @@
                 <a:ea typeface="Calibri"/>
                 <a:cs typeface="Helvetica"/>
               </a:rPr>
-              <a:t>18</a:t>
+              <a:t>19</a:t>
             </a:fld>
             <a:endParaRPr sz="1600" cap="none">
               <a:solidFill>
@@ -17823,7 +16687,7 @@
       </p:sp>
       <p:pic>
         <p:nvPicPr>
-          <p:cNvPr id="4" name="Picture 8" descr="A picture containing text, clipart&#10;&#10;Description automatically generated"/>
+          <p:cNvPr id="1781171656" name="Picture 2" descr="A picture containing text, clipart&#10;&#10;Description automatically generated"/>
           <p:cNvPicPr>
             <a:picLocks noChangeAspect="1"/>
           </p:cNvPicPr>
@@ -17850,630 +16714,7 @@
       </p:pic>
       <p:sp>
         <p:nvSpPr>
-          <p:cNvPr id="5" name="TextBox 1"/>
-          <p:cNvSpPr/>
-          <p:nvPr/>
-        </p:nvSpPr>
-        <p:spPr bwMode="auto">
-          <a:xfrm>
-            <a:off x="1056005" y="4822825"/>
-            <a:ext cx="10079990" cy="1015365"/>
-          </a:xfrm>
-          <a:prstGeom prst="rect">
-            <a:avLst/>
-          </a:prstGeom>
-          <a:noFill/>
-          <a:ln>
-            <a:noFill/>
-          </a:ln>
-          <a:effectLst/>
-        </p:spPr>
-        <p:txBody>
-          <a:bodyPr vert="horz" wrap="square" lIns="91440" tIns="45720" rIns="91440" bIns="45720" numCol="1" spcCol="215899" anchor="t"/>
-          <a:lstStyle/>
-          <a:p>
-            <a:pPr algn="ctr">
-              <a:defRPr/>
-            </a:pPr>
-            <a:r>
-              <a:rPr sz="2000" cap="none">
-                <a:latin typeface="Helvetica"/>
-                <a:ea typeface="Calibri"/>
-                <a:cs typeface="Calibri"/>
-              </a:rPr>
-              <a:t>“</a:t>
-            </a:r>
-            <a:r>
-              <a:rPr sz="2000" i="1" cap="none">
-                <a:latin typeface="Helvetica"/>
-                <a:ea typeface="Calibri"/>
-                <a:cs typeface="Calibri"/>
-              </a:rPr>
-              <a:t>Do not dismiss lumped-capacity analysis because of its simplicity. Because of uncertainties in the convection coefficient, it may not be necessary to use more elaborate analysis </a:t>
-            </a:r>
-            <a:r>
-              <a:rPr sz="2000" i="1" cap="none">
-                <a:latin typeface="Helvetica"/>
-                <a:ea typeface="Calibri"/>
-                <a:cs typeface="Calibri"/>
-              </a:rPr>
-              <a:t>techniques.</a:t>
-            </a:r>
-            <a:r>
-              <a:rPr sz="2000" cap="none">
-                <a:latin typeface="Helvetica"/>
-                <a:ea typeface="Calibri"/>
-                <a:cs typeface="Calibri"/>
-              </a:rPr>
-              <a:t>” (Holman, 2010, p143)</a:t>
-            </a:r>
-            <a:endParaRPr sz="2000" cap="none">
-              <a:latin typeface="Helvetica"/>
-              <a:ea typeface="Calibri"/>
-              <a:cs typeface="Calibri"/>
-            </a:endParaRPr>
-          </a:p>
-        </p:txBody>
-      </p:sp>
-      <p:sp>
-        <p:nvSpPr>
-          <p:cNvPr id="6" name="Slide Number Placeholder 17"/>
-          <p:cNvSpPr/>
-          <p:nvPr/>
-        </p:nvSpPr>
-        <p:spPr bwMode="auto">
-          <a:xfrm>
-            <a:off x="448945" y="6356350"/>
-            <a:ext cx="4434840" cy="365125"/>
-          </a:xfrm>
-          <a:prstGeom prst="rect">
-            <a:avLst/>
-          </a:prstGeom>
-          <a:noFill/>
-          <a:ln>
-            <a:noFill/>
-          </a:ln>
-          <a:effectLst/>
-        </p:spPr>
-        <p:txBody>
-          <a:bodyPr vert="horz" wrap="square" lIns="91440" tIns="45720" rIns="91440" bIns="45720" numCol="1" spcCol="215899" anchor="ctr"/>
-          <a:lstStyle>
-            <a:lvl1pPr marL="0" algn="r" defTabSz="457200">
-              <a:defRPr sz="1200" cap="none">
-                <a:solidFill>
-                  <a:srgbClr val="8C8C8C"/>
-                </a:solidFill>
-                <a:latin typeface="Calibri"/>
-                <a:ea typeface="Calibri"/>
-                <a:cs typeface="Calibri"/>
-              </a:defRPr>
-            </a:lvl1pPr>
-            <a:lvl2pPr marL="457200" algn="l" defTabSz="457200">
-              <a:defRPr sz="1800" cap="none">
-                <a:solidFill>
-                  <a:schemeClr val="tx1"/>
-                </a:solidFill>
-                <a:latin typeface="Calibri"/>
-                <a:ea typeface="Calibri"/>
-                <a:cs typeface="Calibri"/>
-              </a:defRPr>
-            </a:lvl2pPr>
-            <a:lvl3pPr marL="914400" algn="l" defTabSz="457200">
-              <a:defRPr sz="1800" cap="none">
-                <a:solidFill>
-                  <a:schemeClr val="tx1"/>
-                </a:solidFill>
-                <a:latin typeface="Calibri"/>
-                <a:ea typeface="Calibri"/>
-                <a:cs typeface="Calibri"/>
-              </a:defRPr>
-            </a:lvl3pPr>
-            <a:lvl4pPr marL="1371600" algn="l" defTabSz="457200">
-              <a:defRPr sz="1800" cap="none">
-                <a:solidFill>
-                  <a:schemeClr val="tx1"/>
-                </a:solidFill>
-                <a:latin typeface="Calibri"/>
-                <a:ea typeface="Calibri"/>
-                <a:cs typeface="Calibri"/>
-              </a:defRPr>
-            </a:lvl4pPr>
-            <a:lvl5pPr marL="1828800" algn="l" defTabSz="457200">
-              <a:defRPr sz="1800" cap="none">
-                <a:solidFill>
-                  <a:schemeClr val="tx1"/>
-                </a:solidFill>
-                <a:latin typeface="Calibri"/>
-                <a:ea typeface="Calibri"/>
-                <a:cs typeface="Calibri"/>
-              </a:defRPr>
-            </a:lvl5pPr>
-            <a:lvl6pPr marL="2286000" algn="l" defTabSz="457200">
-              <a:defRPr sz="1800" cap="none">
-                <a:solidFill>
-                  <a:schemeClr val="tx1"/>
-                </a:solidFill>
-                <a:latin typeface="Calibri"/>
-                <a:ea typeface="Calibri"/>
-                <a:cs typeface="Calibri"/>
-              </a:defRPr>
-            </a:lvl6pPr>
-            <a:lvl7pPr marL="2743200" algn="l" defTabSz="457200">
-              <a:defRPr sz="1800" cap="none">
-                <a:solidFill>
-                  <a:schemeClr val="tx1"/>
-                </a:solidFill>
-                <a:latin typeface="Calibri"/>
-                <a:ea typeface="Calibri"/>
-                <a:cs typeface="Calibri"/>
-              </a:defRPr>
-            </a:lvl7pPr>
-            <a:lvl8pPr marL="3200400" algn="l" defTabSz="457200">
-              <a:defRPr sz="1800" cap="none">
-                <a:solidFill>
-                  <a:schemeClr val="tx1"/>
-                </a:solidFill>
-                <a:latin typeface="Calibri"/>
-                <a:ea typeface="Calibri"/>
-                <a:cs typeface="Calibri"/>
-              </a:defRPr>
-            </a:lvl8pPr>
-            <a:lvl9pPr marL="3657600" algn="l" defTabSz="457200">
-              <a:defRPr sz="1800" cap="none">
-                <a:solidFill>
-                  <a:schemeClr val="tx1"/>
-                </a:solidFill>
-                <a:latin typeface="Calibri"/>
-                <a:ea typeface="Calibri"/>
-                <a:cs typeface="Calibri"/>
-              </a:defRPr>
-            </a:lvl9pPr>
-          </a:lstStyle>
-          <a:p>
-            <a:pPr algn="l">
-              <a:defRPr/>
-            </a:pPr>
-            <a:r>
-              <a:rPr sz="1600" cap="none">
-                <a:solidFill>
-                  <a:srgbClr val="7F7F7F"/>
-                </a:solidFill>
-                <a:latin typeface="Helvetica"/>
-                <a:ea typeface="Calibri"/>
-                <a:cs typeface="Helvetica"/>
-              </a:rPr>
-              <a:t>EX3030/EM40JN</a:t>
-            </a:r>
-            <a:endParaRPr sz="1600" cap="none">
-              <a:solidFill>
-                <a:srgbClr val="7F7F7F"/>
-              </a:solidFill>
-              <a:latin typeface="Helvetica"/>
-              <a:ea typeface="Calibri"/>
-              <a:cs typeface="Helvetica"/>
-            </a:endParaRPr>
-          </a:p>
-        </p:txBody>
-      </p:sp>
-      <p:sp>
-        <p:nvSpPr>
-          <p:cNvPr id="7" name="TextBox 4"/>
-          <p:cNvSpPr/>
-          <p:nvPr/>
-        </p:nvSpPr>
-        <p:spPr bwMode="auto">
-          <a:xfrm>
-            <a:off x="1056005" y="2079625"/>
-            <a:ext cx="10079990" cy="2366645"/>
-          </a:xfrm>
-          <a:prstGeom prst="rect">
-            <a:avLst/>
-          </a:prstGeom>
-          <a:noFill/>
-          <a:ln>
-            <a:noFill/>
-          </a:ln>
-          <a:effectLst/>
-        </p:spPr>
-        <p:txBody>
-          <a:bodyPr vert="horz" wrap="square" lIns="91440" tIns="45720" rIns="91440" bIns="45720" numCol="1" spcCol="215899" anchor="t"/>
-          <a:lstStyle/>
-          <a:p>
-            <a:pPr marL="285750" indent="-285750" algn="ctr">
-              <a:lnSpc>
-                <a:spcPct val="120000"/>
-              </a:lnSpc>
-              <a:spcBef>
-                <a:spcPts val="600"/>
-              </a:spcBef>
-              <a:spcAft>
-                <a:spcPts val="600"/>
-              </a:spcAft>
-              <a:buFont typeface="Arial"/>
-              <a:buChar char="•"/>
-              <a:defRPr/>
-            </a:pPr>
-            <a:r>
-              <a:rPr sz="2000" cap="none">
-                <a:latin typeface="Helvetica"/>
-                <a:ea typeface="Calibri"/>
-                <a:cs typeface="Calibri"/>
-              </a:rPr>
-              <a:t>The simplest type of unsteady heat transfer problem, </a:t>
-            </a:r>
-            <a:r>
-              <a:rPr sz="2000" i="1" cap="none">
-                <a:latin typeface="Helvetica"/>
-                <a:ea typeface="Calibri"/>
-                <a:cs typeface="Calibri"/>
-              </a:rPr>
-              <a:t>T</a:t>
-            </a:r>
-            <a:r>
-              <a:rPr sz="2000" cap="none">
-                <a:latin typeface="Helvetica"/>
-                <a:ea typeface="Calibri"/>
-                <a:cs typeface="Calibri"/>
-              </a:rPr>
-              <a:t>(</a:t>
-            </a:r>
-            <a:r>
-              <a:rPr sz="2000" i="1" cap="none">
-                <a:latin typeface="Helvetica"/>
-                <a:ea typeface="Calibri"/>
-                <a:cs typeface="Calibri"/>
-              </a:rPr>
-              <a:t>t</a:t>
-            </a:r>
-            <a:r>
-              <a:rPr sz="2000" cap="none">
-                <a:latin typeface="Helvetica"/>
-                <a:ea typeface="Calibri"/>
-                <a:cs typeface="Calibri"/>
-              </a:rPr>
-              <a:t>)</a:t>
-            </a:r>
-            <a:endParaRPr sz="2000" cap="none">
-              <a:latin typeface="Helvetica"/>
-              <a:ea typeface="Calibri"/>
-              <a:cs typeface="Calibri"/>
-            </a:endParaRPr>
-          </a:p>
-          <a:p>
-            <a:pPr marL="285750" indent="-285750" algn="ctr">
-              <a:lnSpc>
-                <a:spcPct val="120000"/>
-              </a:lnSpc>
-              <a:spcBef>
-                <a:spcPts val="600"/>
-              </a:spcBef>
-              <a:spcAft>
-                <a:spcPts val="600"/>
-              </a:spcAft>
-              <a:buFont typeface="Arial"/>
-              <a:buChar char="•"/>
-              <a:defRPr/>
-            </a:pPr>
-            <a:r>
-              <a:rPr sz="2000" cap="none">
-                <a:latin typeface="Helvetica"/>
-                <a:ea typeface="Calibri"/>
-                <a:cs typeface="Calibri"/>
-              </a:rPr>
-              <a:t>Applicable in many situations e.g. heating/cooling of simple geometrical objects</a:t>
-            </a:r>
-            <a:endParaRPr sz="2000" cap="none">
-              <a:latin typeface="Helvetica"/>
-              <a:ea typeface="Calibri"/>
-              <a:cs typeface="Calibri"/>
-            </a:endParaRPr>
-          </a:p>
-          <a:p>
-            <a:pPr marL="285750" indent="-285750" algn="ctr">
-              <a:lnSpc>
-                <a:spcPct val="120000"/>
-              </a:lnSpc>
-              <a:spcBef>
-                <a:spcPts val="600"/>
-              </a:spcBef>
-              <a:spcAft>
-                <a:spcPts val="600"/>
-              </a:spcAft>
-              <a:buFont typeface="Arial"/>
-              <a:buChar char="•"/>
-              <a:defRPr/>
-            </a:pPr>
-            <a:r>
-              <a:rPr sz="2000" cap="none">
-                <a:latin typeface="Helvetica"/>
-                <a:ea typeface="Calibri"/>
-                <a:cs typeface="Calibri"/>
-              </a:rPr>
-              <a:t>Useful for estimating e.g. time it will take a given body to reach a certain temperature or for a given time, we can determine the temperature</a:t>
-            </a:r>
-            <a:endParaRPr sz="2000" cap="none">
-              <a:latin typeface="Helvetica"/>
-              <a:ea typeface="Calibri"/>
-              <a:cs typeface="Calibri"/>
-            </a:endParaRPr>
-          </a:p>
-          <a:p>
-            <a:pPr marL="285750" indent="-285750" algn="ctr">
-              <a:lnSpc>
-                <a:spcPct val="120000"/>
-              </a:lnSpc>
-              <a:spcBef>
-                <a:spcPts val="600"/>
-              </a:spcBef>
-              <a:spcAft>
-                <a:spcPts val="600"/>
-              </a:spcAft>
-              <a:buFont typeface="Arial"/>
-              <a:buChar char="•"/>
-              <a:defRPr/>
-            </a:pPr>
-            <a:r>
-              <a:rPr sz="2000" cap="none">
-                <a:latin typeface="Helvetica"/>
-                <a:ea typeface="Calibri"/>
-                <a:cs typeface="Calibri"/>
-              </a:rPr>
-              <a:t>Strictly speaking, Bi &lt; 0.1 to obtain acceptable results </a:t>
-            </a:r>
-            <a:r>
-              <a:rPr sz="2000" b="1" cap="none">
-                <a:latin typeface="Helvetica"/>
-                <a:ea typeface="Calibri"/>
-                <a:cs typeface="Calibri"/>
-              </a:rPr>
-              <a:t>so always check </a:t>
-            </a:r>
-            <a:r>
-              <a:rPr sz="2000" b="1" i="1" cap="none">
-                <a:latin typeface="Helvetica"/>
-                <a:ea typeface="Calibri"/>
-                <a:cs typeface="Calibri"/>
-              </a:rPr>
-              <a:t>Bi</a:t>
-            </a:r>
-            <a:r>
-              <a:rPr sz="2000" b="1" cap="none">
-                <a:latin typeface="Helvetica"/>
-                <a:ea typeface="Calibri"/>
-                <a:cs typeface="Calibri"/>
-              </a:rPr>
-              <a:t> first</a:t>
-            </a:r>
-            <a:endParaRPr sz="2000" b="1" cap="none">
-              <a:latin typeface="Helvetica"/>
-              <a:ea typeface="Calibri"/>
-              <a:cs typeface="Calibri"/>
-            </a:endParaRPr>
-          </a:p>
-        </p:txBody>
-      </p:sp>
-      <p:sp>
-        <p:nvSpPr>
-          <p:cNvPr id="8" name="TextBox 6"/>
-          <p:cNvSpPr/>
-          <p:nvPr/>
-        </p:nvSpPr>
-        <p:spPr bwMode="auto">
-          <a:xfrm>
-            <a:off x="1056005" y="1303020"/>
-            <a:ext cx="10079990" cy="400050"/>
-          </a:xfrm>
-          <a:prstGeom prst="rect">
-            <a:avLst/>
-          </a:prstGeom>
-          <a:noFill/>
-          <a:ln>
-            <a:noFill/>
-          </a:ln>
-          <a:effectLst/>
-        </p:spPr>
-        <p:txBody>
-          <a:bodyPr vert="horz" wrap="square" lIns="91440" tIns="45720" rIns="91440" bIns="45720" numCol="1" spcCol="215899" anchor="t"/>
-          <a:lstStyle/>
-          <a:p>
-            <a:pPr algn="ctr">
-              <a:spcAft>
-                <a:spcPts val="600"/>
-              </a:spcAft>
-              <a:defRPr/>
-            </a:pPr>
-            <a:r>
-              <a:rPr sz="2000" b="1" cap="none">
-                <a:solidFill>
-                  <a:srgbClr val="FF9900"/>
-                </a:solidFill>
-                <a:latin typeface="Helvetica"/>
-                <a:ea typeface="Calibri"/>
-                <a:cs typeface="Calibri"/>
-              </a:rPr>
-              <a:t>Summary of the lumped capacitance method</a:t>
-            </a:r>
-            <a:endParaRPr sz="2000" b="1" cap="none">
-              <a:solidFill>
-                <a:srgbClr val="FF9900"/>
-              </a:solidFill>
-              <a:latin typeface="Helvetica"/>
-              <a:ea typeface="Calibri"/>
-              <a:cs typeface="Calibri"/>
-            </a:endParaRPr>
-          </a:p>
-        </p:txBody>
-      </p:sp>
-    </p:spTree>
-  </p:cSld>
-  <p:clrMapOvr>
-    <a:masterClrMapping/>
-  </p:clrMapOvr>
-  <mc:AlternateContent xmlns:mc="http://schemas.openxmlformats.org/markup-compatibility/2006">
-    <mc:Choice xmlns:p159="http://schemas.microsoft.com/office/powerpoint/2015/09/main" xmlns:p14="http://schemas.microsoft.com/office/powerpoint/2010/main" Requires="p159">
-      <p:transition p14:dur="2000" advClick="1"/>
-    </mc:Choice>
-    <mc:Fallback>
-      <p:transition advClick="1"/>
-    </mc:Fallback>
-  </mc:AlternateContent>
-  <p:timing>
-    <p:tnLst>
-      <p:par>
-        <p:cTn id="1" dur="indefinite" restart="never" nodeType="tmRoot"/>
-      </p:par>
-    </p:tnLst>
-  </p:timing>
-</p:sld>
-</file>
-
-<file path=ppt/slides/slide21.xml><?xml version="1.0" encoding="utf-8"?>
-<p:sld xmlns:a="http://schemas.openxmlformats.org/drawingml/2006/main" xmlns:r="http://schemas.openxmlformats.org/officeDocument/2006/relationships" xmlns:p="http://schemas.openxmlformats.org/presentationml/2006/main" xmlns:m="http://schemas.openxmlformats.org/officeDocument/2006/math" xmlns:w="http://schemas.openxmlformats.org/wordprocessingml/2006/main" xmlns:mc="http://schemas.openxmlformats.org/markup-compatibility/2006" showMasterPhAnim="0" showMasterSp="1" show="1">
-  <p:cSld name="">
-    <p:spTree>
-      <p:nvGrpSpPr>
-        <p:cNvPr id="1" name=""/>
-        <p:cNvGrpSpPr/>
-        <p:nvPr/>
-      </p:nvGrpSpPr>
-      <p:grpSpPr bwMode="auto">
-        <a:xfrm>
-          <a:off x="0" y="0"/>
-          <a:ext cx="0" cy="0"/>
-          <a:chOff x="0" y="0"/>
-          <a:chExt cx="0" cy="0"/>
-        </a:xfrm>
-      </p:grpSpPr>
-      <p:sp>
-        <p:nvSpPr>
-          <p:cNvPr id="2" name="Title 3"/>
-          <p:cNvSpPr>
-            <a:spLocks noChangeArrowheads="1" noGrp="1"/>
-          </p:cNvSpPr>
-          <p:nvPr>
-            <p:ph type="ctrTitle"/>
-          </p:nvPr>
-        </p:nvSpPr>
-        <p:spPr bwMode="auto">
-          <a:xfrm>
-            <a:off x="1524000" y="3075305"/>
-            <a:ext cx="9144000" cy="707390"/>
-          </a:xfrm>
-          <a:prstGeom prst="rect">
-            <a:avLst/>
-          </a:prstGeom>
-          <a:noFill/>
-          <a:ln>
-            <a:noFill/>
-          </a:ln>
-          <a:effectLst/>
-        </p:spPr>
-        <p:txBody>
-          <a:bodyPr vert="horz" wrap="square" lIns="91440" tIns="45720" rIns="91440" bIns="45720" numCol="1" spcCol="215899" anchor="t">
-            <a:prstTxWarp prst="textNoShape"/>
-          </a:bodyPr>
-          <a:lstStyle/>
-          <a:p>
-            <a:pPr>
-              <a:lnSpc>
-                <a:spcPct val="100000"/>
-              </a:lnSpc>
-              <a:spcBef>
-                <a:spcPts val="0"/>
-              </a:spcBef>
-              <a:defRPr/>
-            </a:pPr>
-            <a:r>
-              <a:rPr sz="4000" cap="none">
-                <a:latin typeface="Helvetica"/>
-                <a:ea typeface="Verdana"/>
-                <a:cs typeface="Helvetica"/>
-              </a:rPr>
-              <a:t>Thanks for your attention</a:t>
-            </a:r>
-            <a:endParaRPr sz="4000" cap="none">
-              <a:latin typeface="Helvetica"/>
-              <a:ea typeface="Verdana"/>
-              <a:cs typeface="Helvetica"/>
-            </a:endParaRPr>
-          </a:p>
-        </p:txBody>
-      </p:sp>
-      <p:sp>
-        <p:nvSpPr>
-          <p:cNvPr id="3" name="Slide Number Placeholder 17"/>
-          <p:cNvSpPr>
-            <a:spLocks noChangeArrowheads="1" noGrp="1"/>
-          </p:cNvSpPr>
-          <p:nvPr>
-            <p:ph type="sldNum" sz="quarter" idx="12"/>
-          </p:nvPr>
-        </p:nvSpPr>
-        <p:spPr bwMode="auto">
-          <a:xfrm>
-            <a:off x="8999855" y="6356350"/>
-            <a:ext cx="2743200" cy="365125"/>
-          </a:xfrm>
-        </p:spPr>
-        <p:txBody>
-          <a:bodyPr/>
-          <a:lstStyle/>
-          <a:p>
-            <a:pPr>
-              <a:defRPr/>
-            </a:pPr>
-            <a:fld id="{39ECC716-58D4-B931-9A54-AE64891A6CFB}" type="slidenum">
-              <a:rPr sz="1600" cap="none">
-                <a:solidFill>
-                  <a:srgbClr val="7F7F7F"/>
-                </a:solidFill>
-                <a:latin typeface="Helvetica"/>
-                <a:ea typeface="Calibri"/>
-                <a:cs typeface="Helvetica"/>
-              </a:rPr>
-              <a:t>19</a:t>
-            </a:fld>
-            <a:endParaRPr sz="1600" cap="none">
-              <a:solidFill>
-                <a:srgbClr val="7F7F7F"/>
-              </a:solidFill>
-              <a:latin typeface="Helvetica"/>
-              <a:ea typeface="Calibri"/>
-              <a:cs typeface="Helvetica"/>
-            </a:endParaRPr>
-          </a:p>
-        </p:txBody>
-      </p:sp>
-      <p:pic>
-        <p:nvPicPr>
-          <p:cNvPr id="4" name="Picture 2" descr="A picture containing text, clipart&#10;&#10;Description automatically generated"/>
-          <p:cNvPicPr>
-            <a:picLocks noChangeAspect="1"/>
-          </p:cNvPicPr>
-          <p:nvPr/>
-        </p:nvPicPr>
-        <p:blipFill>
-          <a:blip r:embed="rId3"/>
-          <a:stretch/>
-        </p:blipFill>
-        <p:spPr bwMode="auto">
-          <a:xfrm>
-            <a:off x="448945" y="360045"/>
-            <a:ext cx="1967865" cy="539750"/>
-          </a:xfrm>
-          <a:prstGeom prst="rect">
-            <a:avLst/>
-          </a:prstGeom>
-          <a:noFill/>
-          <a:ln>
-            <a:noFill/>
-          </a:ln>
-          <a:effectLst/>
-        </p:spPr>
-      </p:pic>
-      <p:sp>
-        <p:nvSpPr>
-          <p:cNvPr id="5" name="Slide Number Placeholder 17"/>
+          <p:cNvPr id="1829523029" name="Slide Number Placeholder 17"/>
           <p:cNvSpPr/>
           <p:nvPr/>
         </p:nvSpPr>
@@ -18653,7 +16894,7 @@
       </p:grpSpPr>
       <p:sp>
         <p:nvSpPr>
-          <p:cNvPr id="2" name="Title 3"/>
+          <p:cNvPr id="1593339832" name="Title 3"/>
           <p:cNvSpPr>
             <a:spLocks noChangeArrowheads="1" noGrp="1"/>
           </p:cNvSpPr>
@@ -18696,7 +16937,7 @@
                 <a:ea typeface="Verdana"/>
                 <a:cs typeface="Helvetica"/>
               </a:rPr>
-              <a:t>Weekly Tests</a:t>
+              <a:t>Transient Heat Transfer</a:t>
             </a:r>
             <a:endParaRPr sz="4000" cap="none">
               <a:latin typeface="Helvetica"/>
@@ -18708,7 +16949,7 @@
       </p:sp>
       <p:sp>
         <p:nvSpPr>
-          <p:cNvPr id="3" name="Slide Number Placeholder 17"/>
+          <p:cNvPr id="896564418" name="Slide Number Placeholder 17"/>
           <p:cNvSpPr>
             <a:spLocks noChangeArrowheads="1" noGrp="1"/>
           </p:cNvSpPr>
@@ -18729,7 +16970,7 @@
             <a:pPr>
               <a:defRPr/>
             </a:pPr>
-            <a:fld id="{766EB2F6-B89B-3B44-D5D6-4E11FC98231B}" type="slidenum">
+            <a:fld id="{41EC1C70-3EAC-B9EA-E254-C8BF521A149D}" type="slidenum">
               <a:rPr sz="1600" cap="none">
                 <a:solidFill>
                   <a:srgbClr val="7F7F7F"/>
@@ -18738,7 +16979,7 @@
                 <a:ea typeface="Calibri"/>
                 <a:cs typeface="Helvetica"/>
               </a:rPr>
-              <a:t>3</a:t>
+              <a:t>4</a:t>
             </a:fld>
             <a:endParaRPr sz="1600" cap="none">
               <a:solidFill>
@@ -18751,149 +16992,9 @@
           </a:p>
         </p:txBody>
       </p:sp>
-      <p:sp>
-        <p:nvSpPr>
-          <p:cNvPr id="4" name="Slide Number Placeholder 17"/>
-          <p:cNvSpPr/>
-          <p:nvPr/>
-        </p:nvSpPr>
-        <p:spPr bwMode="auto">
-          <a:xfrm>
-            <a:off x="448945" y="6356350"/>
-            <a:ext cx="4434840" cy="365125"/>
-          </a:xfrm>
-          <a:prstGeom prst="rect">
-            <a:avLst/>
-          </a:prstGeom>
-          <a:noFill/>
-          <a:ln>
-            <a:noFill/>
-          </a:ln>
-          <a:effectLst/>
-        </p:spPr>
-        <p:txBody>
-          <a:bodyPr vert="horz" wrap="square" lIns="91440" tIns="45720" rIns="91440" bIns="45720" numCol="1" spcCol="215899" anchor="ctr"/>
-          <a:lstStyle>
-            <a:lvl1pPr marL="0" algn="r" defTabSz="457200">
-              <a:defRPr sz="1200" cap="none">
-                <a:solidFill>
-                  <a:srgbClr val="8C8C8C"/>
-                </a:solidFill>
-                <a:latin typeface="Calibri"/>
-                <a:ea typeface="Calibri"/>
-                <a:cs typeface="Calibri"/>
-              </a:defRPr>
-            </a:lvl1pPr>
-            <a:lvl2pPr marL="457200" algn="l" defTabSz="457200">
-              <a:defRPr sz="1800" cap="none">
-                <a:solidFill>
-                  <a:schemeClr val="tx1"/>
-                </a:solidFill>
-                <a:latin typeface="Calibri"/>
-                <a:ea typeface="Calibri"/>
-                <a:cs typeface="Calibri"/>
-              </a:defRPr>
-            </a:lvl2pPr>
-            <a:lvl3pPr marL="914400" algn="l" defTabSz="457200">
-              <a:defRPr sz="1800" cap="none">
-                <a:solidFill>
-                  <a:schemeClr val="tx1"/>
-                </a:solidFill>
-                <a:latin typeface="Calibri"/>
-                <a:ea typeface="Calibri"/>
-                <a:cs typeface="Calibri"/>
-              </a:defRPr>
-            </a:lvl3pPr>
-            <a:lvl4pPr marL="1371600" algn="l" defTabSz="457200">
-              <a:defRPr sz="1800" cap="none">
-                <a:solidFill>
-                  <a:schemeClr val="tx1"/>
-                </a:solidFill>
-                <a:latin typeface="Calibri"/>
-                <a:ea typeface="Calibri"/>
-                <a:cs typeface="Calibri"/>
-              </a:defRPr>
-            </a:lvl4pPr>
-            <a:lvl5pPr marL="1828800" algn="l" defTabSz="457200">
-              <a:defRPr sz="1800" cap="none">
-                <a:solidFill>
-                  <a:schemeClr val="tx1"/>
-                </a:solidFill>
-                <a:latin typeface="Calibri"/>
-                <a:ea typeface="Calibri"/>
-                <a:cs typeface="Calibri"/>
-              </a:defRPr>
-            </a:lvl5pPr>
-            <a:lvl6pPr marL="2286000" algn="l" defTabSz="457200">
-              <a:defRPr sz="1800" cap="none">
-                <a:solidFill>
-                  <a:schemeClr val="tx1"/>
-                </a:solidFill>
-                <a:latin typeface="Calibri"/>
-                <a:ea typeface="Calibri"/>
-                <a:cs typeface="Calibri"/>
-              </a:defRPr>
-            </a:lvl6pPr>
-            <a:lvl7pPr marL="2743200" algn="l" defTabSz="457200">
-              <a:defRPr sz="1800" cap="none">
-                <a:solidFill>
-                  <a:schemeClr val="tx1"/>
-                </a:solidFill>
-                <a:latin typeface="Calibri"/>
-                <a:ea typeface="Calibri"/>
-                <a:cs typeface="Calibri"/>
-              </a:defRPr>
-            </a:lvl7pPr>
-            <a:lvl8pPr marL="3200400" algn="l" defTabSz="457200">
-              <a:defRPr sz="1800" cap="none">
-                <a:solidFill>
-                  <a:schemeClr val="tx1"/>
-                </a:solidFill>
-                <a:latin typeface="Calibri"/>
-                <a:ea typeface="Calibri"/>
-                <a:cs typeface="Calibri"/>
-              </a:defRPr>
-            </a:lvl8pPr>
-            <a:lvl9pPr marL="3657600" algn="l" defTabSz="457200">
-              <a:defRPr sz="1800" cap="none">
-                <a:solidFill>
-                  <a:schemeClr val="tx1"/>
-                </a:solidFill>
-                <a:latin typeface="Calibri"/>
-                <a:ea typeface="Calibri"/>
-                <a:cs typeface="Calibri"/>
-              </a:defRPr>
-            </a:lvl9pPr>
-          </a:lstStyle>
-          <a:p>
-            <a:pPr algn="l">
-              <a:defRPr/>
-            </a:pPr>
-            <a:r>
-              <a:rPr sz="1600" cap="none">
-                <a:solidFill>
-                  <a:srgbClr val="7F7F7F"/>
-                </a:solidFill>
-                <a:latin typeface="Helvetica"/>
-                <a:ea typeface="Calibri"/>
-                <a:cs typeface="Helvetica"/>
-              </a:rPr>
-              <a:t>EX3030/EM40JN</a:t>
-            </a:r>
-            <a:endParaRPr sz="1600" cap="none">
-              <a:solidFill>
-                <a:srgbClr val="7F7F7F"/>
-              </a:solidFill>
-              <a:latin typeface="Helvetica"/>
-              <a:ea typeface="Calibri"/>
-              <a:cs typeface="Helvetica"/>
-            </a:endParaRPr>
-          </a:p>
-        </p:txBody>
-      </p:sp>
       <p:pic>
         <p:nvPicPr>
-          <p:cNvPr id="5" name="Picture 8" descr="A picture containing text, clipart&#10;&#10;Description automatically generated"/>
+          <p:cNvPr id="591625467" name="Picture 8" descr="A picture containing text, clipart&#10;&#10;Description automatically generated"/>
           <p:cNvPicPr>
             <a:picLocks noChangeAspect="1"/>
           </p:cNvPicPr>
@@ -18920,323 +17021,7 @@
       </p:pic>
       <p:sp>
         <p:nvSpPr>
-          <p:cNvPr id="6" name="TextBox 7"/>
-          <p:cNvSpPr/>
-          <p:nvPr/>
-        </p:nvSpPr>
-        <p:spPr bwMode="auto">
-          <a:xfrm>
-            <a:off x="1056005" y="2536190"/>
-            <a:ext cx="10079990" cy="2616200"/>
-          </a:xfrm>
-          <a:prstGeom prst="rect">
-            <a:avLst/>
-          </a:prstGeom>
-          <a:noFill/>
-          <a:ln>
-            <a:noFill/>
-          </a:ln>
-          <a:effectLst/>
-        </p:spPr>
-        <p:txBody>
-          <a:bodyPr vert="horz" wrap="square" lIns="91440" tIns="45720" rIns="91440" bIns="45720" numCol="1" spcCol="215899" anchor="t"/>
-          <a:lstStyle/>
-          <a:p>
-            <a:pPr algn="ctr">
-              <a:spcBef>
-                <a:spcPts val="600"/>
-              </a:spcBef>
-              <a:spcAft>
-                <a:spcPts val="600"/>
-              </a:spcAft>
-              <a:defRPr/>
-            </a:pPr>
-            <a:r>
-              <a:rPr sz="2400" b="1" cap="none">
-                <a:latin typeface="Helvetica"/>
-                <a:ea typeface="Calibri"/>
-                <a:cs typeface="Calibri"/>
-              </a:rPr>
-              <a:t>Week 7 Test Details:</a:t>
-            </a:r>
-            <a:endParaRPr sz="2400" b="1" cap="none">
-              <a:latin typeface="Helvetica"/>
-              <a:ea typeface="Calibri"/>
-              <a:cs typeface="Calibri"/>
-            </a:endParaRPr>
-          </a:p>
-          <a:p>
-            <a:pPr algn="ctr">
-              <a:spcBef>
-                <a:spcPts val="600"/>
-              </a:spcBef>
-              <a:spcAft>
-                <a:spcPts val="600"/>
-              </a:spcAft>
-              <a:defRPr/>
-            </a:pPr>
-            <a:r>
-              <a:rPr sz="2000" cap="none">
-                <a:latin typeface="Helvetica"/>
-                <a:ea typeface="Calibri"/>
-                <a:cs typeface="Calibri"/>
-              </a:rPr>
-              <a:t>“This test is on Transient Heat Transfer which we have covered during week 7 of the course. There will be a total of 7 multiple choice questions . Four of the questions will be descriptive based (worth 10 points each) and 3 will involve some calculations (worth 20 points each). Topics include general transient heat transfer, the lumped capacitance method, analytical methods and numerical methods.</a:t>
-            </a:r>
-            <a:endParaRPr sz="2000" cap="none">
-              <a:latin typeface="Helvetica"/>
-              <a:ea typeface="Calibri"/>
-              <a:cs typeface="Calibri"/>
-            </a:endParaRPr>
-          </a:p>
-          <a:p>
-            <a:pPr algn="ctr">
-              <a:spcBef>
-                <a:spcPts val="600"/>
-              </a:spcBef>
-              <a:spcAft>
-                <a:spcPts val="600"/>
-              </a:spcAft>
-              <a:defRPr/>
-            </a:pPr>
-            <a:r>
-              <a:rPr sz="2000" cap="none">
-                <a:latin typeface="Helvetica"/>
-                <a:ea typeface="Calibri"/>
-                <a:cs typeface="Calibri"/>
-              </a:rPr>
-              <a:t>Note: This test will auto-submit at the end of the exam time.”</a:t>
-            </a:r>
-            <a:endParaRPr sz="2400" cap="none">
-              <a:latin typeface="Helvetica"/>
-              <a:ea typeface="Calibri"/>
-              <a:cs typeface="Calibri"/>
-            </a:endParaRPr>
-          </a:p>
-        </p:txBody>
-      </p:sp>
-      <p:sp>
-        <p:nvSpPr>
-          <p:cNvPr id="7" name="TextBox 1"/>
-          <p:cNvSpPr/>
-          <p:nvPr/>
-        </p:nvSpPr>
-        <p:spPr bwMode="auto">
-          <a:xfrm>
-            <a:off x="1056005" y="1548130"/>
-            <a:ext cx="10079990" cy="461645"/>
-          </a:xfrm>
-          <a:prstGeom prst="rect">
-            <a:avLst/>
-          </a:prstGeom>
-          <a:noFill/>
-          <a:ln>
-            <a:noFill/>
-          </a:ln>
-          <a:effectLst/>
-        </p:spPr>
-        <p:txBody>
-          <a:bodyPr vert="horz" wrap="square" lIns="91440" tIns="45720" rIns="91440" bIns="45720" numCol="1" spcCol="215899" anchor="t"/>
-          <a:lstStyle/>
-          <a:p>
-            <a:pPr algn="ctr">
-              <a:spcAft>
-                <a:spcPts val="600"/>
-              </a:spcAft>
-              <a:defRPr/>
-            </a:pPr>
-            <a:r>
-              <a:rPr sz="2400" b="1" cap="none">
-                <a:solidFill>
-                  <a:srgbClr val="FF9900"/>
-                </a:solidFill>
-                <a:latin typeface="Helvetica"/>
-                <a:ea typeface="Calibri"/>
-                <a:cs typeface="Calibri"/>
-              </a:rPr>
-              <a:t>The weekly tests continue…</a:t>
-            </a:r>
-            <a:endParaRPr sz="2400" b="1" cap="none">
-              <a:solidFill>
-                <a:srgbClr val="FF9900"/>
-              </a:solidFill>
-              <a:latin typeface="Helvetica"/>
-              <a:ea typeface="Calibri"/>
-              <a:cs typeface="Calibri"/>
-            </a:endParaRPr>
-          </a:p>
-        </p:txBody>
-      </p:sp>
-    </p:spTree>
-  </p:cSld>
-  <p:clrMapOvr>
-    <a:masterClrMapping/>
-  </p:clrMapOvr>
-  <mc:AlternateContent xmlns:mc="http://schemas.openxmlformats.org/markup-compatibility/2006">
-    <mc:Choice xmlns:p159="http://schemas.microsoft.com/office/powerpoint/2015/09/main" xmlns:p14="http://schemas.microsoft.com/office/powerpoint/2010/main" Requires="p159">
-      <p:transition p14:dur="2000" advClick="1"/>
-    </mc:Choice>
-    <mc:Fallback>
-      <p:transition advClick="1"/>
-    </mc:Fallback>
-  </mc:AlternateContent>
-  <p:timing>
-    <p:tnLst>
-      <p:par>
-        <p:cTn id="1" dur="indefinite" restart="never" nodeType="tmRoot"/>
-      </p:par>
-    </p:tnLst>
-  </p:timing>
-</p:sld>
-</file>
-
-<file path=ppt/slides/slide4.xml><?xml version="1.0" encoding="utf-8"?>
-<p:sld xmlns:a="http://schemas.openxmlformats.org/drawingml/2006/main" xmlns:r="http://schemas.openxmlformats.org/officeDocument/2006/relationships" xmlns:p="http://schemas.openxmlformats.org/presentationml/2006/main" xmlns:m="http://schemas.openxmlformats.org/officeDocument/2006/math" xmlns:w="http://schemas.openxmlformats.org/wordprocessingml/2006/main" xmlns:mc="http://schemas.openxmlformats.org/markup-compatibility/2006" showMasterPhAnim="0" showMasterSp="1" show="1">
-  <p:cSld name="">
-    <p:spTree>
-      <p:nvGrpSpPr>
-        <p:cNvPr id="1" name=""/>
-        <p:cNvGrpSpPr/>
-        <p:nvPr/>
-      </p:nvGrpSpPr>
-      <p:grpSpPr bwMode="auto">
-        <a:xfrm>
-          <a:off x="0" y="0"/>
-          <a:ext cx="0" cy="0"/>
-          <a:chOff x="0" y="0"/>
-          <a:chExt cx="0" cy="0"/>
-        </a:xfrm>
-      </p:grpSpPr>
-      <p:sp>
-        <p:nvSpPr>
-          <p:cNvPr id="2" name="Title 3"/>
-          <p:cNvSpPr>
-            <a:spLocks noChangeArrowheads="1" noGrp="1"/>
-          </p:cNvSpPr>
-          <p:nvPr>
-            <p:ph type="ctrTitle"/>
-          </p:nvPr>
-        </p:nvSpPr>
-        <p:spPr bwMode="auto">
-          <a:xfrm>
-            <a:off x="0" y="360045"/>
-            <a:ext cx="12192000" cy="708025"/>
-          </a:xfrm>
-          <a:prstGeom prst="rect">
-            <a:avLst/>
-          </a:prstGeom>
-          <a:noFill/>
-          <a:ln>
-            <a:noFill/>
-          </a:ln>
-          <a:effectLst/>
-        </p:spPr>
-        <p:txBody>
-          <a:bodyPr vert="horz" wrap="square" lIns="91440" tIns="45720" rIns="91440" bIns="45720" numCol="1" spcCol="215899" anchor="t">
-            <a:prstTxWarp prst="textNoShape"/>
-          </a:bodyPr>
-          <a:lstStyle/>
-          <a:p>
-            <a:pPr>
-              <a:lnSpc>
-                <a:spcPct val="100000"/>
-              </a:lnSpc>
-              <a:spcBef>
-                <a:spcPts val="0"/>
-              </a:spcBef>
-              <a:defRPr/>
-            </a:pPr>
-            <a:r>
-              <a:rPr sz="4000" cap="none">
-                <a:latin typeface="Helvetica"/>
-                <a:ea typeface="Verdana"/>
-                <a:cs typeface="Helvetica"/>
-              </a:rPr>
-              <a:t>Transient Heat Transfer</a:t>
-            </a:r>
-            <a:endParaRPr sz="4000" cap="none">
-              <a:latin typeface="Helvetica"/>
-              <a:ea typeface="Verdana"/>
-              <a:cs typeface="Helvetica"/>
-            </a:endParaRPr>
-          </a:p>
-        </p:txBody>
-      </p:sp>
-      <p:sp>
-        <p:nvSpPr>
-          <p:cNvPr id="3" name="Slide Number Placeholder 17"/>
-          <p:cNvSpPr>
-            <a:spLocks noChangeArrowheads="1" noGrp="1"/>
-          </p:cNvSpPr>
-          <p:nvPr>
-            <p:ph type="sldNum" sz="quarter" idx="12"/>
-          </p:nvPr>
-        </p:nvSpPr>
-        <p:spPr bwMode="auto">
-          <a:xfrm>
-            <a:off x="8999855" y="6356350"/>
-            <a:ext cx="2743200" cy="365125"/>
-          </a:xfrm>
-        </p:spPr>
-        <p:txBody>
-          <a:bodyPr/>
-          <a:lstStyle/>
-          <a:p>
-            <a:pPr>
-              <a:defRPr/>
-            </a:pPr>
-            <a:fld id="{41EC1C70-3EAC-B9EA-E254-C8BF521A149D}" type="slidenum">
-              <a:rPr sz="1600" cap="none">
-                <a:solidFill>
-                  <a:srgbClr val="7F7F7F"/>
-                </a:solidFill>
-                <a:latin typeface="Helvetica"/>
-                <a:ea typeface="Calibri"/>
-                <a:cs typeface="Helvetica"/>
-              </a:rPr>
-              <a:t>4</a:t>
-            </a:fld>
-            <a:endParaRPr sz="1600" cap="none">
-              <a:solidFill>
-                <a:srgbClr val="7F7F7F"/>
-              </a:solidFill>
-              <a:latin typeface="Helvetica"/>
-              <a:ea typeface="Calibri"/>
-              <a:cs typeface="Helvetica"/>
-            </a:endParaRPr>
-          </a:p>
-        </p:txBody>
-      </p:sp>
-      <p:pic>
-        <p:nvPicPr>
-          <p:cNvPr id="4" name="Picture 8" descr="A picture containing text, clipart&#10;&#10;Description automatically generated"/>
-          <p:cNvPicPr>
-            <a:picLocks noChangeAspect="1"/>
-          </p:cNvPicPr>
-          <p:nvPr/>
-        </p:nvPicPr>
-        <p:blipFill>
-          <a:blip r:embed="rId3"/>
-          <a:stretch/>
-        </p:blipFill>
-        <p:spPr bwMode="auto">
-          <a:xfrm>
-            <a:off x="448945" y="360045"/>
-            <a:ext cx="1967865" cy="539750"/>
-          </a:xfrm>
-          <a:prstGeom prst="rect">
-            <a:avLst/>
-          </a:prstGeom>
-          <a:noFill/>
-          <a:ln>
-            <a:noFill/>
-          </a:ln>
-          <a:effectLst/>
-        </p:spPr>
-      </p:pic>
-      <p:sp>
-        <p:nvSpPr>
-          <p:cNvPr id="5" name="TextBox 1"/>
+          <p:cNvPr id="1685821267" name="TextBox 1"/>
           <p:cNvSpPr/>
           <p:nvPr/>
         </p:nvSpPr>
@@ -19469,7 +17254,7 @@
       </p:sp>
       <p:sp>
         <p:nvSpPr>
-          <p:cNvPr id="6" name="TextBox 2"/>
+          <p:cNvPr id="586131432" name="TextBox 2"/>
           <p:cNvSpPr/>
           <p:nvPr/>
         </p:nvSpPr>
@@ -19521,7 +17306,7 @@
       </p:sp>
       <p:sp>
         <p:nvSpPr>
-          <p:cNvPr id="7" name="Slide Number Placeholder 17"/>
+          <p:cNvPr id="793137665" name="Slide Number Placeholder 17"/>
           <p:cNvSpPr/>
           <p:nvPr/>
         </p:nvSpPr>
@@ -19661,7 +17446,7 @@
       </p:sp>
       <p:pic>
         <p:nvPicPr>
-          <p:cNvPr id="8" name="Picture 2" descr="The Absolute Best Way To Boil Eggs"/>
+          <p:cNvPr id="1442734941" name="Picture 2" descr="The Absolute Best Way To Boil Eggs"/>
           <p:cNvPicPr>
             <a:picLocks noChangeAspect="1"/>
           </p:cNvPicPr>
@@ -19688,7 +17473,7 @@
       </p:pic>
       <p:pic>
         <p:nvPicPr>
-          <p:cNvPr id="9" name="Picture 6" descr="A picture containing dark, light"/>
+          <p:cNvPr id="1867369092" name="Picture 6" descr="A picture containing dark, light"/>
           <p:cNvPicPr>
             <a:picLocks noChangeAspect="1"/>
           </p:cNvPicPr>
@@ -19737,7 +17522,7 @@
 </p:sld>
 </file>
 
-<file path=ppt/slides/slide5.xml><?xml version="1.0" encoding="utf-8"?>
+<file path=ppt/slides/slide4.xml><?xml version="1.0" encoding="utf-8"?>
 <p:sld xmlns:a="http://schemas.openxmlformats.org/drawingml/2006/main" xmlns:r="http://schemas.openxmlformats.org/officeDocument/2006/relationships" xmlns:p="http://schemas.openxmlformats.org/presentationml/2006/main" xmlns:m="http://schemas.openxmlformats.org/officeDocument/2006/math" xmlns:w="http://schemas.openxmlformats.org/wordprocessingml/2006/main" xmlns:mc="http://schemas.openxmlformats.org/markup-compatibility/2006" showMasterPhAnim="0" showMasterSp="1" show="1">
   <p:cSld name="">
     <p:spTree>
@@ -19756,7 +17541,7 @@
       </p:grpSpPr>
       <p:sp>
         <p:nvSpPr>
-          <p:cNvPr id="2" name="Title 3"/>
+          <p:cNvPr id="1075598641" name="Title 3"/>
           <p:cNvSpPr>
             <a:spLocks noChangeArrowheads="1" noGrp="1"/>
           </p:cNvSpPr>
@@ -19811,7 +17596,7 @@
       </p:sp>
       <p:sp>
         <p:nvSpPr>
-          <p:cNvPr id="3" name="Slide Number Placeholder 17"/>
+          <p:cNvPr id="1411538836" name="Slide Number Placeholder 17"/>
           <p:cNvSpPr>
             <a:spLocks noChangeArrowheads="1" noGrp="1"/>
           </p:cNvSpPr>
@@ -19856,7 +17641,7 @@
       </p:sp>
       <p:pic>
         <p:nvPicPr>
-          <p:cNvPr id="4" name="Picture 8" descr="A picture containing text, clipart&#10;&#10;Description automatically generated"/>
+          <p:cNvPr id="178034162" name="Picture 8" descr="A picture containing text, clipart&#10;&#10;Description automatically generated"/>
           <p:cNvPicPr>
             <a:picLocks noChangeAspect="1"/>
           </p:cNvPicPr>
@@ -19883,7 +17668,7 @@
       </p:pic>
       <p:sp>
         <p:nvSpPr>
-          <p:cNvPr id="5" name="TextBox 2"/>
+          <p:cNvPr id="1936770293" name="TextBox 2"/>
           <p:cNvSpPr/>
           <p:nvPr/>
         </p:nvSpPr>
@@ -19935,7 +17720,7 @@
       </p:sp>
       <p:sp>
         <p:nvSpPr>
-          <p:cNvPr id="6" name="Slide Number Placeholder 17"/>
+          <p:cNvPr id="63030364" name="Slide Number Placeholder 17"/>
           <p:cNvSpPr/>
           <p:nvPr/>
         </p:nvSpPr>
@@ -20075,7 +17860,7 @@
       </p:sp>
       <p:sp>
         <p:nvSpPr>
-          <p:cNvPr id="7" name="TextBox 4"/>
+          <p:cNvPr id="1198762143" name="TextBox 4"/>
           <p:cNvSpPr/>
           <p:nvPr/>
         </p:nvSpPr>
@@ -20431,7 +18216,7 @@
       </p:sp>
       <p:grpSp>
         <p:nvGrpSpPr>
-          <p:cNvPr id="8" name="Group 14"/>
+          <p:cNvPr id="802929377" name="Group 14"/>
           <p:cNvGrpSpPr/>
           <p:nvPr/>
         </p:nvGrpSpPr>
@@ -20550,7 +18335,7 @@
       </p:grpSp>
       <p:grpSp>
         <p:nvGrpSpPr>
-          <p:cNvPr id="11" name="Group 15"/>
+          <p:cNvPr id="948126806" name="Group 15"/>
           <p:cNvGrpSpPr/>
           <p:nvPr/>
         </p:nvGrpSpPr>
@@ -20690,7 +18475,7 @@
 </p:sld>
 </file>
 
-<file path=ppt/slides/slide6.xml><?xml version="1.0" encoding="utf-8"?>
+<file path=ppt/slides/slide5.xml><?xml version="1.0" encoding="utf-8"?>
 <p:sld xmlns:a="http://schemas.openxmlformats.org/drawingml/2006/main" xmlns:r="http://schemas.openxmlformats.org/officeDocument/2006/relationships" xmlns:p="http://schemas.openxmlformats.org/presentationml/2006/main" xmlns:m="http://schemas.openxmlformats.org/officeDocument/2006/math" xmlns:w="http://schemas.openxmlformats.org/wordprocessingml/2006/main" xmlns:mc="http://schemas.openxmlformats.org/markup-compatibility/2006" showMasterPhAnim="0" showMasterSp="1" show="1">
   <p:cSld name="">
     <p:spTree>
@@ -20709,7 +18494,7 @@
       </p:grpSpPr>
       <p:sp>
         <p:nvSpPr>
-          <p:cNvPr id="2" name="Title 3"/>
+          <p:cNvPr id="735060072" name="Title 3"/>
           <p:cNvSpPr>
             <a:spLocks noChangeArrowheads="1" noGrp="1"/>
           </p:cNvSpPr>
@@ -20764,7 +18549,7 @@
       </p:sp>
       <p:sp>
         <p:nvSpPr>
-          <p:cNvPr id="3" name="Slide Number Placeholder 17"/>
+          <p:cNvPr id="276958085" name="Slide Number Placeholder 17"/>
           <p:cNvSpPr>
             <a:spLocks noChangeArrowheads="1" noGrp="1"/>
           </p:cNvSpPr>
@@ -20809,7 +18594,7 @@
       </p:sp>
       <p:pic>
         <p:nvPicPr>
-          <p:cNvPr id="4" name="Picture 8" descr="A picture containing text, clipart&#10;&#10;Description automatically generated"/>
+          <p:cNvPr id="1600804978" name="Picture 8" descr="A picture containing text, clipart&#10;&#10;Description automatically generated"/>
           <p:cNvPicPr>
             <a:picLocks noChangeAspect="1"/>
           </p:cNvPicPr>
@@ -20836,7 +18621,7 @@
       </p:pic>
       <p:sp>
         <p:nvSpPr>
-          <p:cNvPr id="5" name="TextBox 2"/>
+          <p:cNvPr id="178248294" name="TextBox 2"/>
           <p:cNvSpPr/>
           <p:nvPr/>
         </p:nvSpPr>
@@ -20888,7 +18673,7 @@
       </p:sp>
       <p:sp>
         <p:nvSpPr>
-          <p:cNvPr id="6" name="Slide Number Placeholder 17"/>
+          <p:cNvPr id="1427023981" name="Slide Number Placeholder 17"/>
           <p:cNvSpPr/>
           <p:nvPr/>
         </p:nvSpPr>
@@ -21028,7 +18813,7 @@
       </p:sp>
       <p:sp>
         <p:nvSpPr>
-          <p:cNvPr id="7" name="TextBox 4"/>
+          <p:cNvPr id="67868434" name="TextBox 4"/>
           <p:cNvSpPr/>
           <p:nvPr/>
         </p:nvSpPr>
@@ -21484,7 +19269,7 @@
       </p:sp>
       <p:grpSp>
         <p:nvGrpSpPr>
-          <p:cNvPr id="8" name="Group 14"/>
+          <p:cNvPr id="657697711" name="Group 14"/>
           <p:cNvGrpSpPr/>
           <p:nvPr/>
         </p:nvGrpSpPr>
@@ -21603,7 +19388,7 @@
       </p:grpSp>
       <p:grpSp>
         <p:nvGrpSpPr>
-          <p:cNvPr id="11" name="Group 15"/>
+          <p:cNvPr id="370229489" name="Group 15"/>
           <p:cNvGrpSpPr/>
           <p:nvPr/>
         </p:nvGrpSpPr>
@@ -21743,7 +19528,7 @@
 </p:sld>
 </file>
 
-<file path=ppt/slides/slide7.xml><?xml version="1.0" encoding="utf-8"?>
+<file path=ppt/slides/slide6.xml><?xml version="1.0" encoding="utf-8"?>
 <p:sld xmlns:a="http://schemas.openxmlformats.org/drawingml/2006/main" xmlns:r="http://schemas.openxmlformats.org/officeDocument/2006/relationships" xmlns:p="http://schemas.openxmlformats.org/presentationml/2006/main" xmlns:m="http://schemas.openxmlformats.org/officeDocument/2006/math" xmlns:w="http://schemas.openxmlformats.org/wordprocessingml/2006/main" xmlns:mc="http://schemas.openxmlformats.org/markup-compatibility/2006" showMasterPhAnim="0" showMasterSp="1" show="1">
   <p:cSld name="">
     <p:spTree>
@@ -21762,7 +19547,7 @@
       </p:grpSpPr>
       <p:sp>
         <p:nvSpPr>
-          <p:cNvPr id="2" name="Title 3"/>
+          <p:cNvPr id="1368875839" name="Title 3"/>
           <p:cNvSpPr>
             <a:spLocks noChangeArrowheads="1" noGrp="1"/>
           </p:cNvSpPr>
@@ -21817,7 +19602,7 @@
       </p:sp>
       <p:sp>
         <p:nvSpPr>
-          <p:cNvPr id="3" name="Slide Number Placeholder 17"/>
+          <p:cNvPr id="1824676525" name="Slide Number Placeholder 17"/>
           <p:cNvSpPr>
             <a:spLocks noChangeArrowheads="1" noGrp="1"/>
           </p:cNvSpPr>
@@ -21862,7 +19647,7 @@
       </p:sp>
       <p:pic>
         <p:nvPicPr>
-          <p:cNvPr id="4" name="Picture 8" descr="A picture containing text, clipart&#10;&#10;Description automatically generated"/>
+          <p:cNvPr id="540144193" name="Picture 8" descr="A picture containing text, clipart&#10;&#10;Description automatically generated"/>
           <p:cNvPicPr>
             <a:picLocks noChangeAspect="1"/>
           </p:cNvPicPr>
@@ -21889,7 +19674,7 @@
       </p:pic>
       <p:sp>
         <p:nvSpPr>
-          <p:cNvPr id="5" name="TextBox 1"/>
+          <p:cNvPr id="1624036073" name="TextBox 1"/>
           <p:cNvSpPr/>
           <p:nvPr/>
         </p:nvSpPr>
@@ -22139,7 +19924,7 @@
       </p:sp>
       <p:sp>
         <p:nvSpPr>
-          <p:cNvPr id="6" name="TextBox 2"/>
+          <p:cNvPr id="681116346" name="TextBox 2"/>
           <p:cNvSpPr/>
           <p:nvPr/>
         </p:nvSpPr>
@@ -22191,7 +19976,7 @@
       </p:sp>
       <p:sp>
         <p:nvSpPr>
-          <p:cNvPr id="7" name="Slide Number Placeholder 17"/>
+          <p:cNvPr id="96685868" name="Slide Number Placeholder 17"/>
           <p:cNvSpPr/>
           <p:nvPr/>
         </p:nvSpPr>
@@ -22352,7 +20137,7 @@
 </p:sld>
 </file>
 
-<file path=ppt/slides/slide8.xml><?xml version="1.0" encoding="utf-8"?>
+<file path=ppt/slides/slide7.xml><?xml version="1.0" encoding="utf-8"?>
 <p:sld xmlns:a="http://schemas.openxmlformats.org/drawingml/2006/main" xmlns:r="http://schemas.openxmlformats.org/officeDocument/2006/relationships" xmlns:p="http://schemas.openxmlformats.org/presentationml/2006/main" xmlns:m="http://schemas.openxmlformats.org/officeDocument/2006/math" xmlns:w="http://schemas.openxmlformats.org/wordprocessingml/2006/main" xmlns:mc="http://schemas.openxmlformats.org/markup-compatibility/2006" showMasterPhAnim="0" showMasterSp="1" show="1">
   <p:cSld name="">
     <p:spTree>
@@ -22371,7 +20156,7 @@
       </p:grpSpPr>
       <p:sp>
         <p:nvSpPr>
-          <p:cNvPr id="2" name="Title 3"/>
+          <p:cNvPr id="684529462" name="Title 3"/>
           <p:cNvSpPr>
             <a:spLocks noChangeArrowheads="1" noGrp="1"/>
           </p:cNvSpPr>
@@ -22426,7 +20211,7 @@
       </p:sp>
       <p:sp>
         <p:nvSpPr>
-          <p:cNvPr id="3" name="Slide Number Placeholder 17"/>
+          <p:cNvPr id="1580437120" name="Slide Number Placeholder 17"/>
           <p:cNvSpPr>
             <a:spLocks noChangeArrowheads="1" noGrp="1"/>
           </p:cNvSpPr>
@@ -22471,7 +20256,7 @@
       </p:sp>
       <p:pic>
         <p:nvPicPr>
-          <p:cNvPr id="4" name="Picture 8" descr="A picture containing text, clipart&#10;&#10;Description automatically generated"/>
+          <p:cNvPr id="1404374090" name="Picture 8" descr="A picture containing text, clipart&#10;&#10;Description automatically generated"/>
           <p:cNvPicPr>
             <a:picLocks noChangeAspect="1"/>
           </p:cNvPicPr>
@@ -22498,7 +20283,7 @@
       </p:pic>
       <p:sp>
         <p:nvSpPr>
-          <p:cNvPr id="5" name="TextBox 1"/>
+          <p:cNvPr id="679448903" name="TextBox 1"/>
           <p:cNvSpPr/>
           <p:nvPr/>
         </p:nvSpPr>
@@ -22552,7 +20337,7 @@
       </p:sp>
       <p:sp>
         <p:nvSpPr>
-          <p:cNvPr id="6" name="TextBox 2"/>
+          <p:cNvPr id="2072074524" name="TextBox 2"/>
           <p:cNvSpPr/>
           <p:nvPr/>
         </p:nvSpPr>
@@ -22604,7 +20389,7 @@
       </p:sp>
       <p:sp>
         <p:nvSpPr>
-          <p:cNvPr id="7" name="Slide Number Placeholder 17"/>
+          <p:cNvPr id="630076046" name="Slide Number Placeholder 17"/>
           <p:cNvSpPr/>
           <p:nvPr/>
         </p:nvSpPr>
@@ -22744,7 +20529,7 @@
       </p:sp>
       <p:grpSp>
         <p:nvGrpSpPr>
-          <p:cNvPr id="8" name="Group 10"/>
+          <p:cNvPr id="1325930906" name="Group 10"/>
           <p:cNvGrpSpPr/>
           <p:nvPr/>
         </p:nvGrpSpPr>
@@ -22915,7 +20700,7 @@
 </p:sld>
 </file>
 
-<file path=ppt/slides/slide9.xml><?xml version="1.0" encoding="utf-8"?>
+<file path=ppt/slides/slide8.xml><?xml version="1.0" encoding="utf-8"?>
 <p:sld xmlns:a="http://schemas.openxmlformats.org/drawingml/2006/main" xmlns:r="http://schemas.openxmlformats.org/officeDocument/2006/relationships" xmlns:p="http://schemas.openxmlformats.org/presentationml/2006/main" xmlns:m="http://schemas.openxmlformats.org/officeDocument/2006/math" xmlns:w="http://schemas.openxmlformats.org/wordprocessingml/2006/main" xmlns:mc="http://schemas.openxmlformats.org/markup-compatibility/2006" showMasterPhAnim="0" showMasterSp="1" show="1">
   <p:cSld name="">
     <p:spTree>
@@ -22934,7 +20719,7 @@
       </p:grpSpPr>
       <p:sp>
         <p:nvSpPr>
-          <p:cNvPr id="2" name="Title 3"/>
+          <p:cNvPr id="7260810" name="Title 3"/>
           <p:cNvSpPr>
             <a:spLocks noChangeArrowheads="1" noGrp="1"/>
           </p:cNvSpPr>
@@ -22989,7 +20774,7 @@
       </p:sp>
       <p:sp>
         <p:nvSpPr>
-          <p:cNvPr id="3" name="Slide Number Placeholder 17"/>
+          <p:cNvPr id="101229371" name="Slide Number Placeholder 17"/>
           <p:cNvSpPr>
             <a:spLocks noChangeArrowheads="1" noGrp="1"/>
           </p:cNvSpPr>
@@ -23034,7 +20819,7 @@
       </p:sp>
       <p:pic>
         <p:nvPicPr>
-          <p:cNvPr id="4" name="Picture 8" descr="A picture containing text, clipart&#10;&#10;Description automatically generated"/>
+          <p:cNvPr id="2100160703" name="Picture 8" descr="A picture containing text, clipart&#10;&#10;Description automatically generated"/>
           <p:cNvPicPr>
             <a:picLocks noChangeAspect="1"/>
           </p:cNvPicPr>
@@ -23061,7 +20846,7 @@
       </p:pic>
       <p:sp>
         <p:nvSpPr>
-          <p:cNvPr id="5" name="TextBox 1"/>
+          <p:cNvPr id="614591266" name="TextBox 1"/>
           <p:cNvSpPr/>
           <p:nvPr/>
         </p:nvSpPr>
@@ -23911,7 +21696,7 @@
       </p:sp>
       <p:sp>
         <p:nvSpPr>
-          <p:cNvPr id="6" name="TextBox 2"/>
+          <p:cNvPr id="1578334555" name="TextBox 2"/>
           <p:cNvSpPr/>
           <p:nvPr/>
         </p:nvSpPr>
@@ -23963,7 +21748,7 @@
       </p:sp>
       <p:sp>
         <p:nvSpPr>
-          <p:cNvPr id="7" name="Slide Number Placeholder 17"/>
+          <p:cNvPr id="2071073099" name="Slide Number Placeholder 17"/>
           <p:cNvSpPr/>
           <p:nvPr/>
         </p:nvSpPr>
@@ -24103,7 +21888,7 @@
       </p:sp>
       <p:grpSp>
         <p:nvGrpSpPr>
-          <p:cNvPr id="8" name="Group 22"/>
+          <p:cNvPr id="605615667" name="Group 22"/>
           <p:cNvGrpSpPr/>
           <p:nvPr/>
         </p:nvGrpSpPr>
@@ -24275,6 +22060,1685 @@
           </p:txBody>
         </p:sp>
       </p:grpSp>
+    </p:spTree>
+  </p:cSld>
+  <p:clrMapOvr>
+    <a:masterClrMapping/>
+  </p:clrMapOvr>
+  <mc:AlternateContent xmlns:mc="http://schemas.openxmlformats.org/markup-compatibility/2006">
+    <mc:Choice xmlns:p159="http://schemas.microsoft.com/office/powerpoint/2015/09/main" xmlns:p14="http://schemas.microsoft.com/office/powerpoint/2010/main" Requires="p159">
+      <p:transition p14:dur="2000" advClick="1"/>
+    </mc:Choice>
+    <mc:Fallback>
+      <p:transition advClick="1"/>
+    </mc:Fallback>
+  </mc:AlternateContent>
+  <p:timing>
+    <p:tnLst>
+      <p:par>
+        <p:cTn id="1" dur="indefinite" restart="never" nodeType="tmRoot"/>
+      </p:par>
+    </p:tnLst>
+  </p:timing>
+</p:sld>
+</file>
+
+<file path=ppt/slides/slide9.xml><?xml version="1.0" encoding="utf-8"?>
+<p:sld xmlns:a="http://schemas.openxmlformats.org/drawingml/2006/main" xmlns:r="http://schemas.openxmlformats.org/officeDocument/2006/relationships" xmlns:p="http://schemas.openxmlformats.org/presentationml/2006/main" xmlns:m="http://schemas.openxmlformats.org/officeDocument/2006/math" xmlns:w="http://schemas.openxmlformats.org/wordprocessingml/2006/main" xmlns:mc="http://schemas.openxmlformats.org/markup-compatibility/2006" showMasterPhAnim="0" showMasterSp="1" show="1">
+  <p:cSld name="">
+    <p:spTree>
+      <p:nvGrpSpPr>
+        <p:cNvPr id="1" name=""/>
+        <p:cNvGrpSpPr/>
+        <p:nvPr/>
+      </p:nvGrpSpPr>
+      <p:grpSpPr bwMode="auto">
+        <a:xfrm>
+          <a:off x="0" y="0"/>
+          <a:ext cx="0" cy="0"/>
+          <a:chOff x="0" y="0"/>
+          <a:chExt cx="0" cy="0"/>
+        </a:xfrm>
+      </p:grpSpPr>
+      <p:sp>
+        <p:nvSpPr>
+          <p:cNvPr id="70074021" name="Title 3"/>
+          <p:cNvSpPr>
+            <a:spLocks noChangeArrowheads="1" noGrp="1"/>
+          </p:cNvSpPr>
+          <p:nvPr>
+            <p:ph type="ctrTitle"/>
+          </p:nvPr>
+        </p:nvSpPr>
+        <p:spPr bwMode="auto">
+          <a:xfrm>
+            <a:off x="0" y="360045"/>
+            <a:ext cx="12192000" cy="708025"/>
+          </a:xfrm>
+          <a:prstGeom prst="rect">
+            <a:avLst/>
+          </a:prstGeom>
+          <a:noFill/>
+          <a:ln>
+            <a:noFill/>
+          </a:ln>
+          <a:effectLst/>
+        </p:spPr>
+        <p:txBody>
+          <a:bodyPr vert="horz" wrap="square" lIns="91440" tIns="45720" rIns="91440" bIns="45720" numCol="1" spcCol="215899" anchor="t">
+            <a:prstTxWarp prst="textNoShape"/>
+          </a:bodyPr>
+          <a:lstStyle/>
+          <a:p>
+            <a:pPr>
+              <a:lnSpc>
+                <a:spcPct val="100000"/>
+              </a:lnSpc>
+              <a:spcBef>
+                <a:spcPts val="0"/>
+              </a:spcBef>
+              <a:defRPr/>
+            </a:pPr>
+            <a:r>
+              <a:rPr sz="4000" cap="none">
+                <a:latin typeface="Helvetica"/>
+                <a:ea typeface="Verdana"/>
+                <a:cs typeface="Helvetica"/>
+              </a:rPr>
+              <a:t>Governing Equation</a:t>
+            </a:r>
+            <a:endParaRPr sz="4000" cap="none">
+              <a:latin typeface="Helvetica"/>
+              <a:ea typeface="Verdana"/>
+              <a:cs typeface="Helvetica"/>
+            </a:endParaRPr>
+          </a:p>
+        </p:txBody>
+      </p:sp>
+      <p:sp>
+        <p:nvSpPr>
+          <p:cNvPr id="208701170" name="Slide Number Placeholder 17"/>
+          <p:cNvSpPr>
+            <a:spLocks noChangeArrowheads="1" noGrp="1"/>
+          </p:cNvSpPr>
+          <p:nvPr>
+            <p:ph type="sldNum" sz="quarter" idx="12"/>
+          </p:nvPr>
+        </p:nvSpPr>
+        <p:spPr bwMode="auto">
+          <a:xfrm>
+            <a:off x="8999855" y="6356350"/>
+            <a:ext cx="2743200" cy="365125"/>
+          </a:xfrm>
+        </p:spPr>
+        <p:txBody>
+          <a:bodyPr/>
+          <a:lstStyle/>
+          <a:p>
+            <a:pPr>
+              <a:defRPr/>
+            </a:pPr>
+            <a:fld id="{7ACEA6E3-AD97-9B50-D976-5B05E8382F0E}" type="slidenum">
+              <a:rPr sz="1600" cap="none">
+                <a:solidFill>
+                  <a:srgbClr val="7F7F7F"/>
+                </a:solidFill>
+                <a:latin typeface="Helvetica"/>
+                <a:ea typeface="Calibri"/>
+                <a:cs typeface="Helvetica"/>
+              </a:rPr>
+              <a:t>10</a:t>
+            </a:fld>
+            <a:endParaRPr sz="1600" cap="none">
+              <a:solidFill>
+                <a:srgbClr val="7F7F7F"/>
+              </a:solidFill>
+              <a:latin typeface="Helvetica"/>
+              <a:ea typeface="Calibri"/>
+              <a:cs typeface="Helvetica"/>
+            </a:endParaRPr>
+          </a:p>
+        </p:txBody>
+      </p:sp>
+      <p:pic>
+        <p:nvPicPr>
+          <p:cNvPr id="1690730948" name="Picture 8" descr="A picture containing text, clipart&#10;&#10;Description automatically generated"/>
+          <p:cNvPicPr>
+            <a:picLocks noChangeAspect="1"/>
+          </p:cNvPicPr>
+          <p:nvPr/>
+        </p:nvPicPr>
+        <p:blipFill>
+          <a:blip r:embed="rId3"/>
+          <a:stretch/>
+        </p:blipFill>
+        <p:spPr bwMode="auto">
+          <a:xfrm>
+            <a:off x="448945" y="360045"/>
+            <a:ext cx="1967865" cy="539750"/>
+          </a:xfrm>
+          <a:prstGeom prst="rect">
+            <a:avLst/>
+          </a:prstGeom>
+          <a:noFill/>
+          <a:ln>
+            <a:noFill/>
+          </a:ln>
+          <a:effectLst/>
+        </p:spPr>
+      </p:pic>
+      <p:sp>
+        <p:nvSpPr>
+          <p:cNvPr id="1877938395" name="TextBox 1"/>
+          <p:cNvSpPr/>
+          <p:nvPr/>
+        </p:nvSpPr>
+        <p:spPr bwMode="auto">
+          <a:xfrm>
+            <a:off x="1056005" y="1929765"/>
+            <a:ext cx="10079990" cy="4284980"/>
+          </a:xfrm>
+          <a:prstGeom prst="rect">
+            <a:avLst/>
+          </a:prstGeom>
+          <a:noFill/>
+          <a:ln>
+            <a:noFill/>
+          </a:ln>
+          <a:effectLst/>
+        </p:spPr>
+        <p:txBody>
+          <a:bodyPr wrap="square">
+            <a:spAutoFit/>
+          </a:bodyPr>
+          <a:lstStyle/>
+          <a:p>
+            <a:pPr algn="ctr">
+              <a:lnSpc>
+                <a:spcPct val="120000"/>
+              </a:lnSpc>
+              <a:spcBef>
+                <a:spcPts val="600"/>
+              </a:spcBef>
+              <a:spcAft>
+                <a:spcPts val="600"/>
+              </a:spcAft>
+              <a:defRPr/>
+            </a:pPr>
+            <a:r>
+              <a:rPr lang="en-US" sz="1600">
+                <a:latin typeface="Helvetica"/>
+              </a:rPr>
+              <a:t>Continuing from previous slide, we set up our integration from </a:t>
+            </a:r>
+            <mc:AlternateContent xmlns:mc="http://schemas.openxmlformats.org/markup-compatibility/2006" xmlns:m="http://schemas.openxmlformats.org/officeDocument/2006/math">
+              <mc:Choice xmlns:a14="http://schemas.microsoft.com/office/drawing/2010/main" Requires="a14">
+                <a14:m>
+                  <m:oMathPara>
+                    <m:oMathParaPr/>
+                    <m:oMath>
+                      <m:r>
+                        <m:rPr/>
+                        <a:rPr lang="en-GB" sz="1600" b="0" i="1">
+                          <a:latin typeface="Cambria Math"/>
+                        </a:rPr>
+                        <m:t>𝑡</m:t>
+                      </m:r>
+                    </m:oMath>
+                  </m:oMathPara>
+                </a14:m>
+              </mc:Choice>
+              <mc:Fallback/>
+            </mc:AlternateContent>
+            <a:r>
+              <a:rPr lang="en-US" sz="1600">
+                <a:latin typeface="Helvetica"/>
+              </a:rPr>
+              <a:t> = 0, when </a:t>
+            </a:r>
+            <mc:AlternateContent xmlns:mc="http://schemas.openxmlformats.org/markup-compatibility/2006" xmlns:m="http://schemas.openxmlformats.org/officeDocument/2006/math">
+              <mc:Choice xmlns:a14="http://schemas.microsoft.com/office/drawing/2010/main" Requires="a14">
+                <a14:m>
+                  <m:oMathPara>
+                    <m:oMathParaPr/>
+                    <m:oMath>
+                      <m:r>
+                        <m:rPr/>
+                        <a:rPr lang="en-GB" sz="1600" b="0" i="1">
+                          <a:latin typeface="Cambria Math"/>
+                        </a:rPr>
+                        <m:t>𝑇</m:t>
+                      </m:r>
+                      <m:r>
+                        <m:rPr/>
+                        <a:rPr lang="en-GB" sz="1600" b="0" i="1">
+                          <a:latin typeface="Cambria Math"/>
+                        </a:rPr>
+                        <m:t>=</m:t>
+                      </m:r>
+                      <m:sSub>
+                        <m:sSubPr>
+                          <m:ctrlPr>
+                            <a:rPr lang="en-GB" sz="1600" b="0" i="1">
+                              <a:latin typeface="Cambria Math"/>
+                              <a:ea typeface="Cambria Math"/>
+                              <a:cs typeface="Cambria Math"/>
+                            </a:rPr>
+                          </m:ctrlPr>
+                        </m:sSubPr>
+                        <m:e>
+                          <m:r>
+                            <m:rPr/>
+                            <a:rPr lang="en-GB" sz="1600" b="0" i="1">
+                              <a:latin typeface="Cambria Math"/>
+                            </a:rPr>
+                            <m:t>𝑇</m:t>
+                          </m:r>
+                        </m:e>
+                        <m:sub>
+                          <m:r>
+                            <m:rPr/>
+                            <a:rPr lang="en-GB" sz="1600" b="0" i="1">
+                              <a:latin typeface="Cambria Math"/>
+                            </a:rPr>
+                            <m:t>𝑖</m:t>
+                          </m:r>
+                        </m:sub>
+                      </m:sSub>
+                    </m:oMath>
+                  </m:oMathPara>
+                </a14:m>
+              </mc:Choice>
+              <mc:Fallback/>
+            </mc:AlternateContent>
+            <a:r>
+              <a:rPr lang="en-US" sz="1600">
+                <a:latin typeface="Helvetica"/>
+              </a:rPr>
+              <a:t> to time </a:t>
+            </a:r>
+            <mc:AlternateContent xmlns:mc="http://schemas.openxmlformats.org/markup-compatibility/2006" xmlns:m="http://schemas.openxmlformats.org/officeDocument/2006/math">
+              <mc:Choice xmlns:a14="http://schemas.microsoft.com/office/drawing/2010/main" Requires="a14">
+                <a14:m>
+                  <m:oMathPara>
+                    <m:oMathParaPr/>
+                    <m:oMath>
+                      <m:r>
+                        <m:rPr/>
+                        <a:rPr lang="en-GB" sz="1600" b="0" i="1">
+                          <a:latin typeface="Cambria Math"/>
+                        </a:rPr>
+                        <m:t>𝑡</m:t>
+                      </m:r>
+                    </m:oMath>
+                  </m:oMathPara>
+                </a14:m>
+              </mc:Choice>
+              <mc:Fallback/>
+            </mc:AlternateContent>
+            <a:r>
+              <a:rPr lang="en-US" sz="1600">
+                <a:latin typeface="Helvetica"/>
+              </a:rPr>
+              <a:t> at which </a:t>
+            </a:r>
+            <mc:AlternateContent xmlns:mc="http://schemas.openxmlformats.org/markup-compatibility/2006" xmlns:m="http://schemas.openxmlformats.org/officeDocument/2006/math">
+              <mc:Choice xmlns:a14="http://schemas.microsoft.com/office/drawing/2010/main" Requires="a14">
+                <a14:m>
+                  <m:oMathPara>
+                    <m:oMathParaPr/>
+                    <m:oMath>
+                      <m:r>
+                        <m:rPr/>
+                        <a:rPr lang="en-GB" sz="1600" b="0" i="1">
+                          <a:latin typeface="Cambria Math"/>
+                        </a:rPr>
+                        <m:t>𝑇</m:t>
+                      </m:r>
+                      <m:r>
+                        <m:rPr/>
+                        <a:rPr lang="en-GB" sz="1600" b="0" i="1">
+                          <a:latin typeface="Cambria Math"/>
+                        </a:rPr>
+                        <m:t>=</m:t>
+                      </m:r>
+                      <m:r>
+                        <m:rPr/>
+                        <a:rPr lang="en-GB" sz="1600" b="0" i="1">
+                          <a:latin typeface="Cambria Math"/>
+                        </a:rPr>
+                        <m:t>𝑇</m:t>
+                      </m:r>
+                      <m:d>
+                        <m:dPr>
+                          <m:ctrlPr>
+                            <a:rPr lang="en-GB" sz="1600" b="0" i="1">
+                              <a:latin typeface="Cambria Math"/>
+                              <a:ea typeface="Cambria Math"/>
+                              <a:cs typeface="Cambria Math"/>
+                            </a:rPr>
+                          </m:ctrlPr>
+                        </m:dPr>
+                        <m:e>
+                          <m:r>
+                            <m:rPr/>
+                            <a:rPr lang="en-GB" sz="1600" b="0" i="1">
+                              <a:latin typeface="Cambria Math"/>
+                            </a:rPr>
+                            <m:t>𝑡</m:t>
+                          </m:r>
+                        </m:e>
+                      </m:d>
+                    </m:oMath>
+                  </m:oMathPara>
+                </a14:m>
+              </mc:Choice>
+              <mc:Fallback/>
+            </mc:AlternateContent>
+            <a:r>
+              <a:rPr lang="en-US" sz="1600">
+                <a:latin typeface="Helvetica"/>
+              </a:rPr>
+              <a:t>:</a:t>
+            </a:r>
+            <a:endParaRPr/>
+          </a:p>
+          <a:p>
+            <a:pPr algn="ctr">
+              <a:lnSpc>
+                <a:spcPct val="120000"/>
+              </a:lnSpc>
+              <a:spcBef>
+                <a:spcPts val="600"/>
+              </a:spcBef>
+              <a:spcAft>
+                <a:spcPts val="600"/>
+              </a:spcAft>
+              <a:defRPr/>
+            </a:pPr>
+            <mc:AlternateContent xmlns:mc="http://schemas.openxmlformats.org/markup-compatibility/2006" xmlns:m="http://schemas.openxmlformats.org/officeDocument/2006/math">
+              <mc:Choice xmlns:a14="http://schemas.microsoft.com/office/drawing/2010/main" Requires="a14">
+                <a14:m>
+                  <m:oMathPara>
+                    <m:oMathParaPr>
+                      <m:jc m:val="centerGroup"/>
+                    </m:oMathParaPr>
+                    <m:oMath>
+                      <m:f>
+                        <m:fPr>
+                          <m:ctrlPr>
+                            <a:rPr lang="en-GB" sz="1600" b="0" i="1">
+                              <a:latin typeface="Cambria Math"/>
+                              <a:ea typeface="Cambria Math"/>
+                              <a:cs typeface="Cambria Math"/>
+                            </a:rPr>
+                          </m:ctrlPr>
+                        </m:fPr>
+                        <m:num>
+                          <m:r>
+                            <m:rPr/>
+                            <a:rPr lang="en-GB" sz="1600" i="1">
+                              <a:latin typeface="Cambria Math"/>
+                            </a:rPr>
+                            <m:t>−</m:t>
+                          </m:r>
+                          <m:r>
+                            <m:rPr/>
+                            <a:rPr lang="en-GB" sz="1600" i="1">
+                              <a:latin typeface="Cambria Math"/>
+                            </a:rPr>
+                            <m:t>h</m:t>
+                          </m:r>
+                          <m:sSub>
+                            <m:sSubPr>
+                              <m:ctrlPr>
+                                <a:rPr lang="en-GB" sz="1600" i="1">
+                                  <a:latin typeface="Cambria Math"/>
+                                  <a:ea typeface="Cambria Math"/>
+                                  <a:cs typeface="Cambria Math"/>
+                                </a:rPr>
+                              </m:ctrlPr>
+                            </m:sSubPr>
+                            <m:e>
+                              <m:r>
+                                <m:rPr/>
+                                <a:rPr lang="en-GB" sz="1600" i="1">
+                                  <a:latin typeface="Cambria Math"/>
+                                </a:rPr>
+                                <m:t>𝐴</m:t>
+                              </m:r>
+                            </m:e>
+                            <m:sub>
+                              <m:r>
+                                <m:rPr/>
+                                <a:rPr lang="en-GB" sz="1600" i="1">
+                                  <a:latin typeface="Cambria Math"/>
+                                </a:rPr>
+                                <m:t>𝑠</m:t>
+                              </m:r>
+                            </m:sub>
+                          </m:sSub>
+                        </m:num>
+                        <m:den>
+                          <m:r>
+                            <m:rPr/>
+                            <a:rPr lang="en-GB" sz="1600" b="0" i="1">
+                              <a:latin typeface="Cambria Math"/>
+                            </a:rPr>
+                            <m:t>𝜌</m:t>
+                          </m:r>
+                          <m:r>
+                            <m:rPr/>
+                            <a:rPr lang="en-GB" sz="1600" b="0" i="1">
+                              <a:latin typeface="Cambria Math"/>
+                            </a:rPr>
+                            <m:t>𝑉</m:t>
+                          </m:r>
+                          <m:sSub>
+                            <m:sSubPr>
+                              <m:ctrlPr>
+                                <a:rPr lang="en-GB" sz="1600" b="0" i="1">
+                                  <a:latin typeface="Cambria Math"/>
+                                  <a:ea typeface="Cambria Math"/>
+                                  <a:cs typeface="Cambria Math"/>
+                                </a:rPr>
+                              </m:ctrlPr>
+                            </m:sSubPr>
+                            <m:e>
+                              <m:r>
+                                <m:rPr/>
+                                <a:rPr lang="en-GB" sz="1600" b="0" i="1">
+                                  <a:latin typeface="Cambria Math"/>
+                                </a:rPr>
+                                <m:t>𝐶</m:t>
+                              </m:r>
+                            </m:e>
+                            <m:sub>
+                              <m:r>
+                                <m:rPr/>
+                                <a:rPr lang="en-GB" sz="1600" b="0" i="1">
+                                  <a:latin typeface="Cambria Math"/>
+                                </a:rPr>
+                                <m:t>𝑝</m:t>
+                              </m:r>
+                            </m:sub>
+                          </m:sSub>
+                        </m:den>
+                      </m:f>
+                      <m:nary>
+                        <m:naryPr>
+                          <m:grow m:val="off"/>
+                          <m:ctrlPr>
+                            <a:rPr lang="en-GB" sz="1600" b="0" i="1">
+                              <a:latin typeface="Cambria Math"/>
+                              <a:ea typeface="Cambria Math"/>
+                              <a:cs typeface="Cambria Math"/>
+                            </a:rPr>
+                          </m:ctrlPr>
+                        </m:naryPr>
+                        <m:sub>
+                          <m:r>
+                            <m:rPr>
+                              <m:brk m:alnAt="23"/>
+                            </m:rPr>
+                            <a:rPr lang="en-GB" sz="1600" b="0" i="1">
+                              <a:latin typeface="Cambria Math"/>
+                            </a:rPr>
+                            <m:t>0</m:t>
+                          </m:r>
+                        </m:sub>
+                        <m:sup>
+                          <m:r>
+                            <m:rPr/>
+                            <a:rPr lang="en-GB" sz="1600" b="0" i="1">
+                              <a:latin typeface="Cambria Math"/>
+                            </a:rPr>
+                            <m:t>𝑡</m:t>
+                          </m:r>
+                        </m:sup>
+                        <m:e>
+                          <m:r>
+                            <m:rPr/>
+                            <a:rPr lang="en-GB" sz="1600" i="1">
+                              <a:latin typeface="Cambria Math"/>
+                            </a:rPr>
+                            <m:t>𝑑𝑡</m:t>
+                          </m:r>
+                        </m:e>
+                      </m:nary>
+                      <m:r>
+                        <m:rPr/>
+                        <a:rPr lang="en-GB" sz="1600" b="0" i="1">
+                          <a:latin typeface="Cambria Math"/>
+                        </a:rPr>
+                        <m:t>=</m:t>
+                      </m:r>
+                      <m:nary>
+                        <m:naryPr>
+                          <m:grow m:val="off"/>
+                          <m:ctrlPr>
+                            <a:rPr lang="en-GB" sz="1600" b="0" i="1">
+                              <a:latin typeface="Cambria Math"/>
+                              <a:ea typeface="Cambria Math"/>
+                              <a:cs typeface="Cambria Math"/>
+                            </a:rPr>
+                          </m:ctrlPr>
+                        </m:naryPr>
+                        <m:sub>
+                          <m:sSub>
+                            <m:sSubPr>
+                              <m:ctrlPr>
+                                <a:rPr lang="en-GB" sz="1600" b="0" i="1">
+                                  <a:latin typeface="Cambria Math"/>
+                                  <a:ea typeface="Cambria Math"/>
+                                  <a:cs typeface="Cambria Math"/>
+                                </a:rPr>
+                              </m:ctrlPr>
+                            </m:sSubPr>
+                            <m:e>
+                              <m:r>
+                                <m:rPr>
+                                  <m:brk m:alnAt="23"/>
+                                </m:rPr>
+                                <a:rPr lang="en-GB" sz="1600" b="0" i="1">
+                                  <a:latin typeface="Cambria Math"/>
+                                </a:rPr>
+                                <m:t>𝑇</m:t>
+                              </m:r>
+                            </m:e>
+                            <m:sub>
+                              <m:r>
+                                <m:rPr>
+                                  <m:brk m:alnAt="23"/>
+                                </m:rPr>
+                                <a:rPr lang="en-GB" sz="1600" b="0" i="1">
+                                  <a:latin typeface="Cambria Math"/>
+                                </a:rPr>
+                                <m:t>𝑖</m:t>
+                              </m:r>
+                            </m:sub>
+                          </m:sSub>
+                        </m:sub>
+                        <m:sup>
+                          <m:r>
+                            <m:rPr/>
+                            <a:rPr lang="en-GB" sz="1600" b="0" i="1">
+                              <a:latin typeface="Cambria Math"/>
+                            </a:rPr>
+                            <m:t>𝑇</m:t>
+                          </m:r>
+                        </m:sup>
+                        <m:e>
+                          <m:f>
+                            <m:fPr>
+                              <m:ctrlPr>
+                                <a:rPr lang="en-GB" sz="1600" i="1">
+                                  <a:latin typeface="Cambria Math"/>
+                                  <a:ea typeface="Cambria Math"/>
+                                  <a:cs typeface="Cambria Math"/>
+                                </a:rPr>
+                              </m:ctrlPr>
+                            </m:fPr>
+                            <m:num>
+                              <m:r>
+                                <m:rPr/>
+                                <a:rPr lang="en-GB" sz="1600" i="1">
+                                  <a:latin typeface="Cambria Math"/>
+                                </a:rPr>
+                                <m:t>𝑑</m:t>
+                              </m:r>
+                              <m:d>
+                                <m:dPr>
+                                  <m:ctrlPr>
+                                    <a:rPr lang="en-GB" sz="1600" i="1">
+                                      <a:latin typeface="Cambria Math"/>
+                                      <a:ea typeface="Cambria Math"/>
+                                      <a:cs typeface="Cambria Math"/>
+                                    </a:rPr>
+                                  </m:ctrlPr>
+                                </m:dPr>
+                                <m:e>
+                                  <m:r>
+                                    <m:rPr/>
+                                    <a:rPr lang="en-GB" sz="1600" i="1">
+                                      <a:latin typeface="Cambria Math"/>
+                                    </a:rPr>
+                                    <m:t>𝑇</m:t>
+                                  </m:r>
+                                  <m:r>
+                                    <m:rPr/>
+                                    <a:rPr lang="en-GB" sz="1600" i="1">
+                                      <a:latin typeface="Cambria Math"/>
+                                    </a:rPr>
+                                    <m:t>−</m:t>
+                                  </m:r>
+                                  <m:sSub>
+                                    <m:sSubPr>
+                                      <m:ctrlPr>
+                                        <a:rPr lang="en-GB" sz="1600" i="1">
+                                          <a:latin typeface="Cambria Math"/>
+                                          <a:ea typeface="Cambria Math"/>
+                                          <a:cs typeface="Cambria Math"/>
+                                        </a:rPr>
+                                      </m:ctrlPr>
+                                    </m:sSubPr>
+                                    <m:e>
+                                      <m:r>
+                                        <m:rPr/>
+                                        <a:rPr lang="en-GB" sz="1600" i="1">
+                                          <a:latin typeface="Cambria Math"/>
+                                        </a:rPr>
+                                        <m:t>𝑇</m:t>
+                                      </m:r>
+                                    </m:e>
+                                    <m:sub>
+                                      <m:r>
+                                        <m:rPr/>
+                                        <a:rPr lang="en-GB" sz="1600" i="1">
+                                          <a:latin typeface="Cambria Math"/>
+                                        </a:rPr>
+                                        <m:t>∞</m:t>
+                                      </m:r>
+                                    </m:sub>
+                                  </m:sSub>
+                                </m:e>
+                              </m:d>
+                            </m:num>
+                            <m:den>
+                              <m:r>
+                                <m:rPr/>
+                                <a:rPr lang="en-GB" sz="1600" i="1">
+                                  <a:latin typeface="Cambria Math"/>
+                                </a:rPr>
+                                <m:t>𝑇</m:t>
+                              </m:r>
+                              <m:r>
+                                <m:rPr/>
+                                <a:rPr lang="en-GB" sz="1600" i="1">
+                                  <a:latin typeface="Cambria Math"/>
+                                </a:rPr>
+                                <m:t>−</m:t>
+                              </m:r>
+                              <m:sSub>
+                                <m:sSubPr>
+                                  <m:ctrlPr>
+                                    <a:rPr lang="en-GB" sz="1600" i="1">
+                                      <a:latin typeface="Cambria Math"/>
+                                      <a:ea typeface="Cambria Math"/>
+                                      <a:cs typeface="Cambria Math"/>
+                                    </a:rPr>
+                                  </m:ctrlPr>
+                                </m:sSubPr>
+                                <m:e>
+                                  <m:r>
+                                    <m:rPr/>
+                                    <a:rPr lang="en-GB" sz="1600" i="1">
+                                      <a:latin typeface="Cambria Math"/>
+                                    </a:rPr>
+                                    <m:t>𝑇</m:t>
+                                  </m:r>
+                                </m:e>
+                                <m:sub>
+                                  <m:r>
+                                    <m:rPr/>
+                                    <a:rPr lang="en-GB" sz="1600" i="1">
+                                      <a:latin typeface="Cambria Math"/>
+                                    </a:rPr>
+                                    <m:t>∞</m:t>
+                                  </m:r>
+                                </m:sub>
+                              </m:sSub>
+                            </m:den>
+                          </m:f>
+                        </m:e>
+                      </m:nary>
+                    </m:oMath>
+                  </m:oMathPara>
+                </a14:m>
+              </mc:Choice>
+              <mc:Fallback/>
+            </mc:AlternateContent>
+            <a:endParaRPr lang="en-US" sz="1600">
+              <a:latin typeface="Helvetica"/>
+            </a:endParaRPr>
+          </a:p>
+          <a:p>
+            <a:pPr algn="ctr">
+              <a:lnSpc>
+                <a:spcPct val="120000"/>
+              </a:lnSpc>
+              <a:spcBef>
+                <a:spcPts val="600"/>
+              </a:spcBef>
+              <a:spcAft>
+                <a:spcPts val="600"/>
+              </a:spcAft>
+              <a:defRPr/>
+            </a:pPr>
+            <a:r>
+              <a:rPr lang="en-US" sz="1600">
+                <a:latin typeface="Helvetica"/>
+              </a:rPr>
+              <a:t>And after performing the integration we get:</a:t>
+            </a:r>
+            <a:endParaRPr/>
+          </a:p>
+          <a:p>
+            <a:pPr algn="ctr">
+              <a:lnSpc>
+                <a:spcPct val="120000"/>
+              </a:lnSpc>
+              <a:spcBef>
+                <a:spcPts val="600"/>
+              </a:spcBef>
+              <a:spcAft>
+                <a:spcPts val="600"/>
+              </a:spcAft>
+              <a:defRPr/>
+            </a:pPr>
+            <mc:AlternateContent xmlns:mc="http://schemas.openxmlformats.org/markup-compatibility/2006" xmlns:m="http://schemas.openxmlformats.org/officeDocument/2006/math">
+              <mc:Choice xmlns:a14="http://schemas.microsoft.com/office/drawing/2010/main" Requires="a14">
+                <a14:m>
+                  <m:oMathPara>
+                    <m:oMathParaPr>
+                      <m:jc m:val="centerGroup"/>
+                    </m:oMathParaPr>
+                    <m:oMath>
+                      <m:r>
+                        <m:rPr/>
+                        <a:rPr lang="en-GB" sz="1600" b="0" i="1">
+                          <a:latin typeface="Cambria Math"/>
+                        </a:rPr>
+                        <m:t>−</m:t>
+                      </m:r>
+                      <m:f>
+                        <m:fPr>
+                          <m:ctrlPr>
+                            <a:rPr lang="en-GB" sz="1600" i="1">
+                              <a:latin typeface="Cambria Math"/>
+                              <a:ea typeface="Cambria Math"/>
+                              <a:cs typeface="Cambria Math"/>
+                            </a:rPr>
+                          </m:ctrlPr>
+                        </m:fPr>
+                        <m:num>
+                          <m:r>
+                            <m:rPr/>
+                            <a:rPr lang="en-GB" sz="1600" i="1">
+                              <a:latin typeface="Cambria Math"/>
+                            </a:rPr>
+                            <m:t>h</m:t>
+                          </m:r>
+                          <m:sSub>
+                            <m:sSubPr>
+                              <m:ctrlPr>
+                                <a:rPr lang="en-GB" sz="1600" i="1">
+                                  <a:latin typeface="Cambria Math"/>
+                                  <a:ea typeface="Cambria Math"/>
+                                  <a:cs typeface="Cambria Math"/>
+                                </a:rPr>
+                              </m:ctrlPr>
+                            </m:sSubPr>
+                            <m:e>
+                              <m:r>
+                                <m:rPr/>
+                                <a:rPr lang="en-GB" sz="1600" i="1">
+                                  <a:latin typeface="Cambria Math"/>
+                                </a:rPr>
+                                <m:t>𝐴</m:t>
+                              </m:r>
+                            </m:e>
+                            <m:sub>
+                              <m:r>
+                                <m:rPr/>
+                                <a:rPr lang="en-GB" sz="1600" i="1">
+                                  <a:latin typeface="Cambria Math"/>
+                                </a:rPr>
+                                <m:t>𝑠</m:t>
+                              </m:r>
+                            </m:sub>
+                          </m:sSub>
+                        </m:num>
+                        <m:den>
+                          <m:r>
+                            <m:rPr/>
+                            <a:rPr lang="en-GB" sz="1600" i="1">
+                              <a:latin typeface="Cambria Math"/>
+                            </a:rPr>
+                            <m:t>𝜌</m:t>
+                          </m:r>
+                          <m:r>
+                            <m:rPr/>
+                            <a:rPr lang="en-GB" sz="1600" i="1">
+                              <a:latin typeface="Cambria Math"/>
+                            </a:rPr>
+                            <m:t>𝑉</m:t>
+                          </m:r>
+                          <m:sSub>
+                            <m:sSubPr>
+                              <m:ctrlPr>
+                                <a:rPr lang="en-GB" sz="1600" i="1">
+                                  <a:latin typeface="Cambria Math"/>
+                                  <a:ea typeface="Cambria Math"/>
+                                  <a:cs typeface="Cambria Math"/>
+                                </a:rPr>
+                              </m:ctrlPr>
+                            </m:sSubPr>
+                            <m:e>
+                              <m:r>
+                                <m:rPr/>
+                                <a:rPr lang="en-GB" sz="1600" i="1">
+                                  <a:latin typeface="Cambria Math"/>
+                                </a:rPr>
+                                <m:t>𝐶</m:t>
+                              </m:r>
+                            </m:e>
+                            <m:sub>
+                              <m:r>
+                                <m:rPr/>
+                                <a:rPr lang="en-GB" sz="1600" i="1">
+                                  <a:latin typeface="Cambria Math"/>
+                                </a:rPr>
+                                <m:t>𝑝</m:t>
+                              </m:r>
+                            </m:sub>
+                          </m:sSub>
+                        </m:den>
+                      </m:f>
+                      <m:r>
+                        <m:rPr/>
+                        <a:rPr lang="en-GB" sz="1600" b="0" i="1">
+                          <a:latin typeface="Cambria Math"/>
+                        </a:rPr>
+                        <m:t>𝑡</m:t>
+                      </m:r>
+                      <m:r>
+                        <m:rPr/>
+                        <a:rPr lang="en-GB" sz="1600" b="0" i="1">
+                          <a:latin typeface="Cambria Math"/>
+                        </a:rPr>
+                        <m:t>=</m:t>
+                      </m:r>
+                      <m:func>
+                        <m:funcPr>
+                          <m:ctrlPr>
+                            <a:rPr lang="en-GB" sz="1600" b="0" i="1">
+                              <a:latin typeface="Cambria Math"/>
+                              <a:ea typeface="Cambria Math"/>
+                              <a:cs typeface="Cambria Math"/>
+                            </a:rPr>
+                          </m:ctrlPr>
+                        </m:funcPr>
+                        <m:fName>
+                          <m:r>
+                            <m:rPr>
+                              <m:sty m:val="p"/>
+                            </m:rPr>
+                            <a:rPr lang="en-GB" sz="1600" b="0" i="0">
+                              <a:latin typeface="Cambria Math"/>
+                            </a:rPr>
+                            <m:t>ln</m:t>
+                          </m:r>
+                        </m:fName>
+                        <m:e>
+                          <m:d>
+                            <m:dPr>
+                              <m:begChr m:val="["/>
+                              <m:endChr m:val="]"/>
+                              <m:ctrlPr>
+                                <a:rPr lang="en-GB" sz="1600" b="0" i="1">
+                                  <a:latin typeface="Cambria Math"/>
+                                  <a:ea typeface="Cambria Math"/>
+                                  <a:cs typeface="Cambria Math"/>
+                                </a:rPr>
+                              </m:ctrlPr>
+                            </m:dPr>
+                            <m:e>
+                              <m:f>
+                                <m:fPr>
+                                  <m:ctrlPr>
+                                    <a:rPr lang="en-GB" sz="1600" i="1">
+                                      <a:latin typeface="Cambria Math"/>
+                                      <a:ea typeface="Cambria Math"/>
+                                      <a:cs typeface="Cambria Math"/>
+                                    </a:rPr>
+                                  </m:ctrlPr>
+                                </m:fPr>
+                                <m:num>
+                                  <m:r>
+                                    <m:rPr/>
+                                    <a:rPr lang="en-GB" sz="1600" i="1">
+                                      <a:latin typeface="Cambria Math"/>
+                                    </a:rPr>
+                                    <m:t>𝑇</m:t>
+                                  </m:r>
+                                  <m:d>
+                                    <m:dPr>
+                                      <m:ctrlPr>
+                                        <a:rPr lang="en-GB" sz="1600" i="1">
+                                          <a:latin typeface="Cambria Math"/>
+                                          <a:ea typeface="Cambria Math"/>
+                                          <a:cs typeface="Cambria Math"/>
+                                        </a:rPr>
+                                      </m:ctrlPr>
+                                    </m:dPr>
+                                    <m:e>
+                                      <m:r>
+                                        <m:rPr/>
+                                        <a:rPr lang="en-GB" sz="1600" i="1">
+                                          <a:latin typeface="Cambria Math"/>
+                                        </a:rPr>
+                                        <m:t>𝑡</m:t>
+                                      </m:r>
+                                    </m:e>
+                                  </m:d>
+                                  <m:r>
+                                    <m:rPr/>
+                                    <a:rPr lang="en-GB" sz="1600" i="1">
+                                      <a:latin typeface="Cambria Math"/>
+                                    </a:rPr>
+                                    <m:t>−</m:t>
+                                  </m:r>
+                                  <m:sSub>
+                                    <m:sSubPr>
+                                      <m:ctrlPr>
+                                        <a:rPr lang="en-GB" sz="1600" i="1">
+                                          <a:latin typeface="Cambria Math"/>
+                                          <a:ea typeface="Cambria Math"/>
+                                          <a:cs typeface="Cambria Math"/>
+                                        </a:rPr>
+                                      </m:ctrlPr>
+                                    </m:sSubPr>
+                                    <m:e>
+                                      <m:r>
+                                        <m:rPr/>
+                                        <a:rPr lang="en-GB" sz="1600" i="1">
+                                          <a:latin typeface="Cambria Math"/>
+                                        </a:rPr>
+                                        <m:t>𝑇</m:t>
+                                      </m:r>
+                                    </m:e>
+                                    <m:sub>
+                                      <m:r>
+                                        <m:rPr/>
+                                        <a:rPr lang="en-GB" sz="1600" i="1">
+                                          <a:latin typeface="Cambria Math"/>
+                                        </a:rPr>
+                                        <m:t>∞</m:t>
+                                      </m:r>
+                                    </m:sub>
+                                  </m:sSub>
+                                </m:num>
+                                <m:den>
+                                  <m:sSub>
+                                    <m:sSubPr>
+                                      <m:ctrlPr>
+                                        <a:rPr lang="en-GB" sz="1600" i="1">
+                                          <a:latin typeface="Cambria Math"/>
+                                          <a:ea typeface="Cambria Math"/>
+                                          <a:cs typeface="Cambria Math"/>
+                                        </a:rPr>
+                                      </m:ctrlPr>
+                                    </m:sSubPr>
+                                    <m:e>
+                                      <m:r>
+                                        <m:rPr/>
+                                        <a:rPr lang="en-GB" sz="1600" i="1">
+                                          <a:latin typeface="Cambria Math"/>
+                                        </a:rPr>
+                                        <m:t>𝑇</m:t>
+                                      </m:r>
+                                    </m:e>
+                                    <m:sub>
+                                      <m:r>
+                                        <m:rPr/>
+                                        <a:rPr lang="en-GB" sz="1600" i="1">
+                                          <a:latin typeface="Cambria Math"/>
+                                        </a:rPr>
+                                        <m:t>𝑖</m:t>
+                                      </m:r>
+                                    </m:sub>
+                                  </m:sSub>
+                                  <m:r>
+                                    <m:rPr/>
+                                    <a:rPr lang="en-GB" sz="1600" i="1">
+                                      <a:latin typeface="Cambria Math"/>
+                                    </a:rPr>
+                                    <m:t>−</m:t>
+                                  </m:r>
+                                  <m:sSub>
+                                    <m:sSubPr>
+                                      <m:ctrlPr>
+                                        <a:rPr lang="en-GB" sz="1600" i="1">
+                                          <a:latin typeface="Cambria Math"/>
+                                          <a:ea typeface="Cambria Math"/>
+                                          <a:cs typeface="Cambria Math"/>
+                                        </a:rPr>
+                                      </m:ctrlPr>
+                                    </m:sSubPr>
+                                    <m:e>
+                                      <m:r>
+                                        <m:rPr/>
+                                        <a:rPr lang="en-GB" sz="1600" i="1">
+                                          <a:latin typeface="Cambria Math"/>
+                                        </a:rPr>
+                                        <m:t>𝑇</m:t>
+                                      </m:r>
+                                    </m:e>
+                                    <m:sub>
+                                      <m:r>
+                                        <m:rPr/>
+                                        <a:rPr lang="en-GB" sz="1600" i="1">
+                                          <a:latin typeface="Cambria Math"/>
+                                        </a:rPr>
+                                        <m:t>∞</m:t>
+                                      </m:r>
+                                    </m:sub>
+                                  </m:sSub>
+                                </m:den>
+                              </m:f>
+                            </m:e>
+                          </m:d>
+                        </m:e>
+                      </m:func>
+                    </m:oMath>
+                  </m:oMathPara>
+                </a14:m>
+              </mc:Choice>
+              <mc:Fallback/>
+            </mc:AlternateContent>
+            <a:endParaRPr lang="en-US" sz="1600">
+              <a:latin typeface="Helvetica"/>
+            </a:endParaRPr>
+          </a:p>
+          <a:p>
+            <a:pPr algn="ctr">
+              <a:lnSpc>
+                <a:spcPct val="120000"/>
+              </a:lnSpc>
+              <a:spcBef>
+                <a:spcPts val="600"/>
+              </a:spcBef>
+              <a:spcAft>
+                <a:spcPts val="600"/>
+              </a:spcAft>
+              <a:defRPr/>
+            </a:pPr>
+            <a:r>
+              <a:rPr lang="en-US" sz="1600">
+                <a:latin typeface="Helvetica"/>
+              </a:rPr>
+              <a:t>Taking the exponential of both sides and rearranging leaves us with the desired result:</a:t>
+            </a:r>
+            <a:endParaRPr/>
+          </a:p>
+          <a:p>
+            <a:pPr algn="ctr">
+              <a:lnSpc>
+                <a:spcPct val="120000"/>
+              </a:lnSpc>
+              <a:spcBef>
+                <a:spcPts val="600"/>
+              </a:spcBef>
+              <a:spcAft>
+                <a:spcPts val="600"/>
+              </a:spcAft>
+              <a:defRPr/>
+            </a:pPr>
+            <mc:AlternateContent xmlns:mc="http://schemas.openxmlformats.org/markup-compatibility/2006" xmlns:m="http://schemas.openxmlformats.org/officeDocument/2006/math">
+              <mc:Choice xmlns:a14="http://schemas.microsoft.com/office/drawing/2010/main" Requires="a14">
+                <a14:m>
+                  <m:oMathPara>
+                    <m:oMathParaPr>
+                      <m:jc m:val="centerGroup"/>
+                    </m:oMathParaPr>
+                    <m:oMath>
+                      <m:borderBox>
+                        <m:borderBoxPr>
+                          <m:ctrlPr>
+                            <a:rPr lang="en-GB" sz="1600" b="1" i="1">
+                              <a:latin typeface="Cambria Math"/>
+                              <a:ea typeface="Cambria Math"/>
+                              <a:cs typeface="Cambria Math"/>
+                            </a:rPr>
+                          </m:ctrlPr>
+                        </m:borderBoxPr>
+                        <m:e>
+                          <m:f>
+                            <m:fPr>
+                              <m:ctrlPr>
+                                <a:rPr lang="en-GB" sz="1600" b="1" i="1">
+                                  <a:latin typeface="Cambria Math"/>
+                                  <a:ea typeface="Cambria Math"/>
+                                  <a:cs typeface="Cambria Math"/>
+                                </a:rPr>
+                              </m:ctrlPr>
+                            </m:fPr>
+                            <m:num>
+                              <m:r>
+                                <m:rPr/>
+                                <a:rPr lang="en-GB" sz="1600" b="1" i="1">
+                                  <a:latin typeface="Cambria Math"/>
+                                </a:rPr>
+                                <m:t>𝑻</m:t>
+                              </m:r>
+                              <m:d>
+                                <m:dPr>
+                                  <m:ctrlPr>
+                                    <a:rPr lang="en-GB" sz="1600" b="1" i="1">
+                                      <a:latin typeface="Cambria Math"/>
+                                      <a:ea typeface="Cambria Math"/>
+                                      <a:cs typeface="Cambria Math"/>
+                                    </a:rPr>
+                                  </m:ctrlPr>
+                                </m:dPr>
+                                <m:e>
+                                  <m:r>
+                                    <m:rPr/>
+                                    <a:rPr lang="en-GB" sz="1600" b="1" i="1">
+                                      <a:latin typeface="Cambria Math"/>
+                                    </a:rPr>
+                                    <m:t>𝒕</m:t>
+                                  </m:r>
+                                </m:e>
+                              </m:d>
+                              <m:r>
+                                <m:rPr/>
+                                <a:rPr lang="en-GB" sz="1600" b="1" i="1">
+                                  <a:latin typeface="Cambria Math"/>
+                                </a:rPr>
+                                <m:t>−</m:t>
+                              </m:r>
+                              <m:sSub>
+                                <m:sSubPr>
+                                  <m:ctrlPr>
+                                    <a:rPr lang="en-GB" sz="1600" b="1" i="1">
+                                      <a:latin typeface="Cambria Math"/>
+                                      <a:ea typeface="Cambria Math"/>
+                                      <a:cs typeface="Cambria Math"/>
+                                    </a:rPr>
+                                  </m:ctrlPr>
+                                </m:sSubPr>
+                                <m:e>
+                                  <m:r>
+                                    <m:rPr/>
+                                    <a:rPr lang="en-GB" sz="1600" b="1" i="1">
+                                      <a:latin typeface="Cambria Math"/>
+                                    </a:rPr>
+                                    <m:t>𝑻</m:t>
+                                  </m:r>
+                                </m:e>
+                                <m:sub>
+                                  <m:r>
+                                    <m:rPr/>
+                                    <a:rPr lang="en-GB" sz="1600" b="1" i="1">
+                                      <a:latin typeface="Cambria Math"/>
+                                    </a:rPr>
+                                    <m:t>∞</m:t>
+                                  </m:r>
+                                </m:sub>
+                              </m:sSub>
+                            </m:num>
+                            <m:den>
+                              <m:sSub>
+                                <m:sSubPr>
+                                  <m:ctrlPr>
+                                    <a:rPr lang="en-GB" sz="1600" b="1" i="1">
+                                      <a:latin typeface="Cambria Math"/>
+                                      <a:ea typeface="Cambria Math"/>
+                                      <a:cs typeface="Cambria Math"/>
+                                    </a:rPr>
+                                  </m:ctrlPr>
+                                </m:sSubPr>
+                                <m:e>
+                                  <m:r>
+                                    <m:rPr/>
+                                    <a:rPr lang="en-GB" sz="1600" b="1" i="1">
+                                      <a:latin typeface="Cambria Math"/>
+                                    </a:rPr>
+                                    <m:t>𝑻</m:t>
+                                  </m:r>
+                                </m:e>
+                                <m:sub>
+                                  <m:r>
+                                    <m:rPr/>
+                                    <a:rPr lang="en-GB" sz="1600" b="1" i="1">
+                                      <a:latin typeface="Cambria Math"/>
+                                    </a:rPr>
+                                    <m:t>𝒊</m:t>
+                                  </m:r>
+                                </m:sub>
+                              </m:sSub>
+                              <m:r>
+                                <m:rPr/>
+                                <a:rPr lang="en-GB" sz="1600" b="1" i="1">
+                                  <a:latin typeface="Cambria Math"/>
+                                </a:rPr>
+                                <m:t>−</m:t>
+                              </m:r>
+                              <m:sSub>
+                                <m:sSubPr>
+                                  <m:ctrlPr>
+                                    <a:rPr lang="en-GB" sz="1600" b="1" i="1">
+                                      <a:latin typeface="Cambria Math"/>
+                                      <a:ea typeface="Cambria Math"/>
+                                      <a:cs typeface="Cambria Math"/>
+                                    </a:rPr>
+                                  </m:ctrlPr>
+                                </m:sSubPr>
+                                <m:e>
+                                  <m:r>
+                                    <m:rPr/>
+                                    <a:rPr lang="en-GB" sz="1600" b="1" i="1">
+                                      <a:latin typeface="Cambria Math"/>
+                                    </a:rPr>
+                                    <m:t>𝑻</m:t>
+                                  </m:r>
+                                </m:e>
+                                <m:sub>
+                                  <m:r>
+                                    <m:rPr/>
+                                    <a:rPr lang="en-GB" sz="1600" b="1" i="1">
+                                      <a:latin typeface="Cambria Math"/>
+                                    </a:rPr>
+                                    <m:t>∞</m:t>
+                                  </m:r>
+                                </m:sub>
+                              </m:sSub>
+                            </m:den>
+                          </m:f>
+                          <m:r>
+                            <m:rPr/>
+                            <a:rPr lang="en-GB" sz="1600" b="1" i="1">
+                              <a:latin typeface="Cambria Math"/>
+                            </a:rPr>
+                            <m:t>=</m:t>
+                          </m:r>
+                          <m:sSup>
+                            <m:sSupPr>
+                              <m:ctrlPr>
+                                <a:rPr lang="en-GB" sz="1600" b="1" i="1">
+                                  <a:latin typeface="Cambria Math"/>
+                                  <a:ea typeface="Cambria Math"/>
+                                  <a:cs typeface="Cambria Math"/>
+                                </a:rPr>
+                              </m:ctrlPr>
+                            </m:sSupPr>
+                            <m:e>
+                              <m:r>
+                                <m:rPr/>
+                                <a:rPr lang="en-GB" sz="1600" b="1" i="1">
+                                  <a:latin typeface="Cambria Math"/>
+                                </a:rPr>
+                                <m:t>𝒆</m:t>
+                              </m:r>
+                            </m:e>
+                            <m:sup>
+                              <m:r>
+                                <m:rPr/>
+                                <a:rPr lang="en-GB" sz="1600" b="1" i="1">
+                                  <a:latin typeface="Cambria Math"/>
+                                </a:rPr>
+                                <m:t>−</m:t>
+                              </m:r>
+                              <m:r>
+                                <m:rPr/>
+                                <a:rPr lang="en-GB" sz="1600" b="1" i="1">
+                                  <a:latin typeface="Cambria Math"/>
+                                </a:rPr>
+                                <m:t>𝒃𝒕</m:t>
+                              </m:r>
+                            </m:sup>
+                          </m:sSup>
+                        </m:e>
+                      </m:borderBox>
+                    </m:oMath>
+                  </m:oMathPara>
+                </a14:m>
+              </mc:Choice>
+              <mc:Fallback/>
+            </mc:AlternateContent>
+            <a:endParaRPr lang="en-US" sz="1600" b="1">
+              <a:latin typeface="Helvetica"/>
+            </a:endParaRPr>
+          </a:p>
+          <a:p>
+            <a:pPr algn="ctr">
+              <a:lnSpc>
+                <a:spcPct val="120000"/>
+              </a:lnSpc>
+              <a:spcBef>
+                <a:spcPts val="600"/>
+              </a:spcBef>
+              <a:spcAft>
+                <a:spcPts val="600"/>
+              </a:spcAft>
+              <a:defRPr/>
+            </a:pPr>
+            <a:r>
+              <a:rPr lang="en-US" sz="1600">
+                <a:latin typeface="Helvetica"/>
+              </a:rPr>
+              <a:t>where  </a:t>
+            </a:r>
+            <mc:AlternateContent xmlns:mc="http://schemas.openxmlformats.org/markup-compatibility/2006" xmlns:m="http://schemas.openxmlformats.org/officeDocument/2006/math">
+              <mc:Choice xmlns:a14="http://schemas.microsoft.com/office/drawing/2010/main" Requires="a14">
+                <a14:m>
+                  <m:oMathPara>
+                    <m:oMathParaPr/>
+                    <m:oMath>
+                      <m:r>
+                        <m:rPr/>
+                        <a:rPr lang="en-GB" sz="1600" b="0" i="1">
+                          <a:latin typeface="Cambria Math"/>
+                        </a:rPr>
+                        <m:t>𝑏</m:t>
+                      </m:r>
+                      <m:r>
+                        <m:rPr/>
+                        <a:rPr lang="en-GB" sz="1600" b="0" i="1">
+                          <a:latin typeface="Cambria Math"/>
+                        </a:rPr>
+                        <m:t>=</m:t>
+                      </m:r>
+                      <m:f>
+                        <m:fPr>
+                          <m:ctrlPr>
+                            <a:rPr lang="en-GB" sz="1600" i="1">
+                              <a:latin typeface="Cambria Math"/>
+                              <a:ea typeface="Cambria Math"/>
+                              <a:cs typeface="Cambria Math"/>
+                            </a:rPr>
+                          </m:ctrlPr>
+                        </m:fPr>
+                        <m:num>
+                          <m:r>
+                            <m:rPr/>
+                            <a:rPr lang="en-GB" sz="1600" i="1">
+                              <a:latin typeface="Cambria Math"/>
+                            </a:rPr>
+                            <m:t>h</m:t>
+                          </m:r>
+                          <m:sSub>
+                            <m:sSubPr>
+                              <m:ctrlPr>
+                                <a:rPr lang="en-GB" sz="1600" i="1">
+                                  <a:latin typeface="Cambria Math"/>
+                                  <a:ea typeface="Cambria Math"/>
+                                  <a:cs typeface="Cambria Math"/>
+                                </a:rPr>
+                              </m:ctrlPr>
+                            </m:sSubPr>
+                            <m:e>
+                              <m:r>
+                                <m:rPr/>
+                                <a:rPr lang="en-GB" sz="1600" i="1">
+                                  <a:latin typeface="Cambria Math"/>
+                                </a:rPr>
+                                <m:t>𝐴</m:t>
+                              </m:r>
+                            </m:e>
+                            <m:sub>
+                              <m:r>
+                                <m:rPr/>
+                                <a:rPr lang="en-GB" sz="1600" i="1">
+                                  <a:latin typeface="Cambria Math"/>
+                                </a:rPr>
+                                <m:t>𝑠</m:t>
+                              </m:r>
+                            </m:sub>
+                          </m:sSub>
+                        </m:num>
+                        <m:den>
+                          <m:r>
+                            <m:rPr/>
+                            <a:rPr lang="en-GB" sz="1600" i="1">
+                              <a:latin typeface="Cambria Math"/>
+                            </a:rPr>
+                            <m:t>𝜌</m:t>
+                          </m:r>
+                          <m:r>
+                            <m:rPr/>
+                            <a:rPr lang="en-GB" sz="1600" i="1">
+                              <a:latin typeface="Cambria Math"/>
+                            </a:rPr>
+                            <m:t>𝑉</m:t>
+                          </m:r>
+                          <m:sSub>
+                            <m:sSubPr>
+                              <m:ctrlPr>
+                                <a:rPr lang="en-GB" sz="1600" i="1">
+                                  <a:latin typeface="Cambria Math"/>
+                                  <a:ea typeface="Cambria Math"/>
+                                  <a:cs typeface="Cambria Math"/>
+                                </a:rPr>
+                              </m:ctrlPr>
+                            </m:sSubPr>
+                            <m:e>
+                              <m:r>
+                                <m:rPr/>
+                                <a:rPr lang="en-GB" sz="1600" i="1">
+                                  <a:latin typeface="Cambria Math"/>
+                                </a:rPr>
+                                <m:t>𝐶</m:t>
+                              </m:r>
+                            </m:e>
+                            <m:sub>
+                              <m:r>
+                                <m:rPr/>
+                                <a:rPr lang="en-GB" sz="1600" i="1">
+                                  <a:latin typeface="Cambria Math"/>
+                                </a:rPr>
+                                <m:t>𝑝</m:t>
+                              </m:r>
+                            </m:sub>
+                          </m:sSub>
+                        </m:den>
+                      </m:f>
+                    </m:oMath>
+                  </m:oMathPara>
+                </a14:m>
+              </mc:Choice>
+              <mc:Fallback/>
+            </mc:AlternateContent>
+            <a:endParaRPr lang="en-US" sz="1600" b="1">
+              <a:latin typeface="Helvetica"/>
+            </a:endParaRPr>
+          </a:p>
+        </p:txBody>
+      </p:sp>
+      <p:sp>
+        <p:nvSpPr>
+          <p:cNvPr id="451641419" name="TextBox 2"/>
+          <p:cNvSpPr/>
+          <p:nvPr/>
+        </p:nvSpPr>
+        <p:spPr bwMode="auto">
+          <a:xfrm>
+            <a:off x="1056005" y="1298574"/>
+            <a:ext cx="10079990" cy="400050"/>
+          </a:xfrm>
+          <a:prstGeom prst="rect">
+            <a:avLst/>
+          </a:prstGeom>
+          <a:noFill/>
+          <a:ln>
+            <a:noFill/>
+          </a:ln>
+          <a:effectLst/>
+        </p:spPr>
+        <p:txBody>
+          <a:bodyPr vert="horz" wrap="square" lIns="91440" tIns="45720" rIns="91440" bIns="45720" numCol="1" spcCol="215899" anchor="t"/>
+          <a:lstStyle/>
+          <a:p>
+            <a:pPr algn="ctr">
+              <a:spcAft>
+                <a:spcPts val="600"/>
+              </a:spcAft>
+              <a:defRPr/>
+            </a:pPr>
+            <a:r>
+              <a:rPr sz="2000" b="1" cap="none">
+                <a:solidFill>
+                  <a:srgbClr val="FF9900"/>
+                </a:solidFill>
+                <a:latin typeface="Helvetica"/>
+                <a:ea typeface="Calibri"/>
+                <a:cs typeface="Calibri"/>
+              </a:rPr>
+              <a:t>Example with a sphere (cotd)</a:t>
+            </a:r>
+            <a:endParaRPr sz="2000" b="1" cap="none">
+              <a:solidFill>
+                <a:srgbClr val="FF9900"/>
+              </a:solidFill>
+              <a:latin typeface="Helvetica"/>
+              <a:ea typeface="Calibri"/>
+              <a:cs typeface="Calibri"/>
+            </a:endParaRPr>
+          </a:p>
+        </p:txBody>
+      </p:sp>
+      <p:sp>
+        <p:nvSpPr>
+          <p:cNvPr id="980994907" name="Slide Number Placeholder 17"/>
+          <p:cNvSpPr/>
+          <p:nvPr/>
+        </p:nvSpPr>
+        <p:spPr bwMode="auto">
+          <a:xfrm>
+            <a:off x="448945" y="6356350"/>
+            <a:ext cx="4434840" cy="365125"/>
+          </a:xfrm>
+          <a:prstGeom prst="rect">
+            <a:avLst/>
+          </a:prstGeom>
+          <a:noFill/>
+          <a:ln>
+            <a:noFill/>
+          </a:ln>
+          <a:effectLst/>
+        </p:spPr>
+        <p:txBody>
+          <a:bodyPr vert="horz" wrap="square" lIns="91440" tIns="45720" rIns="91440" bIns="45720" numCol="1" spcCol="215899" anchor="ctr"/>
+          <a:lstStyle>
+            <a:lvl1pPr marL="0" algn="r" defTabSz="457200">
+              <a:defRPr sz="1200" cap="none">
+                <a:solidFill>
+                  <a:srgbClr val="8C8C8C"/>
+                </a:solidFill>
+                <a:latin typeface="Calibri"/>
+                <a:ea typeface="Calibri"/>
+                <a:cs typeface="Calibri"/>
+              </a:defRPr>
+            </a:lvl1pPr>
+            <a:lvl2pPr marL="457200" algn="l" defTabSz="457200">
+              <a:defRPr sz="1800" cap="none">
+                <a:solidFill>
+                  <a:schemeClr val="tx1"/>
+                </a:solidFill>
+                <a:latin typeface="Calibri"/>
+                <a:ea typeface="Calibri"/>
+                <a:cs typeface="Calibri"/>
+              </a:defRPr>
+            </a:lvl2pPr>
+            <a:lvl3pPr marL="914400" algn="l" defTabSz="457200">
+              <a:defRPr sz="1800" cap="none">
+                <a:solidFill>
+                  <a:schemeClr val="tx1"/>
+                </a:solidFill>
+                <a:latin typeface="Calibri"/>
+                <a:ea typeface="Calibri"/>
+                <a:cs typeface="Calibri"/>
+              </a:defRPr>
+            </a:lvl3pPr>
+            <a:lvl4pPr marL="1371600" algn="l" defTabSz="457200">
+              <a:defRPr sz="1800" cap="none">
+                <a:solidFill>
+                  <a:schemeClr val="tx1"/>
+                </a:solidFill>
+                <a:latin typeface="Calibri"/>
+                <a:ea typeface="Calibri"/>
+                <a:cs typeface="Calibri"/>
+              </a:defRPr>
+            </a:lvl4pPr>
+            <a:lvl5pPr marL="1828800" algn="l" defTabSz="457200">
+              <a:defRPr sz="1800" cap="none">
+                <a:solidFill>
+                  <a:schemeClr val="tx1"/>
+                </a:solidFill>
+                <a:latin typeface="Calibri"/>
+                <a:ea typeface="Calibri"/>
+                <a:cs typeface="Calibri"/>
+              </a:defRPr>
+            </a:lvl5pPr>
+            <a:lvl6pPr marL="2286000" algn="l" defTabSz="457200">
+              <a:defRPr sz="1800" cap="none">
+                <a:solidFill>
+                  <a:schemeClr val="tx1"/>
+                </a:solidFill>
+                <a:latin typeface="Calibri"/>
+                <a:ea typeface="Calibri"/>
+                <a:cs typeface="Calibri"/>
+              </a:defRPr>
+            </a:lvl6pPr>
+            <a:lvl7pPr marL="2743200" algn="l" defTabSz="457200">
+              <a:defRPr sz="1800" cap="none">
+                <a:solidFill>
+                  <a:schemeClr val="tx1"/>
+                </a:solidFill>
+                <a:latin typeface="Calibri"/>
+                <a:ea typeface="Calibri"/>
+                <a:cs typeface="Calibri"/>
+              </a:defRPr>
+            </a:lvl7pPr>
+            <a:lvl8pPr marL="3200400" algn="l" defTabSz="457200">
+              <a:defRPr sz="1800" cap="none">
+                <a:solidFill>
+                  <a:schemeClr val="tx1"/>
+                </a:solidFill>
+                <a:latin typeface="Calibri"/>
+                <a:ea typeface="Calibri"/>
+                <a:cs typeface="Calibri"/>
+              </a:defRPr>
+            </a:lvl8pPr>
+            <a:lvl9pPr marL="3657600" algn="l" defTabSz="457200">
+              <a:defRPr sz="1800" cap="none">
+                <a:solidFill>
+                  <a:schemeClr val="tx1"/>
+                </a:solidFill>
+                <a:latin typeface="Calibri"/>
+                <a:ea typeface="Calibri"/>
+                <a:cs typeface="Calibri"/>
+              </a:defRPr>
+            </a:lvl9pPr>
+          </a:lstStyle>
+          <a:p>
+            <a:pPr algn="l">
+              <a:defRPr/>
+            </a:pPr>
+            <a:r>
+              <a:rPr sz="1600" cap="none">
+                <a:solidFill>
+                  <a:srgbClr val="7F7F7F"/>
+                </a:solidFill>
+                <a:latin typeface="Helvetica"/>
+                <a:ea typeface="Calibri"/>
+                <a:cs typeface="Helvetica"/>
+              </a:rPr>
+              <a:t>EX3030/EM40JN</a:t>
+            </a:r>
+            <a:endParaRPr sz="1600" cap="none">
+              <a:solidFill>
+                <a:srgbClr val="7F7F7F"/>
+              </a:solidFill>
+              <a:latin typeface="Helvetica"/>
+              <a:ea typeface="Calibri"/>
+              <a:cs typeface="Helvetica"/>
+            </a:endParaRPr>
+          </a:p>
+        </p:txBody>
+      </p:sp>
     </p:spTree>
   </p:cSld>
   <p:clrMapOvr>

--- a/oldnotes/Week7-01.pptx
+++ b/oldnotes/Week7-01.pptx
@@ -242,7 +242,7 @@
       </p:grpSpPr>
       <p:sp>
         <p:nvSpPr>
-          <p:cNvPr id="946962621" name="Header Placeholder 1"/>
+          <p:cNvPr id="1485378867" name="Header Placeholder 1"/>
           <p:cNvSpPr>
             <a:spLocks noChangeArrowheads="1" noGrp="1"/>
           </p:cNvSpPr>
@@ -302,7 +302,7 @@
       </p:sp>
       <p:sp>
         <p:nvSpPr>
-          <p:cNvPr id="1406200348" name="Date Placeholder 2"/>
+          <p:cNvPr id="1424623099" name="Date Placeholder 2"/>
           <p:cNvSpPr>
             <a:spLocks noChangeArrowheads="1" noGrp="1"/>
           </p:cNvSpPr>
@@ -366,7 +366,7 @@
       </p:sp>
       <p:sp>
         <p:nvSpPr>
-          <p:cNvPr id="1191144269" name="Slide Image Placeholder 3"/>
+          <p:cNvPr id="1765516" name="Slide Image Placeholder 3"/>
           <p:cNvSpPr>
             <a:spLocks noChangeArrowheads="1" noGrp="1"/>
           </p:cNvSpPr>
@@ -407,7 +407,7 @@
       </p:sp>
       <p:sp>
         <p:nvSpPr>
-          <p:cNvPr id="25957132" name="Notes Placeholder 4"/>
+          <p:cNvPr id="113364501" name="Notes Placeholder 4"/>
           <p:cNvSpPr>
             <a:spLocks noChangeArrowheads="1" noGrp="1"/>
           </p:cNvSpPr>
@@ -487,7 +487,7 @@
       </p:sp>
       <p:sp>
         <p:nvSpPr>
-          <p:cNvPr id="37419027" name="Footer Placeholder 5"/>
+          <p:cNvPr id="20192741" name="Footer Placeholder 5"/>
           <p:cNvSpPr>
             <a:spLocks noChangeArrowheads="1" noGrp="1"/>
           </p:cNvSpPr>
@@ -551,7 +551,7 @@
       </p:sp>
       <p:sp>
         <p:nvSpPr>
-          <p:cNvPr id="2024481564" name="Slide Number Placeholder 6"/>
+          <p:cNvPr id="764053628" name="Slide Number Placeholder 6"/>
           <p:cNvSpPr>
             <a:spLocks noChangeArrowheads="1" noGrp="1"/>
           </p:cNvSpPr>
@@ -832,7 +832,7 @@
       </p:grpSpPr>
       <p:sp>
         <p:nvSpPr>
-          <p:cNvPr id="1311277101" name="Slide Image Placeholder 1"/>
+          <p:cNvPr id="525645387" name="Slide Image Placeholder 1"/>
           <p:cNvSpPr>
             <a:spLocks noChangeArrowheads="1" noGrp="1"/>
           </p:cNvSpPr>
@@ -849,7 +849,7 @@
       </p:sp>
       <p:sp>
         <p:nvSpPr>
-          <p:cNvPr id="194874700" name="Notes Placeholder 2"/>
+          <p:cNvPr id="1679694894" name="Notes Placeholder 2"/>
           <p:cNvSpPr>
             <a:spLocks noChangeArrowheads="1" noGrp="1"/>
           </p:cNvSpPr>
@@ -881,7 +881,7 @@
       </p:sp>
       <p:sp>
         <p:nvSpPr>
-          <p:cNvPr id="602232787" name="Slide Number Placeholder 3"/>
+          <p:cNvPr id="530234864" name="Slide Number Placeholder 3"/>
           <p:cNvSpPr>
             <a:spLocks noChangeArrowheads="1" noGrp="1"/>
           </p:cNvSpPr>
@@ -962,7 +962,7 @@
       </p:grpSpPr>
       <p:sp>
         <p:nvSpPr>
-          <p:cNvPr id="660002529" name="Slide Image Placeholder 1"/>
+          <p:cNvPr id="942357181" name="Slide Image Placeholder 1"/>
           <p:cNvSpPr>
             <a:spLocks noChangeArrowheads="1" noGrp="1"/>
           </p:cNvSpPr>
@@ -979,7 +979,7 @@
       </p:sp>
       <p:sp>
         <p:nvSpPr>
-          <p:cNvPr id="527578597" name="Notes Placeholder 2"/>
+          <p:cNvPr id="198180042" name="Notes Placeholder 2"/>
           <p:cNvSpPr>
             <a:spLocks noChangeArrowheads="1" noGrp="1"/>
           </p:cNvSpPr>
@@ -1012,7 +1012,7 @@
       </p:sp>
       <p:sp>
         <p:nvSpPr>
-          <p:cNvPr id="655529325" name="Slide Number Placeholder 3"/>
+          <p:cNvPr id="576205444" name="Slide Number Placeholder 3"/>
           <p:cNvSpPr>
             <a:spLocks noChangeArrowheads="1" noGrp="1"/>
           </p:cNvSpPr>
@@ -1075,7 +1075,7 @@
       </p:grpSpPr>
       <p:sp>
         <p:nvSpPr>
-          <p:cNvPr id="567192529" name="Slide Image Placeholder 1"/>
+          <p:cNvPr id="1685209075" name="Slide Image Placeholder 1"/>
           <p:cNvSpPr>
             <a:spLocks noChangeArrowheads="1" noGrp="1"/>
           </p:cNvSpPr>
@@ -1092,7 +1092,7 @@
       </p:sp>
       <p:sp>
         <p:nvSpPr>
-          <p:cNvPr id="813835310" name="Notes Placeholder 2"/>
+          <p:cNvPr id="452604045" name="Notes Placeholder 2"/>
           <p:cNvSpPr>
             <a:spLocks noChangeArrowheads="1" noGrp="1"/>
           </p:cNvSpPr>
@@ -1125,7 +1125,7 @@
       </p:sp>
       <p:sp>
         <p:nvSpPr>
-          <p:cNvPr id="1549579791" name="Slide Number Placeholder 3"/>
+          <p:cNvPr id="426255218" name="Slide Number Placeholder 3"/>
           <p:cNvSpPr>
             <a:spLocks noChangeArrowheads="1" noGrp="1"/>
           </p:cNvSpPr>
@@ -1188,7 +1188,7 @@
       </p:grpSpPr>
       <p:sp>
         <p:nvSpPr>
-          <p:cNvPr id="666532645" name="Slide Image Placeholder 1"/>
+          <p:cNvPr id="1637954673" name="Slide Image Placeholder 1"/>
           <p:cNvSpPr>
             <a:spLocks noChangeArrowheads="1" noGrp="1"/>
           </p:cNvSpPr>
@@ -1205,7 +1205,7 @@
       </p:sp>
       <p:sp>
         <p:nvSpPr>
-          <p:cNvPr id="138899135" name="Notes Placeholder 2"/>
+          <p:cNvPr id="158870932" name="Notes Placeholder 2"/>
           <p:cNvSpPr>
             <a:spLocks noChangeArrowheads="1" noGrp="1"/>
           </p:cNvSpPr>
@@ -1238,7 +1238,7 @@
       </p:sp>
       <p:sp>
         <p:nvSpPr>
-          <p:cNvPr id="968731808" name="Slide Number Placeholder 3"/>
+          <p:cNvPr id="296163426" name="Slide Number Placeholder 3"/>
           <p:cNvSpPr>
             <a:spLocks noChangeArrowheads="1" noGrp="1"/>
           </p:cNvSpPr>
@@ -1301,7 +1301,7 @@
       </p:grpSpPr>
       <p:sp>
         <p:nvSpPr>
-          <p:cNvPr id="77703204" name="Slide Image Placeholder 1"/>
+          <p:cNvPr id="153981037" name="Slide Image Placeholder 1"/>
           <p:cNvSpPr>
             <a:spLocks noChangeArrowheads="1" noGrp="1"/>
           </p:cNvSpPr>
@@ -1318,7 +1318,7 @@
       </p:sp>
       <p:sp>
         <p:nvSpPr>
-          <p:cNvPr id="972233269" name="Notes Placeholder 2"/>
+          <p:cNvPr id="282557091" name="Notes Placeholder 2"/>
           <p:cNvSpPr>
             <a:spLocks noChangeArrowheads="1" noGrp="1"/>
           </p:cNvSpPr>
@@ -1351,7 +1351,7 @@
       </p:sp>
       <p:sp>
         <p:nvSpPr>
-          <p:cNvPr id="108932923" name="Slide Number Placeholder 3"/>
+          <p:cNvPr id="678495631" name="Slide Number Placeholder 3"/>
           <p:cNvSpPr>
             <a:spLocks noChangeArrowheads="1" noGrp="1"/>
           </p:cNvSpPr>
@@ -1407,7 +1407,7 @@
       </p:grpSpPr>
       <p:sp>
         <p:nvSpPr>
-          <p:cNvPr id="1166204704" name="Slide Image Placeholder 1"/>
+          <p:cNvPr id="423147374" name="Slide Image Placeholder 1"/>
           <p:cNvSpPr>
             <a:spLocks noChangeAspect="1" noGrp="1" noRot="1"/>
           </p:cNvSpPr>
@@ -1419,7 +1419,7 @@
       </p:sp>
       <p:sp>
         <p:nvSpPr>
-          <p:cNvPr id="257756408" name="Notes Placeholder 2"/>
+          <p:cNvPr id="1521632538" name="Notes Placeholder 2"/>
           <p:cNvSpPr>
             <a:spLocks noGrp="1"/>
           </p:cNvSpPr>
@@ -1441,7 +1441,7 @@
       </p:sp>
       <p:sp>
         <p:nvSpPr>
-          <p:cNvPr id="1737358603" name="Slide Number Placeholder 3"/>
+          <p:cNvPr id="2003386844" name="Slide Number Placeholder 3"/>
           <p:cNvSpPr>
             <a:spLocks noGrp="1"/>
           </p:cNvSpPr>
@@ -1499,7 +1499,7 @@
       </p:grpSpPr>
       <p:sp>
         <p:nvSpPr>
-          <p:cNvPr id="1437062192" name="Slide Image Placeholder 1"/>
+          <p:cNvPr id="409428912" name="Slide Image Placeholder 1"/>
           <p:cNvSpPr>
             <a:spLocks noChangeArrowheads="1" noGrp="1"/>
           </p:cNvSpPr>
@@ -1516,7 +1516,7 @@
       </p:sp>
       <p:sp>
         <p:nvSpPr>
-          <p:cNvPr id="660973511" name="Notes Placeholder 2"/>
+          <p:cNvPr id="858356068" name="Notes Placeholder 2"/>
           <p:cNvSpPr>
             <a:spLocks noChangeArrowheads="1" noGrp="1"/>
           </p:cNvSpPr>
@@ -1549,7 +1549,7 @@
       </p:sp>
       <p:sp>
         <p:nvSpPr>
-          <p:cNvPr id="1850085182" name="Slide Number Placeholder 3"/>
+          <p:cNvPr id="956219277" name="Slide Number Placeholder 3"/>
           <p:cNvSpPr>
             <a:spLocks noChangeArrowheads="1" noGrp="1"/>
           </p:cNvSpPr>
@@ -1612,7 +1612,7 @@
       </p:grpSpPr>
       <p:sp>
         <p:nvSpPr>
-          <p:cNvPr id="213806932" name="Slide Image Placeholder 1"/>
+          <p:cNvPr id="216669340" name="Slide Image Placeholder 1"/>
           <p:cNvSpPr>
             <a:spLocks noChangeArrowheads="1" noGrp="1"/>
           </p:cNvSpPr>
@@ -1629,7 +1629,7 @@
       </p:sp>
       <p:sp>
         <p:nvSpPr>
-          <p:cNvPr id="1817085634" name="Notes Placeholder 2"/>
+          <p:cNvPr id="1033328537" name="Notes Placeholder 2"/>
           <p:cNvSpPr>
             <a:spLocks noChangeArrowheads="1" noGrp="1"/>
           </p:cNvSpPr>
@@ -1662,7 +1662,7 @@
       </p:sp>
       <p:sp>
         <p:nvSpPr>
-          <p:cNvPr id="1996558649" name="Slide Number Placeholder 3"/>
+          <p:cNvPr id="379012725" name="Slide Number Placeholder 3"/>
           <p:cNvSpPr>
             <a:spLocks noChangeArrowheads="1" noGrp="1"/>
           </p:cNvSpPr>
@@ -1725,7 +1725,7 @@
       </p:grpSpPr>
       <p:sp>
         <p:nvSpPr>
-          <p:cNvPr id="1655805382" name="Slide Image Placeholder 1"/>
+          <p:cNvPr id="1808827141" name="Slide Image Placeholder 1"/>
           <p:cNvSpPr>
             <a:spLocks noChangeArrowheads="1" noGrp="1"/>
           </p:cNvSpPr>
@@ -1742,7 +1742,7 @@
       </p:sp>
       <p:sp>
         <p:nvSpPr>
-          <p:cNvPr id="152895561" name="Notes Placeholder 2"/>
+          <p:cNvPr id="124205183" name="Notes Placeholder 2"/>
           <p:cNvSpPr>
             <a:spLocks noChangeArrowheads="1" noGrp="1"/>
           </p:cNvSpPr>
@@ -1775,7 +1775,7 @@
       </p:sp>
       <p:sp>
         <p:nvSpPr>
-          <p:cNvPr id="1999858049" name="Slide Number Placeholder 3"/>
+          <p:cNvPr id="9212514" name="Slide Number Placeholder 3"/>
           <p:cNvSpPr>
             <a:spLocks noChangeArrowheads="1" noGrp="1"/>
           </p:cNvSpPr>
@@ -1831,7 +1831,7 @@
       </p:grpSpPr>
       <p:sp>
         <p:nvSpPr>
-          <p:cNvPr id="1071042770" name="Slide Image Placeholder 1"/>
+          <p:cNvPr id="506727001" name="Slide Image Placeholder 1"/>
           <p:cNvSpPr>
             <a:spLocks noChangeAspect="1" noGrp="1" noRot="1"/>
           </p:cNvSpPr>
@@ -1843,7 +1843,7 @@
       </p:sp>
       <p:sp>
         <p:nvSpPr>
-          <p:cNvPr id="1214717172" name="Notes Placeholder 2"/>
+          <p:cNvPr id="555442676" name="Notes Placeholder 2"/>
           <p:cNvSpPr>
             <a:spLocks noGrp="1"/>
           </p:cNvSpPr>
@@ -1865,7 +1865,7 @@
       </p:sp>
       <p:sp>
         <p:nvSpPr>
-          <p:cNvPr id="569721248" name="Slide Number Placeholder 3"/>
+          <p:cNvPr id="1582731435" name="Slide Number Placeholder 3"/>
           <p:cNvSpPr>
             <a:spLocks noGrp="1"/>
           </p:cNvSpPr>
@@ -1923,7 +1923,7 @@
       </p:grpSpPr>
       <p:sp>
         <p:nvSpPr>
-          <p:cNvPr id="87709357" name="Slide Image Placeholder 1"/>
+          <p:cNvPr id="211887437" name="Slide Image Placeholder 1"/>
           <p:cNvSpPr>
             <a:spLocks noChangeArrowheads="1" noGrp="1"/>
           </p:cNvSpPr>
@@ -1940,7 +1940,7 @@
       </p:sp>
       <p:sp>
         <p:nvSpPr>
-          <p:cNvPr id="1557896849" name="Notes Placeholder 2"/>
+          <p:cNvPr id="510025004" name="Notes Placeholder 2"/>
           <p:cNvSpPr>
             <a:spLocks noChangeArrowheads="1" noGrp="1"/>
           </p:cNvSpPr>
@@ -1973,7 +1973,7 @@
       </p:sp>
       <p:sp>
         <p:nvSpPr>
-          <p:cNvPr id="1072872688" name="Slide Number Placeholder 3"/>
+          <p:cNvPr id="1221335928" name="Slide Number Placeholder 3"/>
           <p:cNvSpPr>
             <a:spLocks noChangeArrowheads="1" noGrp="1"/>
           </p:cNvSpPr>
@@ -2036,7 +2036,7 @@
       </p:grpSpPr>
       <p:sp>
         <p:nvSpPr>
-          <p:cNvPr id="26690612" name="Slide Image Placeholder 1"/>
+          <p:cNvPr id="213890757" name="Slide Image Placeholder 1"/>
           <p:cNvSpPr>
             <a:spLocks noChangeArrowheads="1" noGrp="1"/>
           </p:cNvSpPr>
@@ -2053,7 +2053,7 @@
       </p:sp>
       <p:sp>
         <p:nvSpPr>
-          <p:cNvPr id="1214756823" name="Notes Placeholder 2"/>
+          <p:cNvPr id="1303026899" name="Notes Placeholder 2"/>
           <p:cNvSpPr>
             <a:spLocks noChangeArrowheads="1" noGrp="1"/>
           </p:cNvSpPr>
@@ -2086,7 +2086,7 @@
       </p:sp>
       <p:sp>
         <p:nvSpPr>
-          <p:cNvPr id="2101420846" name="Slide Number Placeholder 3"/>
+          <p:cNvPr id="1451443798" name="Slide Number Placeholder 3"/>
           <p:cNvSpPr>
             <a:spLocks noChangeArrowheads="1" noGrp="1"/>
           </p:cNvSpPr>
@@ -2149,7 +2149,7 @@
       </p:grpSpPr>
       <p:sp>
         <p:nvSpPr>
-          <p:cNvPr id="1169432886" name="Slide Image Placeholder 1"/>
+          <p:cNvPr id="179594532" name="Slide Image Placeholder 1"/>
           <p:cNvSpPr>
             <a:spLocks noChangeArrowheads="1" noGrp="1"/>
           </p:cNvSpPr>
@@ -2166,7 +2166,7 @@
       </p:sp>
       <p:sp>
         <p:nvSpPr>
-          <p:cNvPr id="1211918078" name="Notes Placeholder 2"/>
+          <p:cNvPr id="1211114856" name="Notes Placeholder 2"/>
           <p:cNvSpPr>
             <a:spLocks noChangeArrowheads="1" noGrp="1"/>
           </p:cNvSpPr>
@@ -2198,7 +2198,7 @@
       </p:sp>
       <p:sp>
         <p:nvSpPr>
-          <p:cNvPr id="1235499457" name="Slide Number Placeholder 3"/>
+          <p:cNvPr id="1461403047" name="Slide Number Placeholder 3"/>
           <p:cNvSpPr>
             <a:spLocks noChangeArrowheads="1" noGrp="1"/>
           </p:cNvSpPr>
@@ -2261,7 +2261,7 @@
       </p:grpSpPr>
       <p:sp>
         <p:nvSpPr>
-          <p:cNvPr id="784434325" name="Slide Image Placeholder 1"/>
+          <p:cNvPr id="599259382" name="Slide Image Placeholder 1"/>
           <p:cNvSpPr>
             <a:spLocks noChangeArrowheads="1" noGrp="1"/>
           </p:cNvSpPr>
@@ -2278,7 +2278,7 @@
       </p:sp>
       <p:sp>
         <p:nvSpPr>
-          <p:cNvPr id="251693620" name="Notes Placeholder 2"/>
+          <p:cNvPr id="1284256645" name="Notes Placeholder 2"/>
           <p:cNvSpPr>
             <a:spLocks noChangeArrowheads="1" noGrp="1"/>
           </p:cNvSpPr>
@@ -2311,7 +2311,7 @@
       </p:sp>
       <p:sp>
         <p:nvSpPr>
-          <p:cNvPr id="863840302" name="Slide Number Placeholder 3"/>
+          <p:cNvPr id="535140470" name="Slide Number Placeholder 3"/>
           <p:cNvSpPr>
             <a:spLocks noChangeArrowheads="1" noGrp="1"/>
           </p:cNvSpPr>
@@ -2374,7 +2374,7 @@
       </p:grpSpPr>
       <p:sp>
         <p:nvSpPr>
-          <p:cNvPr id="902746602" name="Slide Image Placeholder 1"/>
+          <p:cNvPr id="1087808131" name="Slide Image Placeholder 1"/>
           <p:cNvSpPr>
             <a:spLocks noChangeArrowheads="1" noGrp="1"/>
           </p:cNvSpPr>
@@ -2391,7 +2391,7 @@
       </p:sp>
       <p:sp>
         <p:nvSpPr>
-          <p:cNvPr id="1860861367" name="Notes Placeholder 2"/>
+          <p:cNvPr id="335082287" name="Notes Placeholder 2"/>
           <p:cNvSpPr>
             <a:spLocks noChangeArrowheads="1" noGrp="1"/>
           </p:cNvSpPr>
@@ -2424,7 +2424,7 @@
       </p:sp>
       <p:sp>
         <p:nvSpPr>
-          <p:cNvPr id="702396096" name="Slide Number Placeholder 3"/>
+          <p:cNvPr id="453545085" name="Slide Number Placeholder 3"/>
           <p:cNvSpPr>
             <a:spLocks noChangeArrowheads="1" noGrp="1"/>
           </p:cNvSpPr>
@@ -2487,7 +2487,7 @@
       </p:grpSpPr>
       <p:sp>
         <p:nvSpPr>
-          <p:cNvPr id="1336356749" name="Slide Image Placeholder 1"/>
+          <p:cNvPr id="158995588" name="Slide Image Placeholder 1"/>
           <p:cNvSpPr>
             <a:spLocks noChangeArrowheads="1" noGrp="1"/>
           </p:cNvSpPr>
@@ -2504,7 +2504,7 @@
       </p:sp>
       <p:sp>
         <p:nvSpPr>
-          <p:cNvPr id="7043707" name="Notes Placeholder 2"/>
+          <p:cNvPr id="293657955" name="Notes Placeholder 2"/>
           <p:cNvSpPr>
             <a:spLocks noChangeArrowheads="1" noGrp="1"/>
           </p:cNvSpPr>
@@ -2537,7 +2537,7 @@
       </p:sp>
       <p:sp>
         <p:nvSpPr>
-          <p:cNvPr id="206119183" name="Slide Number Placeholder 3"/>
+          <p:cNvPr id="2058449654" name="Slide Number Placeholder 3"/>
           <p:cNvSpPr>
             <a:spLocks noChangeArrowheads="1" noGrp="1"/>
           </p:cNvSpPr>
@@ -2600,7 +2600,7 @@
       </p:grpSpPr>
       <p:sp>
         <p:nvSpPr>
-          <p:cNvPr id="1166112641" name="Slide Image Placeholder 1"/>
+          <p:cNvPr id="325651390" name="Slide Image Placeholder 1"/>
           <p:cNvSpPr>
             <a:spLocks noChangeArrowheads="1" noGrp="1"/>
           </p:cNvSpPr>
@@ -2617,7 +2617,7 @@
       </p:sp>
       <p:sp>
         <p:nvSpPr>
-          <p:cNvPr id="808733146" name="Notes Placeholder 2"/>
+          <p:cNvPr id="578474867" name="Notes Placeholder 2"/>
           <p:cNvSpPr>
             <a:spLocks noChangeArrowheads="1" noGrp="1"/>
           </p:cNvSpPr>
@@ -2650,7 +2650,7 @@
       </p:sp>
       <p:sp>
         <p:nvSpPr>
-          <p:cNvPr id="1224352362" name="Slide Number Placeholder 3"/>
+          <p:cNvPr id="391640957" name="Slide Number Placeholder 3"/>
           <p:cNvSpPr>
             <a:spLocks noChangeArrowheads="1" noGrp="1"/>
           </p:cNvSpPr>
@@ -2713,7 +2713,7 @@
       </p:grpSpPr>
       <p:sp>
         <p:nvSpPr>
-          <p:cNvPr id="53296211" name="Slide Image Placeholder 1"/>
+          <p:cNvPr id="2146188194" name="Slide Image Placeholder 1"/>
           <p:cNvSpPr>
             <a:spLocks noChangeArrowheads="1" noGrp="1"/>
           </p:cNvSpPr>
@@ -2730,7 +2730,7 @@
       </p:sp>
       <p:sp>
         <p:nvSpPr>
-          <p:cNvPr id="851150266" name="Notes Placeholder 2"/>
+          <p:cNvPr id="1041776176" name="Notes Placeholder 2"/>
           <p:cNvSpPr>
             <a:spLocks noChangeArrowheads="1" noGrp="1"/>
           </p:cNvSpPr>
@@ -2763,7 +2763,7 @@
       </p:sp>
       <p:sp>
         <p:nvSpPr>
-          <p:cNvPr id="406263497" name="Slide Number Placeholder 3"/>
+          <p:cNvPr id="1784402248" name="Slide Number Placeholder 3"/>
           <p:cNvSpPr>
             <a:spLocks noChangeArrowheads="1" noGrp="1"/>
           </p:cNvSpPr>
@@ -2826,7 +2826,7 @@
       </p:grpSpPr>
       <p:sp>
         <p:nvSpPr>
-          <p:cNvPr id="44237623" name="Slide Image Placeholder 1"/>
+          <p:cNvPr id="420263777" name="Slide Image Placeholder 1"/>
           <p:cNvSpPr>
             <a:spLocks noChangeArrowheads="1" noGrp="1"/>
           </p:cNvSpPr>
@@ -2843,7 +2843,7 @@
       </p:sp>
       <p:sp>
         <p:nvSpPr>
-          <p:cNvPr id="627131195" name="Notes Placeholder 2"/>
+          <p:cNvPr id="116338638" name="Notes Placeholder 2"/>
           <p:cNvSpPr>
             <a:spLocks noChangeArrowheads="1" noGrp="1"/>
           </p:cNvSpPr>
@@ -2876,7 +2876,7 @@
       </p:sp>
       <p:sp>
         <p:nvSpPr>
-          <p:cNvPr id="249302471" name="Slide Number Placeholder 3"/>
+          <p:cNvPr id="1680972135" name="Slide Number Placeholder 3"/>
           <p:cNvSpPr>
             <a:spLocks noChangeArrowheads="1" noGrp="1"/>
           </p:cNvSpPr>
@@ -2939,7 +2939,7 @@
       </p:grpSpPr>
       <p:sp>
         <p:nvSpPr>
-          <p:cNvPr id="1546004535" name="Slide Image Placeholder 1"/>
+          <p:cNvPr id="2137935167" name="Slide Image Placeholder 1"/>
           <p:cNvSpPr>
             <a:spLocks noChangeArrowheads="1" noGrp="1"/>
           </p:cNvSpPr>
@@ -2956,7 +2956,7 @@
       </p:sp>
       <p:sp>
         <p:nvSpPr>
-          <p:cNvPr id="1370233810" name="Notes Placeholder 2"/>
+          <p:cNvPr id="626452328" name="Notes Placeholder 2"/>
           <p:cNvSpPr>
             <a:spLocks noChangeArrowheads="1" noGrp="1"/>
           </p:cNvSpPr>
@@ -2989,7 +2989,7 @@
       </p:sp>
       <p:sp>
         <p:nvSpPr>
-          <p:cNvPr id="937511147" name="Slide Number Placeholder 3"/>
+          <p:cNvPr id="1708551045" name="Slide Number Placeholder 3"/>
           <p:cNvSpPr>
             <a:spLocks noChangeArrowheads="1" noGrp="1"/>
           </p:cNvSpPr>
@@ -3045,7 +3045,7 @@
       </p:grpSpPr>
       <p:sp>
         <p:nvSpPr>
-          <p:cNvPr id="1866077735" name="Title 1"/>
+          <p:cNvPr id="617925487" name="Title 1"/>
           <p:cNvSpPr>
             <a:spLocks noChangeArrowheads="1" noGrp="1"/>
           </p:cNvSpPr>
@@ -3106,7 +3106,7 @@
       </p:sp>
       <p:sp>
         <p:nvSpPr>
-          <p:cNvPr id="1694929678" name="Subtitle 2"/>
+          <p:cNvPr id="620254160" name="Subtitle 2"/>
           <p:cNvSpPr>
             <a:spLocks noChangeArrowheads="1" noGrp="1"/>
           </p:cNvSpPr>
@@ -3174,7 +3174,7 @@
       </p:sp>
       <p:sp>
         <p:nvSpPr>
-          <p:cNvPr id="2109606636" name="Date Placeholder 3"/>
+          <p:cNvPr id="1289478409" name="Date Placeholder 3"/>
           <p:cNvSpPr>
             <a:spLocks noChangeArrowheads="1" noGrp="1"/>
           </p:cNvSpPr>
@@ -3200,7 +3200,7 @@
       </p:sp>
       <p:sp>
         <p:nvSpPr>
-          <p:cNvPr id="504815494" name="Footer Placeholder 4"/>
+          <p:cNvPr id="665767725" name="Footer Placeholder 4"/>
           <p:cNvSpPr>
             <a:spLocks noChangeArrowheads="1" noGrp="1"/>
           </p:cNvSpPr>
@@ -3222,7 +3222,7 @@
       </p:sp>
       <p:sp>
         <p:nvSpPr>
-          <p:cNvPr id="1146215603" name="Slide Number Placeholder 5"/>
+          <p:cNvPr id="1038042767" name="Slide Number Placeholder 5"/>
           <p:cNvSpPr>
             <a:spLocks noChangeArrowheads="1" noGrp="1"/>
           </p:cNvSpPr>
@@ -3274,7 +3274,7 @@
       </p:grpSpPr>
       <p:sp>
         <p:nvSpPr>
-          <p:cNvPr id="561901090" name="Title 1"/>
+          <p:cNvPr id="50478684" name="Title 1"/>
           <p:cNvSpPr>
             <a:spLocks noChangeArrowheads="1" noGrp="1"/>
           </p:cNvSpPr>
@@ -3300,7 +3300,7 @@
       </p:sp>
       <p:sp>
         <p:nvSpPr>
-          <p:cNvPr id="2033138854" name="Vertical Text Placeholder 2"/>
+          <p:cNvPr id="172819699" name="Vertical Text Placeholder 2"/>
           <p:cNvSpPr>
             <a:spLocks noChangeArrowheads="1" noGrp="1"/>
           </p:cNvSpPr>
@@ -3368,7 +3368,7 @@
       </p:sp>
       <p:sp>
         <p:nvSpPr>
-          <p:cNvPr id="2138921754" name="Date Placeholder 3"/>
+          <p:cNvPr id="1206989274" name="Date Placeholder 3"/>
           <p:cNvSpPr>
             <a:spLocks noChangeArrowheads="1" noGrp="1"/>
           </p:cNvSpPr>
@@ -3394,7 +3394,7 @@
       </p:sp>
       <p:sp>
         <p:nvSpPr>
-          <p:cNvPr id="1960102075" name="Footer Placeholder 4"/>
+          <p:cNvPr id="1858916565" name="Footer Placeholder 4"/>
           <p:cNvSpPr>
             <a:spLocks noChangeArrowheads="1" noGrp="1"/>
           </p:cNvSpPr>
@@ -3416,7 +3416,7 @@
       </p:sp>
       <p:sp>
         <p:nvSpPr>
-          <p:cNvPr id="960001790" name="Slide Number Placeholder 5"/>
+          <p:cNvPr id="1811162687" name="Slide Number Placeholder 5"/>
           <p:cNvSpPr>
             <a:spLocks noChangeArrowheads="1" noGrp="1"/>
           </p:cNvSpPr>
@@ -3468,7 +3468,7 @@
       </p:grpSpPr>
       <p:sp>
         <p:nvSpPr>
-          <p:cNvPr id="1840033512" name="Vertical Title 1"/>
+          <p:cNvPr id="1820753085" name="Vertical Title 1"/>
           <p:cNvSpPr>
             <a:spLocks noChangeArrowheads="1" noGrp="1"/>
           </p:cNvSpPr>
@@ -3501,7 +3501,7 @@
       </p:sp>
       <p:sp>
         <p:nvSpPr>
-          <p:cNvPr id="2106199023" name="Vertical Text Placeholder 2"/>
+          <p:cNvPr id="958264243" name="Vertical Text Placeholder 2"/>
           <p:cNvSpPr>
             <a:spLocks noChangeArrowheads="1" noGrp="1"/>
           </p:cNvSpPr>
@@ -3574,7 +3574,7 @@
       </p:sp>
       <p:sp>
         <p:nvSpPr>
-          <p:cNvPr id="1989934633" name="Date Placeholder 3"/>
+          <p:cNvPr id="876408072" name="Date Placeholder 3"/>
           <p:cNvSpPr>
             <a:spLocks noChangeArrowheads="1" noGrp="1"/>
           </p:cNvSpPr>
@@ -3600,7 +3600,7 @@
       </p:sp>
       <p:sp>
         <p:nvSpPr>
-          <p:cNvPr id="710053237" name="Footer Placeholder 4"/>
+          <p:cNvPr id="795054006" name="Footer Placeholder 4"/>
           <p:cNvSpPr>
             <a:spLocks noChangeArrowheads="1" noGrp="1"/>
           </p:cNvSpPr>
@@ -3622,7 +3622,7 @@
       </p:sp>
       <p:sp>
         <p:nvSpPr>
-          <p:cNvPr id="1854842142" name="Slide Number Placeholder 5"/>
+          <p:cNvPr id="803001472" name="Slide Number Placeholder 5"/>
           <p:cNvSpPr>
             <a:spLocks noChangeArrowheads="1" noGrp="1"/>
           </p:cNvSpPr>
@@ -3674,7 +3674,7 @@
       </p:grpSpPr>
       <p:sp>
         <p:nvSpPr>
-          <p:cNvPr id="2030127334" name="Title 1"/>
+          <p:cNvPr id="265710797" name="Title 1"/>
           <p:cNvSpPr>
             <a:spLocks noChangeArrowheads="1" noGrp="1"/>
           </p:cNvSpPr>
@@ -3700,7 +3700,7 @@
       </p:sp>
       <p:sp>
         <p:nvSpPr>
-          <p:cNvPr id="1227835161" name="Content Placeholder 2"/>
+          <p:cNvPr id="427845889" name="Content Placeholder 2"/>
           <p:cNvSpPr>
             <a:spLocks noChangeArrowheads="1" noGrp="1"/>
           </p:cNvSpPr>
@@ -3766,7 +3766,7 @@
       </p:sp>
       <p:sp>
         <p:nvSpPr>
-          <p:cNvPr id="351016072" name="Date Placeholder 3"/>
+          <p:cNvPr id="1669345519" name="Date Placeholder 3"/>
           <p:cNvSpPr>
             <a:spLocks noChangeArrowheads="1" noGrp="1"/>
           </p:cNvSpPr>
@@ -3792,7 +3792,7 @@
       </p:sp>
       <p:sp>
         <p:nvSpPr>
-          <p:cNvPr id="1066930633" name="Footer Placeholder 4"/>
+          <p:cNvPr id="2139987572" name="Footer Placeholder 4"/>
           <p:cNvSpPr>
             <a:spLocks noChangeArrowheads="1" noGrp="1"/>
           </p:cNvSpPr>
@@ -3814,7 +3814,7 @@
       </p:sp>
       <p:sp>
         <p:nvSpPr>
-          <p:cNvPr id="20715551" name="Slide Number Placeholder 5"/>
+          <p:cNvPr id="978800343" name="Slide Number Placeholder 5"/>
           <p:cNvSpPr>
             <a:spLocks noChangeArrowheads="1" noGrp="1"/>
           </p:cNvSpPr>
@@ -3866,7 +3866,7 @@
       </p:grpSpPr>
       <p:sp>
         <p:nvSpPr>
-          <p:cNvPr id="1023620480" name="Title 1"/>
+          <p:cNvPr id="2031541254" name="Title 1"/>
           <p:cNvSpPr>
             <a:spLocks noChangeArrowheads="1" noGrp="1"/>
           </p:cNvSpPr>
@@ -3927,7 +3927,7 @@
       </p:sp>
       <p:sp>
         <p:nvSpPr>
-          <p:cNvPr id="1746621911" name="Text Placeholder 2"/>
+          <p:cNvPr id="76427524" name="Text Placeholder 2"/>
           <p:cNvSpPr>
             <a:spLocks noChangeArrowheads="1" noGrp="1"/>
           </p:cNvSpPr>
@@ -4031,7 +4031,7 @@
       </p:sp>
       <p:sp>
         <p:nvSpPr>
-          <p:cNvPr id="1123744883" name="Date Placeholder 3"/>
+          <p:cNvPr id="1904483470" name="Date Placeholder 3"/>
           <p:cNvSpPr>
             <a:spLocks noChangeArrowheads="1" noGrp="1"/>
           </p:cNvSpPr>
@@ -4057,7 +4057,7 @@
       </p:sp>
       <p:sp>
         <p:nvSpPr>
-          <p:cNvPr id="1338773763" name="Footer Placeholder 4"/>
+          <p:cNvPr id="355842670" name="Footer Placeholder 4"/>
           <p:cNvSpPr>
             <a:spLocks noChangeArrowheads="1" noGrp="1"/>
           </p:cNvSpPr>
@@ -4079,7 +4079,7 @@
       </p:sp>
       <p:sp>
         <p:nvSpPr>
-          <p:cNvPr id="1521365722" name="Slide Number Placeholder 5"/>
+          <p:cNvPr id="1219568948" name="Slide Number Placeholder 5"/>
           <p:cNvSpPr>
             <a:spLocks noChangeArrowheads="1" noGrp="1"/>
           </p:cNvSpPr>
@@ -4131,7 +4131,7 @@
       </p:grpSpPr>
       <p:sp>
         <p:nvSpPr>
-          <p:cNvPr id="754957353" name="Title 1"/>
+          <p:cNvPr id="1369099381" name="Title 1"/>
           <p:cNvSpPr>
             <a:spLocks noChangeArrowheads="1" noGrp="1"/>
           </p:cNvSpPr>
@@ -4157,7 +4157,7 @@
       </p:sp>
       <p:sp>
         <p:nvSpPr>
-          <p:cNvPr id="1070046125" name="Content Placeholder 2"/>
+          <p:cNvPr id="2076669520" name="Content Placeholder 2"/>
           <p:cNvSpPr>
             <a:spLocks noChangeArrowheads="1" noGrp="1"/>
           </p:cNvSpPr>
@@ -4228,7 +4228,7 @@
       </p:sp>
       <p:sp>
         <p:nvSpPr>
-          <p:cNvPr id="73591140" name="Content Placeholder 3"/>
+          <p:cNvPr id="767206545" name="Content Placeholder 3"/>
           <p:cNvSpPr>
             <a:spLocks noChangeArrowheads="1" noGrp="1"/>
           </p:cNvSpPr>
@@ -4299,7 +4299,7 @@
       </p:sp>
       <p:sp>
         <p:nvSpPr>
-          <p:cNvPr id="349260051" name="Date Placeholder 4"/>
+          <p:cNvPr id="42340271" name="Date Placeholder 4"/>
           <p:cNvSpPr>
             <a:spLocks noChangeArrowheads="1" noGrp="1"/>
           </p:cNvSpPr>
@@ -4325,7 +4325,7 @@
       </p:sp>
       <p:sp>
         <p:nvSpPr>
-          <p:cNvPr id="1182999563" name="Footer Placeholder 5"/>
+          <p:cNvPr id="1589688138" name="Footer Placeholder 5"/>
           <p:cNvSpPr>
             <a:spLocks noChangeArrowheads="1" noGrp="1"/>
           </p:cNvSpPr>
@@ -4347,7 +4347,7 @@
       </p:sp>
       <p:sp>
         <p:nvSpPr>
-          <p:cNvPr id="586640853" name="Slide Number Placeholder 6"/>
+          <p:cNvPr id="1721650683" name="Slide Number Placeholder 6"/>
           <p:cNvSpPr>
             <a:spLocks noChangeArrowheads="1" noGrp="1"/>
           </p:cNvSpPr>
@@ -4399,7 +4399,7 @@
       </p:grpSpPr>
       <p:sp>
         <p:nvSpPr>
-          <p:cNvPr id="1951295735" name="Title 1"/>
+          <p:cNvPr id="1101196721" name="Title 1"/>
           <p:cNvSpPr>
             <a:spLocks noChangeArrowheads="1" noGrp="1"/>
           </p:cNvSpPr>
@@ -4430,7 +4430,7 @@
       </p:sp>
       <p:sp>
         <p:nvSpPr>
-          <p:cNvPr id="211190625" name="Text Placeholder 2"/>
+          <p:cNvPr id="2111661636" name="Text Placeholder 2"/>
           <p:cNvSpPr>
             <a:spLocks noChangeArrowheads="1" noGrp="1"/>
           </p:cNvSpPr>
@@ -4500,7 +4500,7 @@
       </p:sp>
       <p:sp>
         <p:nvSpPr>
-          <p:cNvPr id="1371133129" name="Content Placeholder 3"/>
+          <p:cNvPr id="1892770857" name="Content Placeholder 3"/>
           <p:cNvSpPr>
             <a:spLocks noChangeArrowheads="1" noGrp="1"/>
           </p:cNvSpPr>
@@ -4571,7 +4571,7 @@
       </p:sp>
       <p:sp>
         <p:nvSpPr>
-          <p:cNvPr id="1030040235" name="Text Placeholder 4"/>
+          <p:cNvPr id="257596694" name="Text Placeholder 4"/>
           <p:cNvSpPr>
             <a:spLocks noChangeArrowheads="1" noGrp="1"/>
           </p:cNvSpPr>
@@ -4641,7 +4641,7 @@
       </p:sp>
       <p:sp>
         <p:nvSpPr>
-          <p:cNvPr id="1596605194" name="Content Placeholder 5"/>
+          <p:cNvPr id="1033445927" name="Content Placeholder 5"/>
           <p:cNvSpPr>
             <a:spLocks noChangeArrowheads="1" noGrp="1"/>
           </p:cNvSpPr>
@@ -4712,7 +4712,7 @@
       </p:sp>
       <p:sp>
         <p:nvSpPr>
-          <p:cNvPr id="1378215498" name="Date Placeholder 6"/>
+          <p:cNvPr id="458925209" name="Date Placeholder 6"/>
           <p:cNvSpPr>
             <a:spLocks noChangeArrowheads="1" noGrp="1"/>
           </p:cNvSpPr>
@@ -4738,7 +4738,7 @@
       </p:sp>
       <p:sp>
         <p:nvSpPr>
-          <p:cNvPr id="1003147875" name="Footer Placeholder 7"/>
+          <p:cNvPr id="2037439473" name="Footer Placeholder 7"/>
           <p:cNvSpPr>
             <a:spLocks noChangeArrowheads="1" noGrp="1"/>
           </p:cNvSpPr>
@@ -4760,7 +4760,7 @@
       </p:sp>
       <p:sp>
         <p:nvSpPr>
-          <p:cNvPr id="253980521" name="Slide Number Placeholder 8"/>
+          <p:cNvPr id="1216696470" name="Slide Number Placeholder 8"/>
           <p:cNvSpPr>
             <a:spLocks noChangeArrowheads="1" noGrp="1"/>
           </p:cNvSpPr>
@@ -4812,7 +4812,7 @@
       </p:grpSpPr>
       <p:sp>
         <p:nvSpPr>
-          <p:cNvPr id="228049745" name="Title 1"/>
+          <p:cNvPr id="17416653" name="Title 1"/>
           <p:cNvSpPr>
             <a:spLocks noChangeArrowheads="1" noGrp="1"/>
           </p:cNvSpPr>
@@ -4838,7 +4838,7 @@
       </p:sp>
       <p:sp>
         <p:nvSpPr>
-          <p:cNvPr id="1685423672" name="Date Placeholder 2"/>
+          <p:cNvPr id="1083502801" name="Date Placeholder 2"/>
           <p:cNvSpPr>
             <a:spLocks noChangeArrowheads="1" noGrp="1"/>
           </p:cNvSpPr>
@@ -4864,7 +4864,7 @@
       </p:sp>
       <p:sp>
         <p:nvSpPr>
-          <p:cNvPr id="963104809" name="Footer Placeholder 3"/>
+          <p:cNvPr id="1341058438" name="Footer Placeholder 3"/>
           <p:cNvSpPr>
             <a:spLocks noChangeArrowheads="1" noGrp="1"/>
           </p:cNvSpPr>
@@ -4886,7 +4886,7 @@
       </p:sp>
       <p:sp>
         <p:nvSpPr>
-          <p:cNvPr id="790480596" name="Slide Number Placeholder 4"/>
+          <p:cNvPr id="223185573" name="Slide Number Placeholder 4"/>
           <p:cNvSpPr>
             <a:spLocks noChangeArrowheads="1" noGrp="1"/>
           </p:cNvSpPr>
@@ -4938,7 +4938,7 @@
       </p:grpSpPr>
       <p:sp>
         <p:nvSpPr>
-          <p:cNvPr id="363246405" name="Date Placeholder 1"/>
+          <p:cNvPr id="1583688190" name="Date Placeholder 1"/>
           <p:cNvSpPr>
             <a:spLocks noChangeArrowheads="1" noGrp="1"/>
           </p:cNvSpPr>
@@ -4964,7 +4964,7 @@
       </p:sp>
       <p:sp>
         <p:nvSpPr>
-          <p:cNvPr id="421269134" name="Footer Placeholder 2"/>
+          <p:cNvPr id="1258163820" name="Footer Placeholder 2"/>
           <p:cNvSpPr>
             <a:spLocks noChangeArrowheads="1" noGrp="1"/>
           </p:cNvSpPr>
@@ -4986,7 +4986,7 @@
       </p:sp>
       <p:sp>
         <p:nvSpPr>
-          <p:cNvPr id="303329605" name="Slide Number Placeholder 3"/>
+          <p:cNvPr id="1753400648" name="Slide Number Placeholder 3"/>
           <p:cNvSpPr>
             <a:spLocks noChangeArrowheads="1" noGrp="1"/>
           </p:cNvSpPr>
@@ -5038,7 +5038,7 @@
       </p:grpSpPr>
       <p:sp>
         <p:nvSpPr>
-          <p:cNvPr id="54091551" name="Title 1"/>
+          <p:cNvPr id="1098350363" name="Title 1"/>
           <p:cNvSpPr>
             <a:spLocks noChangeArrowheads="1" noGrp="1"/>
           </p:cNvSpPr>
@@ -5099,7 +5099,7 @@
       </p:sp>
       <p:sp>
         <p:nvSpPr>
-          <p:cNvPr id="690499448" name="Content Placeholder 2"/>
+          <p:cNvPr id="1211617479" name="Content Placeholder 2"/>
           <p:cNvSpPr>
             <a:spLocks noChangeArrowheads="1" noGrp="1"/>
           </p:cNvSpPr>
@@ -5198,7 +5198,7 @@
       </p:sp>
       <p:sp>
         <p:nvSpPr>
-          <p:cNvPr id="867033967" name="Text Placeholder 3"/>
+          <p:cNvPr id="1473345172" name="Text Placeholder 3"/>
           <p:cNvSpPr>
             <a:spLocks noChangeArrowheads="1" noGrp="1"/>
           </p:cNvSpPr>
@@ -5266,7 +5266,7 @@
       </p:sp>
       <p:sp>
         <p:nvSpPr>
-          <p:cNvPr id="1476045907" name="Date Placeholder 4"/>
+          <p:cNvPr id="688726648" name="Date Placeholder 4"/>
           <p:cNvSpPr>
             <a:spLocks noChangeArrowheads="1" noGrp="1"/>
           </p:cNvSpPr>
@@ -5292,7 +5292,7 @@
       </p:sp>
       <p:sp>
         <p:nvSpPr>
-          <p:cNvPr id="1346609264" name="Footer Placeholder 5"/>
+          <p:cNvPr id="2121259149" name="Footer Placeholder 5"/>
           <p:cNvSpPr>
             <a:spLocks noChangeArrowheads="1" noGrp="1"/>
           </p:cNvSpPr>
@@ -5314,7 +5314,7 @@
       </p:sp>
       <p:sp>
         <p:nvSpPr>
-          <p:cNvPr id="811955503" name="Slide Number Placeholder 6"/>
+          <p:cNvPr id="917411504" name="Slide Number Placeholder 6"/>
           <p:cNvSpPr>
             <a:spLocks noChangeArrowheads="1" noGrp="1"/>
           </p:cNvSpPr>
@@ -5366,7 +5366,7 @@
       </p:grpSpPr>
       <p:sp>
         <p:nvSpPr>
-          <p:cNvPr id="946369737" name="Title 1"/>
+          <p:cNvPr id="888576392" name="Title 1"/>
           <p:cNvSpPr>
             <a:spLocks noChangeArrowheads="1" noGrp="1"/>
           </p:cNvSpPr>
@@ -5427,7 +5427,7 @@
       </p:sp>
       <p:sp>
         <p:nvSpPr>
-          <p:cNvPr id="1488367483" name="Picture Placeholder 2"/>
+          <p:cNvPr id="2054231839" name="Picture Placeholder 2"/>
           <p:cNvSpPr>
             <a:spLocks noChangeArrowheads="1" noGrp="1"/>
           </p:cNvSpPr>
@@ -5495,7 +5495,7 @@
       </p:sp>
       <p:sp>
         <p:nvSpPr>
-          <p:cNvPr id="1581372254" name="Text Placeholder 3"/>
+          <p:cNvPr id="1682052296" name="Text Placeholder 3"/>
           <p:cNvSpPr>
             <a:spLocks noChangeArrowheads="1" noGrp="1"/>
           </p:cNvSpPr>
@@ -5563,7 +5563,7 @@
       </p:sp>
       <p:sp>
         <p:nvSpPr>
-          <p:cNvPr id="1076034990" name="Date Placeholder 4"/>
+          <p:cNvPr id="59149897" name="Date Placeholder 4"/>
           <p:cNvSpPr>
             <a:spLocks noChangeArrowheads="1" noGrp="1"/>
           </p:cNvSpPr>
@@ -5589,7 +5589,7 @@
       </p:sp>
       <p:sp>
         <p:nvSpPr>
-          <p:cNvPr id="780173395" name="Footer Placeholder 5"/>
+          <p:cNvPr id="2145761479" name="Footer Placeholder 5"/>
           <p:cNvSpPr>
             <a:spLocks noChangeArrowheads="1" noGrp="1"/>
           </p:cNvSpPr>
@@ -5611,7 +5611,7 @@
       </p:sp>
       <p:sp>
         <p:nvSpPr>
-          <p:cNvPr id="726784714" name="Slide Number Placeholder 6"/>
+          <p:cNvPr id="1658403291" name="Slide Number Placeholder 6"/>
           <p:cNvSpPr>
             <a:spLocks noChangeArrowheads="1" noGrp="1"/>
           </p:cNvSpPr>
@@ -5670,7 +5670,7 @@
       </p:grpSpPr>
       <p:sp>
         <p:nvSpPr>
-          <p:cNvPr id="573479124" name="Title Placeholder 1"/>
+          <p:cNvPr id="75544479" name="Title Placeholder 1"/>
           <p:cNvSpPr>
             <a:spLocks noChangeArrowheads="1" noGrp="1"/>
           </p:cNvSpPr>
@@ -5706,7 +5706,7 @@
       </p:sp>
       <p:sp>
         <p:nvSpPr>
-          <p:cNvPr id="1895579737" name="Text Placeholder 2"/>
+          <p:cNvPr id="1122445596" name="Text Placeholder 2"/>
           <p:cNvSpPr>
             <a:spLocks noChangeArrowheads="1" noGrp="1"/>
           </p:cNvSpPr>
@@ -5782,7 +5782,7 @@
       </p:sp>
       <p:sp>
         <p:nvSpPr>
-          <p:cNvPr id="1986485899" name="Date Placeholder 3"/>
+          <p:cNvPr id="964013946" name="Date Placeholder 3"/>
           <p:cNvSpPr>
             <a:spLocks noChangeArrowheads="1" noGrp="1"/>
           </p:cNvSpPr>
@@ -5850,7 +5850,7 @@
       </p:sp>
       <p:sp>
         <p:nvSpPr>
-          <p:cNvPr id="1525140791" name="Footer Placeholder 4"/>
+          <p:cNvPr id="2036368312" name="Footer Placeholder 4"/>
           <p:cNvSpPr>
             <a:spLocks noChangeArrowheads="1" noGrp="1"/>
           </p:cNvSpPr>
@@ -5914,7 +5914,7 @@
       </p:sp>
       <p:sp>
         <p:nvSpPr>
-          <p:cNvPr id="484921505" name="Slide Number Placeholder 5"/>
+          <p:cNvPr id="604335880" name="Slide Number Placeholder 5"/>
           <p:cNvSpPr>
             <a:spLocks noChangeArrowheads="1" noGrp="1"/>
           </p:cNvSpPr>
@@ -6601,7 +6601,7 @@
       </p:grpSpPr>
       <p:sp>
         <p:nvSpPr>
-          <p:cNvPr id="1166048530" name="Title 3"/>
+          <p:cNvPr id="116301067" name="Title 3"/>
           <p:cNvSpPr>
             <a:spLocks noChangeArrowheads="1" noGrp="1"/>
           </p:cNvSpPr>
@@ -6664,7 +6664,7 @@
       </p:sp>
       <p:sp>
         <p:nvSpPr>
-          <p:cNvPr id="2072544726" name="Slide Number Placeholder 17"/>
+          <p:cNvPr id="1831541865" name="Slide Number Placeholder 17"/>
           <p:cNvSpPr>
             <a:spLocks noChangeArrowheads="1" noGrp="1"/>
           </p:cNvSpPr>
@@ -6725,7 +6725,7 @@
       </p:sp>
       <p:sp>
         <p:nvSpPr>
-          <p:cNvPr id="2142782548" name="TextBox 36"/>
+          <p:cNvPr id="1678977597" name="TextBox 36"/>
           <p:cNvSpPr/>
           <p:nvPr/>
         </p:nvSpPr>
@@ -6811,7 +6811,7 @@
       </p:sp>
       <p:pic>
         <p:nvPicPr>
-          <p:cNvPr id="1682124517" name="Picture 21" descr="A picture containing text, clipart&#10;&#10;Description automatically generated"/>
+          <p:cNvPr id="42236861" name="Picture 21" descr="A picture containing text, clipart&#10;&#10;Description automatically generated"/>
           <p:cNvPicPr>
             <a:picLocks noChangeAspect="1"/>
           </p:cNvPicPr>
@@ -6882,7 +6882,7 @@
       </p:grpSpPr>
       <p:sp>
         <p:nvSpPr>
-          <p:cNvPr id="2025260866" name="Title 3"/>
+          <p:cNvPr id="475028683" name="Title 3"/>
           <p:cNvSpPr>
             <a:spLocks noChangeArrowheads="1" noGrp="1"/>
           </p:cNvSpPr>
@@ -6937,7 +6937,7 @@
       </p:sp>
       <p:sp>
         <p:nvSpPr>
-          <p:cNvPr id="2103723208" name="Slide Number Placeholder 17"/>
+          <p:cNvPr id="901008330" name="Slide Number Placeholder 17"/>
           <p:cNvSpPr>
             <a:spLocks noChangeArrowheads="1" noGrp="1"/>
           </p:cNvSpPr>
@@ -6982,7 +6982,7 @@
       </p:sp>
       <p:pic>
         <p:nvPicPr>
-          <p:cNvPr id="424889554" name="Picture 8" descr="A picture containing text, clipart&#10;&#10;Description automatically generated"/>
+          <p:cNvPr id="1298518549" name="Picture 8" descr="A picture containing text, clipart&#10;&#10;Description automatically generated"/>
           <p:cNvPicPr>
             <a:picLocks noChangeAspect="1"/>
           </p:cNvPicPr>
@@ -7009,7 +7009,7 @@
       </p:pic>
       <p:sp>
         <p:nvSpPr>
-          <p:cNvPr id="1844099753" name="TextBox 1"/>
+          <p:cNvPr id="2081798039" name="TextBox 1"/>
           <p:cNvSpPr/>
           <p:nvPr/>
         </p:nvSpPr>
@@ -7780,7 +7780,7 @@
       </p:sp>
       <p:sp>
         <p:nvSpPr>
-          <p:cNvPr id="68797457" name="TextBox 2"/>
+          <p:cNvPr id="1340650909" name="TextBox 2"/>
           <p:cNvSpPr/>
           <p:nvPr/>
         </p:nvSpPr>
@@ -7832,7 +7832,7 @@
       </p:sp>
       <p:sp>
         <p:nvSpPr>
-          <p:cNvPr id="1253882232" name="Slide Number Placeholder 17"/>
+          <p:cNvPr id="973359212" name="Slide Number Placeholder 17"/>
           <p:cNvSpPr/>
           <p:nvPr/>
         </p:nvSpPr>
@@ -8012,7 +8012,7 @@
       </p:grpSpPr>
       <p:sp>
         <p:nvSpPr>
-          <p:cNvPr id="1292355170" name="Title 3"/>
+          <p:cNvPr id="1185508280" name="Title 3"/>
           <p:cNvSpPr>
             <a:spLocks noChangeArrowheads="1" noGrp="1"/>
           </p:cNvSpPr>
@@ -8067,7 +8067,7 @@
       </p:sp>
       <p:sp>
         <p:nvSpPr>
-          <p:cNvPr id="1703314828" name="Slide Number Placeholder 17"/>
+          <p:cNvPr id="1731990868" name="Slide Number Placeholder 17"/>
           <p:cNvSpPr>
             <a:spLocks noChangeArrowheads="1" noGrp="1"/>
           </p:cNvSpPr>
@@ -8112,7 +8112,7 @@
       </p:sp>
       <p:pic>
         <p:nvPicPr>
-          <p:cNvPr id="577133349" name="Picture 8" descr="A picture containing text, clipart&#10;&#10;Description automatically generated"/>
+          <p:cNvPr id="1639981597" name="Picture 8" descr="A picture containing text, clipart&#10;&#10;Description automatically generated"/>
           <p:cNvPicPr>
             <a:picLocks noChangeAspect="1"/>
           </p:cNvPicPr>
@@ -8139,7 +8139,7 @@
       </p:pic>
       <p:sp>
         <p:nvSpPr>
-          <p:cNvPr id="1794351104" name="TextBox 1"/>
+          <p:cNvPr id="505176023" name="TextBox 1"/>
           <p:cNvSpPr/>
           <p:nvPr/>
         </p:nvSpPr>
@@ -8219,7 +8219,7 @@
       </p:sp>
       <p:sp>
         <p:nvSpPr>
-          <p:cNvPr id="556907108" name="Slide Number Placeholder 17"/>
+          <p:cNvPr id="1424033935" name="Slide Number Placeholder 17"/>
           <p:cNvSpPr/>
           <p:nvPr/>
         </p:nvSpPr>
@@ -8359,7 +8359,7 @@
       </p:sp>
       <p:pic>
         <p:nvPicPr>
-          <p:cNvPr id="476556106" name="Picture 6" descr="A screenshot of a computer&#10;&#10;Description automatically generated with medium confidence"/>
+          <p:cNvPr id="78349404" name="Picture 6" descr="A screenshot of a computer&#10;&#10;Description automatically generated with medium confidence"/>
           <p:cNvPicPr>
             <a:picLocks noChangeAspect="1"/>
           </p:cNvPicPr>
@@ -8386,7 +8386,7 @@
       </p:pic>
       <p:sp>
         <p:nvSpPr>
-          <p:cNvPr id="2136928410" name="TextBox 23"/>
+          <p:cNvPr id="28579462" name="TextBox 23"/>
           <p:cNvSpPr/>
           <p:nvPr/>
         </p:nvSpPr>
@@ -8770,7 +8770,7 @@
       </p:grpSpPr>
       <p:sp>
         <p:nvSpPr>
-          <p:cNvPr id="103248069" name="Title 3"/>
+          <p:cNvPr id="597406048" name="Title 3"/>
           <p:cNvSpPr>
             <a:spLocks noChangeArrowheads="1" noGrp="1"/>
           </p:cNvSpPr>
@@ -8825,7 +8825,7 @@
       </p:sp>
       <p:sp>
         <p:nvSpPr>
-          <p:cNvPr id="1760264147" name="Slide Number Placeholder 17"/>
+          <p:cNvPr id="1210530864" name="Slide Number Placeholder 17"/>
           <p:cNvSpPr>
             <a:spLocks noChangeArrowheads="1" noGrp="1"/>
           </p:cNvSpPr>
@@ -8870,7 +8870,7 @@
       </p:sp>
       <p:pic>
         <p:nvPicPr>
-          <p:cNvPr id="799889475" name="Picture 8" descr="A picture containing text, clipart&#10;&#10;Description automatically generated"/>
+          <p:cNvPr id="1392562835" name="Picture 8" descr="A picture containing text, clipart&#10;&#10;Description automatically generated"/>
           <p:cNvPicPr>
             <a:picLocks noChangeAspect="1"/>
           </p:cNvPicPr>
@@ -8897,7 +8897,7 @@
       </p:pic>
       <p:sp>
         <p:nvSpPr>
-          <p:cNvPr id="1742884071" name="TextBox 2"/>
+          <p:cNvPr id="3048530" name="TextBox 2"/>
           <p:cNvSpPr/>
           <p:nvPr/>
         </p:nvSpPr>
@@ -9052,7 +9052,7 @@
       </p:sp>
       <p:sp>
         <p:nvSpPr>
-          <p:cNvPr id="46832085" name="Slide Number Placeholder 17"/>
+          <p:cNvPr id="1896052779" name="Slide Number Placeholder 17"/>
           <p:cNvSpPr/>
           <p:nvPr/>
         </p:nvSpPr>
@@ -9232,7 +9232,7 @@
       </p:grpSpPr>
       <p:sp>
         <p:nvSpPr>
-          <p:cNvPr id="1799255792" name="Title 3"/>
+          <p:cNvPr id="1773189274" name="Title 3"/>
           <p:cNvSpPr>
             <a:spLocks noChangeArrowheads="1" noGrp="1"/>
           </p:cNvSpPr>
@@ -9287,7 +9287,7 @@
       </p:sp>
       <p:sp>
         <p:nvSpPr>
-          <p:cNvPr id="642313290" name="Slide Number Placeholder 17"/>
+          <p:cNvPr id="812068458" name="Slide Number Placeholder 17"/>
           <p:cNvSpPr>
             <a:spLocks noChangeArrowheads="1" noGrp="1"/>
           </p:cNvSpPr>
@@ -9332,7 +9332,7 @@
       </p:sp>
       <p:pic>
         <p:nvPicPr>
-          <p:cNvPr id="759496844" name="Picture 8" descr="A picture containing text, clipart&#10;&#10;Description automatically generated"/>
+          <p:cNvPr id="1329131461" name="Picture 8" descr="A picture containing text, clipart&#10;&#10;Description automatically generated"/>
           <p:cNvPicPr>
             <a:picLocks noChangeAspect="1"/>
           </p:cNvPicPr>
@@ -9359,7 +9359,7 @@
       </p:pic>
       <p:sp>
         <p:nvSpPr>
-          <p:cNvPr id="193458464" name="TextBox 1"/>
+          <p:cNvPr id="1717902655" name="TextBox 1"/>
           <p:cNvSpPr/>
           <p:nvPr/>
         </p:nvSpPr>
@@ -9569,7 +9569,7 @@
       </p:sp>
       <p:sp>
         <p:nvSpPr>
-          <p:cNvPr id="140493436" name="TextBox 2"/>
+          <p:cNvPr id="483712690" name="TextBox 2"/>
           <p:cNvSpPr/>
           <p:nvPr/>
         </p:nvSpPr>
@@ -9621,7 +9621,7 @@
       </p:sp>
       <p:sp>
         <p:nvSpPr>
-          <p:cNvPr id="176067084" name="Slide Number Placeholder 17"/>
+          <p:cNvPr id="1550763999" name="Slide Number Placeholder 17"/>
           <p:cNvSpPr/>
           <p:nvPr/>
         </p:nvSpPr>
@@ -9801,7 +9801,7 @@
       </p:grpSpPr>
       <p:sp>
         <p:nvSpPr>
-          <p:cNvPr id="288477211" name="Title 1"/>
+          <p:cNvPr id="1288019112" name="Title 1"/>
           <p:cNvSpPr>
             <a:spLocks noChangeArrowheads="1" noGrp="1"/>
           </p:cNvSpPr>
@@ -9827,7 +9827,7 @@
       </p:sp>
       <p:sp>
         <p:nvSpPr>
-          <p:cNvPr id="1062431101" name="Content Placeholder 2"/>
+          <p:cNvPr id="2093674516" name="Content Placeholder 2"/>
           <p:cNvSpPr>
             <a:spLocks noChangeArrowheads="1" noGrp="1"/>
           </p:cNvSpPr>
@@ -10960,13 +10960,17 @@
               <a:rPr lang="en-US"/>
               <a:t>..... Seems too low? Maybe the method is bad?</a:t>
             </a:r>
+            <a:r>
+              <a:rPr lang="en" sz="1400"/>
+              <a:t>  </a:t>
+            </a:r>
             <a:endParaRPr lang="en-US"/>
           </a:p>
         </p:txBody>
       </p:sp>
       <p:sp>
         <p:nvSpPr>
-          <p:cNvPr id="212317964" name="Date Placeholder 3"/>
+          <p:cNvPr id="16184730" name="Date Placeholder 3"/>
           <p:cNvSpPr>
             <a:spLocks noChangeArrowheads="1" noGrp="1"/>
           </p:cNvSpPr>
@@ -10992,7 +10996,7 @@
       </p:sp>
       <p:sp>
         <p:nvSpPr>
-          <p:cNvPr id="746942617" name="Slide Number Placeholder 5"/>
+          <p:cNvPr id="31439894" name="Slide Number Placeholder 5"/>
           <p:cNvSpPr>
             <a:spLocks noChangeArrowheads="1" noGrp="1"/>
           </p:cNvSpPr>
@@ -11051,7 +11055,7 @@
       </p:grpSpPr>
       <p:sp>
         <p:nvSpPr>
-          <p:cNvPr id="1552507325" name="Title 3"/>
+          <p:cNvPr id="929415721" name="Title 3"/>
           <p:cNvSpPr>
             <a:spLocks noChangeArrowheads="1" noGrp="1"/>
           </p:cNvSpPr>
@@ -11106,7 +11110,7 @@
       </p:sp>
       <p:sp>
         <p:nvSpPr>
-          <p:cNvPr id="1394388968" name="Slide Number Placeholder 17"/>
+          <p:cNvPr id="1440047610" name="Slide Number Placeholder 17"/>
           <p:cNvSpPr>
             <a:spLocks noChangeArrowheads="1" noGrp="1"/>
           </p:cNvSpPr>
@@ -11151,7 +11155,7 @@
       </p:sp>
       <p:pic>
         <p:nvPicPr>
-          <p:cNvPr id="446475505" name="Picture 8" descr="A picture containing text, clipart&#10;&#10;Description automatically generated"/>
+          <p:cNvPr id="1609940863" name="Picture 8" descr="A picture containing text, clipart&#10;&#10;Description automatically generated"/>
           <p:cNvPicPr>
             <a:picLocks noChangeAspect="1"/>
           </p:cNvPicPr>
@@ -11178,7 +11182,7 @@
       </p:pic>
       <p:sp>
         <p:nvSpPr>
-          <p:cNvPr id="1328735118" name="TextBox 2"/>
+          <p:cNvPr id="1664498358" name="TextBox 2"/>
           <p:cNvSpPr/>
           <p:nvPr/>
         </p:nvSpPr>
@@ -11230,7 +11234,7 @@
       </p:sp>
       <p:sp>
         <p:nvSpPr>
-          <p:cNvPr id="332251019" name="Slide Number Placeholder 17"/>
+          <p:cNvPr id="1549264527" name="Slide Number Placeholder 17"/>
           <p:cNvSpPr/>
           <p:nvPr/>
         </p:nvSpPr>
@@ -11370,7 +11374,7 @@
       </p:sp>
       <p:sp>
         <p:nvSpPr>
-          <p:cNvPr id="152349859" name="TextBox 9"/>
+          <p:cNvPr id="2013617544" name="TextBox 9"/>
           <p:cNvSpPr/>
           <p:nvPr/>
         </p:nvSpPr>
@@ -11419,7 +11423,7 @@
       </p:sp>
       <p:grpSp>
         <p:nvGrpSpPr>
-          <p:cNvPr id="61865407" name="Group 12"/>
+          <p:cNvPr id="2075298682" name="Group 12"/>
           <p:cNvGrpSpPr/>
           <p:nvPr/>
         </p:nvGrpSpPr>
@@ -11912,7 +11916,7 @@
       </p:grpSp>
       <p:pic>
         <p:nvPicPr>
-          <p:cNvPr id="1851807187" name="Picture 10" descr="Heston Blumenthal: female chefs had to &quot;fight harder&quot; to be successful"/>
+          <p:cNvPr id="1812138053" name="Picture 10" descr="Heston Blumenthal: female chefs had to &quot;fight harder&quot; to be successful"/>
           <p:cNvPicPr>
             <a:picLocks noChangeAspect="1"/>
           </p:cNvPicPr>
@@ -11979,7 +11983,7 @@
       </p:grpSpPr>
       <p:sp>
         <p:nvSpPr>
-          <p:cNvPr id="1506090989" name="Title 3"/>
+          <p:cNvPr id="26228794" name="Title 3"/>
           <p:cNvSpPr>
             <a:spLocks noChangeArrowheads="1" noGrp="1"/>
           </p:cNvSpPr>
@@ -12034,7 +12038,7 @@
       </p:sp>
       <p:sp>
         <p:nvSpPr>
-          <p:cNvPr id="1677187807" name="Slide Number Placeholder 17"/>
+          <p:cNvPr id="637837584" name="Slide Number Placeholder 17"/>
           <p:cNvSpPr>
             <a:spLocks noChangeArrowheads="1" noGrp="1"/>
           </p:cNvSpPr>
@@ -12079,7 +12083,7 @@
       </p:sp>
       <p:pic>
         <p:nvPicPr>
-          <p:cNvPr id="1419373465" name="Picture 8" descr="A picture containing text, clipart&#10;&#10;Description automatically generated"/>
+          <p:cNvPr id="793730695" name="Picture 8" descr="A picture containing text, clipart&#10;&#10;Description automatically generated"/>
           <p:cNvPicPr>
             <a:picLocks noChangeAspect="1"/>
           </p:cNvPicPr>
@@ -12106,14 +12110,14 @@
       </p:pic>
       <p:sp>
         <p:nvSpPr>
-          <p:cNvPr id="521057437" name="TextBox 1"/>
+          <p:cNvPr id="1719153711" name="TextBox 1"/>
           <p:cNvSpPr/>
           <p:nvPr/>
         </p:nvSpPr>
         <p:spPr bwMode="auto">
           <a:xfrm>
-            <a:off x="1056004" y="1929764"/>
-            <a:ext cx="10135789" cy="4228946"/>
+            <a:off x="1056003" y="1929763"/>
+            <a:ext cx="10151988" cy="4873933"/>
           </a:xfrm>
           <a:prstGeom prst="rect">
             <a:avLst/>
@@ -12850,7 +12854,645 @@
               </a:rPr>
               <a:t>The Biot number is the Nusselt number, except the thermal conductivity is inside the object, rather than the fluid cooling it.</a:t>
             </a:r>
-            <a:endParaRPr sz="2000" b="0">
+            <a:endParaRPr lang="en" sz="2000" b="0" i="0" u="none" strike="noStrike" cap="none" spc="0">
+              <a:solidFill>
+                <a:schemeClr val="tx1"/>
+              </a:solidFill>
+              <a:latin typeface="Times New Roman"/>
+              <a:cs typeface="Times New Roman"/>
+            </a:endParaRPr>
+          </a:p>
+          <a:p>
+            <a:pPr algn="ctr">
+              <a:lnSpc>
+                <a:spcPct val="120000"/>
+              </a:lnSpc>
+              <a:spcBef>
+                <a:spcPts val="598"/>
+              </a:spcBef>
+              <a:spcAft>
+                <a:spcPts val="598"/>
+              </a:spcAft>
+              <a:defRPr/>
+            </a:pPr>
+            <a:r>
+              <a:rPr lang="en" sz="2000" b="0" i="0" u="none" strike="noStrike" cap="none" spc="0">
+                <a:solidFill>
+                  <a:schemeClr val="tx1"/>
+                </a:solidFill>
+                <a:latin typeface="Calibri"/>
+                <a:ea typeface="Calibri"/>
+                <a:cs typeface="Calibri"/>
+              </a:rPr>
+              <a:t>For our egg, </a:t>
+            </a:r>
+            <mc:AlternateContent xmlns:mc="http://schemas.openxmlformats.org/markup-compatibility/2006" xmlns:m="http://schemas.openxmlformats.org/officeDocument/2006/math">
+              <mc:Choice xmlns:a14="http://schemas.microsoft.com/office/drawing/2010/main" Requires="a14">
+                <a14:m>
+                  <m:oMathPara>
+                    <m:oMathParaPr/>
+                    <m:oMath>
+                      <m:r>
+                        <m:rPr>
+                          <m:sty m:val="p"/>
+                        </m:rPr>
+                        <a:rPr lang="en-US" sz="2000" u="none" strike="noStrike" cap="none" spc="0">
+                          <a:solidFill>
+                            <a:schemeClr val="tx1"/>
+                          </a:solidFill>
+                          <a:latin typeface="Cambria Math"/>
+                          <a:ea typeface="Cambria Math"/>
+                          <a:cs typeface="Cambria Math"/>
+                        </a:rPr>
+                        <m:t>Bi=</m:t>
+                      </m:r>
+                      <m:f>
+                        <m:fPr>
+                          <m:ctrlPr>
+                            <a:rPr lang="en-GB" sz="2000" b="0" i="1">
+                              <a:latin typeface="Cambria Math"/>
+                              <a:ea typeface="Cambria Math"/>
+                              <a:cs typeface="Cambria Math"/>
+                            </a:rPr>
+                          </m:ctrlPr>
+                        </m:fPr>
+                        <m:num>
+                          <m:r>
+                            <m:rPr/>
+                            <a:rPr lang="en-GB" sz="2000" b="0" i="1">
+                              <a:latin typeface="Cambria Math"/>
+                            </a:rPr>
+                            <m:t>h</m:t>
+                          </m:r>
+                          <m:sSub>
+                            <m:sSubPr>
+                              <m:ctrlPr>
+                                <a:rPr lang="en-GB" sz="2000" b="0" i="1">
+                                  <a:latin typeface="Cambria Math"/>
+                                  <a:ea typeface="Cambria Math"/>
+                                  <a:cs typeface="Cambria Math"/>
+                                </a:rPr>
+                              </m:ctrlPr>
+                            </m:sSubPr>
+                            <m:e>
+                              <m:r>
+                                <m:rPr/>
+                                <a:rPr lang="en-GB" sz="2000" b="0" i="1">
+                                  <a:latin typeface="Cambria Math"/>
+                                </a:rPr>
+                                <m:t> </m:t>
+                              </m:r>
+                              <m:r>
+                                <m:rPr/>
+                                <a:rPr lang="en-GB" sz="2000" b="0" i="1">
+                                  <a:latin typeface="Cambria Math"/>
+                                </a:rPr>
+                                <m:t>𝐿</m:t>
+                              </m:r>
+                            </m:e>
+                            <m:sub>
+                              <m:r>
+                                <m:rPr/>
+                                <a:rPr lang="en-GB" sz="2000" b="0" i="1">
+                                  <a:latin typeface="Cambria Math"/>
+                                </a:rPr>
+                                <m:t>𝑐</m:t>
+                              </m:r>
+                            </m:sub>
+                          </m:sSub>
+                        </m:num>
+                        <m:den>
+                          <m:r>
+                            <m:rPr/>
+                            <a:rPr lang="en-GB" sz="2000" b="0" i="1">
+                              <a:latin typeface="Cambria Math"/>
+                            </a:rPr>
+                            <m:t>𝑘</m:t>
+                          </m:r>
+                        </m:den>
+                      </m:f>
+                    </m:oMath>
+                  </m:oMathPara>
+                </a14:m>
+              </mc:Choice>
+              <mc:Fallback/>
+            </mc:AlternateContent>
+            <a:r>
+              <a:rPr lang="en" sz="2000" b="0" i="0" u="none" strike="noStrike" cap="none" spc="0">
+                <a:solidFill>
+                  <a:schemeClr val="tx1"/>
+                </a:solidFill>
+                <a:latin typeface="Calibri"/>
+                <a:ea typeface="Calibri"/>
+                <a:cs typeface="Calibri"/>
+              </a:rPr>
+              <a:t>, </a:t>
+            </a:r>
+            <a:r>
+              <a:rPr lang="en-GB" sz="2000" b="0" i="0" u="none" strike="noStrike" cap="none" spc="0">
+                <a:solidFill>
+                  <a:schemeClr val="tx1"/>
+                </a:solidFill>
+                <a:latin typeface="Helvetica"/>
+                <a:ea typeface="Helvetica"/>
+                <a:cs typeface="Helvetica"/>
+              </a:rPr>
+              <a:t>where </a:t>
+            </a:r>
+            <mc:AlternateContent xmlns:mc="http://schemas.openxmlformats.org/markup-compatibility/2006" xmlns:m="http://schemas.openxmlformats.org/officeDocument/2006/math">
+              <mc:Choice xmlns:a14="http://schemas.microsoft.com/office/drawing/2010/main" Requires="a14">
+                <a14:m>
+                  <m:oMathPara>
+                    <m:oMathParaPr/>
+                    <m:oMath>
+                      <m:sSub>
+                        <m:sSubPr>
+                          <m:ctrlPr>
+                            <a:rPr lang="en-GB" sz="2000" b="0" i="1">
+                              <a:latin typeface="Cambria Math"/>
+                              <a:ea typeface="Cambria Math"/>
+                              <a:cs typeface="Cambria Math"/>
+                            </a:rPr>
+                          </m:ctrlPr>
+                        </m:sSubPr>
+                        <m:e>
+                          <m:r>
+                            <m:rPr/>
+                            <a:rPr lang="en-GB" sz="2000" b="0" i="1">
+                              <a:latin typeface="Cambria Math"/>
+                              <a:ea typeface="Cambria Math"/>
+                              <a:cs typeface="Cambria Math"/>
+                            </a:rPr>
+                            <m:t>𝐿</m:t>
+                          </m:r>
+                        </m:e>
+                        <m:sub>
+                          <m:r>
+                            <m:rPr/>
+                            <a:rPr lang="en-GB" sz="2000" b="0" i="1">
+                              <a:latin typeface="Cambria Math"/>
+                              <a:ea typeface="Cambria Math"/>
+                              <a:cs typeface="Cambria Math"/>
+                            </a:rPr>
+                            <m:t>𝑐</m:t>
+                          </m:r>
+                        </m:sub>
+                      </m:sSub>
+                      <m:r>
+                        <m:rPr/>
+                        <a:rPr lang="en-GB" sz="2000" b="0" i="1">
+                          <a:latin typeface="Cambria Math"/>
+                          <a:ea typeface="Cambria Math"/>
+                          <a:cs typeface="Cambria Math"/>
+                        </a:rPr>
+                        <m:t>=</m:t>
+                      </m:r>
+                      <m:f>
+                        <m:fPr>
+                          <m:ctrlPr>
+                            <a:rPr lang="en-GB" sz="2000" b="0" i="1">
+                              <a:latin typeface="Cambria Math"/>
+                              <a:ea typeface="Cambria Math"/>
+                              <a:cs typeface="Cambria Math"/>
+                            </a:rPr>
+                          </m:ctrlPr>
+                        </m:fPr>
+                        <m:num>
+                          <m:r>
+                            <m:rPr/>
+                            <a:rPr lang="en-GB" sz="2000" b="0" i="1">
+                              <a:latin typeface="Cambria Math"/>
+                              <a:ea typeface="Cambria Math"/>
+                              <a:cs typeface="Cambria Math"/>
+                            </a:rPr>
+                            <m:t>𝑉</m:t>
+                          </m:r>
+                        </m:num>
+                        <m:den>
+                          <m:sSub>
+                            <m:sSubPr>
+                              <m:ctrlPr>
+                                <a:rPr lang="en-GB" sz="2000" b="0" i="1">
+                                  <a:latin typeface="Cambria Math"/>
+                                  <a:ea typeface="Cambria Math"/>
+                                  <a:cs typeface="Cambria Math"/>
+                                </a:rPr>
+                              </m:ctrlPr>
+                            </m:sSubPr>
+                            <m:e>
+                              <m:r>
+                                <m:rPr/>
+                                <a:rPr lang="en-GB" sz="2000" b="0" i="1">
+                                  <a:latin typeface="Cambria Math"/>
+                                  <a:ea typeface="Cambria Math"/>
+                                  <a:cs typeface="Cambria Math"/>
+                                </a:rPr>
+                                <m:t>𝐴</m:t>
+                              </m:r>
+                            </m:e>
+                            <m:sub>
+                              <m:r>
+                                <m:rPr/>
+                                <a:rPr lang="en-GB" sz="2000" b="0" i="1">
+                                  <a:latin typeface="Cambria Math"/>
+                                  <a:ea typeface="Cambria Math"/>
+                                  <a:cs typeface="Cambria Math"/>
+                                </a:rPr>
+                                <m:t>𝑠</m:t>
+                              </m:r>
+                            </m:sub>
+                          </m:sSub>
+                        </m:den>
+                      </m:f>
+                      <m:r>
+                        <m:rPr>
+                          <m:sty m:val="i"/>
+                        </m:rPr>
+                        <a:rPr lang="en-GB" sz="2000">
+                          <a:latin typeface="Cambria Math"/>
+                          <a:ea typeface="Cambria Math"/>
+                          <a:cs typeface="Cambria Math"/>
+                        </a:rPr>
+                        <m:t>=</m:t>
+                      </m:r>
+                      <m:d>
+                        <m:dPr>
+                          <m:begChr m:val="("/>
+                          <m:endChr m:val=")"/>
+                          <m:ctrlPr>
+                            <a:rPr lang="en-GB" sz="2000">
+                              <a:latin typeface="Cambria Math"/>
+                              <a:ea typeface="Cambria Math"/>
+                              <a:cs typeface="Cambria Math"/>
+                            </a:rPr>
+                          </m:ctrlPr>
+                        </m:dPr>
+                        <m:e>
+                          <m:f>
+                            <m:fPr>
+                              <m:ctrlPr>
+                                <a:rPr lang="en-GB" sz="2000">
+                                  <a:latin typeface="Cambria Math"/>
+                                  <a:ea typeface="Cambria Math"/>
+                                  <a:cs typeface="Cambria Math"/>
+                                </a:rPr>
+                              </m:ctrlPr>
+                            </m:fPr>
+                            <m:num>
+                              <m:r>
+                                <m:rPr>
+                                  <m:sty m:val="i"/>
+                                </m:rPr>
+                                <a:rPr lang="en-GB" sz="2000">
+                                  <a:latin typeface="Cambria Math"/>
+                                  <a:ea typeface="Cambria Math"/>
+                                  <a:cs typeface="Cambria Math"/>
+                                </a:rPr>
+                                <m:t>4</m:t>
+                              </m:r>
+                            </m:num>
+                            <m:den>
+                              <m:r>
+                                <m:rPr>
+                                  <m:sty m:val="i"/>
+                                </m:rPr>
+                                <a:rPr lang="en-GB" sz="2000">
+                                  <a:latin typeface="Cambria Math"/>
+                                  <a:ea typeface="Cambria Math"/>
+                                  <a:cs typeface="Cambria Math"/>
+                                </a:rPr>
+                                <m:t>3</m:t>
+                              </m:r>
+                            </m:den>
+                          </m:f>
+                        </m:e>
+                      </m:d>
+                      <m:f>
+                        <m:fPr>
+                          <m:ctrlPr>
+                            <a:rPr lang="en-GB" sz="2000">
+                              <a:latin typeface="Cambria Math"/>
+                              <a:ea typeface="Cambria Math"/>
+                              <a:cs typeface="Cambria Math"/>
+                            </a:rPr>
+                          </m:ctrlPr>
+                        </m:fPr>
+                        <m:num>
+                          <m:sSup>
+                            <m:sSupPr>
+                              <m:ctrlPr>
+                                <a:rPr lang="en-GB" sz="2000">
+                                  <a:latin typeface="Cambria Math"/>
+                                  <a:ea typeface="Cambria Math"/>
+                                  <a:cs typeface="Cambria Math"/>
+                                </a:rPr>
+                              </m:ctrlPr>
+                            </m:sSupPr>
+                            <m:e>
+                              <m:r>
+                                <m:rPr>
+                                  <m:sty m:val="i"/>
+                                </m:rPr>
+                                <a:rPr lang="en-GB" sz="2000">
+                                  <a:latin typeface="Cambria Math"/>
+                                  <a:ea typeface="Cambria Math"/>
+                                  <a:cs typeface="Cambria Math"/>
+                                </a:rPr>
+                                <m:t>πr</m:t>
+                              </m:r>
+                            </m:e>
+                            <m:sup>
+                              <m:r>
+                                <m:rPr>
+                                  <m:sty m:val="i"/>
+                                </m:rPr>
+                                <a:rPr lang="en-GB" sz="2000">
+                                  <a:latin typeface="Cambria Math"/>
+                                  <a:ea typeface="Cambria Math"/>
+                                  <a:cs typeface="Cambria Math"/>
+                                </a:rPr>
+                                <m:t>3</m:t>
+                              </m:r>
+                            </m:sup>
+                          </m:sSup>
+                        </m:num>
+                        <m:den>
+                          <m:sSup>
+                            <m:sSupPr>
+                              <m:ctrlPr>
+                                <a:rPr lang="en-GB" sz="2000">
+                                  <a:latin typeface="Cambria Math"/>
+                                  <a:ea typeface="Cambria Math"/>
+                                  <a:cs typeface="Cambria Math"/>
+                                </a:rPr>
+                              </m:ctrlPr>
+                            </m:sSupPr>
+                            <m:e>
+                              <m:r>
+                                <m:rPr/>
+                                <a:rPr lang="en-GB" sz="2000">
+                                  <a:latin typeface="Cambria Math"/>
+                                  <a:ea typeface="Cambria Math"/>
+                                  <a:cs typeface="Cambria Math"/>
+                                </a:rPr>
+                                <m:t>4πr</m:t>
+                              </m:r>
+                            </m:e>
+                            <m:sup>
+                              <m:r>
+                                <m:rPr/>
+                                <a:rPr lang="en-GB" sz="2000">
+                                  <a:latin typeface="Cambria Math"/>
+                                  <a:ea typeface="Cambria Math"/>
+                                  <a:cs typeface="Cambria Math"/>
+                                </a:rPr>
+                                <m:t>2</m:t>
+                              </m:r>
+                            </m:sup>
+                          </m:sSup>
+                        </m:den>
+                      </m:f>
+                      <m:r>
+                        <m:rPr/>
+                        <a:rPr lang="en-GB" sz="2000">
+                          <a:latin typeface="Cambria Math"/>
+                          <a:ea typeface="Cambria Math"/>
+                          <a:cs typeface="Cambria Math"/>
+                        </a:rPr>
+                        <m:t>=</m:t>
+                      </m:r>
+                      <m:f>
+                        <m:fPr>
+                          <m:ctrlPr>
+                            <a:rPr lang="en-GB" sz="2000">
+                              <a:latin typeface="Cambria Math"/>
+                              <a:ea typeface="Cambria Math"/>
+                              <a:cs typeface="Cambria Math"/>
+                            </a:rPr>
+                          </m:ctrlPr>
+                        </m:fPr>
+                        <m:num>
+                          <m:r>
+                            <m:rPr/>
+                            <a:rPr lang="en-GB" sz="2000">
+                              <a:latin typeface="Cambria Math"/>
+                              <a:ea typeface="Cambria Math"/>
+                              <a:cs typeface="Cambria Math"/>
+                            </a:rPr>
+                            <m:t>r</m:t>
+                          </m:r>
+                        </m:num>
+                        <m:den>
+                          <m:r>
+                            <m:rPr/>
+                            <a:rPr lang="en-GB" sz="2000">
+                              <a:latin typeface="Cambria Math"/>
+                              <a:ea typeface="Cambria Math"/>
+                              <a:cs typeface="Cambria Math"/>
+                            </a:rPr>
+                            <m:t>3</m:t>
+                          </m:r>
+                        </m:den>
+                      </m:f>
+                    </m:oMath>
+                  </m:oMathPara>
+                </a14:m>
+              </mc:Choice>
+              <mc:Fallback/>
+            </mc:AlternateContent>
+            <a:r>
+              <a:rPr lang="en" sz="2000" b="0" i="0" u="none" strike="noStrike" cap="none" spc="0">
+                <a:solidFill>
+                  <a:schemeClr val="tx1"/>
+                </a:solidFill>
+                <a:latin typeface="Calibri"/>
+                <a:ea typeface="Calibri"/>
+                <a:cs typeface="Calibri"/>
+              </a:rPr>
+              <a:t>, thus </a:t>
+            </a:r>
+            <mc:AlternateContent xmlns:mc="http://schemas.openxmlformats.org/markup-compatibility/2006" xmlns:m="http://schemas.openxmlformats.org/officeDocument/2006/math">
+              <mc:Choice xmlns:a14="http://schemas.microsoft.com/office/drawing/2010/main" Requires="a14">
+                <a14:m>
+                  <m:oMathPara>
+                    <m:oMathParaPr/>
+                    <m:oMath>
+                      <m:r>
+                        <m:rPr>
+                          <m:sty m:val="i"/>
+                        </m:rPr>
+                        <a:rPr lang="en-GB" sz="2000">
+                          <a:latin typeface="Cambria Math"/>
+                          <a:ea typeface="Cambria Math"/>
+                          <a:cs typeface="Cambria Math"/>
+                        </a:rPr>
+                        <m:t>Bi=</m:t>
+                      </m:r>
+                      <m:f>
+                        <m:fPr>
+                          <m:ctrlPr>
+                            <a:rPr lang="en-GB" sz="2000" b="0" i="1">
+                              <a:latin typeface="Cambria Math"/>
+                              <a:ea typeface="Cambria Math"/>
+                              <a:cs typeface="Cambria Math"/>
+                            </a:rPr>
+                          </m:ctrlPr>
+                        </m:fPr>
+                        <m:num>
+                          <m:r>
+                            <m:rPr/>
+                            <a:rPr lang="en-GB" sz="2000" b="0" i="1">
+                              <a:latin typeface="Cambria Math"/>
+                            </a:rPr>
+                            <m:t>hr</m:t>
+                          </m:r>
+                        </m:num>
+                        <m:den>
+                          <m:r>
+                            <m:rPr/>
+                            <a:rPr lang="en-GB" sz="2000" b="0" i="1">
+                              <a:latin typeface="Cambria Math"/>
+                            </a:rPr>
+                            <m:t>3 𝑘</m:t>
+                          </m:r>
+                        </m:den>
+                      </m:f>
+                      <m:r>
+                        <m:rPr>
+                          <m:sty m:val="i"/>
+                        </m:rPr>
+                        <a:rPr lang="en-GB" sz="2000">
+                          <a:latin typeface="Cambria Math"/>
+                          <a:ea typeface="Cambria Math"/>
+                          <a:cs typeface="Cambria Math"/>
+                        </a:rPr>
+                        <m:t>=</m:t>
+                      </m:r>
+                      <m:f>
+                        <m:fPr>
+                          <m:ctrlPr>
+                            <a:rPr lang="en-GB" sz="2000">
+                              <a:latin typeface="Cambria Math"/>
+                              <a:ea typeface="Cambria Math"/>
+                              <a:cs typeface="Cambria Math"/>
+                            </a:rPr>
+                          </m:ctrlPr>
+                        </m:fPr>
+                        <m:num>
+                          <m:r>
+                            <m:rPr>
+                              <m:sty m:val="i"/>
+                            </m:rPr>
+                            <a:rPr lang="en-GB" sz="2000">
+                              <a:latin typeface="Cambria Math"/>
+                              <a:ea typeface="Cambria Math"/>
+                              <a:cs typeface="Cambria Math"/>
+                            </a:rPr>
+                            <m:t>1000</m:t>
+                          </m:r>
+                          <m:r>
+                            <m:rPr>
+                              <m:sty m:val="i"/>
+                            </m:rPr>
+                            <a:rPr lang="en-GB" sz="2000" u="none" strike="noStrike" cap="none" spc="0">
+                              <a:solidFill>
+                                <a:schemeClr val="tx1"/>
+                              </a:solidFill>
+                              <a:latin typeface="Cambria Math"/>
+                              <a:ea typeface="Cambria Math"/>
+                              <a:cs typeface="Cambria Math"/>
+                            </a:rPr>
+                            <m:t>×</m:t>
+                          </m:r>
+                          <m:r>
+                            <m:rPr>
+                              <m:sty m:val="i"/>
+                            </m:rPr>
+                            <a:rPr lang="en-GB" sz="2000">
+                              <a:latin typeface="Cambria Math"/>
+                              <a:ea typeface="Cambria Math"/>
+                              <a:cs typeface="Cambria Math"/>
+                            </a:rPr>
+                            <m:t>0.025</m:t>
+                          </m:r>
+                        </m:num>
+                        <m:den>
+                          <m:r>
+                            <m:rPr>
+                              <m:sty m:val="i"/>
+                            </m:rPr>
+                            <a:rPr lang="en-GB" sz="2000">
+                              <a:latin typeface="Cambria Math"/>
+                              <a:ea typeface="Cambria Math"/>
+                              <a:cs typeface="Cambria Math"/>
+                            </a:rPr>
+                            <m:t>3</m:t>
+                          </m:r>
+                          <m:r>
+                            <m:rPr>
+                              <m:sty m:val="i"/>
+                            </m:rPr>
+                            <a:rPr lang="en-GB" sz="2000" u="none" strike="noStrike" cap="none" spc="0">
+                              <a:solidFill>
+                                <a:schemeClr val="tx1"/>
+                              </a:solidFill>
+                              <a:latin typeface="Cambria Math"/>
+                              <a:ea typeface="Cambria Math"/>
+                              <a:cs typeface="Cambria Math"/>
+                            </a:rPr>
+                            <m:t>×</m:t>
+                          </m:r>
+                          <m:r>
+                            <m:rPr>
+                              <m:sty m:val="i"/>
+                            </m:rPr>
+                            <a:rPr lang="en-GB" sz="2000">
+                              <a:latin typeface="Cambria Math"/>
+                              <a:ea typeface="Cambria Math"/>
+                              <a:cs typeface="Cambria Math"/>
+                            </a:rPr>
+                            <m:t>0.66</m:t>
+                          </m:r>
+                        </m:den>
+                      </m:f>
+                      <m:r>
+                        <m:rPr>
+                          <m:sty m:val="i"/>
+                        </m:rPr>
+                        <a:rPr lang="en-GB" sz="2000" u="none" strike="noStrike" cap="none" spc="0">
+                          <a:solidFill>
+                            <a:schemeClr val="tx1"/>
+                          </a:solidFill>
+                          <a:latin typeface="Cambria Math"/>
+                          <a:ea typeface="Cambria Math"/>
+                          <a:cs typeface="Cambria Math"/>
+                        </a:rPr>
+                        <m:t>≈</m:t>
+                      </m:r>
+                      <m:r>
+                        <m:rPr>
+                          <m:sty m:val="i"/>
+                        </m:rPr>
+                        <a:rPr lang="en-GB" sz="2000">
+                          <a:latin typeface="Cambria Math"/>
+                          <a:ea typeface="Cambria Math"/>
+                          <a:cs typeface="Cambria Math"/>
+                        </a:rPr>
+                        <m:t>12.63</m:t>
+                      </m:r>
+                    </m:oMath>
+                  </m:oMathPara>
+                </a14:m>
+              </mc:Choice>
+              <mc:Fallback/>
+            </mc:AlternateContent>
+            <a:r>
+              <a:rPr lang="en" sz="2000" b="0">
+                <a:latin typeface="Helvetica"/>
+              </a:rPr>
+              <a:t>!</a:t>
+            </a:r>
+            <a:endParaRPr lang="en" sz="2000" b="0">
               <a:latin typeface="Helvetica"/>
             </a:endParaRPr>
           </a:p>
@@ -12858,7 +13500,7 @@
       </p:sp>
       <p:sp>
         <p:nvSpPr>
-          <p:cNvPr id="783042575" name="TextBox 2"/>
+          <p:cNvPr id="252581315" name="TextBox 2"/>
           <p:cNvSpPr/>
           <p:nvPr/>
         </p:nvSpPr>
@@ -12910,7 +13552,7 @@
       </p:sp>
       <p:sp>
         <p:nvSpPr>
-          <p:cNvPr id="111858358" name="Slide Number Placeholder 17"/>
+          <p:cNvPr id="718798725" name="Slide Number Placeholder 17"/>
           <p:cNvSpPr/>
           <p:nvPr/>
         </p:nvSpPr>
@@ -13090,7 +13732,7 @@
       </p:grpSpPr>
       <p:sp>
         <p:nvSpPr>
-          <p:cNvPr id="567536390" name="Title 3"/>
+          <p:cNvPr id="1507864091" name="Title 3"/>
           <p:cNvSpPr>
             <a:spLocks noChangeArrowheads="1" noGrp="1"/>
           </p:cNvSpPr>
@@ -13145,7 +13787,7 @@
       </p:sp>
       <p:sp>
         <p:nvSpPr>
-          <p:cNvPr id="1311221487" name="Slide Number Placeholder 17"/>
+          <p:cNvPr id="1663780936" name="Slide Number Placeholder 17"/>
           <p:cNvSpPr>
             <a:spLocks noChangeArrowheads="1" noGrp="1"/>
           </p:cNvSpPr>
@@ -13190,7 +13832,7 @@
       </p:sp>
       <p:pic>
         <p:nvPicPr>
-          <p:cNvPr id="613855519" name="Picture 8" descr="A picture containing text, clipart&#10;&#10;Description automatically generated"/>
+          <p:cNvPr id="1861471184" name="Picture 8" descr="A picture containing text, clipart&#10;&#10;Description automatically generated"/>
           <p:cNvPicPr>
             <a:picLocks noChangeAspect="1"/>
           </p:cNvPicPr>
@@ -13217,7 +13859,7 @@
       </p:pic>
       <p:sp>
         <p:nvSpPr>
-          <p:cNvPr id="782836428" name="TextBox 2"/>
+          <p:cNvPr id="774273780" name="TextBox 2"/>
           <p:cNvSpPr/>
           <p:nvPr/>
         </p:nvSpPr>
@@ -13269,7 +13911,7 @@
       </p:sp>
       <p:sp>
         <p:nvSpPr>
-          <p:cNvPr id="1494815801" name="Slide Number Placeholder 17"/>
+          <p:cNvPr id="682020015" name="Slide Number Placeholder 17"/>
           <p:cNvSpPr/>
           <p:nvPr/>
         </p:nvSpPr>
@@ -13409,7 +14051,7 @@
       </p:sp>
       <p:pic>
         <p:nvPicPr>
-          <p:cNvPr id="1033356842" name="Picture 6" descr="Diagram"/>
+          <p:cNvPr id="1775919964" name="Picture 6" descr="Diagram"/>
           <p:cNvPicPr>
             <a:picLocks noChangeAspect="1"/>
           </p:cNvPicPr>
@@ -13436,7 +14078,7 @@
       </p:pic>
       <p:sp>
         <p:nvSpPr>
-          <p:cNvPr id="1166323839" name="TextBox 9"/>
+          <p:cNvPr id="1130546758" name="TextBox 9"/>
           <p:cNvSpPr/>
           <p:nvPr/>
         </p:nvSpPr>
@@ -13861,7 +14503,7 @@
       </p:sp>
       <p:sp>
         <p:nvSpPr>
-          <p:cNvPr id="940581391" name="TextBox 11"/>
+          <p:cNvPr id="1265860343" name="TextBox 11"/>
           <p:cNvSpPr/>
           <p:nvPr/>
         </p:nvSpPr>
@@ -13970,7 +14612,7 @@
       </p:grpSpPr>
       <p:sp>
         <p:nvSpPr>
-          <p:cNvPr id="1329369767" name="Title 1"/>
+          <p:cNvPr id="1406683444" name="Title 1"/>
           <p:cNvSpPr>
             <a:spLocks noChangeArrowheads="1" noGrp="1"/>
           </p:cNvSpPr>
@@ -13996,7 +14638,7 @@
       </p:sp>
       <p:sp>
         <p:nvSpPr>
-          <p:cNvPr id="1669707584" name="Content Placeholder 2"/>
+          <p:cNvPr id="1117410481" name="Content Placeholder 2"/>
           <p:cNvSpPr>
             <a:spLocks noChangeArrowheads="1" noGrp="1"/>
           </p:cNvSpPr>
@@ -15412,7 +16054,7 @@
       </p:sp>
       <p:sp>
         <p:nvSpPr>
-          <p:cNvPr id="1071370198" name="Date Placeholder 3"/>
+          <p:cNvPr id="719750664" name="Date Placeholder 3"/>
           <p:cNvSpPr>
             <a:spLocks noChangeArrowheads="1" noGrp="1"/>
           </p:cNvSpPr>
@@ -15438,7 +16080,7 @@
       </p:sp>
       <p:sp>
         <p:nvSpPr>
-          <p:cNvPr id="991870878" name="Slide Number Placeholder 5"/>
+          <p:cNvPr id="989572779" name="Slide Number Placeholder 5"/>
           <p:cNvSpPr>
             <a:spLocks noChangeArrowheads="1" noGrp="1"/>
           </p:cNvSpPr>
@@ -15497,7 +16139,7 @@
       </p:grpSpPr>
       <p:sp>
         <p:nvSpPr>
-          <p:cNvPr id="637712135" name="Title 3"/>
+          <p:cNvPr id="1087284172" name="Title 3"/>
           <p:cNvSpPr>
             <a:spLocks noChangeArrowheads="1" noGrp="1"/>
           </p:cNvSpPr>
@@ -15552,7 +16194,7 @@
       </p:sp>
       <p:sp>
         <p:nvSpPr>
-          <p:cNvPr id="1028886333" name="Slide Number Placeholder 17"/>
+          <p:cNvPr id="1752583782" name="Slide Number Placeholder 17"/>
           <p:cNvSpPr>
             <a:spLocks noChangeArrowheads="1" noGrp="1"/>
           </p:cNvSpPr>
@@ -15597,7 +16239,7 @@
       </p:sp>
       <p:pic>
         <p:nvPicPr>
-          <p:cNvPr id="760118877" name="Picture 8" descr="A picture containing text, clipart&#10;&#10;Description automatically generated"/>
+          <p:cNvPr id="430878188" name="Picture 8" descr="A picture containing text, clipart&#10;&#10;Description automatically generated"/>
           <p:cNvPicPr>
             <a:picLocks noChangeAspect="1"/>
           </p:cNvPicPr>
@@ -15624,7 +16266,7 @@
       </p:pic>
       <p:sp>
         <p:nvSpPr>
-          <p:cNvPr id="1296860994" name="TextBox 1"/>
+          <p:cNvPr id="1607495148" name="TextBox 1"/>
           <p:cNvSpPr/>
           <p:nvPr/>
         </p:nvSpPr>
@@ -15691,7 +16333,7 @@
       </p:sp>
       <p:sp>
         <p:nvSpPr>
-          <p:cNvPr id="251141457" name="Slide Number Placeholder 17"/>
+          <p:cNvPr id="1664028370" name="Slide Number Placeholder 17"/>
           <p:cNvSpPr/>
           <p:nvPr/>
         </p:nvSpPr>
@@ -15831,7 +16473,7 @@
       </p:sp>
       <p:sp>
         <p:nvSpPr>
-          <p:cNvPr id="2062692491" name="TextBox 4"/>
+          <p:cNvPr id="866838513" name="TextBox 4"/>
           <p:cNvSpPr/>
           <p:nvPr/>
         </p:nvSpPr>
@@ -16028,7 +16670,7 @@
       </p:sp>
       <p:sp>
         <p:nvSpPr>
-          <p:cNvPr id="1834343231" name="TextBox 6"/>
+          <p:cNvPr id="1500149509" name="TextBox 6"/>
           <p:cNvSpPr/>
           <p:nvPr/>
         </p:nvSpPr>
@@ -16120,7 +16762,7 @@
       </p:grpSpPr>
       <p:sp>
         <p:nvSpPr>
-          <p:cNvPr id="1591296690" name="Title 3"/>
+          <p:cNvPr id="1233941935" name="Title 3"/>
           <p:cNvSpPr>
             <a:spLocks noChangeArrowheads="1" noGrp="1"/>
           </p:cNvSpPr>
@@ -16175,7 +16817,7 @@
       </p:sp>
       <p:sp>
         <p:nvSpPr>
-          <p:cNvPr id="891650845" name="Slide Number Placeholder 17"/>
+          <p:cNvPr id="1974016952" name="Slide Number Placeholder 17"/>
           <p:cNvSpPr>
             <a:spLocks noChangeArrowheads="1" noGrp="1"/>
           </p:cNvSpPr>
@@ -16220,7 +16862,7 @@
       </p:sp>
       <p:sp>
         <p:nvSpPr>
-          <p:cNvPr id="871035540" name="Slide Number Placeholder 17"/>
+          <p:cNvPr id="1353365138" name="Slide Number Placeholder 17"/>
           <p:cNvSpPr/>
           <p:nvPr/>
         </p:nvSpPr>
@@ -16360,7 +17002,7 @@
       </p:sp>
       <p:pic>
         <p:nvPicPr>
-          <p:cNvPr id="560236754" name="Picture 8" descr="A picture containing text, clipart&#10;&#10;Description automatically generated"/>
+          <p:cNvPr id="1051339399" name="Picture 8" descr="A picture containing text, clipart&#10;&#10;Description automatically generated"/>
           <p:cNvPicPr>
             <a:picLocks noChangeAspect="1"/>
           </p:cNvPicPr>
@@ -16387,7 +17029,7 @@
       </p:pic>
       <p:sp>
         <p:nvSpPr>
-          <p:cNvPr id="112981680" name="TextBox 7"/>
+          <p:cNvPr id="211800533" name="TextBox 7"/>
           <p:cNvSpPr/>
           <p:nvPr/>
         </p:nvSpPr>
@@ -16484,7 +17126,7 @@
       </p:sp>
       <p:sp>
         <p:nvSpPr>
-          <p:cNvPr id="858430169" name="TextBox 1"/>
+          <p:cNvPr id="971750856" name="TextBox 1"/>
           <p:cNvSpPr/>
           <p:nvPr/>
         </p:nvSpPr>
@@ -16587,7 +17229,7 @@
       </p:grpSpPr>
       <p:sp>
         <p:nvSpPr>
-          <p:cNvPr id="712377514" name="Title 3"/>
+          <p:cNvPr id="760353076" name="Title 3"/>
           <p:cNvSpPr>
             <a:spLocks noChangeArrowheads="1" noGrp="1"/>
           </p:cNvSpPr>
@@ -16642,7 +17284,7 @@
       </p:sp>
       <p:sp>
         <p:nvSpPr>
-          <p:cNvPr id="1198034721" name="Slide Number Placeholder 17"/>
+          <p:cNvPr id="1481623741" name="Slide Number Placeholder 17"/>
           <p:cNvSpPr>
             <a:spLocks noChangeArrowheads="1" noGrp="1"/>
           </p:cNvSpPr>
@@ -16687,7 +17329,7 @@
       </p:sp>
       <p:pic>
         <p:nvPicPr>
-          <p:cNvPr id="1781171656" name="Picture 2" descr="A picture containing text, clipart&#10;&#10;Description automatically generated"/>
+          <p:cNvPr id="1725424404" name="Picture 2" descr="A picture containing text, clipart&#10;&#10;Description automatically generated"/>
           <p:cNvPicPr>
             <a:picLocks noChangeAspect="1"/>
           </p:cNvPicPr>
@@ -16714,7 +17356,7 @@
       </p:pic>
       <p:sp>
         <p:nvSpPr>
-          <p:cNvPr id="1829523029" name="Slide Number Placeholder 17"/>
+          <p:cNvPr id="406420017" name="Slide Number Placeholder 17"/>
           <p:cNvSpPr/>
           <p:nvPr/>
         </p:nvSpPr>
@@ -16894,7 +17536,7 @@
       </p:grpSpPr>
       <p:sp>
         <p:nvSpPr>
-          <p:cNvPr id="1593339832" name="Title 3"/>
+          <p:cNvPr id="1236940349" name="Title 3"/>
           <p:cNvSpPr>
             <a:spLocks noChangeArrowheads="1" noGrp="1"/>
           </p:cNvSpPr>
@@ -16949,7 +17591,7 @@
       </p:sp>
       <p:sp>
         <p:nvSpPr>
-          <p:cNvPr id="896564418" name="Slide Number Placeholder 17"/>
+          <p:cNvPr id="351188638" name="Slide Number Placeholder 17"/>
           <p:cNvSpPr>
             <a:spLocks noChangeArrowheads="1" noGrp="1"/>
           </p:cNvSpPr>
@@ -16994,7 +17636,7 @@
       </p:sp>
       <p:pic>
         <p:nvPicPr>
-          <p:cNvPr id="591625467" name="Picture 8" descr="A picture containing text, clipart&#10;&#10;Description automatically generated"/>
+          <p:cNvPr id="1795511885" name="Picture 8" descr="A picture containing text, clipart&#10;&#10;Description automatically generated"/>
           <p:cNvPicPr>
             <a:picLocks noChangeAspect="1"/>
           </p:cNvPicPr>
@@ -17021,7 +17663,7 @@
       </p:pic>
       <p:sp>
         <p:nvSpPr>
-          <p:cNvPr id="1685821267" name="TextBox 1"/>
+          <p:cNvPr id="1774061191" name="TextBox 1"/>
           <p:cNvSpPr/>
           <p:nvPr/>
         </p:nvSpPr>
@@ -17254,7 +17896,7 @@
       </p:sp>
       <p:sp>
         <p:nvSpPr>
-          <p:cNvPr id="586131432" name="TextBox 2"/>
+          <p:cNvPr id="311519297" name="TextBox 2"/>
           <p:cNvSpPr/>
           <p:nvPr/>
         </p:nvSpPr>
@@ -17306,7 +17948,7 @@
       </p:sp>
       <p:sp>
         <p:nvSpPr>
-          <p:cNvPr id="793137665" name="Slide Number Placeholder 17"/>
+          <p:cNvPr id="1826811032" name="Slide Number Placeholder 17"/>
           <p:cNvSpPr/>
           <p:nvPr/>
         </p:nvSpPr>
@@ -17446,7 +18088,7 @@
       </p:sp>
       <p:pic>
         <p:nvPicPr>
-          <p:cNvPr id="1442734941" name="Picture 2" descr="The Absolute Best Way To Boil Eggs"/>
+          <p:cNvPr id="1056227015" name="Picture 2" descr="The Absolute Best Way To Boil Eggs"/>
           <p:cNvPicPr>
             <a:picLocks noChangeAspect="1"/>
           </p:cNvPicPr>
@@ -17473,7 +18115,7 @@
       </p:pic>
       <p:pic>
         <p:nvPicPr>
-          <p:cNvPr id="1867369092" name="Picture 6" descr="A picture containing dark, light"/>
+          <p:cNvPr id="2049933912" name="Picture 6" descr="A picture containing dark, light"/>
           <p:cNvPicPr>
             <a:picLocks noChangeAspect="1"/>
           </p:cNvPicPr>
@@ -17541,7 +18183,7 @@
       </p:grpSpPr>
       <p:sp>
         <p:nvSpPr>
-          <p:cNvPr id="1075598641" name="Title 3"/>
+          <p:cNvPr id="1205668549" name="Title 3"/>
           <p:cNvSpPr>
             <a:spLocks noChangeArrowheads="1" noGrp="1"/>
           </p:cNvSpPr>
@@ -17596,7 +18238,7 @@
       </p:sp>
       <p:sp>
         <p:nvSpPr>
-          <p:cNvPr id="1411538836" name="Slide Number Placeholder 17"/>
+          <p:cNvPr id="238537209" name="Slide Number Placeholder 17"/>
           <p:cNvSpPr>
             <a:spLocks noChangeArrowheads="1" noGrp="1"/>
           </p:cNvSpPr>
@@ -17641,7 +18283,7 @@
       </p:sp>
       <p:pic>
         <p:nvPicPr>
-          <p:cNvPr id="178034162" name="Picture 8" descr="A picture containing text, clipart&#10;&#10;Description automatically generated"/>
+          <p:cNvPr id="1491203998" name="Picture 8" descr="A picture containing text, clipart&#10;&#10;Description automatically generated"/>
           <p:cNvPicPr>
             <a:picLocks noChangeAspect="1"/>
           </p:cNvPicPr>
@@ -17668,7 +18310,7 @@
       </p:pic>
       <p:sp>
         <p:nvSpPr>
-          <p:cNvPr id="1936770293" name="TextBox 2"/>
+          <p:cNvPr id="935705723" name="TextBox 2"/>
           <p:cNvSpPr/>
           <p:nvPr/>
         </p:nvSpPr>
@@ -17720,7 +18362,7 @@
       </p:sp>
       <p:sp>
         <p:nvSpPr>
-          <p:cNvPr id="63030364" name="Slide Number Placeholder 17"/>
+          <p:cNvPr id="1150265729" name="Slide Number Placeholder 17"/>
           <p:cNvSpPr/>
           <p:nvPr/>
         </p:nvSpPr>
@@ -17860,7 +18502,7 @@
       </p:sp>
       <p:sp>
         <p:nvSpPr>
-          <p:cNvPr id="1198762143" name="TextBox 4"/>
+          <p:cNvPr id="444509710" name="TextBox 4"/>
           <p:cNvSpPr/>
           <p:nvPr/>
         </p:nvSpPr>
@@ -18216,7 +18858,7 @@
       </p:sp>
       <p:grpSp>
         <p:nvGrpSpPr>
-          <p:cNvPr id="802929377" name="Group 14"/>
+          <p:cNvPr id="1401491703" name="Group 14"/>
           <p:cNvGrpSpPr/>
           <p:nvPr/>
         </p:nvGrpSpPr>
@@ -18335,7 +18977,7 @@
       </p:grpSp>
       <p:grpSp>
         <p:nvGrpSpPr>
-          <p:cNvPr id="948126806" name="Group 15"/>
+          <p:cNvPr id="1897556390" name="Group 15"/>
           <p:cNvGrpSpPr/>
           <p:nvPr/>
         </p:nvGrpSpPr>
@@ -18494,7 +19136,7 @@
       </p:grpSpPr>
       <p:sp>
         <p:nvSpPr>
-          <p:cNvPr id="735060072" name="Title 3"/>
+          <p:cNvPr id="347066140" name="Title 3"/>
           <p:cNvSpPr>
             <a:spLocks noChangeArrowheads="1" noGrp="1"/>
           </p:cNvSpPr>
@@ -18549,7 +19191,7 @@
       </p:sp>
       <p:sp>
         <p:nvSpPr>
-          <p:cNvPr id="276958085" name="Slide Number Placeholder 17"/>
+          <p:cNvPr id="269592350" name="Slide Number Placeholder 17"/>
           <p:cNvSpPr>
             <a:spLocks noChangeArrowheads="1" noGrp="1"/>
           </p:cNvSpPr>
@@ -18594,7 +19236,7 @@
       </p:sp>
       <p:pic>
         <p:nvPicPr>
-          <p:cNvPr id="1600804978" name="Picture 8" descr="A picture containing text, clipart&#10;&#10;Description automatically generated"/>
+          <p:cNvPr id="828747747" name="Picture 8" descr="A picture containing text, clipart&#10;&#10;Description automatically generated"/>
           <p:cNvPicPr>
             <a:picLocks noChangeAspect="1"/>
           </p:cNvPicPr>
@@ -18621,7 +19263,7 @@
       </p:pic>
       <p:sp>
         <p:nvSpPr>
-          <p:cNvPr id="178248294" name="TextBox 2"/>
+          <p:cNvPr id="115787759" name="TextBox 2"/>
           <p:cNvSpPr/>
           <p:nvPr/>
         </p:nvSpPr>
@@ -18673,7 +19315,7 @@
       </p:sp>
       <p:sp>
         <p:nvSpPr>
-          <p:cNvPr id="1427023981" name="Slide Number Placeholder 17"/>
+          <p:cNvPr id="1357923307" name="Slide Number Placeholder 17"/>
           <p:cNvSpPr/>
           <p:nvPr/>
         </p:nvSpPr>
@@ -18813,7 +19455,7 @@
       </p:sp>
       <p:sp>
         <p:nvSpPr>
-          <p:cNvPr id="67868434" name="TextBox 4"/>
+          <p:cNvPr id="193551303" name="TextBox 4"/>
           <p:cNvSpPr/>
           <p:nvPr/>
         </p:nvSpPr>
@@ -19269,7 +19911,7 @@
       </p:sp>
       <p:grpSp>
         <p:nvGrpSpPr>
-          <p:cNvPr id="657697711" name="Group 14"/>
+          <p:cNvPr id="297365339" name="Group 14"/>
           <p:cNvGrpSpPr/>
           <p:nvPr/>
         </p:nvGrpSpPr>
@@ -19388,7 +20030,7 @@
       </p:grpSp>
       <p:grpSp>
         <p:nvGrpSpPr>
-          <p:cNvPr id="370229489" name="Group 15"/>
+          <p:cNvPr id="741569681" name="Group 15"/>
           <p:cNvGrpSpPr/>
           <p:nvPr/>
         </p:nvGrpSpPr>
@@ -19547,7 +20189,7 @@
       </p:grpSpPr>
       <p:sp>
         <p:nvSpPr>
-          <p:cNvPr id="1368875839" name="Title 3"/>
+          <p:cNvPr id="1183301279" name="Title 3"/>
           <p:cNvSpPr>
             <a:spLocks noChangeArrowheads="1" noGrp="1"/>
           </p:cNvSpPr>
@@ -19602,7 +20244,7 @@
       </p:sp>
       <p:sp>
         <p:nvSpPr>
-          <p:cNvPr id="1824676525" name="Slide Number Placeholder 17"/>
+          <p:cNvPr id="1218578183" name="Slide Number Placeholder 17"/>
           <p:cNvSpPr>
             <a:spLocks noChangeArrowheads="1" noGrp="1"/>
           </p:cNvSpPr>
@@ -19647,7 +20289,7 @@
       </p:sp>
       <p:pic>
         <p:nvPicPr>
-          <p:cNvPr id="540144193" name="Picture 8" descr="A picture containing text, clipart&#10;&#10;Description automatically generated"/>
+          <p:cNvPr id="1067188591" name="Picture 8" descr="A picture containing text, clipart&#10;&#10;Description automatically generated"/>
           <p:cNvPicPr>
             <a:picLocks noChangeAspect="1"/>
           </p:cNvPicPr>
@@ -19674,7 +20316,7 @@
       </p:pic>
       <p:sp>
         <p:nvSpPr>
-          <p:cNvPr id="1624036073" name="TextBox 1"/>
+          <p:cNvPr id="664615314" name="TextBox 1"/>
           <p:cNvSpPr/>
           <p:nvPr/>
         </p:nvSpPr>
@@ -19924,7 +20566,7 @@
       </p:sp>
       <p:sp>
         <p:nvSpPr>
-          <p:cNvPr id="681116346" name="TextBox 2"/>
+          <p:cNvPr id="501959935" name="TextBox 2"/>
           <p:cNvSpPr/>
           <p:nvPr/>
         </p:nvSpPr>
@@ -19976,7 +20618,7 @@
       </p:sp>
       <p:sp>
         <p:nvSpPr>
-          <p:cNvPr id="96685868" name="Slide Number Placeholder 17"/>
+          <p:cNvPr id="1957641881" name="Slide Number Placeholder 17"/>
           <p:cNvSpPr/>
           <p:nvPr/>
         </p:nvSpPr>
@@ -20156,7 +20798,7 @@
       </p:grpSpPr>
       <p:sp>
         <p:nvSpPr>
-          <p:cNvPr id="684529462" name="Title 3"/>
+          <p:cNvPr id="1729714111" name="Title 3"/>
           <p:cNvSpPr>
             <a:spLocks noChangeArrowheads="1" noGrp="1"/>
           </p:cNvSpPr>
@@ -20211,7 +20853,7 @@
       </p:sp>
       <p:sp>
         <p:nvSpPr>
-          <p:cNvPr id="1580437120" name="Slide Number Placeholder 17"/>
+          <p:cNvPr id="1411184981" name="Slide Number Placeholder 17"/>
           <p:cNvSpPr>
             <a:spLocks noChangeArrowheads="1" noGrp="1"/>
           </p:cNvSpPr>
@@ -20256,7 +20898,7 @@
       </p:sp>
       <p:pic>
         <p:nvPicPr>
-          <p:cNvPr id="1404374090" name="Picture 8" descr="A picture containing text, clipart&#10;&#10;Description automatically generated"/>
+          <p:cNvPr id="1371596759" name="Picture 8" descr="A picture containing text, clipart&#10;&#10;Description automatically generated"/>
           <p:cNvPicPr>
             <a:picLocks noChangeAspect="1"/>
           </p:cNvPicPr>
@@ -20283,7 +20925,7 @@
       </p:pic>
       <p:sp>
         <p:nvSpPr>
-          <p:cNvPr id="679448903" name="TextBox 1"/>
+          <p:cNvPr id="2030230605" name="TextBox 1"/>
           <p:cNvSpPr/>
           <p:nvPr/>
         </p:nvSpPr>
@@ -20337,7 +20979,7 @@
       </p:sp>
       <p:sp>
         <p:nvSpPr>
-          <p:cNvPr id="2072074524" name="TextBox 2"/>
+          <p:cNvPr id="1317710292" name="TextBox 2"/>
           <p:cNvSpPr/>
           <p:nvPr/>
         </p:nvSpPr>
@@ -20389,7 +21031,7 @@
       </p:sp>
       <p:sp>
         <p:nvSpPr>
-          <p:cNvPr id="630076046" name="Slide Number Placeholder 17"/>
+          <p:cNvPr id="2042662274" name="Slide Number Placeholder 17"/>
           <p:cNvSpPr/>
           <p:nvPr/>
         </p:nvSpPr>
@@ -20529,7 +21171,7 @@
       </p:sp>
       <p:grpSp>
         <p:nvGrpSpPr>
-          <p:cNvPr id="1325930906" name="Group 10"/>
+          <p:cNvPr id="1531918897" name="Group 10"/>
           <p:cNvGrpSpPr/>
           <p:nvPr/>
         </p:nvGrpSpPr>
@@ -20719,7 +21361,7 @@
       </p:grpSpPr>
       <p:sp>
         <p:nvSpPr>
-          <p:cNvPr id="7260810" name="Title 3"/>
+          <p:cNvPr id="1042319654" name="Title 3"/>
           <p:cNvSpPr>
             <a:spLocks noChangeArrowheads="1" noGrp="1"/>
           </p:cNvSpPr>
@@ -20774,7 +21416,7 @@
       </p:sp>
       <p:sp>
         <p:nvSpPr>
-          <p:cNvPr id="101229371" name="Slide Number Placeholder 17"/>
+          <p:cNvPr id="2009439232" name="Slide Number Placeholder 17"/>
           <p:cNvSpPr>
             <a:spLocks noChangeArrowheads="1" noGrp="1"/>
           </p:cNvSpPr>
@@ -20819,7 +21461,7 @@
       </p:sp>
       <p:pic>
         <p:nvPicPr>
-          <p:cNvPr id="2100160703" name="Picture 8" descr="A picture containing text, clipart&#10;&#10;Description automatically generated"/>
+          <p:cNvPr id="788470067" name="Picture 8" descr="A picture containing text, clipart&#10;&#10;Description automatically generated"/>
           <p:cNvPicPr>
             <a:picLocks noChangeAspect="1"/>
           </p:cNvPicPr>
@@ -20846,7 +21488,7 @@
       </p:pic>
       <p:sp>
         <p:nvSpPr>
-          <p:cNvPr id="614591266" name="TextBox 1"/>
+          <p:cNvPr id="383296313" name="TextBox 1"/>
           <p:cNvSpPr/>
           <p:nvPr/>
         </p:nvSpPr>
@@ -21696,7 +22338,7 @@
       </p:sp>
       <p:sp>
         <p:nvSpPr>
-          <p:cNvPr id="1578334555" name="TextBox 2"/>
+          <p:cNvPr id="1059366405" name="TextBox 2"/>
           <p:cNvSpPr/>
           <p:nvPr/>
         </p:nvSpPr>
@@ -21748,7 +22390,7 @@
       </p:sp>
       <p:sp>
         <p:nvSpPr>
-          <p:cNvPr id="2071073099" name="Slide Number Placeholder 17"/>
+          <p:cNvPr id="1823344292" name="Slide Number Placeholder 17"/>
           <p:cNvSpPr/>
           <p:nvPr/>
         </p:nvSpPr>
@@ -21888,7 +22530,7 @@
       </p:sp>
       <p:grpSp>
         <p:nvGrpSpPr>
-          <p:cNvPr id="605615667" name="Group 22"/>
+          <p:cNvPr id="888448805" name="Group 22"/>
           <p:cNvGrpSpPr/>
           <p:nvPr/>
         </p:nvGrpSpPr>
@@ -22102,7 +22744,7 @@
       </p:grpSpPr>
       <p:sp>
         <p:nvSpPr>
-          <p:cNvPr id="70074021" name="Title 3"/>
+          <p:cNvPr id="370427154" name="Title 3"/>
           <p:cNvSpPr>
             <a:spLocks noChangeArrowheads="1" noGrp="1"/>
           </p:cNvSpPr>
@@ -22157,7 +22799,7 @@
       </p:sp>
       <p:sp>
         <p:nvSpPr>
-          <p:cNvPr id="208701170" name="Slide Number Placeholder 17"/>
+          <p:cNvPr id="658617742" name="Slide Number Placeholder 17"/>
           <p:cNvSpPr>
             <a:spLocks noChangeArrowheads="1" noGrp="1"/>
           </p:cNvSpPr>
@@ -22202,7 +22844,7 @@
       </p:sp>
       <p:pic>
         <p:nvPicPr>
-          <p:cNvPr id="1690730948" name="Picture 8" descr="A picture containing text, clipart&#10;&#10;Description automatically generated"/>
+          <p:cNvPr id="1199210606" name="Picture 8" descr="A picture containing text, clipart&#10;&#10;Description automatically generated"/>
           <p:cNvPicPr>
             <a:picLocks noChangeAspect="1"/>
           </p:cNvPicPr>
@@ -22229,7 +22871,7 @@
       </p:pic>
       <p:sp>
         <p:nvSpPr>
-          <p:cNvPr id="1877938395" name="TextBox 1"/>
+          <p:cNvPr id="8842411" name="TextBox 1"/>
           <p:cNvSpPr/>
           <p:nvPr/>
         </p:nvSpPr>
@@ -23549,7 +24191,7 @@
       </p:sp>
       <p:sp>
         <p:nvSpPr>
-          <p:cNvPr id="451641419" name="TextBox 2"/>
+          <p:cNvPr id="1034508666" name="TextBox 2"/>
           <p:cNvSpPr/>
           <p:nvPr/>
         </p:nvSpPr>
@@ -23601,7 +24243,7 @@
       </p:sp>
       <p:sp>
         <p:nvSpPr>
-          <p:cNvPr id="980994907" name="Slide Number Placeholder 17"/>
+          <p:cNvPr id="247465806" name="Slide Number Placeholder 17"/>
           <p:cNvSpPr/>
           <p:nvPr/>
         </p:nvSpPr>
